--- a/imf_intro_chiara_felix_laxman.pptx
+++ b/imf_intro_chiara_felix_laxman.pptx
@@ -7,6 +7,10 @@
   <p:sldIdLst>
     <p:sldId id="256" r:id="rId2"/>
     <p:sldId id="257" r:id="rId3"/>
+    <p:sldId id="258" r:id="rId4"/>
+    <p:sldId id="259" r:id="rId5"/>
+    <p:sldId id="260" r:id="rId6"/>
+    <p:sldId id="261" r:id="rId7"/>
   </p:sldIdLst>
   <p:sldSz cx="12192000" cy="6858000"/>
   <p:notesSz cx="6858000" cy="9144000"/>
@@ -105,6 +109,11 @@
       </a:defRPr>
     </a:lvl9pPr>
   </p:defaultTextStyle>
+  <p:extLst>
+    <p:ext uri="{EFAFB233-063F-42B5-8137-9DF3F51BA10A}">
+      <p15:sldGuideLst xmlns:p15="http://schemas.microsoft.com/office/powerpoint/2012/main"/>
+    </p:ext>
+  </p:extLst>
 </p:presentation>
 </file>
 
@@ -2759,7 +2768,7 @@
 <file path=ppt/slideMasters/slideMaster1.xml><?xml version="1.0" encoding="utf-8"?>
 <p:sldMaster xmlns:a="http://schemas.openxmlformats.org/drawingml/2006/main" xmlns:r="http://schemas.openxmlformats.org/officeDocument/2006/relationships" xmlns:p="http://schemas.openxmlformats.org/presentationml/2006/main">
   <p:cSld>
-    <p:bg>
+    <p:bg bwMode="black">
       <p:bgRef idx="1001">
         <a:schemeClr val="bg1"/>
       </p:bgRef>
@@ -3395,7 +3404,7 @@
             <p:ph type="ctrTitle"/>
           </p:nvPr>
         </p:nvSpPr>
-        <p:spPr>
+        <p:spPr bwMode="white">
           <a:xfrm>
             <a:off x="466164" y="367553"/>
             <a:ext cx="5961529" cy="1643249"/>
@@ -3488,7 +3497,7 @@
             <p:ph type="subTitle" idx="1"/>
           </p:nvPr>
         </p:nvSpPr>
-        <p:spPr>
+        <p:spPr bwMode="white">
           <a:xfrm>
             <a:off x="385482" y="6237662"/>
             <a:ext cx="3061447" cy="476903"/>
@@ -3560,7 +3569,7 @@
             <p:ph type="title"/>
           </p:nvPr>
         </p:nvSpPr>
-        <p:spPr/>
+        <p:spPr bwMode="white"/>
         <p:txBody>
           <a:bodyPr/>
           <a:lstStyle/>
@@ -3585,12 +3594,12 @@
             <p:ph idx="1"/>
           </p:nvPr>
         </p:nvSpPr>
-        <p:spPr/>
-        <p:txBody>
-          <a:bodyPr/>
-          <a:lstStyle/>
-          <a:p>
-            <a:endParaRPr lang="de-CH"/>
+        <p:spPr bwMode="white"/>
+        <p:txBody>
+          <a:bodyPr/>
+          <a:lstStyle/>
+          <a:p>
+            <a:endParaRPr lang="de-CH" dirty="0"/>
           </a:p>
         </p:txBody>
       </p:sp>
@@ -3598,6 +3607,326 @@
     <p:extLst>
       <p:ext uri="{BB962C8B-B14F-4D97-AF65-F5344CB8AC3E}">
         <p14:creationId xmlns:p14="http://schemas.microsoft.com/office/powerpoint/2010/main" val="1421601566"/>
+      </p:ext>
+    </p:extLst>
+  </p:cSld>
+  <p:clrMapOvr>
+    <a:masterClrMapping/>
+  </p:clrMapOvr>
+</p:sld>
+</file>
+
+<file path=ppt/slides/slide3.xml><?xml version="1.0" encoding="utf-8"?>
+<p:sld xmlns:a="http://schemas.openxmlformats.org/drawingml/2006/main" xmlns:r="http://schemas.openxmlformats.org/officeDocument/2006/relationships" xmlns:p="http://schemas.openxmlformats.org/presentationml/2006/main">
+  <p:cSld>
+    <p:spTree>
+      <p:nvGrpSpPr>
+        <p:cNvPr id="1" name=""/>
+        <p:cNvGrpSpPr/>
+        <p:nvPr/>
+      </p:nvGrpSpPr>
+      <p:grpSpPr>
+        <a:xfrm>
+          <a:off x="0" y="0"/>
+          <a:ext cx="0" cy="0"/>
+          <a:chOff x="0" y="0"/>
+          <a:chExt cx="0" cy="0"/>
+        </a:xfrm>
+      </p:grpSpPr>
+      <p:sp>
+        <p:nvSpPr>
+          <p:cNvPr id="2" name="Titel 1">
+            <a:extLst>
+              <a:ext uri="{FF2B5EF4-FFF2-40B4-BE49-F238E27FC236}">
+                <a16:creationId xmlns:a16="http://schemas.microsoft.com/office/drawing/2014/main" id="{EAE123E6-5A9A-49E0-8FEC-3D3B6C69F4B4}"/>
+              </a:ext>
+            </a:extLst>
+          </p:cNvPr>
+          <p:cNvSpPr>
+            <a:spLocks noGrp="1"/>
+          </p:cNvSpPr>
+          <p:nvPr>
+            <p:ph type="title"/>
+          </p:nvPr>
+        </p:nvSpPr>
+        <p:spPr bwMode="white"/>
+        <p:txBody>
+          <a:bodyPr/>
+          <a:lstStyle/>
+          <a:p>
+            <a:endParaRPr lang="de-CH" dirty="0"/>
+          </a:p>
+        </p:txBody>
+      </p:sp>
+      <p:sp>
+        <p:nvSpPr>
+          <p:cNvPr id="3" name="Inhaltsplatzhalter 2">
+            <a:extLst>
+              <a:ext uri="{FF2B5EF4-FFF2-40B4-BE49-F238E27FC236}">
+                <a16:creationId xmlns:a16="http://schemas.microsoft.com/office/drawing/2014/main" id="{2FD44152-9814-53F2-5FFD-B5A22BC866FF}"/>
+              </a:ext>
+            </a:extLst>
+          </p:cNvPr>
+          <p:cNvSpPr>
+            <a:spLocks noGrp="1"/>
+          </p:cNvSpPr>
+          <p:nvPr>
+            <p:ph idx="1"/>
+          </p:nvPr>
+        </p:nvSpPr>
+        <p:spPr bwMode="white"/>
+        <p:txBody>
+          <a:bodyPr/>
+          <a:lstStyle/>
+          <a:p>
+            <a:endParaRPr lang="de-CH" dirty="0"/>
+          </a:p>
+        </p:txBody>
+      </p:sp>
+    </p:spTree>
+    <p:extLst>
+      <p:ext uri="{BB962C8B-B14F-4D97-AF65-F5344CB8AC3E}">
+        <p14:creationId xmlns:p14="http://schemas.microsoft.com/office/powerpoint/2010/main" val="3716351123"/>
+      </p:ext>
+    </p:extLst>
+  </p:cSld>
+  <p:clrMapOvr>
+    <a:masterClrMapping/>
+  </p:clrMapOvr>
+</p:sld>
+</file>
+
+<file path=ppt/slides/slide4.xml><?xml version="1.0" encoding="utf-8"?>
+<p:sld xmlns:a="http://schemas.openxmlformats.org/drawingml/2006/main" xmlns:r="http://schemas.openxmlformats.org/officeDocument/2006/relationships" xmlns:p="http://schemas.openxmlformats.org/presentationml/2006/main">
+  <p:cSld>
+    <p:spTree>
+      <p:nvGrpSpPr>
+        <p:cNvPr id="1" name=""/>
+        <p:cNvGrpSpPr/>
+        <p:nvPr/>
+      </p:nvGrpSpPr>
+      <p:grpSpPr>
+        <a:xfrm>
+          <a:off x="0" y="0"/>
+          <a:ext cx="0" cy="0"/>
+          <a:chOff x="0" y="0"/>
+          <a:chExt cx="0" cy="0"/>
+        </a:xfrm>
+      </p:grpSpPr>
+      <p:sp>
+        <p:nvSpPr>
+          <p:cNvPr id="2" name="Titel 1">
+            <a:extLst>
+              <a:ext uri="{FF2B5EF4-FFF2-40B4-BE49-F238E27FC236}">
+                <a16:creationId xmlns:a16="http://schemas.microsoft.com/office/drawing/2014/main" id="{E7FA0782-F74E-0308-8469-91A710BE9A78}"/>
+              </a:ext>
+            </a:extLst>
+          </p:cNvPr>
+          <p:cNvSpPr>
+            <a:spLocks noGrp="1"/>
+          </p:cNvSpPr>
+          <p:nvPr>
+            <p:ph type="title"/>
+          </p:nvPr>
+        </p:nvSpPr>
+        <p:spPr bwMode="white"/>
+        <p:txBody>
+          <a:bodyPr/>
+          <a:lstStyle/>
+          <a:p>
+            <a:endParaRPr lang="de-CH" dirty="0"/>
+          </a:p>
+        </p:txBody>
+      </p:sp>
+      <p:sp>
+        <p:nvSpPr>
+          <p:cNvPr id="3" name="Inhaltsplatzhalter 2">
+            <a:extLst>
+              <a:ext uri="{FF2B5EF4-FFF2-40B4-BE49-F238E27FC236}">
+                <a16:creationId xmlns:a16="http://schemas.microsoft.com/office/drawing/2014/main" id="{F2335B5C-8A47-2A0B-934C-A482647C9D42}"/>
+              </a:ext>
+            </a:extLst>
+          </p:cNvPr>
+          <p:cNvSpPr>
+            <a:spLocks noGrp="1"/>
+          </p:cNvSpPr>
+          <p:nvPr>
+            <p:ph idx="1"/>
+          </p:nvPr>
+        </p:nvSpPr>
+        <p:spPr bwMode="white"/>
+        <p:txBody>
+          <a:bodyPr/>
+          <a:lstStyle/>
+          <a:p>
+            <a:endParaRPr lang="de-CH" dirty="0"/>
+          </a:p>
+        </p:txBody>
+      </p:sp>
+    </p:spTree>
+    <p:extLst>
+      <p:ext uri="{BB962C8B-B14F-4D97-AF65-F5344CB8AC3E}">
+        <p14:creationId xmlns:p14="http://schemas.microsoft.com/office/powerpoint/2010/main" val="4151013859"/>
+      </p:ext>
+    </p:extLst>
+  </p:cSld>
+  <p:clrMapOvr>
+    <a:masterClrMapping/>
+  </p:clrMapOvr>
+</p:sld>
+</file>
+
+<file path=ppt/slides/slide5.xml><?xml version="1.0" encoding="utf-8"?>
+<p:sld xmlns:a="http://schemas.openxmlformats.org/drawingml/2006/main" xmlns:r="http://schemas.openxmlformats.org/officeDocument/2006/relationships" xmlns:p="http://schemas.openxmlformats.org/presentationml/2006/main">
+  <p:cSld>
+    <p:spTree>
+      <p:nvGrpSpPr>
+        <p:cNvPr id="1" name=""/>
+        <p:cNvGrpSpPr/>
+        <p:nvPr/>
+      </p:nvGrpSpPr>
+      <p:grpSpPr>
+        <a:xfrm>
+          <a:off x="0" y="0"/>
+          <a:ext cx="0" cy="0"/>
+          <a:chOff x="0" y="0"/>
+          <a:chExt cx="0" cy="0"/>
+        </a:xfrm>
+      </p:grpSpPr>
+      <p:sp>
+        <p:nvSpPr>
+          <p:cNvPr id="2" name="Titel 1">
+            <a:extLst>
+              <a:ext uri="{FF2B5EF4-FFF2-40B4-BE49-F238E27FC236}">
+                <a16:creationId xmlns:a16="http://schemas.microsoft.com/office/drawing/2014/main" id="{1C0FBE96-BC0F-246B-BEDB-85D3350CFF1D}"/>
+              </a:ext>
+            </a:extLst>
+          </p:cNvPr>
+          <p:cNvSpPr>
+            <a:spLocks noGrp="1"/>
+          </p:cNvSpPr>
+          <p:nvPr>
+            <p:ph type="title"/>
+          </p:nvPr>
+        </p:nvSpPr>
+        <p:spPr bwMode="white"/>
+        <p:txBody>
+          <a:bodyPr/>
+          <a:lstStyle/>
+          <a:p>
+            <a:endParaRPr lang="de-CH" dirty="0"/>
+          </a:p>
+        </p:txBody>
+      </p:sp>
+      <p:sp>
+        <p:nvSpPr>
+          <p:cNvPr id="3" name="Inhaltsplatzhalter 2">
+            <a:extLst>
+              <a:ext uri="{FF2B5EF4-FFF2-40B4-BE49-F238E27FC236}">
+                <a16:creationId xmlns:a16="http://schemas.microsoft.com/office/drawing/2014/main" id="{1263C8D3-477F-AC60-DF3A-3D2D1E623609}"/>
+              </a:ext>
+            </a:extLst>
+          </p:cNvPr>
+          <p:cNvSpPr>
+            <a:spLocks noGrp="1"/>
+          </p:cNvSpPr>
+          <p:nvPr>
+            <p:ph idx="1"/>
+          </p:nvPr>
+        </p:nvSpPr>
+        <p:spPr bwMode="white"/>
+        <p:txBody>
+          <a:bodyPr/>
+          <a:lstStyle/>
+          <a:p>
+            <a:endParaRPr lang="de-CH" dirty="0"/>
+          </a:p>
+        </p:txBody>
+      </p:sp>
+    </p:spTree>
+    <p:extLst>
+      <p:ext uri="{BB962C8B-B14F-4D97-AF65-F5344CB8AC3E}">
+        <p14:creationId xmlns:p14="http://schemas.microsoft.com/office/powerpoint/2010/main" val="1919129463"/>
+      </p:ext>
+    </p:extLst>
+  </p:cSld>
+  <p:clrMapOvr>
+    <a:masterClrMapping/>
+  </p:clrMapOvr>
+</p:sld>
+</file>
+
+<file path=ppt/slides/slide6.xml><?xml version="1.0" encoding="utf-8"?>
+<p:sld xmlns:a="http://schemas.openxmlformats.org/drawingml/2006/main" xmlns:r="http://schemas.openxmlformats.org/officeDocument/2006/relationships" xmlns:p="http://schemas.openxmlformats.org/presentationml/2006/main">
+  <p:cSld>
+    <p:spTree>
+      <p:nvGrpSpPr>
+        <p:cNvPr id="1" name=""/>
+        <p:cNvGrpSpPr/>
+        <p:nvPr/>
+      </p:nvGrpSpPr>
+      <p:grpSpPr>
+        <a:xfrm>
+          <a:off x="0" y="0"/>
+          <a:ext cx="0" cy="0"/>
+          <a:chOff x="0" y="0"/>
+          <a:chExt cx="0" cy="0"/>
+        </a:xfrm>
+      </p:grpSpPr>
+      <p:sp>
+        <p:nvSpPr>
+          <p:cNvPr id="2" name="Titel 1">
+            <a:extLst>
+              <a:ext uri="{FF2B5EF4-FFF2-40B4-BE49-F238E27FC236}">
+                <a16:creationId xmlns:a16="http://schemas.microsoft.com/office/drawing/2014/main" id="{A8F454CC-A375-9D9C-4B56-32EBFAC96EEE}"/>
+              </a:ext>
+            </a:extLst>
+          </p:cNvPr>
+          <p:cNvSpPr>
+            <a:spLocks noGrp="1"/>
+          </p:cNvSpPr>
+          <p:nvPr>
+            <p:ph type="title"/>
+          </p:nvPr>
+        </p:nvSpPr>
+        <p:spPr bwMode="white"/>
+        <p:txBody>
+          <a:bodyPr/>
+          <a:lstStyle/>
+          <a:p>
+            <a:endParaRPr lang="de-CH" dirty="0"/>
+          </a:p>
+        </p:txBody>
+      </p:sp>
+      <p:sp>
+        <p:nvSpPr>
+          <p:cNvPr id="3" name="Inhaltsplatzhalter 2">
+            <a:extLst>
+              <a:ext uri="{FF2B5EF4-FFF2-40B4-BE49-F238E27FC236}">
+                <a16:creationId xmlns:a16="http://schemas.microsoft.com/office/drawing/2014/main" id="{C770A835-08A1-4365-4D5E-4BE4248BF3AC}"/>
+              </a:ext>
+            </a:extLst>
+          </p:cNvPr>
+          <p:cNvSpPr>
+            <a:spLocks noGrp="1"/>
+          </p:cNvSpPr>
+          <p:nvPr>
+            <p:ph idx="1"/>
+          </p:nvPr>
+        </p:nvSpPr>
+        <p:spPr bwMode="white"/>
+        <p:txBody>
+          <a:bodyPr/>
+          <a:lstStyle/>
+          <a:p>
+            <a:endParaRPr lang="de-CH" dirty="0"/>
+          </a:p>
+        </p:txBody>
+      </p:sp>
+    </p:spTree>
+    <p:extLst>
+      <p:ext uri="{BB962C8B-B14F-4D97-AF65-F5344CB8AC3E}">
+        <p14:creationId xmlns:p14="http://schemas.microsoft.com/office/powerpoint/2010/main" val="1029863005"/>
       </p:ext>
     </p:extLst>
   </p:cSld>

--- a/imf_intro_chiara_felix_laxman.pptx
+++ b/imf_intro_chiara_felix_laxman.pptx
@@ -266,7 +266,7 @@
           <a:p>
             <a:fld id="{92B1E2D0-6736-4F9C-864B-7D41B9C1820B}" type="datetimeFigureOut">
               <a:rPr lang="de-CH" smtClean="0"/>
-              <a:t>26.10.2024</a:t>
+              <a:t>27.10.2024</a:t>
             </a:fld>
             <a:endParaRPr lang="de-CH"/>
           </a:p>
@@ -466,7 +466,7 @@
           <a:p>
             <a:fld id="{92B1E2D0-6736-4F9C-864B-7D41B9C1820B}" type="datetimeFigureOut">
               <a:rPr lang="de-CH" smtClean="0"/>
-              <a:t>26.10.2024</a:t>
+              <a:t>27.10.2024</a:t>
             </a:fld>
             <a:endParaRPr lang="de-CH"/>
           </a:p>
@@ -676,7 +676,7 @@
           <a:p>
             <a:fld id="{92B1E2D0-6736-4F9C-864B-7D41B9C1820B}" type="datetimeFigureOut">
               <a:rPr lang="de-CH" smtClean="0"/>
-              <a:t>26.10.2024</a:t>
+              <a:t>27.10.2024</a:t>
             </a:fld>
             <a:endParaRPr lang="de-CH"/>
           </a:p>
@@ -876,7 +876,7 @@
           <a:p>
             <a:fld id="{92B1E2D0-6736-4F9C-864B-7D41B9C1820B}" type="datetimeFigureOut">
               <a:rPr lang="de-CH" smtClean="0"/>
-              <a:t>26.10.2024</a:t>
+              <a:t>27.10.2024</a:t>
             </a:fld>
             <a:endParaRPr lang="de-CH"/>
           </a:p>
@@ -944,7 +944,7 @@
     </p:extLst>
   </p:cSld>
   <p:clrMapOvr>
-    <a:masterClrMapping/>
+    <a:overrideClrMapping bg1="dk1" tx1="lt1" bg2="dk2" tx2="lt2" accent1="accent1" accent2="accent2" accent3="accent3" accent4="accent4" accent5="accent5" accent6="accent6" hlink="hlink" folHlink="folHlink"/>
   </p:clrMapOvr>
 </p:sldLayout>
 </file>
@@ -1152,7 +1152,7 @@
           <a:p>
             <a:fld id="{92B1E2D0-6736-4F9C-864B-7D41B9C1820B}" type="datetimeFigureOut">
               <a:rPr lang="de-CH" smtClean="0"/>
-              <a:t>26.10.2024</a:t>
+              <a:t>27.10.2024</a:t>
             </a:fld>
             <a:endParaRPr lang="de-CH"/>
           </a:p>
@@ -1420,7 +1420,7 @@
           <a:p>
             <a:fld id="{92B1E2D0-6736-4F9C-864B-7D41B9C1820B}" type="datetimeFigureOut">
               <a:rPr lang="de-CH" smtClean="0"/>
-              <a:t>26.10.2024</a:t>
+              <a:t>27.10.2024</a:t>
             </a:fld>
             <a:endParaRPr lang="de-CH"/>
           </a:p>
@@ -1835,7 +1835,7 @@
           <a:p>
             <a:fld id="{92B1E2D0-6736-4F9C-864B-7D41B9C1820B}" type="datetimeFigureOut">
               <a:rPr lang="de-CH" smtClean="0"/>
-              <a:t>26.10.2024</a:t>
+              <a:t>27.10.2024</a:t>
             </a:fld>
             <a:endParaRPr lang="de-CH"/>
           </a:p>
@@ -1977,7 +1977,7 @@
           <a:p>
             <a:fld id="{92B1E2D0-6736-4F9C-864B-7D41B9C1820B}" type="datetimeFigureOut">
               <a:rPr lang="de-CH" smtClean="0"/>
-              <a:t>26.10.2024</a:t>
+              <a:t>27.10.2024</a:t>
             </a:fld>
             <a:endParaRPr lang="de-CH"/>
           </a:p>
@@ -2090,7 +2090,7 @@
           <a:p>
             <a:fld id="{92B1E2D0-6736-4F9C-864B-7D41B9C1820B}" type="datetimeFigureOut">
               <a:rPr lang="de-CH" smtClean="0"/>
-              <a:t>26.10.2024</a:t>
+              <a:t>27.10.2024</a:t>
             </a:fld>
             <a:endParaRPr lang="de-CH"/>
           </a:p>
@@ -2403,7 +2403,7 @@
           <a:p>
             <a:fld id="{92B1E2D0-6736-4F9C-864B-7D41B9C1820B}" type="datetimeFigureOut">
               <a:rPr lang="de-CH" smtClean="0"/>
-              <a:t>26.10.2024</a:t>
+              <a:t>27.10.2024</a:t>
             </a:fld>
             <a:endParaRPr lang="de-CH"/>
           </a:p>
@@ -2692,7 +2692,7 @@
           <a:p>
             <a:fld id="{92B1E2D0-6736-4F9C-864B-7D41B9C1820B}" type="datetimeFigureOut">
               <a:rPr lang="de-CH" smtClean="0"/>
-              <a:t>26.10.2024</a:t>
+              <a:t>27.10.2024</a:t>
             </a:fld>
             <a:endParaRPr lang="de-CH"/>
           </a:p>
@@ -2768,10 +2768,16 @@
 <file path=ppt/slideMasters/slideMaster1.xml><?xml version="1.0" encoding="utf-8"?>
 <p:sldMaster xmlns:a="http://schemas.openxmlformats.org/drawingml/2006/main" xmlns:r="http://schemas.openxmlformats.org/officeDocument/2006/relationships" xmlns:p="http://schemas.openxmlformats.org/presentationml/2006/main">
   <p:cSld>
-    <p:bg bwMode="black">
-      <p:bgRef idx="1001">
-        <a:schemeClr val="bg1"/>
-      </p:bgRef>
+    <p:bg>
+      <p:bgPr>
+        <a:solidFill>
+          <a:schemeClr val="bg1">
+            <a:lumMod val="85000"/>
+            <a:lumOff val="15000"/>
+          </a:schemeClr>
+        </a:solidFill>
+        <a:effectLst/>
+      </p:bgPr>
     </p:bg>
     <p:spTree>
       <p:nvGrpSpPr>
@@ -2935,7 +2941,7 @@
           <a:p>
             <a:fld id="{92B1E2D0-6736-4F9C-864B-7D41B9C1820B}" type="datetimeFigureOut">
               <a:rPr lang="de-CH" smtClean="0"/>
-              <a:t>26.10.2024</a:t>
+              <a:t>27.10.2024</a:t>
             </a:fld>
             <a:endParaRPr lang="de-CH"/>
           </a:p>
@@ -3407,12 +3413,12 @@
         <p:spPr bwMode="white">
           <a:xfrm>
             <a:off x="466164" y="367553"/>
-            <a:ext cx="5961529" cy="1643249"/>
+            <a:ext cx="6615954" cy="1855694"/>
           </a:xfrm>
         </p:spPr>
         <p:txBody>
           <a:bodyPr>
-            <a:normAutofit fontScale="90000"/>
+            <a:noAutofit/>
           </a:bodyPr>
           <a:lstStyle/>
           <a:p>
@@ -3499,8 +3505,8 @@
         </p:nvSpPr>
         <p:spPr bwMode="white">
           <a:xfrm>
-            <a:off x="385482" y="6237662"/>
-            <a:ext cx="3061447" cy="476903"/>
+            <a:off x="466164" y="6013544"/>
+            <a:ext cx="2846294" cy="476903"/>
           </a:xfrm>
         </p:spPr>
         <p:txBody>
@@ -3514,6 +3520,214 @@
                 </a:solidFill>
               </a:rPr>
               <a:t>Chiara, Felix, Laxman</a:t>
+            </a:r>
+            <a:endParaRPr lang="de-CH" dirty="0">
+              <a:solidFill>
+                <a:schemeClr val="bg1"/>
+              </a:solidFill>
+            </a:endParaRPr>
+          </a:p>
+        </p:txBody>
+      </p:sp>
+      <p:sp>
+        <p:nvSpPr>
+          <p:cNvPr id="9" name="Untertitel 2">
+            <a:extLst>
+              <a:ext uri="{FF2B5EF4-FFF2-40B4-BE49-F238E27FC236}">
+                <a16:creationId xmlns:a16="http://schemas.microsoft.com/office/drawing/2014/main" id="{DAC1AB8C-1C31-9F71-2613-3A0F8E4A8188}"/>
+              </a:ext>
+            </a:extLst>
+          </p:cNvPr>
+          <p:cNvSpPr txBox="1">
+            <a:spLocks/>
+          </p:cNvSpPr>
+          <p:nvPr/>
+        </p:nvSpPr>
+        <p:spPr bwMode="white">
+          <a:xfrm>
+            <a:off x="9000565" y="6013544"/>
+            <a:ext cx="2725271" cy="476903"/>
+          </a:xfrm>
+          <a:prstGeom prst="rect">
+            <a:avLst/>
+          </a:prstGeom>
+        </p:spPr>
+        <p:txBody>
+          <a:bodyPr vert="horz" lIns="91440" tIns="45720" rIns="91440" bIns="45720" rtlCol="0">
+            <a:normAutofit/>
+          </a:bodyPr>
+          <a:lstStyle>
+            <a:lvl1pPr marL="0" indent="0" algn="ctr" defTabSz="914400" rtl="0" eaLnBrk="1" latinLnBrk="0" hangingPunct="1">
+              <a:lnSpc>
+                <a:spcPct val="90000"/>
+              </a:lnSpc>
+              <a:spcBef>
+                <a:spcPts val="1000"/>
+              </a:spcBef>
+              <a:buFont typeface="Arial" panose="020B0604020202020204" pitchFamily="34" charset="0"/>
+              <a:buNone/>
+              <a:defRPr sz="2400" kern="1200">
+                <a:solidFill>
+                  <a:schemeClr val="tx1"/>
+                </a:solidFill>
+                <a:latin typeface="+mn-lt"/>
+                <a:ea typeface="+mn-ea"/>
+                <a:cs typeface="+mn-cs"/>
+              </a:defRPr>
+            </a:lvl1pPr>
+            <a:lvl2pPr marL="457200" indent="0" algn="ctr" defTabSz="914400" rtl="0" eaLnBrk="1" latinLnBrk="0" hangingPunct="1">
+              <a:lnSpc>
+                <a:spcPct val="90000"/>
+              </a:lnSpc>
+              <a:spcBef>
+                <a:spcPts val="500"/>
+              </a:spcBef>
+              <a:buFont typeface="Arial" panose="020B0604020202020204" pitchFamily="34" charset="0"/>
+              <a:buNone/>
+              <a:defRPr sz="2000" kern="1200">
+                <a:solidFill>
+                  <a:schemeClr val="tx1"/>
+                </a:solidFill>
+                <a:latin typeface="+mn-lt"/>
+                <a:ea typeface="+mn-ea"/>
+                <a:cs typeface="+mn-cs"/>
+              </a:defRPr>
+            </a:lvl2pPr>
+            <a:lvl3pPr marL="914400" indent="0" algn="ctr" defTabSz="914400" rtl="0" eaLnBrk="1" latinLnBrk="0" hangingPunct="1">
+              <a:lnSpc>
+                <a:spcPct val="90000"/>
+              </a:lnSpc>
+              <a:spcBef>
+                <a:spcPts val="500"/>
+              </a:spcBef>
+              <a:buFont typeface="Arial" panose="020B0604020202020204" pitchFamily="34" charset="0"/>
+              <a:buNone/>
+              <a:defRPr sz="1800" kern="1200">
+                <a:solidFill>
+                  <a:schemeClr val="tx1"/>
+                </a:solidFill>
+                <a:latin typeface="+mn-lt"/>
+                <a:ea typeface="+mn-ea"/>
+                <a:cs typeface="+mn-cs"/>
+              </a:defRPr>
+            </a:lvl3pPr>
+            <a:lvl4pPr marL="1371600" indent="0" algn="ctr" defTabSz="914400" rtl="0" eaLnBrk="1" latinLnBrk="0" hangingPunct="1">
+              <a:lnSpc>
+                <a:spcPct val="90000"/>
+              </a:lnSpc>
+              <a:spcBef>
+                <a:spcPts val="500"/>
+              </a:spcBef>
+              <a:buFont typeface="Arial" panose="020B0604020202020204" pitchFamily="34" charset="0"/>
+              <a:buNone/>
+              <a:defRPr sz="1600" kern="1200">
+                <a:solidFill>
+                  <a:schemeClr val="tx1"/>
+                </a:solidFill>
+                <a:latin typeface="+mn-lt"/>
+                <a:ea typeface="+mn-ea"/>
+                <a:cs typeface="+mn-cs"/>
+              </a:defRPr>
+            </a:lvl4pPr>
+            <a:lvl5pPr marL="1828800" indent="0" algn="ctr" defTabSz="914400" rtl="0" eaLnBrk="1" latinLnBrk="0" hangingPunct="1">
+              <a:lnSpc>
+                <a:spcPct val="90000"/>
+              </a:lnSpc>
+              <a:spcBef>
+                <a:spcPts val="500"/>
+              </a:spcBef>
+              <a:buFont typeface="Arial" panose="020B0604020202020204" pitchFamily="34" charset="0"/>
+              <a:buNone/>
+              <a:defRPr sz="1600" kern="1200">
+                <a:solidFill>
+                  <a:schemeClr val="tx1"/>
+                </a:solidFill>
+                <a:latin typeface="+mn-lt"/>
+                <a:ea typeface="+mn-ea"/>
+                <a:cs typeface="+mn-cs"/>
+              </a:defRPr>
+            </a:lvl5pPr>
+            <a:lvl6pPr marL="2286000" indent="0" algn="ctr" defTabSz="914400" rtl="0" eaLnBrk="1" latinLnBrk="0" hangingPunct="1">
+              <a:lnSpc>
+                <a:spcPct val="90000"/>
+              </a:lnSpc>
+              <a:spcBef>
+                <a:spcPts val="500"/>
+              </a:spcBef>
+              <a:buFont typeface="Arial" panose="020B0604020202020204" pitchFamily="34" charset="0"/>
+              <a:buNone/>
+              <a:defRPr sz="1600" kern="1200">
+                <a:solidFill>
+                  <a:schemeClr val="tx1"/>
+                </a:solidFill>
+                <a:latin typeface="+mn-lt"/>
+                <a:ea typeface="+mn-ea"/>
+                <a:cs typeface="+mn-cs"/>
+              </a:defRPr>
+            </a:lvl6pPr>
+            <a:lvl7pPr marL="2743200" indent="0" algn="ctr" defTabSz="914400" rtl="0" eaLnBrk="1" latinLnBrk="0" hangingPunct="1">
+              <a:lnSpc>
+                <a:spcPct val="90000"/>
+              </a:lnSpc>
+              <a:spcBef>
+                <a:spcPts val="500"/>
+              </a:spcBef>
+              <a:buFont typeface="Arial" panose="020B0604020202020204" pitchFamily="34" charset="0"/>
+              <a:buNone/>
+              <a:defRPr sz="1600" kern="1200">
+                <a:solidFill>
+                  <a:schemeClr val="tx1"/>
+                </a:solidFill>
+                <a:latin typeface="+mn-lt"/>
+                <a:ea typeface="+mn-ea"/>
+                <a:cs typeface="+mn-cs"/>
+              </a:defRPr>
+            </a:lvl7pPr>
+            <a:lvl8pPr marL="3200400" indent="0" algn="ctr" defTabSz="914400" rtl="0" eaLnBrk="1" latinLnBrk="0" hangingPunct="1">
+              <a:lnSpc>
+                <a:spcPct val="90000"/>
+              </a:lnSpc>
+              <a:spcBef>
+                <a:spcPts val="500"/>
+              </a:spcBef>
+              <a:buFont typeface="Arial" panose="020B0604020202020204" pitchFamily="34" charset="0"/>
+              <a:buNone/>
+              <a:defRPr sz="1600" kern="1200">
+                <a:solidFill>
+                  <a:schemeClr val="tx1"/>
+                </a:solidFill>
+                <a:latin typeface="+mn-lt"/>
+                <a:ea typeface="+mn-ea"/>
+                <a:cs typeface="+mn-cs"/>
+              </a:defRPr>
+            </a:lvl8pPr>
+            <a:lvl9pPr marL="3657600" indent="0" algn="ctr" defTabSz="914400" rtl="0" eaLnBrk="1" latinLnBrk="0" hangingPunct="1">
+              <a:lnSpc>
+                <a:spcPct val="90000"/>
+              </a:lnSpc>
+              <a:spcBef>
+                <a:spcPts val="500"/>
+              </a:spcBef>
+              <a:buFont typeface="Arial" panose="020B0604020202020204" pitchFamily="34" charset="0"/>
+              <a:buNone/>
+              <a:defRPr sz="1600" kern="1200">
+                <a:solidFill>
+                  <a:schemeClr val="tx1"/>
+                </a:solidFill>
+                <a:latin typeface="+mn-lt"/>
+                <a:ea typeface="+mn-ea"/>
+                <a:cs typeface="+mn-cs"/>
+              </a:defRPr>
+            </a:lvl9pPr>
+          </a:lstStyle>
+          <a:p>
+            <a:r>
+              <a:rPr lang="en-US" dirty="0">
+                <a:solidFill>
+                  <a:schemeClr val="bg1"/>
+                </a:solidFill>
+              </a:rPr>
+              <a:t>University of Vienna</a:t>
             </a:r>
             <a:endParaRPr lang="de-CH" dirty="0">
               <a:solidFill>
@@ -3571,10 +3785,43 @@
         </p:nvSpPr>
         <p:spPr bwMode="white"/>
         <p:txBody>
-          <a:bodyPr/>
-          <a:lstStyle/>
-          <a:p>
-            <a:endParaRPr lang="de-CH" dirty="0"/>
+          <a:bodyPr>
+            <a:normAutofit/>
+          </a:bodyPr>
+          <a:lstStyle/>
+          <a:p>
+            <a:r>
+              <a:rPr lang="de-CH" dirty="0" err="1"/>
+              <a:t>Introduction</a:t>
+            </a:r>
+            <a:r>
+              <a:rPr lang="de-CH" dirty="0"/>
+              <a:t> </a:t>
+            </a:r>
+            <a:r>
+              <a:rPr lang="de-CH" dirty="0" err="1"/>
+              <a:t>to</a:t>
+            </a:r>
+            <a:r>
+              <a:rPr lang="de-CH" dirty="0"/>
+              <a:t> </a:t>
+            </a:r>
+            <a:r>
+              <a:rPr lang="de-CH" dirty="0" err="1"/>
+              <a:t>the</a:t>
+            </a:r>
+            <a:r>
+              <a:rPr lang="de-CH" dirty="0"/>
+              <a:t> Stellar Initial Mass </a:t>
+            </a:r>
+            <a:r>
+              <a:rPr lang="de-CH" dirty="0" err="1"/>
+              <a:t>Function</a:t>
+            </a:r>
+            <a:r>
+              <a:rPr lang="de-CH" dirty="0"/>
+              <a:t> (IMF)</a:t>
+            </a:r>
           </a:p>
         </p:txBody>
       </p:sp>
@@ -3654,7 +3901,18 @@
           <a:bodyPr/>
           <a:lstStyle/>
           <a:p>
-            <a:endParaRPr lang="de-CH" dirty="0"/>
+            <a:r>
+              <a:rPr lang="de-CH" dirty="0"/>
+              <a:t>The Original Paper </a:t>
+            </a:r>
+            <a:r>
+              <a:rPr lang="de-CH" dirty="0" err="1"/>
+              <a:t>by</a:t>
+            </a:r>
+            <a:r>
+              <a:rPr lang="de-CH" dirty="0"/>
+              <a:t> Salpeter (1955)</a:t>
+            </a:r>
           </a:p>
         </p:txBody>
       </p:sp>
@@ -3734,7 +3992,22 @@
           <a:bodyPr/>
           <a:lstStyle/>
           <a:p>
-            <a:endParaRPr lang="de-CH" dirty="0"/>
+            <a:r>
+              <a:rPr lang="de-CH" dirty="0" err="1"/>
+              <a:t>Insights</a:t>
+            </a:r>
+            <a:r>
+              <a:rPr lang="de-CH" dirty="0"/>
+              <a:t> </a:t>
+            </a:r>
+            <a:r>
+              <a:rPr lang="de-CH" dirty="0" err="1"/>
+              <a:t>from</a:t>
+            </a:r>
+            <a:r>
+              <a:rPr lang="de-CH" dirty="0"/>
+              <a:t> Review Papers</a:t>
+            </a:r>
           </a:p>
         </p:txBody>
       </p:sp>
@@ -3814,7 +4087,14 @@
           <a:bodyPr/>
           <a:lstStyle/>
           <a:p>
-            <a:endParaRPr lang="de-CH" dirty="0"/>
+            <a:r>
+              <a:rPr lang="de-CH" dirty="0" err="1"/>
+              <a:t>Recent</a:t>
+            </a:r>
+            <a:r>
+              <a:rPr lang="de-CH" dirty="0"/>
+              <a:t> Studies</a:t>
+            </a:r>
           </a:p>
         </p:txBody>
       </p:sp>
@@ -3894,6 +4174,14 @@
           <a:bodyPr/>
           <a:lstStyle/>
           <a:p>
+            <a:r>
+              <a:rPr lang="de-CH" dirty="0"/>
+              <a:t>Summary and </a:t>
+            </a:r>
+            <a:r>
+              <a:rPr lang="de-CH" dirty="0" err="1"/>
+              <a:t>Conclusion</a:t>
+            </a:r>
             <a:endParaRPr lang="de-CH" dirty="0"/>
           </a:p>
         </p:txBody>

--- a/imf_intro_chiara_felix_laxman.pptx
+++ b/imf_intro_chiara_felix_laxman.pptx
@@ -266,7 +266,7 @@
           <a:p>
             <a:fld id="{92B1E2D0-6736-4F9C-864B-7D41B9C1820B}" type="datetimeFigureOut">
               <a:rPr lang="de-CH" smtClean="0"/>
-              <a:t>27.10.2024</a:t>
+              <a:t>29.10.2024</a:t>
             </a:fld>
             <a:endParaRPr lang="de-CH"/>
           </a:p>
@@ -466,7 +466,7 @@
           <a:p>
             <a:fld id="{92B1E2D0-6736-4F9C-864B-7D41B9C1820B}" type="datetimeFigureOut">
               <a:rPr lang="de-CH" smtClean="0"/>
-              <a:t>27.10.2024</a:t>
+              <a:t>29.10.2024</a:t>
             </a:fld>
             <a:endParaRPr lang="de-CH"/>
           </a:p>
@@ -676,7 +676,7 @@
           <a:p>
             <a:fld id="{92B1E2D0-6736-4F9C-864B-7D41B9C1820B}" type="datetimeFigureOut">
               <a:rPr lang="de-CH" smtClean="0"/>
-              <a:t>27.10.2024</a:t>
+              <a:t>29.10.2024</a:t>
             </a:fld>
             <a:endParaRPr lang="de-CH"/>
           </a:p>
@@ -876,7 +876,7 @@
           <a:p>
             <a:fld id="{92B1E2D0-6736-4F9C-864B-7D41B9C1820B}" type="datetimeFigureOut">
               <a:rPr lang="de-CH" smtClean="0"/>
-              <a:t>27.10.2024</a:t>
+              <a:t>29.10.2024</a:t>
             </a:fld>
             <a:endParaRPr lang="de-CH"/>
           </a:p>
@@ -1152,7 +1152,7 @@
           <a:p>
             <a:fld id="{92B1E2D0-6736-4F9C-864B-7D41B9C1820B}" type="datetimeFigureOut">
               <a:rPr lang="de-CH" smtClean="0"/>
-              <a:t>27.10.2024</a:t>
+              <a:t>29.10.2024</a:t>
             </a:fld>
             <a:endParaRPr lang="de-CH"/>
           </a:p>
@@ -1420,7 +1420,7 @@
           <a:p>
             <a:fld id="{92B1E2D0-6736-4F9C-864B-7D41B9C1820B}" type="datetimeFigureOut">
               <a:rPr lang="de-CH" smtClean="0"/>
-              <a:t>27.10.2024</a:t>
+              <a:t>29.10.2024</a:t>
             </a:fld>
             <a:endParaRPr lang="de-CH"/>
           </a:p>
@@ -1835,7 +1835,7 @@
           <a:p>
             <a:fld id="{92B1E2D0-6736-4F9C-864B-7D41B9C1820B}" type="datetimeFigureOut">
               <a:rPr lang="de-CH" smtClean="0"/>
-              <a:t>27.10.2024</a:t>
+              <a:t>29.10.2024</a:t>
             </a:fld>
             <a:endParaRPr lang="de-CH"/>
           </a:p>
@@ -1977,7 +1977,7 @@
           <a:p>
             <a:fld id="{92B1E2D0-6736-4F9C-864B-7D41B9C1820B}" type="datetimeFigureOut">
               <a:rPr lang="de-CH" smtClean="0"/>
-              <a:t>27.10.2024</a:t>
+              <a:t>29.10.2024</a:t>
             </a:fld>
             <a:endParaRPr lang="de-CH"/>
           </a:p>
@@ -2090,7 +2090,7 @@
           <a:p>
             <a:fld id="{92B1E2D0-6736-4F9C-864B-7D41B9C1820B}" type="datetimeFigureOut">
               <a:rPr lang="de-CH" smtClean="0"/>
-              <a:t>27.10.2024</a:t>
+              <a:t>29.10.2024</a:t>
             </a:fld>
             <a:endParaRPr lang="de-CH"/>
           </a:p>
@@ -2403,7 +2403,7 @@
           <a:p>
             <a:fld id="{92B1E2D0-6736-4F9C-864B-7D41B9C1820B}" type="datetimeFigureOut">
               <a:rPr lang="de-CH" smtClean="0"/>
-              <a:t>27.10.2024</a:t>
+              <a:t>29.10.2024</a:t>
             </a:fld>
             <a:endParaRPr lang="de-CH"/>
           </a:p>
@@ -2692,7 +2692,7 @@
           <a:p>
             <a:fld id="{92B1E2D0-6736-4F9C-864B-7D41B9C1820B}" type="datetimeFigureOut">
               <a:rPr lang="de-CH" smtClean="0"/>
-              <a:t>27.10.2024</a:t>
+              <a:t>29.10.2024</a:t>
             </a:fld>
             <a:endParaRPr lang="de-CH"/>
           </a:p>
@@ -2941,7 +2941,7 @@
           <a:p>
             <a:fld id="{92B1E2D0-6736-4F9C-864B-7D41B9C1820B}" type="datetimeFigureOut">
               <a:rPr lang="de-CH" smtClean="0"/>
-              <a:t>27.10.2024</a:t>
+              <a:t>29.10.2024</a:t>
             </a:fld>
             <a:endParaRPr lang="de-CH"/>
           </a:p>
@@ -3846,7 +3846,460 @@
           <a:bodyPr/>
           <a:lstStyle/>
           <a:p>
-            <a:endParaRPr lang="de-CH" dirty="0"/>
+            <a:r>
+              <a:rPr lang="de-CH" dirty="0">
+                <a:latin typeface="+mj-lt"/>
+              </a:rPr>
+              <a:t>Definition: The IMF </a:t>
+            </a:r>
+            <a:r>
+              <a:rPr lang="de-CH" dirty="0" err="1">
+                <a:latin typeface="+mj-lt"/>
+              </a:rPr>
+              <a:t>is</a:t>
+            </a:r>
+            <a:r>
+              <a:rPr lang="de-CH" dirty="0">
+                <a:latin typeface="+mj-lt"/>
+              </a:rPr>
+              <a:t> a </a:t>
+            </a:r>
+            <a:r>
+              <a:rPr lang="de-CH" dirty="0" err="1">
+                <a:latin typeface="+mj-lt"/>
+              </a:rPr>
+              <a:t>probability</a:t>
+            </a:r>
+            <a:r>
+              <a:rPr lang="de-CH" dirty="0">
+                <a:latin typeface="+mj-lt"/>
+              </a:rPr>
+              <a:t> </a:t>
+            </a:r>
+            <a:r>
+              <a:rPr lang="de-CH" dirty="0" err="1">
+                <a:latin typeface="+mj-lt"/>
+              </a:rPr>
+              <a:t>distribution</a:t>
+            </a:r>
+            <a:r>
+              <a:rPr lang="de-CH" dirty="0">
+                <a:latin typeface="+mj-lt"/>
+              </a:rPr>
+              <a:t> </a:t>
+            </a:r>
+            <a:r>
+              <a:rPr lang="de-CH" dirty="0" err="1">
+                <a:latin typeface="+mj-lt"/>
+              </a:rPr>
+              <a:t>that</a:t>
+            </a:r>
+            <a:r>
+              <a:rPr lang="de-CH" dirty="0">
+                <a:latin typeface="+mj-lt"/>
+              </a:rPr>
+              <a:t> </a:t>
+            </a:r>
+            <a:r>
+              <a:rPr lang="de-CH" dirty="0" err="1">
+                <a:latin typeface="+mj-lt"/>
+              </a:rPr>
+              <a:t>describes</a:t>
+            </a:r>
+            <a:r>
+              <a:rPr lang="de-CH" dirty="0">
+                <a:latin typeface="+mj-lt"/>
+              </a:rPr>
+              <a:t> </a:t>
+            </a:r>
+            <a:r>
+              <a:rPr lang="de-CH" dirty="0" err="1">
+                <a:latin typeface="+mj-lt"/>
+              </a:rPr>
+              <a:t>the</a:t>
+            </a:r>
+            <a:r>
+              <a:rPr lang="de-CH" dirty="0">
+                <a:latin typeface="+mj-lt"/>
+              </a:rPr>
+              <a:t> initial </a:t>
+            </a:r>
+            <a:r>
+              <a:rPr lang="de-CH" dirty="0" err="1">
+                <a:latin typeface="+mj-lt"/>
+              </a:rPr>
+              <a:t>distribution</a:t>
+            </a:r>
+            <a:r>
+              <a:rPr lang="de-CH" dirty="0">
+                <a:latin typeface="+mj-lt"/>
+              </a:rPr>
+              <a:t> </a:t>
+            </a:r>
+            <a:r>
+              <a:rPr lang="de-CH" dirty="0" err="1">
+                <a:latin typeface="+mj-lt"/>
+              </a:rPr>
+              <a:t>of</a:t>
+            </a:r>
+            <a:r>
+              <a:rPr lang="de-CH" dirty="0">
+                <a:latin typeface="+mj-lt"/>
+              </a:rPr>
+              <a:t> stellar </a:t>
+            </a:r>
+            <a:r>
+              <a:rPr lang="de-CH" dirty="0" err="1">
+                <a:latin typeface="+mj-lt"/>
+              </a:rPr>
+              <a:t>masses</a:t>
+            </a:r>
+            <a:r>
+              <a:rPr lang="de-CH" dirty="0">
+                <a:latin typeface="+mj-lt"/>
+              </a:rPr>
+              <a:t> in a star-</a:t>
+            </a:r>
+            <a:r>
+              <a:rPr lang="de-CH" dirty="0" err="1">
+                <a:latin typeface="+mj-lt"/>
+              </a:rPr>
+              <a:t>forming</a:t>
+            </a:r>
+            <a:r>
+              <a:rPr lang="de-CH" dirty="0">
+                <a:latin typeface="+mj-lt"/>
+              </a:rPr>
+              <a:t> </a:t>
+            </a:r>
+            <a:r>
+              <a:rPr lang="de-CH" dirty="0" err="1">
+                <a:latin typeface="+mj-lt"/>
+              </a:rPr>
+              <a:t>region</a:t>
+            </a:r>
+            <a:endParaRPr lang="de-CH" dirty="0">
+              <a:latin typeface="+mj-lt"/>
+            </a:endParaRPr>
+          </a:p>
+          <a:p>
+            <a:r>
+              <a:rPr lang="de-CH" dirty="0" err="1">
+                <a:latin typeface="+mj-lt"/>
+              </a:rPr>
+              <a:t>Importance</a:t>
+            </a:r>
+            <a:r>
+              <a:rPr lang="de-CH" dirty="0">
+                <a:latin typeface="+mj-lt"/>
+              </a:rPr>
+              <a:t>: </a:t>
+            </a:r>
+            <a:r>
+              <a:rPr lang="de-CH" dirty="0" err="1">
+                <a:latin typeface="+mj-lt"/>
+              </a:rPr>
+              <a:t>It</a:t>
+            </a:r>
+            <a:r>
+              <a:rPr lang="de-CH" dirty="0">
+                <a:latin typeface="+mj-lt"/>
+              </a:rPr>
+              <a:t> </a:t>
+            </a:r>
+            <a:r>
+              <a:rPr lang="de-CH" dirty="0" err="1">
+                <a:latin typeface="+mj-lt"/>
+              </a:rPr>
+              <a:t>influences</a:t>
+            </a:r>
+            <a:r>
+              <a:rPr lang="de-CH" dirty="0">
+                <a:latin typeface="+mj-lt"/>
+              </a:rPr>
+              <a:t> </a:t>
+            </a:r>
+            <a:r>
+              <a:rPr lang="de-CH" dirty="0" err="1">
+                <a:latin typeface="+mj-lt"/>
+              </a:rPr>
+              <a:t>galaxy</a:t>
+            </a:r>
+            <a:r>
+              <a:rPr lang="de-CH" dirty="0">
+                <a:latin typeface="+mj-lt"/>
+              </a:rPr>
+              <a:t> </a:t>
+            </a:r>
+            <a:r>
+              <a:rPr lang="de-CH" dirty="0" err="1">
+                <a:latin typeface="+mj-lt"/>
+              </a:rPr>
+              <a:t>evolution</a:t>
+            </a:r>
+            <a:r>
+              <a:rPr lang="de-CH" dirty="0">
+                <a:latin typeface="+mj-lt"/>
+              </a:rPr>
+              <a:t>, stellar </a:t>
+            </a:r>
+            <a:r>
+              <a:rPr lang="de-CH" dirty="0" err="1">
+                <a:latin typeface="+mj-lt"/>
+              </a:rPr>
+              <a:t>population</a:t>
+            </a:r>
+            <a:r>
+              <a:rPr lang="de-CH" dirty="0">
+                <a:latin typeface="+mj-lt"/>
+              </a:rPr>
+              <a:t> </a:t>
+            </a:r>
+            <a:r>
+              <a:rPr lang="de-CH" dirty="0" err="1">
+                <a:latin typeface="+mj-lt"/>
+              </a:rPr>
+              <a:t>synthesis</a:t>
+            </a:r>
+            <a:r>
+              <a:rPr lang="de-CH" dirty="0">
+                <a:latin typeface="+mj-lt"/>
+              </a:rPr>
+              <a:t>, and </a:t>
+            </a:r>
+            <a:r>
+              <a:rPr lang="de-CH" dirty="0" err="1">
+                <a:latin typeface="+mj-lt"/>
+              </a:rPr>
+              <a:t>chemical</a:t>
+            </a:r>
+            <a:r>
+              <a:rPr lang="de-CH" dirty="0">
+                <a:latin typeface="+mj-lt"/>
+              </a:rPr>
+              <a:t> </a:t>
+            </a:r>
+            <a:r>
+              <a:rPr lang="de-CH" dirty="0" err="1">
+                <a:latin typeface="+mj-lt"/>
+              </a:rPr>
+              <a:t>enrichment</a:t>
+            </a:r>
+            <a:r>
+              <a:rPr lang="de-CH" dirty="0">
+                <a:latin typeface="+mj-lt"/>
+              </a:rPr>
+              <a:t> </a:t>
+            </a:r>
+            <a:r>
+              <a:rPr lang="de-CH" dirty="0" err="1">
+                <a:latin typeface="+mj-lt"/>
+              </a:rPr>
+              <a:t>of</a:t>
+            </a:r>
+            <a:r>
+              <a:rPr lang="de-CH" dirty="0">
+                <a:latin typeface="+mj-lt"/>
+              </a:rPr>
+              <a:t> </a:t>
+            </a:r>
+            <a:r>
+              <a:rPr lang="de-CH" dirty="0" err="1">
+                <a:latin typeface="+mj-lt"/>
+              </a:rPr>
+              <a:t>the</a:t>
+            </a:r>
+            <a:r>
+              <a:rPr lang="de-CH" dirty="0">
+                <a:latin typeface="+mj-lt"/>
+              </a:rPr>
+              <a:t> interstellar medium (ISM)</a:t>
+            </a:r>
+          </a:p>
+          <a:p>
+            <a:pPr marL="0" indent="0">
+              <a:buNone/>
+            </a:pPr>
+            <a:r>
+              <a:rPr lang="de-CH" dirty="0">
+                <a:latin typeface="+mj-lt"/>
+              </a:rPr>
+              <a:t>Key Features: </a:t>
+            </a:r>
+          </a:p>
+          <a:p>
+            <a:pPr marL="514350" indent="-514350">
+              <a:buFont typeface="+mj-lt"/>
+              <a:buAutoNum type="arabicPeriod"/>
+            </a:pPr>
+            <a:r>
+              <a:rPr lang="de-CH" dirty="0" err="1">
+                <a:latin typeface="+mj-lt"/>
+              </a:rPr>
+              <a:t>Governs</a:t>
+            </a:r>
+            <a:r>
+              <a:rPr lang="de-CH" dirty="0">
+                <a:latin typeface="+mj-lt"/>
+              </a:rPr>
+              <a:t> stellar </a:t>
+            </a:r>
+            <a:r>
+              <a:rPr lang="de-CH" dirty="0" err="1">
+                <a:latin typeface="+mj-lt"/>
+              </a:rPr>
+              <a:t>feedback</a:t>
+            </a:r>
+            <a:r>
+              <a:rPr lang="de-CH" dirty="0">
+                <a:latin typeface="+mj-lt"/>
+              </a:rPr>
+              <a:t> in </a:t>
+            </a:r>
+            <a:r>
+              <a:rPr lang="de-CH" dirty="0" err="1">
+                <a:latin typeface="+mj-lt"/>
+              </a:rPr>
+              <a:t>galaxies</a:t>
+            </a:r>
+            <a:r>
+              <a:rPr lang="de-CH" dirty="0">
+                <a:latin typeface="+mj-lt"/>
+              </a:rPr>
+              <a:t>, </a:t>
+            </a:r>
+            <a:r>
+              <a:rPr lang="de-CH" dirty="0" err="1">
+                <a:latin typeface="+mj-lt"/>
+              </a:rPr>
+              <a:t>impacting</a:t>
+            </a:r>
+            <a:r>
+              <a:rPr lang="de-CH" dirty="0">
+                <a:latin typeface="+mj-lt"/>
+              </a:rPr>
+              <a:t> gas </a:t>
+            </a:r>
+            <a:r>
+              <a:rPr lang="de-CH" dirty="0" err="1">
+                <a:latin typeface="+mj-lt"/>
+              </a:rPr>
+              <a:t>dynamics</a:t>
+            </a:r>
+            <a:r>
+              <a:rPr lang="de-CH" dirty="0">
+                <a:latin typeface="+mj-lt"/>
+              </a:rPr>
+              <a:t> and </a:t>
+            </a:r>
+            <a:r>
+              <a:rPr lang="de-CH" dirty="0" err="1">
+                <a:latin typeface="+mj-lt"/>
+              </a:rPr>
+              <a:t>star</a:t>
+            </a:r>
+            <a:r>
+              <a:rPr lang="de-CH" dirty="0">
+                <a:latin typeface="+mj-lt"/>
+              </a:rPr>
+              <a:t> </a:t>
+            </a:r>
+            <a:r>
+              <a:rPr lang="de-CH" dirty="0" err="1">
+                <a:latin typeface="+mj-lt"/>
+              </a:rPr>
+              <a:t>formation</a:t>
+            </a:r>
+            <a:endParaRPr lang="de-CH" dirty="0">
+              <a:latin typeface="+mj-lt"/>
+            </a:endParaRPr>
+          </a:p>
+          <a:p>
+            <a:pPr marL="514350" indent="-514350">
+              <a:buFont typeface="+mj-lt"/>
+              <a:buAutoNum type="arabicPeriod"/>
+            </a:pPr>
+            <a:r>
+              <a:rPr lang="de-CH" dirty="0" err="1">
+                <a:latin typeface="+mj-lt"/>
+              </a:rPr>
+              <a:t>Used</a:t>
+            </a:r>
+            <a:r>
+              <a:rPr lang="de-CH" dirty="0">
+                <a:latin typeface="+mj-lt"/>
+              </a:rPr>
+              <a:t> in </a:t>
+            </a:r>
+            <a:r>
+              <a:rPr lang="de-CH" dirty="0" err="1">
+                <a:latin typeface="+mj-lt"/>
+              </a:rPr>
+              <a:t>models</a:t>
+            </a:r>
+            <a:r>
+              <a:rPr lang="de-CH" dirty="0">
+                <a:latin typeface="+mj-lt"/>
+              </a:rPr>
+              <a:t> </a:t>
+            </a:r>
+            <a:r>
+              <a:rPr lang="de-CH" dirty="0" err="1">
+                <a:latin typeface="+mj-lt"/>
+              </a:rPr>
+              <a:t>of</a:t>
+            </a:r>
+            <a:r>
+              <a:rPr lang="de-CH" dirty="0">
+                <a:latin typeface="+mj-lt"/>
+              </a:rPr>
+              <a:t> </a:t>
+            </a:r>
+            <a:r>
+              <a:rPr lang="de-CH" dirty="0" err="1">
+                <a:latin typeface="+mj-lt"/>
+              </a:rPr>
+              <a:t>star</a:t>
+            </a:r>
+            <a:r>
+              <a:rPr lang="de-CH" dirty="0">
+                <a:latin typeface="+mj-lt"/>
+              </a:rPr>
+              <a:t> </a:t>
+            </a:r>
+            <a:r>
+              <a:rPr lang="de-CH" dirty="0" err="1">
+                <a:latin typeface="+mj-lt"/>
+              </a:rPr>
+              <a:t>formation</a:t>
+            </a:r>
+            <a:r>
+              <a:rPr lang="de-CH" dirty="0">
+                <a:latin typeface="+mj-lt"/>
+              </a:rPr>
+              <a:t> and </a:t>
+            </a:r>
+            <a:r>
+              <a:rPr lang="de-CH" dirty="0" err="1">
+                <a:latin typeface="+mj-lt"/>
+              </a:rPr>
+              <a:t>galaxy</a:t>
+            </a:r>
+            <a:r>
+              <a:rPr lang="de-CH" dirty="0">
+                <a:latin typeface="+mj-lt"/>
+              </a:rPr>
+              <a:t> </a:t>
+            </a:r>
+            <a:r>
+              <a:rPr lang="de-CH" dirty="0" err="1">
+                <a:latin typeface="+mj-lt"/>
+              </a:rPr>
+              <a:t>evolution</a:t>
+            </a:r>
+            <a:endParaRPr lang="de-CH" dirty="0">
+              <a:latin typeface="+mj-lt"/>
+            </a:endParaRPr>
           </a:p>
         </p:txBody>
       </p:sp>
@@ -3916,31 +4369,424 @@
           </a:p>
         </p:txBody>
       </p:sp>
-      <p:sp>
-        <p:nvSpPr>
-          <p:cNvPr id="3" name="Inhaltsplatzhalter 2">
-            <a:extLst>
-              <a:ext uri="{FF2B5EF4-FFF2-40B4-BE49-F238E27FC236}">
-                <a16:creationId xmlns:a16="http://schemas.microsoft.com/office/drawing/2014/main" id="{2FD44152-9814-53F2-5FFD-B5A22BC866FF}"/>
-              </a:ext>
-            </a:extLst>
-          </p:cNvPr>
-          <p:cNvSpPr>
-            <a:spLocks noGrp="1"/>
-          </p:cNvSpPr>
-          <p:nvPr>
-            <p:ph idx="1"/>
-          </p:nvPr>
-        </p:nvSpPr>
-        <p:spPr bwMode="white"/>
-        <p:txBody>
-          <a:bodyPr/>
-          <a:lstStyle/>
-          <a:p>
-            <a:endParaRPr lang="de-CH" dirty="0"/>
-          </a:p>
-        </p:txBody>
-      </p:sp>
+      <mc:AlternateContent xmlns:mc="http://schemas.openxmlformats.org/markup-compatibility/2006">
+        <mc:Choice xmlns:a14="http://schemas.microsoft.com/office/drawing/2010/main" Requires="a14">
+          <p:sp>
+            <p:nvSpPr>
+              <p:cNvPr id="3" name="Inhaltsplatzhalter 2">
+                <a:extLst>
+                  <a:ext uri="{FF2B5EF4-FFF2-40B4-BE49-F238E27FC236}">
+                    <a16:creationId xmlns:a16="http://schemas.microsoft.com/office/drawing/2014/main" id="{2FD44152-9814-53F2-5FFD-B5A22BC866FF}"/>
+                  </a:ext>
+                </a:extLst>
+              </p:cNvPr>
+              <p:cNvSpPr>
+                <a:spLocks noGrp="1"/>
+              </p:cNvSpPr>
+              <p:nvPr>
+                <p:ph idx="1"/>
+              </p:nvPr>
+            </p:nvSpPr>
+            <p:spPr bwMode="white"/>
+            <p:txBody>
+              <a:bodyPr/>
+              <a:lstStyle/>
+              <a:p>
+                <a:r>
+                  <a:rPr lang="de-CH" dirty="0"/>
+                  <a:t>Proposed </a:t>
+                </a:r>
+                <a:r>
+                  <a:rPr lang="de-CH" dirty="0" err="1"/>
+                  <a:t>the</a:t>
+                </a:r>
+                <a:r>
+                  <a:rPr lang="de-CH" dirty="0"/>
+                  <a:t> </a:t>
+                </a:r>
+                <a:r>
+                  <a:rPr lang="de-CH" dirty="0" err="1"/>
+                  <a:t>first</a:t>
+                </a:r>
+                <a:r>
+                  <a:rPr lang="de-CH" dirty="0"/>
+                  <a:t> power-</a:t>
+                </a:r>
+                <a:r>
+                  <a:rPr lang="de-CH" dirty="0" err="1"/>
+                  <a:t>law</a:t>
+                </a:r>
+                <a:r>
+                  <a:rPr lang="de-CH" dirty="0"/>
+                  <a:t> form </a:t>
+                </a:r>
+                <a:r>
+                  <a:rPr lang="de-CH" dirty="0" err="1"/>
+                  <a:t>of</a:t>
+                </a:r>
+                <a:r>
+                  <a:rPr lang="de-CH" dirty="0"/>
+                  <a:t> </a:t>
+                </a:r>
+                <a:r>
+                  <a:rPr lang="de-CH" dirty="0" err="1"/>
+                  <a:t>the</a:t>
+                </a:r>
+                <a:r>
+                  <a:rPr lang="de-CH" dirty="0"/>
+                  <a:t> IMF </a:t>
+                </a:r>
+                <a:r>
+                  <a:rPr lang="de-CH" dirty="0" err="1"/>
+                  <a:t>with</a:t>
+                </a:r>
+                <a:r>
+                  <a:rPr lang="de-CH" dirty="0"/>
+                  <a:t> a </a:t>
+                </a:r>
+                <a:r>
+                  <a:rPr lang="de-CH" dirty="0" err="1"/>
+                  <a:t>slope</a:t>
+                </a:r>
+                <a:r>
+                  <a:rPr lang="de-CH" dirty="0"/>
+                  <a:t> </a:t>
+                </a:r>
+                <a:r>
+                  <a:rPr lang="de-CH" dirty="0" err="1"/>
+                  <a:t>of</a:t>
+                </a:r>
+                <a:r>
+                  <a:rPr lang="de-CH" dirty="0"/>
+                  <a:t> -2.35, </a:t>
+                </a:r>
+                <a:r>
+                  <a:rPr lang="de-CH" dirty="0" err="1"/>
+                  <a:t>which</a:t>
+                </a:r>
+                <a:r>
+                  <a:rPr lang="de-CH" dirty="0"/>
+                  <a:t> </a:t>
+                </a:r>
+                <a:r>
+                  <a:rPr lang="de-CH" dirty="0" err="1"/>
+                  <a:t>became</a:t>
+                </a:r>
+                <a:r>
+                  <a:rPr lang="de-CH" dirty="0"/>
+                  <a:t> </a:t>
+                </a:r>
+                <a:r>
+                  <a:rPr lang="de-CH" dirty="0" err="1"/>
+                  <a:t>fondational</a:t>
+                </a:r>
+                <a:r>
+                  <a:rPr lang="de-CH" dirty="0"/>
+                  <a:t> for </a:t>
+                </a:r>
+                <a:r>
+                  <a:rPr lang="de-CH" dirty="0" err="1"/>
+                  <a:t>studying</a:t>
+                </a:r>
+                <a:r>
+                  <a:rPr lang="de-CH" dirty="0"/>
+                  <a:t> stellar </a:t>
+                </a:r>
+                <a:r>
+                  <a:rPr lang="de-CH" dirty="0" err="1"/>
+                  <a:t>populations</a:t>
+                </a:r>
+                <a:endParaRPr lang="de-CH" dirty="0"/>
+              </a:p>
+              <a:p>
+                <a:r>
+                  <a:rPr lang="de-CH" dirty="0"/>
+                  <a:t>Salpeter </a:t>
+                </a:r>
+                <a:r>
+                  <a:rPr lang="de-CH" dirty="0" err="1"/>
+                  <a:t>Slope</a:t>
+                </a:r>
+                <a:r>
+                  <a:rPr lang="de-CH" dirty="0"/>
+                  <a:t>: </a:t>
+                </a:r>
+                <a14:m>
+                  <m:oMath xmlns:m="http://schemas.openxmlformats.org/officeDocument/2006/math">
+                    <m:r>
+                      <a:rPr lang="de-CH" i="1" dirty="0" smtClean="0">
+                        <a:latin typeface="Cambria Math" panose="02040503050406030204" pitchFamily="18" charset="0"/>
+                      </a:rPr>
+                      <m:t>𝑁</m:t>
+                    </m:r>
+                    <m:r>
+                      <a:rPr lang="de-CH" i="1" dirty="0" smtClean="0">
+                        <a:latin typeface="Cambria Math" panose="02040503050406030204" pitchFamily="18" charset="0"/>
+                      </a:rPr>
+                      <m:t>(</m:t>
+                    </m:r>
+                    <m:r>
+                      <a:rPr lang="de-CH" i="1" dirty="0" smtClean="0">
+                        <a:latin typeface="Cambria Math" panose="02040503050406030204" pitchFamily="18" charset="0"/>
+                      </a:rPr>
+                      <m:t>𝑀</m:t>
+                    </m:r>
+                    <m:r>
+                      <a:rPr lang="de-CH" i="1" dirty="0" smtClean="0">
+                        <a:latin typeface="Cambria Math" panose="02040503050406030204" pitchFamily="18" charset="0"/>
+                      </a:rPr>
+                      <m:t>) ∝ </m:t>
+                    </m:r>
+                    <m:sSup>
+                      <m:sSupPr>
+                        <m:ctrlPr>
+                          <a:rPr lang="de-CH" i="1" dirty="0" smtClean="0">
+                            <a:latin typeface="Cambria Math" panose="02040503050406030204" pitchFamily="18" charset="0"/>
+                          </a:rPr>
+                        </m:ctrlPr>
+                      </m:sSupPr>
+                      <m:e>
+                        <m:r>
+                          <a:rPr lang="de-CH" b="0" i="1" dirty="0" smtClean="0">
+                            <a:latin typeface="Cambria Math" panose="02040503050406030204" pitchFamily="18" charset="0"/>
+                          </a:rPr>
+                          <m:t>𝑀</m:t>
+                        </m:r>
+                      </m:e>
+                      <m:sup>
+                        <m:r>
+                          <a:rPr lang="de-CH" b="0" i="1" dirty="0" smtClean="0">
+                            <a:latin typeface="Cambria Math" panose="02040503050406030204" pitchFamily="18" charset="0"/>
+                          </a:rPr>
+                          <m:t>−2.35</m:t>
+                        </m:r>
+                      </m:sup>
+                    </m:sSup>
+                  </m:oMath>
+                </a14:m>
+                <a:r>
+                  <a:rPr lang="de-CH" dirty="0"/>
+                  <a:t> </a:t>
+                </a:r>
+                <a:r>
+                  <a:rPr lang="de-CH" dirty="0" err="1"/>
+                  <a:t>indicates</a:t>
+                </a:r>
+                <a:r>
+                  <a:rPr lang="de-CH" dirty="0"/>
+                  <a:t> a </a:t>
+                </a:r>
+                <a:r>
+                  <a:rPr lang="de-CH" dirty="0" err="1"/>
+                  <a:t>higher</a:t>
+                </a:r>
+                <a:r>
+                  <a:rPr lang="de-CH" dirty="0"/>
+                  <a:t> </a:t>
+                </a:r>
+                <a:r>
+                  <a:rPr lang="de-CH" dirty="0" err="1"/>
+                  <a:t>abundance</a:t>
+                </a:r>
+                <a:r>
+                  <a:rPr lang="de-CH" dirty="0"/>
+                  <a:t> </a:t>
+                </a:r>
+                <a:r>
+                  <a:rPr lang="de-CH" dirty="0" err="1"/>
+                  <a:t>of</a:t>
+                </a:r>
+                <a:r>
+                  <a:rPr lang="de-CH" dirty="0"/>
+                  <a:t> </a:t>
+                </a:r>
+                <a:r>
+                  <a:rPr lang="de-CH" dirty="0" err="1"/>
+                  <a:t>low</a:t>
+                </a:r>
+                <a:r>
+                  <a:rPr lang="de-CH" dirty="0"/>
+                  <a:t>-mass </a:t>
+                </a:r>
+                <a:r>
+                  <a:rPr lang="de-CH" dirty="0" err="1"/>
+                  <a:t>stars</a:t>
+                </a:r>
+                <a:r>
+                  <a:rPr lang="de-CH" dirty="0"/>
+                  <a:t> relative </a:t>
+                </a:r>
+                <a:r>
+                  <a:rPr lang="de-CH" dirty="0" err="1"/>
+                  <a:t>to</a:t>
+                </a:r>
+                <a:r>
+                  <a:rPr lang="de-CH" dirty="0"/>
+                  <a:t> high-mass </a:t>
+                </a:r>
+                <a:r>
+                  <a:rPr lang="de-CH" dirty="0" err="1"/>
+                  <a:t>stars</a:t>
+                </a:r>
+                <a:endParaRPr lang="de-CH" dirty="0"/>
+              </a:p>
+              <a:p>
+                <a:r>
+                  <a:rPr lang="de-CH" dirty="0" err="1"/>
+                  <a:t>Significance</a:t>
+                </a:r>
+                <a:r>
+                  <a:rPr lang="de-CH" dirty="0"/>
+                  <a:t>: Set </a:t>
+                </a:r>
+                <a:r>
+                  <a:rPr lang="de-CH" dirty="0" err="1"/>
+                  <a:t>the</a:t>
+                </a:r>
+                <a:r>
+                  <a:rPr lang="de-CH" dirty="0"/>
+                  <a:t> </a:t>
+                </a:r>
+                <a:r>
+                  <a:rPr lang="de-CH" dirty="0" err="1"/>
+                  <a:t>standard</a:t>
+                </a:r>
+                <a:r>
+                  <a:rPr lang="de-CH" dirty="0"/>
+                  <a:t> for </a:t>
+                </a:r>
+                <a:r>
+                  <a:rPr lang="de-CH" dirty="0" err="1"/>
+                  <a:t>earls</a:t>
+                </a:r>
+                <a:r>
+                  <a:rPr lang="de-CH" dirty="0"/>
+                  <a:t> IMF </a:t>
+                </a:r>
+                <a:r>
+                  <a:rPr lang="de-CH" dirty="0" err="1"/>
+                  <a:t>studies</a:t>
+                </a:r>
+                <a:r>
+                  <a:rPr lang="de-CH" dirty="0"/>
+                  <a:t>, </a:t>
+                </a:r>
+                <a:r>
+                  <a:rPr lang="de-CH" dirty="0" err="1"/>
+                  <a:t>with</a:t>
+                </a:r>
+                <a:r>
+                  <a:rPr lang="de-CH" dirty="0"/>
+                  <a:t> </a:t>
+                </a:r>
+                <a:r>
+                  <a:rPr lang="de-CH" dirty="0" err="1"/>
+                  <a:t>later</a:t>
+                </a:r>
+                <a:r>
+                  <a:rPr lang="de-CH" dirty="0"/>
+                  <a:t> </a:t>
+                </a:r>
+                <a:r>
+                  <a:rPr lang="de-CH" dirty="0" err="1"/>
+                  <a:t>work</a:t>
+                </a:r>
+                <a:r>
+                  <a:rPr lang="de-CH" dirty="0"/>
+                  <a:t> </a:t>
+                </a:r>
+                <a:r>
+                  <a:rPr lang="de-CH" dirty="0" err="1"/>
+                  <a:t>extending</a:t>
+                </a:r>
+                <a:r>
+                  <a:rPr lang="de-CH" dirty="0"/>
+                  <a:t> </a:t>
+                </a:r>
+                <a:r>
+                  <a:rPr lang="de-CH" dirty="0" err="1"/>
+                  <a:t>the</a:t>
+                </a:r>
+                <a:r>
+                  <a:rPr lang="de-CH" dirty="0"/>
+                  <a:t> </a:t>
+                </a:r>
+                <a:r>
+                  <a:rPr lang="de-CH" dirty="0" err="1"/>
+                  <a:t>model</a:t>
+                </a:r>
+                <a:r>
+                  <a:rPr lang="de-CH" dirty="0"/>
+                  <a:t> </a:t>
+                </a:r>
+                <a:r>
+                  <a:rPr lang="de-CH" dirty="0" err="1"/>
+                  <a:t>to</a:t>
+                </a:r>
+                <a:r>
+                  <a:rPr lang="de-CH" dirty="0"/>
+                  <a:t> different mass </a:t>
+                </a:r>
+                <a:r>
+                  <a:rPr lang="de-CH" dirty="0" err="1"/>
+                  <a:t>ranges</a:t>
+                </a:r>
+                <a:r>
+                  <a:rPr lang="de-CH" dirty="0"/>
+                  <a:t> and </a:t>
+                </a:r>
+                <a:r>
+                  <a:rPr lang="de-CH" dirty="0" err="1"/>
+                  <a:t>enviroments</a:t>
+                </a:r>
+                <a:endParaRPr lang="de-CH" dirty="0"/>
+              </a:p>
+              <a:p>
+                <a:endParaRPr lang="de-CH" dirty="0"/>
+              </a:p>
+            </p:txBody>
+          </p:sp>
+        </mc:Choice>
+        <mc:Fallback>
+          <p:sp>
+            <p:nvSpPr>
+              <p:cNvPr id="3" name="Inhaltsplatzhalter 2">
+                <a:extLst>
+                  <a:ext uri="{FF2B5EF4-FFF2-40B4-BE49-F238E27FC236}">
+                    <a16:creationId xmlns:a16="http://schemas.microsoft.com/office/drawing/2014/main" id="{2FD44152-9814-53F2-5FFD-B5A22BC866FF}"/>
+                  </a:ext>
+                </a:extLst>
+              </p:cNvPr>
+              <p:cNvSpPr>
+                <a:spLocks noGrp="1" noRot="1" noChangeAspect="1" noMove="1" noResize="1" noEditPoints="1" noAdjustHandles="1" noChangeArrowheads="1" noChangeShapeType="1" noTextEdit="1"/>
+              </p:cNvSpPr>
+              <p:nvPr>
+                <p:ph idx="1"/>
+              </p:nvPr>
+            </p:nvSpPr>
+            <p:spPr bwMode="white">
+              <a:blipFill>
+                <a:blip r:embed="rId2"/>
+                <a:stretch>
+                  <a:fillRect l="-1043" t="-2241"/>
+                </a:stretch>
+              </a:blipFill>
+            </p:spPr>
+            <p:txBody>
+              <a:bodyPr/>
+              <a:lstStyle/>
+              <a:p>
+                <a:r>
+                  <a:rPr lang="de-CH">
+                    <a:noFill/>
+                  </a:rPr>
+                  <a:t> </a:t>
+                </a:r>
+              </a:p>
+            </p:txBody>
+          </p:sp>
+        </mc:Fallback>
+      </mc:AlternateContent>
     </p:spTree>
     <p:extLst>
       <p:ext uri="{BB962C8B-B14F-4D97-AF65-F5344CB8AC3E}">
@@ -4032,7 +4878,419 @@
           <a:bodyPr/>
           <a:lstStyle/>
           <a:p>
+            <a:r>
+              <a:rPr lang="de-CH" dirty="0"/>
+              <a:t>IMF </a:t>
+            </a:r>
+            <a:r>
+              <a:rPr lang="de-CH" dirty="0" err="1"/>
+              <a:t>Variability</a:t>
+            </a:r>
+            <a:r>
+              <a:rPr lang="de-CH" dirty="0"/>
+              <a:t> in </a:t>
+            </a:r>
+            <a:r>
+              <a:rPr lang="de-CH" dirty="0" err="1"/>
+              <a:t>Galaxies</a:t>
+            </a:r>
+            <a:r>
+              <a:rPr lang="de-CH" dirty="0"/>
+              <a:t>: Research </a:t>
+            </a:r>
+            <a:r>
+              <a:rPr lang="de-CH" dirty="0" err="1"/>
+              <a:t>shows</a:t>
+            </a:r>
+            <a:r>
+              <a:rPr lang="de-CH" dirty="0"/>
+              <a:t> IMF </a:t>
+            </a:r>
+            <a:r>
+              <a:rPr lang="de-CH" dirty="0" err="1"/>
+              <a:t>variations</a:t>
+            </a:r>
+            <a:r>
+              <a:rPr lang="de-CH" dirty="0"/>
+              <a:t> in massive </a:t>
+            </a:r>
+            <a:r>
+              <a:rPr lang="de-CH" dirty="0" err="1"/>
+              <a:t>early</a:t>
+            </a:r>
+            <a:r>
+              <a:rPr lang="de-CH" dirty="0"/>
+              <a:t>-type </a:t>
+            </a:r>
+            <a:r>
+              <a:rPr lang="de-CH" dirty="0" err="1"/>
+              <a:t>galaxies</a:t>
+            </a:r>
+            <a:r>
+              <a:rPr lang="de-CH" dirty="0"/>
+              <a:t>, </a:t>
+            </a:r>
+            <a:r>
+              <a:rPr lang="de-CH" dirty="0" err="1"/>
+              <a:t>where</a:t>
+            </a:r>
+            <a:r>
+              <a:rPr lang="de-CH" dirty="0"/>
+              <a:t> </a:t>
+            </a:r>
+            <a:r>
+              <a:rPr lang="de-CH" dirty="0" err="1"/>
+              <a:t>it</a:t>
+            </a:r>
+            <a:r>
+              <a:rPr lang="de-CH" dirty="0"/>
+              <a:t> </a:t>
+            </a:r>
+            <a:r>
+              <a:rPr lang="de-CH" dirty="0" err="1"/>
+              <a:t>becomes</a:t>
+            </a:r>
+            <a:r>
+              <a:rPr lang="de-CH" dirty="0"/>
+              <a:t> </a:t>
+            </a:r>
+            <a:r>
+              <a:rPr lang="de-CH" dirty="0" err="1"/>
+              <a:t>steeper</a:t>
+            </a:r>
+            <a:r>
+              <a:rPr lang="de-CH" dirty="0"/>
+              <a:t>, </a:t>
+            </a:r>
+            <a:r>
+              <a:rPr lang="de-CH" dirty="0" err="1"/>
+              <a:t>suggesting</a:t>
+            </a:r>
+            <a:r>
+              <a:rPr lang="de-CH" dirty="0"/>
+              <a:t> an </a:t>
+            </a:r>
+            <a:r>
+              <a:rPr lang="de-CH" dirty="0" err="1"/>
+              <a:t>excess</a:t>
+            </a:r>
+            <a:r>
+              <a:rPr lang="de-CH" dirty="0"/>
+              <a:t> </a:t>
+            </a:r>
+            <a:r>
+              <a:rPr lang="de-CH" dirty="0" err="1"/>
+              <a:t>of</a:t>
+            </a:r>
+            <a:r>
+              <a:rPr lang="de-CH" dirty="0"/>
+              <a:t> </a:t>
+            </a:r>
+            <a:r>
+              <a:rPr lang="de-CH" dirty="0" err="1"/>
+              <a:t>low</a:t>
+            </a:r>
+            <a:r>
+              <a:rPr lang="de-CH" dirty="0"/>
+              <a:t>-mass </a:t>
+            </a:r>
+            <a:r>
+              <a:rPr lang="de-CH" dirty="0" err="1"/>
+              <a:t>stars</a:t>
+            </a:r>
+            <a:r>
+              <a:rPr lang="de-CH" dirty="0"/>
+              <a:t> (</a:t>
+            </a:r>
+            <a:r>
+              <a:rPr lang="de-CH" dirty="0" err="1"/>
+              <a:t>bottom</a:t>
+            </a:r>
+            <a:r>
+              <a:rPr lang="de-CH" dirty="0"/>
+              <a:t>-heavy IMF)</a:t>
+            </a:r>
+          </a:p>
+          <a:p>
+            <a:r>
+              <a:rPr lang="de-CH" dirty="0" err="1"/>
+              <a:t>Physical</a:t>
+            </a:r>
+            <a:r>
+              <a:rPr lang="de-CH" dirty="0"/>
+              <a:t> Origins </a:t>
+            </a:r>
+            <a:r>
+              <a:rPr lang="de-CH" dirty="0" err="1"/>
+              <a:t>of</a:t>
+            </a:r>
+            <a:r>
+              <a:rPr lang="de-CH" dirty="0"/>
+              <a:t> </a:t>
+            </a:r>
+            <a:r>
+              <a:rPr lang="de-CH" dirty="0" err="1"/>
+              <a:t>the</a:t>
+            </a:r>
+            <a:r>
+              <a:rPr lang="de-CH" dirty="0"/>
+              <a:t> IMF: </a:t>
+            </a:r>
+            <a:r>
+              <a:rPr lang="de-CH" dirty="0" err="1"/>
+              <a:t>Turbulence</a:t>
+            </a:r>
+            <a:r>
+              <a:rPr lang="de-CH" dirty="0"/>
+              <a:t>, </a:t>
+            </a:r>
+            <a:r>
+              <a:rPr lang="de-CH" dirty="0" err="1"/>
+              <a:t>magnetic</a:t>
+            </a:r>
+            <a:r>
+              <a:rPr lang="de-CH" dirty="0"/>
+              <a:t> </a:t>
+            </a:r>
+            <a:r>
+              <a:rPr lang="de-CH" dirty="0" err="1"/>
+              <a:t>fields</a:t>
+            </a:r>
+            <a:r>
+              <a:rPr lang="de-CH" dirty="0"/>
+              <a:t>, and </a:t>
+            </a:r>
+            <a:r>
+              <a:rPr lang="de-CH" dirty="0" err="1"/>
+              <a:t>gravitational</a:t>
+            </a:r>
+            <a:r>
+              <a:rPr lang="de-CH" dirty="0"/>
+              <a:t> </a:t>
+            </a:r>
+            <a:r>
+              <a:rPr lang="de-CH" dirty="0" err="1"/>
+              <a:t>instability</a:t>
+            </a:r>
+            <a:r>
+              <a:rPr lang="de-CH" dirty="0"/>
+              <a:t> in star-</a:t>
+            </a:r>
+            <a:r>
+              <a:rPr lang="de-CH" dirty="0" err="1"/>
+              <a:t>forming</a:t>
+            </a:r>
+            <a:r>
+              <a:rPr lang="de-CH" dirty="0"/>
+              <a:t> </a:t>
+            </a:r>
+            <a:r>
+              <a:rPr lang="de-CH" dirty="0" err="1"/>
+              <a:t>regions</a:t>
+            </a:r>
+            <a:r>
+              <a:rPr lang="de-CH" dirty="0"/>
+              <a:t> </a:t>
+            </a:r>
+            <a:r>
+              <a:rPr lang="de-CH" dirty="0" err="1"/>
+              <a:t>are</a:t>
+            </a:r>
+            <a:r>
+              <a:rPr lang="de-CH" dirty="0"/>
+              <a:t> </a:t>
+            </a:r>
+            <a:r>
+              <a:rPr lang="de-CH" dirty="0" err="1"/>
+              <a:t>primary</a:t>
+            </a:r>
+            <a:r>
+              <a:rPr lang="de-CH" dirty="0"/>
+              <a:t> </a:t>
+            </a:r>
+            <a:r>
+              <a:rPr lang="de-CH" dirty="0" err="1"/>
+              <a:t>factors</a:t>
+            </a:r>
+            <a:r>
+              <a:rPr lang="de-CH" dirty="0"/>
+              <a:t> </a:t>
+            </a:r>
+            <a:r>
+              <a:rPr lang="de-CH" dirty="0" err="1"/>
+              <a:t>shaping</a:t>
+            </a:r>
+            <a:r>
+              <a:rPr lang="de-CH" dirty="0"/>
+              <a:t> </a:t>
+            </a:r>
+            <a:r>
+              <a:rPr lang="de-CH" dirty="0" err="1"/>
+              <a:t>the</a:t>
+            </a:r>
+            <a:r>
+              <a:rPr lang="de-CH" dirty="0"/>
+              <a:t> IMF. These </a:t>
+            </a:r>
+            <a:r>
+              <a:rPr lang="de-CH" dirty="0" err="1"/>
+              <a:t>mechanisms</a:t>
+            </a:r>
+            <a:r>
+              <a:rPr lang="de-CH" dirty="0"/>
+              <a:t> </a:t>
+            </a:r>
+            <a:r>
+              <a:rPr lang="de-CH" dirty="0" err="1"/>
+              <a:t>help</a:t>
+            </a:r>
+            <a:r>
+              <a:rPr lang="de-CH" dirty="0"/>
+              <a:t> </a:t>
+            </a:r>
+            <a:r>
+              <a:rPr lang="de-CH" dirty="0" err="1"/>
+              <a:t>explain</a:t>
+            </a:r>
+            <a:r>
+              <a:rPr lang="de-CH" dirty="0"/>
+              <a:t> </a:t>
+            </a:r>
+            <a:r>
+              <a:rPr lang="de-CH" dirty="0" err="1"/>
+              <a:t>the</a:t>
+            </a:r>
+            <a:r>
+              <a:rPr lang="de-CH" dirty="0"/>
+              <a:t> universal power-</a:t>
+            </a:r>
+            <a:r>
+              <a:rPr lang="de-CH" dirty="0" err="1"/>
+              <a:t>law</a:t>
+            </a:r>
+            <a:r>
+              <a:rPr lang="de-CH" dirty="0"/>
+              <a:t> </a:t>
+            </a:r>
+            <a:r>
+              <a:rPr lang="de-CH" dirty="0" err="1"/>
+              <a:t>tail</a:t>
+            </a:r>
+            <a:r>
+              <a:rPr lang="de-CH" dirty="0"/>
+              <a:t> for high-mass </a:t>
+            </a:r>
+            <a:r>
+              <a:rPr lang="de-CH" dirty="0" err="1"/>
+              <a:t>stars</a:t>
+            </a:r>
             <a:endParaRPr lang="de-CH" dirty="0"/>
+          </a:p>
+          <a:p>
+            <a:r>
+              <a:rPr lang="de-CH" dirty="0" err="1"/>
+              <a:t>Enviromental</a:t>
+            </a:r>
+            <a:r>
+              <a:rPr lang="de-CH" dirty="0"/>
+              <a:t> </a:t>
+            </a:r>
+            <a:r>
+              <a:rPr lang="de-CH" dirty="0" err="1"/>
+              <a:t>Dependence</a:t>
+            </a:r>
+            <a:r>
+              <a:rPr lang="de-CH" dirty="0"/>
+              <a:t>: The </a:t>
+            </a:r>
+            <a:r>
+              <a:rPr lang="de-CH" dirty="0" err="1"/>
+              <a:t>IMF’s</a:t>
+            </a:r>
+            <a:r>
+              <a:rPr lang="de-CH" dirty="0"/>
+              <a:t> </a:t>
+            </a:r>
+            <a:r>
+              <a:rPr lang="de-CH" dirty="0" err="1"/>
+              <a:t>shape</a:t>
+            </a:r>
+            <a:r>
+              <a:rPr lang="de-CH" dirty="0"/>
+              <a:t> </a:t>
+            </a:r>
+            <a:r>
+              <a:rPr lang="de-CH" dirty="0" err="1"/>
+              <a:t>can</a:t>
+            </a:r>
+            <a:r>
+              <a:rPr lang="de-CH" dirty="0"/>
+              <a:t> </a:t>
+            </a:r>
+            <a:r>
+              <a:rPr lang="de-CH" dirty="0" err="1"/>
+              <a:t>vary</a:t>
+            </a:r>
+            <a:r>
+              <a:rPr lang="de-CH" dirty="0"/>
+              <a:t> </a:t>
+            </a:r>
+            <a:r>
+              <a:rPr lang="de-CH" dirty="0" err="1"/>
+              <a:t>based</a:t>
+            </a:r>
+            <a:r>
+              <a:rPr lang="de-CH" dirty="0"/>
+              <a:t> on </a:t>
+            </a:r>
+            <a:r>
+              <a:rPr lang="de-CH" dirty="0" err="1"/>
+              <a:t>enviromental</a:t>
+            </a:r>
+            <a:r>
+              <a:rPr lang="de-CH" dirty="0"/>
+              <a:t> </a:t>
+            </a:r>
+            <a:r>
+              <a:rPr lang="de-CH" dirty="0" err="1"/>
+              <a:t>conditions</a:t>
+            </a:r>
+            <a:r>
+              <a:rPr lang="de-CH" dirty="0"/>
+              <a:t> like </a:t>
+            </a:r>
+            <a:r>
+              <a:rPr lang="de-CH" dirty="0" err="1"/>
+              <a:t>temperature</a:t>
+            </a:r>
+            <a:r>
+              <a:rPr lang="de-CH" dirty="0"/>
+              <a:t> and </a:t>
+            </a:r>
+            <a:r>
+              <a:rPr lang="de-CH" dirty="0" err="1"/>
+              <a:t>density</a:t>
+            </a:r>
+            <a:r>
+              <a:rPr lang="de-CH" dirty="0"/>
+              <a:t> in star-</a:t>
+            </a:r>
+            <a:r>
+              <a:rPr lang="de-CH" dirty="0" err="1"/>
+              <a:t>forming</a:t>
+            </a:r>
+            <a:r>
+              <a:rPr lang="de-CH" dirty="0"/>
+              <a:t> </a:t>
+            </a:r>
+            <a:r>
+              <a:rPr lang="de-CH" dirty="0" err="1"/>
+              <a:t>regions</a:t>
+            </a:r>
+            <a:r>
+              <a:rPr lang="de-CH" dirty="0"/>
+              <a:t>.</a:t>
+            </a:r>
           </a:p>
         </p:txBody>
       </p:sp>
@@ -4119,7 +5377,482 @@
           <a:bodyPr/>
           <a:lstStyle/>
           <a:p>
-            <a:endParaRPr lang="de-CH" dirty="0"/>
+            <a:r>
+              <a:rPr lang="de-CH" dirty="0"/>
+              <a:t>IMF in </a:t>
+            </a:r>
+            <a:r>
+              <a:rPr lang="de-CH" dirty="0" err="1"/>
+              <a:t>Local</a:t>
+            </a:r>
+            <a:r>
+              <a:rPr lang="de-CH" dirty="0"/>
+              <a:t> Clusters: With </a:t>
+            </a:r>
+            <a:r>
+              <a:rPr lang="de-CH" dirty="0" err="1"/>
+              <a:t>new</a:t>
+            </a:r>
+            <a:r>
+              <a:rPr lang="de-CH" dirty="0"/>
+              <a:t> </a:t>
+            </a:r>
+            <a:r>
+              <a:rPr lang="de-CH" dirty="0" err="1"/>
+              <a:t>instruments</a:t>
+            </a:r>
+            <a:r>
+              <a:rPr lang="de-CH" dirty="0"/>
+              <a:t> like MICADO on </a:t>
+            </a:r>
+            <a:r>
+              <a:rPr lang="de-CH" dirty="0" err="1"/>
+              <a:t>the</a:t>
+            </a:r>
+            <a:r>
+              <a:rPr lang="de-CH" dirty="0"/>
+              <a:t> ELT, </a:t>
+            </a:r>
+            <a:r>
+              <a:rPr lang="de-CH" dirty="0" err="1"/>
+              <a:t>studies</a:t>
+            </a:r>
+            <a:r>
+              <a:rPr lang="de-CH" dirty="0"/>
+              <a:t> </a:t>
+            </a:r>
+            <a:r>
+              <a:rPr lang="de-CH" dirty="0" err="1"/>
+              <a:t>aim</a:t>
+            </a:r>
+            <a:r>
+              <a:rPr lang="de-CH" dirty="0"/>
+              <a:t> </a:t>
+            </a:r>
+            <a:r>
+              <a:rPr lang="de-CH" dirty="0" err="1"/>
+              <a:t>to</a:t>
+            </a:r>
+            <a:r>
+              <a:rPr lang="de-CH" dirty="0"/>
+              <a:t> </a:t>
+            </a:r>
+            <a:r>
+              <a:rPr lang="de-CH" dirty="0" err="1"/>
+              <a:t>resolve</a:t>
+            </a:r>
+            <a:r>
+              <a:rPr lang="de-CH" dirty="0"/>
+              <a:t> </a:t>
+            </a:r>
+            <a:r>
+              <a:rPr lang="de-CH" dirty="0" err="1"/>
+              <a:t>dense</a:t>
+            </a:r>
+            <a:r>
+              <a:rPr lang="de-CH" dirty="0"/>
+              <a:t> </a:t>
+            </a:r>
+            <a:r>
+              <a:rPr lang="de-CH" dirty="0" err="1"/>
+              <a:t>young</a:t>
+            </a:r>
+            <a:r>
+              <a:rPr lang="de-CH" dirty="0"/>
+              <a:t> stellar </a:t>
+            </a:r>
+            <a:r>
+              <a:rPr lang="de-CH" dirty="0" err="1"/>
+              <a:t>clusters</a:t>
+            </a:r>
+            <a:r>
+              <a:rPr lang="de-CH" dirty="0"/>
+              <a:t>, </a:t>
+            </a:r>
+            <a:r>
+              <a:rPr lang="de-CH" dirty="0" err="1"/>
+              <a:t>allowing</a:t>
+            </a:r>
+            <a:r>
+              <a:rPr lang="de-CH" dirty="0"/>
+              <a:t> </a:t>
+            </a:r>
+            <a:r>
+              <a:rPr lang="de-CH" dirty="0" err="1"/>
+              <a:t>more</a:t>
+            </a:r>
+            <a:r>
+              <a:rPr lang="de-CH" dirty="0"/>
+              <a:t> </a:t>
+            </a:r>
+            <a:r>
+              <a:rPr lang="de-CH" dirty="0" err="1"/>
+              <a:t>precise</a:t>
+            </a:r>
+            <a:r>
+              <a:rPr lang="de-CH" dirty="0"/>
+              <a:t> IMF </a:t>
+            </a:r>
+            <a:r>
+              <a:rPr lang="de-CH" dirty="0" err="1"/>
+              <a:t>measurements</a:t>
+            </a:r>
+            <a:r>
+              <a:rPr lang="de-CH" dirty="0"/>
+              <a:t> </a:t>
+            </a:r>
+            <a:r>
+              <a:rPr lang="de-CH" dirty="0" err="1"/>
+              <a:t>across</a:t>
+            </a:r>
+            <a:r>
+              <a:rPr lang="de-CH" dirty="0"/>
+              <a:t> </a:t>
+            </a:r>
+            <a:r>
+              <a:rPr lang="de-CH" dirty="0" err="1"/>
+              <a:t>the</a:t>
+            </a:r>
+            <a:r>
+              <a:rPr lang="de-CH" dirty="0"/>
+              <a:t> </a:t>
+            </a:r>
+            <a:r>
+              <a:rPr lang="de-CH" dirty="0" err="1"/>
+              <a:t>local</a:t>
+            </a:r>
+            <a:r>
+              <a:rPr lang="de-CH" dirty="0"/>
+              <a:t> </a:t>
+            </a:r>
+            <a:r>
+              <a:rPr lang="de-CH" dirty="0" err="1"/>
+              <a:t>universe</a:t>
+            </a:r>
+            <a:r>
+              <a:rPr lang="de-CH" dirty="0"/>
+              <a:t>.</a:t>
+            </a:r>
+          </a:p>
+          <a:p>
+            <a:r>
+              <a:rPr lang="de-CH" dirty="0"/>
+              <a:t>Mass Segregation in Star Clusters: </a:t>
+            </a:r>
+            <a:r>
+              <a:rPr lang="de-CH" dirty="0" err="1"/>
+              <a:t>Recent</a:t>
+            </a:r>
+            <a:r>
+              <a:rPr lang="de-CH" dirty="0"/>
+              <a:t> </a:t>
+            </a:r>
+            <a:r>
+              <a:rPr lang="de-CH" dirty="0" err="1"/>
+              <a:t>work</a:t>
+            </a:r>
+            <a:r>
+              <a:rPr lang="de-CH" dirty="0"/>
+              <a:t> </a:t>
+            </a:r>
+            <a:r>
+              <a:rPr lang="de-CH" dirty="0" err="1"/>
+              <a:t>explores</a:t>
+            </a:r>
+            <a:r>
+              <a:rPr lang="de-CH" dirty="0"/>
+              <a:t> </a:t>
+            </a:r>
+            <a:r>
+              <a:rPr lang="de-CH" dirty="0" err="1"/>
+              <a:t>whether</a:t>
+            </a:r>
+            <a:r>
+              <a:rPr lang="de-CH" dirty="0"/>
+              <a:t> </a:t>
+            </a:r>
+            <a:r>
+              <a:rPr lang="de-CH" dirty="0" err="1"/>
+              <a:t>star</a:t>
+            </a:r>
+            <a:r>
+              <a:rPr lang="de-CH" dirty="0"/>
+              <a:t> </a:t>
+            </a:r>
+            <a:r>
+              <a:rPr lang="de-CH" dirty="0" err="1"/>
+              <a:t>clusters</a:t>
+            </a:r>
+            <a:r>
+              <a:rPr lang="de-CH" dirty="0"/>
+              <a:t> form </a:t>
+            </a:r>
+            <a:r>
+              <a:rPr lang="de-CH" dirty="0" err="1"/>
+              <a:t>with</a:t>
+            </a:r>
+            <a:r>
+              <a:rPr lang="de-CH" dirty="0"/>
+              <a:t> mass </a:t>
+            </a:r>
+            <a:r>
+              <a:rPr lang="de-CH" dirty="0" err="1"/>
+              <a:t>segregation</a:t>
+            </a:r>
+            <a:r>
+              <a:rPr lang="de-CH" dirty="0"/>
+              <a:t>, </a:t>
+            </a:r>
+            <a:r>
+              <a:rPr lang="de-CH" dirty="0" err="1"/>
+              <a:t>where</a:t>
+            </a:r>
+            <a:r>
+              <a:rPr lang="de-CH" dirty="0"/>
+              <a:t> </a:t>
+            </a:r>
+            <a:r>
+              <a:rPr lang="de-CH" dirty="0" err="1"/>
+              <a:t>more</a:t>
+            </a:r>
+            <a:r>
+              <a:rPr lang="de-CH" dirty="0"/>
+              <a:t> massive </a:t>
+            </a:r>
+            <a:r>
+              <a:rPr lang="de-CH" dirty="0" err="1"/>
+              <a:t>stars</a:t>
+            </a:r>
+            <a:r>
+              <a:rPr lang="de-CH" dirty="0"/>
+              <a:t> </a:t>
+            </a:r>
+            <a:r>
+              <a:rPr lang="de-CH" dirty="0" err="1"/>
+              <a:t>concentrate</a:t>
+            </a:r>
+            <a:r>
+              <a:rPr lang="de-CH" dirty="0"/>
+              <a:t> at </a:t>
+            </a:r>
+            <a:r>
+              <a:rPr lang="de-CH" dirty="0" err="1"/>
+              <a:t>the</a:t>
+            </a:r>
+            <a:r>
+              <a:rPr lang="de-CH" dirty="0"/>
+              <a:t> </a:t>
+            </a:r>
+            <a:r>
+              <a:rPr lang="de-CH" dirty="0" err="1"/>
+              <a:t>center</a:t>
+            </a:r>
+            <a:r>
+              <a:rPr lang="de-CH" dirty="0"/>
+              <a:t>. This </a:t>
+            </a:r>
+            <a:r>
+              <a:rPr lang="de-CH" dirty="0" err="1"/>
+              <a:t>phenomenon</a:t>
+            </a:r>
+            <a:r>
+              <a:rPr lang="de-CH" dirty="0"/>
+              <a:t> </a:t>
+            </a:r>
+            <a:r>
+              <a:rPr lang="de-CH" dirty="0" err="1"/>
+              <a:t>has</a:t>
+            </a:r>
+            <a:r>
+              <a:rPr lang="de-CH" dirty="0"/>
+              <a:t> </a:t>
+            </a:r>
+            <a:r>
+              <a:rPr lang="de-CH" dirty="0" err="1"/>
+              <a:t>implications</a:t>
+            </a:r>
+            <a:r>
+              <a:rPr lang="de-CH" dirty="0"/>
+              <a:t> for </a:t>
+            </a:r>
+            <a:r>
+              <a:rPr lang="de-CH" dirty="0" err="1"/>
+              <a:t>cluster</a:t>
+            </a:r>
+            <a:r>
+              <a:rPr lang="de-CH" dirty="0"/>
+              <a:t> </a:t>
+            </a:r>
+            <a:r>
+              <a:rPr lang="de-CH" dirty="0" err="1"/>
+              <a:t>evolution</a:t>
+            </a:r>
+            <a:r>
+              <a:rPr lang="de-CH" dirty="0"/>
+              <a:t> and IMF </a:t>
+            </a:r>
+            <a:r>
+              <a:rPr lang="de-CH" dirty="0" err="1"/>
+              <a:t>observations</a:t>
+            </a:r>
+            <a:r>
+              <a:rPr lang="de-CH" dirty="0"/>
+              <a:t>.</a:t>
+            </a:r>
+          </a:p>
+          <a:p>
+            <a:r>
+              <a:rPr lang="de-CH" dirty="0" err="1"/>
+              <a:t>Advances</a:t>
+            </a:r>
+            <a:r>
+              <a:rPr lang="de-CH" dirty="0"/>
+              <a:t> in IMF Theory: </a:t>
+            </a:r>
+            <a:r>
+              <a:rPr lang="de-CH" dirty="0" err="1"/>
+              <a:t>Latest</a:t>
+            </a:r>
+            <a:r>
+              <a:rPr lang="de-CH" dirty="0"/>
+              <a:t> </a:t>
+            </a:r>
+            <a:r>
+              <a:rPr lang="de-CH" dirty="0" err="1"/>
+              <a:t>models</a:t>
+            </a:r>
+            <a:r>
+              <a:rPr lang="de-CH" dirty="0"/>
+              <a:t> </a:t>
+            </a:r>
+            <a:r>
+              <a:rPr lang="de-CH" dirty="0" err="1"/>
+              <a:t>suggest</a:t>
+            </a:r>
+            <a:r>
+              <a:rPr lang="de-CH" dirty="0"/>
+              <a:t> </a:t>
+            </a:r>
+            <a:r>
+              <a:rPr lang="de-CH" dirty="0" err="1"/>
+              <a:t>that</a:t>
+            </a:r>
+            <a:r>
+              <a:rPr lang="de-CH" dirty="0"/>
+              <a:t> </a:t>
+            </a:r>
+            <a:r>
+              <a:rPr lang="de-CH" dirty="0" err="1"/>
+              <a:t>the</a:t>
+            </a:r>
+            <a:r>
+              <a:rPr lang="de-CH" dirty="0"/>
+              <a:t> IMF </a:t>
+            </a:r>
+            <a:r>
+              <a:rPr lang="de-CH" dirty="0" err="1"/>
+              <a:t>may</a:t>
+            </a:r>
+            <a:r>
+              <a:rPr lang="de-CH" dirty="0"/>
+              <a:t> </a:t>
+            </a:r>
+            <a:r>
+              <a:rPr lang="de-CH" dirty="0" err="1"/>
+              <a:t>be</a:t>
+            </a:r>
+            <a:r>
+              <a:rPr lang="de-CH" dirty="0"/>
+              <a:t> a </a:t>
+            </a:r>
+            <a:r>
+              <a:rPr lang="de-CH" dirty="0" err="1"/>
+              <a:t>statistical</a:t>
+            </a:r>
+            <a:r>
+              <a:rPr lang="de-CH" dirty="0"/>
+              <a:t> </a:t>
+            </a:r>
+            <a:r>
+              <a:rPr lang="de-CH" dirty="0" err="1"/>
+              <a:t>distribution</a:t>
+            </a:r>
+            <a:r>
+              <a:rPr lang="de-CH" dirty="0"/>
+              <a:t> </a:t>
+            </a:r>
+            <a:r>
+              <a:rPr lang="de-CH" dirty="0" err="1"/>
+              <a:t>influenced</a:t>
+            </a:r>
+            <a:r>
+              <a:rPr lang="de-CH" dirty="0"/>
+              <a:t> </a:t>
+            </a:r>
+            <a:r>
+              <a:rPr lang="de-CH" dirty="0" err="1"/>
+              <a:t>by</a:t>
+            </a:r>
+            <a:r>
+              <a:rPr lang="de-CH" dirty="0"/>
+              <a:t> initial star-</a:t>
+            </a:r>
+            <a:r>
+              <a:rPr lang="de-CH" dirty="0" err="1"/>
+              <a:t>forming</a:t>
+            </a:r>
+            <a:r>
+              <a:rPr lang="de-CH" dirty="0"/>
+              <a:t> </a:t>
+            </a:r>
+            <a:r>
+              <a:rPr lang="de-CH" dirty="0" err="1"/>
+              <a:t>conditions</a:t>
+            </a:r>
+            <a:r>
+              <a:rPr lang="de-CH" dirty="0"/>
+              <a:t>, </a:t>
+            </a:r>
+            <a:r>
+              <a:rPr lang="de-CH" dirty="0" err="1"/>
+              <a:t>potentially</a:t>
+            </a:r>
+            <a:r>
+              <a:rPr lang="de-CH" dirty="0"/>
+              <a:t> </a:t>
+            </a:r>
+            <a:r>
+              <a:rPr lang="de-CH" dirty="0" err="1"/>
+              <a:t>varying</a:t>
+            </a:r>
+            <a:r>
+              <a:rPr lang="de-CH" dirty="0"/>
+              <a:t> </a:t>
+            </a:r>
+            <a:r>
+              <a:rPr lang="de-CH" dirty="0" err="1"/>
+              <a:t>with</a:t>
+            </a:r>
+            <a:r>
+              <a:rPr lang="de-CH" dirty="0"/>
+              <a:t> </a:t>
+            </a:r>
+            <a:r>
+              <a:rPr lang="de-CH" dirty="0" err="1"/>
+              <a:t>galaxy-wide</a:t>
+            </a:r>
+            <a:r>
+              <a:rPr lang="de-CH" dirty="0"/>
+              <a:t> </a:t>
+            </a:r>
+            <a:r>
+              <a:rPr lang="de-CH" dirty="0" err="1"/>
+              <a:t>properties</a:t>
+            </a:r>
+            <a:r>
+              <a:rPr lang="de-CH" dirty="0"/>
+              <a:t>.</a:t>
+            </a:r>
           </a:p>
         </p:txBody>
       </p:sp>
@@ -4207,7 +5940,381 @@
           <a:bodyPr/>
           <a:lstStyle/>
           <a:p>
+            <a:r>
+              <a:rPr lang="de-CH" dirty="0"/>
+              <a:t>The IMF </a:t>
+            </a:r>
+            <a:r>
+              <a:rPr lang="de-CH" dirty="0" err="1"/>
+              <a:t>is</a:t>
+            </a:r>
+            <a:r>
+              <a:rPr lang="de-CH" dirty="0"/>
+              <a:t> fundamental </a:t>
+            </a:r>
+            <a:r>
+              <a:rPr lang="de-CH" dirty="0" err="1"/>
+              <a:t>to</a:t>
+            </a:r>
+            <a:r>
+              <a:rPr lang="de-CH" dirty="0"/>
+              <a:t> </a:t>
+            </a:r>
+            <a:r>
+              <a:rPr lang="de-CH" dirty="0" err="1"/>
+              <a:t>understand</a:t>
+            </a:r>
+            <a:r>
+              <a:rPr lang="de-CH" dirty="0"/>
+              <a:t> stellar and </a:t>
+            </a:r>
+            <a:r>
+              <a:rPr lang="de-CH" dirty="0" err="1"/>
+              <a:t>galactic</a:t>
+            </a:r>
+            <a:r>
+              <a:rPr lang="de-CH" dirty="0"/>
+              <a:t> </a:t>
+            </a:r>
+            <a:r>
+              <a:rPr lang="de-CH" dirty="0" err="1"/>
+              <a:t>evolution</a:t>
+            </a:r>
             <a:endParaRPr lang="de-CH" dirty="0"/>
+          </a:p>
+          <a:p>
+            <a:r>
+              <a:rPr lang="de-CH" dirty="0" err="1"/>
+              <a:t>Salpeter’s</a:t>
+            </a:r>
+            <a:r>
+              <a:rPr lang="de-CH" dirty="0"/>
+              <a:t> </a:t>
+            </a:r>
+            <a:r>
+              <a:rPr lang="de-CH" dirty="0" err="1"/>
+              <a:t>work</a:t>
+            </a:r>
+            <a:r>
+              <a:rPr lang="de-CH" dirty="0"/>
+              <a:t> </a:t>
+            </a:r>
+            <a:r>
+              <a:rPr lang="de-CH" dirty="0" err="1"/>
+              <a:t>laid</a:t>
+            </a:r>
+            <a:r>
+              <a:rPr lang="de-CH" dirty="0"/>
+              <a:t> </a:t>
+            </a:r>
+            <a:r>
+              <a:rPr lang="de-CH" dirty="0" err="1"/>
+              <a:t>the</a:t>
+            </a:r>
+            <a:r>
+              <a:rPr lang="de-CH" dirty="0"/>
+              <a:t> </a:t>
+            </a:r>
+            <a:r>
+              <a:rPr lang="de-CH" dirty="0" err="1"/>
+              <a:t>foundation</a:t>
+            </a:r>
+            <a:r>
+              <a:rPr lang="de-CH" dirty="0"/>
+              <a:t>, </a:t>
+            </a:r>
+            <a:r>
+              <a:rPr lang="de-CH" dirty="0" err="1"/>
+              <a:t>with</a:t>
+            </a:r>
+            <a:r>
+              <a:rPr lang="de-CH" dirty="0"/>
+              <a:t> subsequent </a:t>
+            </a:r>
+            <a:r>
+              <a:rPr lang="de-CH" dirty="0" err="1"/>
+              <a:t>studies</a:t>
+            </a:r>
+            <a:r>
+              <a:rPr lang="de-CH" dirty="0"/>
+              <a:t> </a:t>
+            </a:r>
+            <a:r>
+              <a:rPr lang="de-CH" dirty="0" err="1"/>
+              <a:t>revealing</a:t>
+            </a:r>
+            <a:r>
+              <a:rPr lang="de-CH" dirty="0"/>
+              <a:t> environmental </a:t>
+            </a:r>
+            <a:r>
+              <a:rPr lang="de-CH" dirty="0" err="1"/>
+              <a:t>influences</a:t>
+            </a:r>
+            <a:r>
+              <a:rPr lang="de-CH" dirty="0"/>
+              <a:t> and </a:t>
+            </a:r>
+            <a:r>
+              <a:rPr lang="de-CH" dirty="0" err="1"/>
+              <a:t>variations</a:t>
+            </a:r>
+            <a:r>
+              <a:rPr lang="de-CH" dirty="0"/>
+              <a:t> </a:t>
+            </a:r>
+            <a:r>
+              <a:rPr lang="de-CH" dirty="0" err="1"/>
+              <a:t>across</a:t>
+            </a:r>
+            <a:r>
+              <a:rPr lang="de-CH" dirty="0"/>
+              <a:t> </a:t>
+            </a:r>
+            <a:r>
+              <a:rPr lang="de-CH" dirty="0" err="1"/>
+              <a:t>galaxies</a:t>
+            </a:r>
+            <a:r>
+              <a:rPr lang="de-CH" dirty="0"/>
+              <a:t>.</a:t>
+            </a:r>
+          </a:p>
+          <a:p>
+            <a:r>
+              <a:rPr lang="de-CH" dirty="0"/>
+              <a:t>Modern </a:t>
+            </a:r>
+            <a:r>
+              <a:rPr lang="de-CH" dirty="0" err="1"/>
+              <a:t>studies</a:t>
+            </a:r>
+            <a:r>
+              <a:rPr lang="de-CH" dirty="0"/>
+              <a:t> </a:t>
+            </a:r>
+            <a:r>
+              <a:rPr lang="de-CH" dirty="0" err="1"/>
+              <a:t>focus</a:t>
+            </a:r>
+            <a:r>
+              <a:rPr lang="de-CH" dirty="0"/>
+              <a:t> on </a:t>
+            </a:r>
+            <a:r>
+              <a:rPr lang="de-CH" dirty="0" err="1"/>
+              <a:t>refining</a:t>
+            </a:r>
+            <a:r>
+              <a:rPr lang="de-CH" dirty="0"/>
+              <a:t> IMF </a:t>
+            </a:r>
+            <a:r>
+              <a:rPr lang="de-CH" dirty="0" err="1"/>
+              <a:t>observations</a:t>
+            </a:r>
+            <a:r>
+              <a:rPr lang="de-CH" dirty="0"/>
+              <a:t> in different </a:t>
+            </a:r>
+            <a:r>
+              <a:rPr lang="de-CH" dirty="0" err="1"/>
+              <a:t>environments</a:t>
+            </a:r>
+            <a:r>
+              <a:rPr lang="de-CH" dirty="0"/>
+              <a:t> and </a:t>
+            </a:r>
+            <a:r>
+              <a:rPr lang="de-CH" dirty="0" err="1"/>
+              <a:t>understanding</a:t>
+            </a:r>
+            <a:r>
+              <a:rPr lang="de-CH" dirty="0"/>
+              <a:t> ist </a:t>
+            </a:r>
+            <a:r>
+              <a:rPr lang="de-CH" dirty="0" err="1"/>
+              <a:t>theoretical</a:t>
+            </a:r>
+            <a:r>
+              <a:rPr lang="de-CH" dirty="0"/>
+              <a:t> </a:t>
+            </a:r>
+            <a:r>
+              <a:rPr lang="de-CH" dirty="0" err="1"/>
+              <a:t>underpinnings</a:t>
+            </a:r>
+            <a:r>
+              <a:rPr lang="de-CH" dirty="0"/>
+              <a:t>.</a:t>
+            </a:r>
+          </a:p>
+          <a:p>
+            <a:pPr marL="0" indent="0">
+              <a:buNone/>
+            </a:pPr>
+            <a:r>
+              <a:rPr lang="de-CH" dirty="0"/>
+              <a:t>Future </a:t>
+            </a:r>
+            <a:r>
+              <a:rPr lang="de-CH" dirty="0" err="1"/>
+              <a:t>Directions</a:t>
+            </a:r>
+            <a:r>
+              <a:rPr lang="de-CH" dirty="0"/>
+              <a:t>:</a:t>
+            </a:r>
+          </a:p>
+          <a:p>
+            <a:pPr marL="0" indent="0">
+              <a:buNone/>
+            </a:pPr>
+            <a:r>
+              <a:rPr lang="de-CH" dirty="0" err="1"/>
+              <a:t>Upcoming</a:t>
+            </a:r>
+            <a:r>
+              <a:rPr lang="de-CH" dirty="0"/>
+              <a:t> </a:t>
+            </a:r>
+            <a:r>
+              <a:rPr lang="de-CH" dirty="0" err="1"/>
+              <a:t>instruments</a:t>
+            </a:r>
+            <a:r>
+              <a:rPr lang="de-CH" dirty="0"/>
+              <a:t> and </a:t>
+            </a:r>
+            <a:r>
+              <a:rPr lang="de-CH" dirty="0" err="1"/>
+              <a:t>simulations</a:t>
+            </a:r>
+            <a:r>
+              <a:rPr lang="de-CH" dirty="0"/>
+              <a:t> will </a:t>
+            </a:r>
+            <a:r>
+              <a:rPr lang="de-CH" dirty="0" err="1"/>
+              <a:t>continue</a:t>
+            </a:r>
+            <a:r>
+              <a:rPr lang="de-CH" dirty="0"/>
+              <a:t> </a:t>
+            </a:r>
+            <a:r>
+              <a:rPr lang="de-CH" dirty="0" err="1"/>
+              <a:t>to</a:t>
+            </a:r>
+            <a:r>
+              <a:rPr lang="de-CH" dirty="0"/>
+              <a:t> </a:t>
+            </a:r>
+            <a:r>
+              <a:rPr lang="de-CH" dirty="0" err="1"/>
+              <a:t>test</a:t>
+            </a:r>
+            <a:r>
+              <a:rPr lang="de-CH" dirty="0"/>
+              <a:t> </a:t>
+            </a:r>
+            <a:r>
+              <a:rPr lang="de-CH" dirty="0" err="1"/>
+              <a:t>the</a:t>
+            </a:r>
+            <a:r>
+              <a:rPr lang="de-CH" dirty="0"/>
+              <a:t> </a:t>
+            </a:r>
+            <a:r>
+              <a:rPr lang="de-CH" dirty="0" err="1"/>
+              <a:t>universality</a:t>
+            </a:r>
+            <a:r>
+              <a:rPr lang="de-CH" dirty="0"/>
+              <a:t> </a:t>
+            </a:r>
+            <a:r>
+              <a:rPr lang="de-CH" dirty="0" err="1"/>
+              <a:t>of</a:t>
+            </a:r>
+            <a:r>
+              <a:rPr lang="de-CH" dirty="0"/>
+              <a:t> </a:t>
+            </a:r>
+            <a:r>
+              <a:rPr lang="de-CH" dirty="0" err="1"/>
+              <a:t>the</a:t>
+            </a:r>
+            <a:r>
+              <a:rPr lang="de-CH" dirty="0"/>
+              <a:t> IMF and </a:t>
+            </a:r>
+            <a:r>
+              <a:rPr lang="de-CH" dirty="0" err="1"/>
+              <a:t>refine</a:t>
+            </a:r>
+            <a:r>
+              <a:rPr lang="de-CH" dirty="0"/>
+              <a:t> </a:t>
+            </a:r>
+            <a:r>
+              <a:rPr lang="de-CH" dirty="0" err="1"/>
+              <a:t>our</a:t>
+            </a:r>
+            <a:r>
+              <a:rPr lang="de-CH" dirty="0"/>
+              <a:t> </a:t>
+            </a:r>
+            <a:r>
+              <a:rPr lang="de-CH" dirty="0" err="1"/>
+              <a:t>understanding</a:t>
+            </a:r>
+            <a:r>
+              <a:rPr lang="de-CH" dirty="0"/>
+              <a:t> </a:t>
+            </a:r>
+            <a:r>
+              <a:rPr lang="de-CH" dirty="0" err="1"/>
+              <a:t>of</a:t>
+            </a:r>
+            <a:r>
+              <a:rPr lang="de-CH" dirty="0"/>
+              <a:t> </a:t>
+            </a:r>
+            <a:r>
+              <a:rPr lang="de-CH" dirty="0" err="1"/>
+              <a:t>star</a:t>
+            </a:r>
+            <a:r>
+              <a:rPr lang="de-CH" dirty="0"/>
+              <a:t> </a:t>
+            </a:r>
+            <a:r>
+              <a:rPr lang="de-CH" dirty="0" err="1"/>
+              <a:t>formation</a:t>
+            </a:r>
+            <a:r>
+              <a:rPr lang="de-CH" dirty="0"/>
+              <a:t> on different </a:t>
+            </a:r>
+            <a:r>
+              <a:rPr lang="de-CH" dirty="0" err="1"/>
+              <a:t>cosmic</a:t>
+            </a:r>
+            <a:r>
+              <a:rPr lang="de-CH" dirty="0"/>
+              <a:t> </a:t>
+            </a:r>
+            <a:r>
+              <a:rPr lang="de-CH" dirty="0" err="1"/>
+              <a:t>scales</a:t>
+            </a:r>
+            <a:r>
+              <a:rPr lang="de-CH" dirty="0"/>
+              <a:t>.</a:t>
+            </a:r>
           </a:p>
         </p:txBody>
       </p:sp>

--- a/imf_intro_chiara_felix_laxman.pptx
+++ b/imf_intro_chiara_felix_laxman.pptx
@@ -115,6 +115,18 @@
     </p:ext>
   </p:extLst>
 </p:presentation>
+</file>
+
+<file path=ppt/commentAuthors.xml><?xml version="1.0" encoding="utf-8"?>
+<p:cmAuthorLst xmlns:a="http://schemas.openxmlformats.org/drawingml/2006/main" xmlns:r="http://schemas.openxmlformats.org/officeDocument/2006/relationships" xmlns:p="http://schemas.openxmlformats.org/presentationml/2006/main">
+  <p:cmAuthor id="1" name="Laxman Kanagartnam" initials="LK" lastIdx="1" clrIdx="0">
+    <p:extLst>
+      <p:ext uri="{19B8F6BF-5375-455C-9EA6-DF929625EA0E}">
+        <p15:presenceInfo xmlns:p15="http://schemas.microsoft.com/office/powerpoint/2012/main" userId="464bc8be8f0ce3b9" providerId="Windows Live"/>
+      </p:ext>
+    </p:extLst>
+  </p:cmAuthor>
+</p:cmAuthorLst>
 </file>
 
 <file path=ppt/slideLayouts/slideLayout1.xml><?xml version="1.0" encoding="utf-8"?>
@@ -3791,28 +3803,8 @@
           <a:lstStyle/>
           <a:p>
             <a:r>
-              <a:rPr lang="de-CH" dirty="0" err="1"/>
-              <a:t>Introduction</a:t>
-            </a:r>
-            <a:r>
               <a:rPr lang="de-CH" dirty="0"/>
-              <a:t> </a:t>
-            </a:r>
-            <a:r>
-              <a:rPr lang="de-CH" dirty="0" err="1"/>
-              <a:t>to</a:t>
-            </a:r>
-            <a:r>
-              <a:rPr lang="de-CH" dirty="0"/>
-              <a:t> </a:t>
-            </a:r>
-            <a:r>
-              <a:rPr lang="de-CH" dirty="0" err="1"/>
-              <a:t>the</a:t>
-            </a:r>
-            <a:r>
-              <a:rPr lang="de-CH" dirty="0"/>
-              <a:t> Stellar Initial Mass </a:t>
+              <a:t>The Stellar Initial Mass </a:t>
             </a:r>
             <a:r>
               <a:rPr lang="de-CH" dirty="0" err="1"/>
@@ -3841,64 +3833,64 @@
             <p:ph idx="1"/>
           </p:nvPr>
         </p:nvSpPr>
-        <p:spPr bwMode="white"/>
-        <p:txBody>
-          <a:bodyPr/>
+        <p:spPr bwMode="white">
+          <a:xfrm>
+            <a:off x="838200" y="1825625"/>
+            <a:ext cx="10515600" cy="4667250"/>
+          </a:xfrm>
+        </p:spPr>
+        <p:txBody>
+          <a:bodyPr>
+            <a:noAutofit/>
+          </a:bodyPr>
           <a:lstStyle/>
           <a:p>
             <a:r>
-              <a:rPr lang="de-CH" dirty="0">
-                <a:latin typeface="+mj-lt"/>
-              </a:rPr>
-              <a:t>Definition: The IMF </a:t>
-            </a:r>
-            <a:r>
-              <a:rPr lang="de-CH" dirty="0" err="1">
+              <a:rPr lang="de-CH" b="1" dirty="0" err="1">
+                <a:latin typeface="+mj-lt"/>
+              </a:rPr>
+              <a:t>What</a:t>
+            </a:r>
+            <a:r>
+              <a:rPr lang="de-CH" b="1" dirty="0">
+                <a:latin typeface="+mj-lt"/>
+              </a:rPr>
+              <a:t> </a:t>
+            </a:r>
+            <a:r>
+              <a:rPr lang="de-CH" b="1" dirty="0" err="1">
                 <a:latin typeface="+mj-lt"/>
               </a:rPr>
               <a:t>is</a:t>
             </a:r>
             <a:r>
-              <a:rPr lang="de-CH" dirty="0">
-                <a:latin typeface="+mj-lt"/>
-              </a:rPr>
-              <a:t> a </a:t>
-            </a:r>
-            <a:r>
-              <a:rPr lang="de-CH" dirty="0" err="1">
-                <a:latin typeface="+mj-lt"/>
-              </a:rPr>
-              <a:t>probability</a:t>
-            </a:r>
-            <a:r>
-              <a:rPr lang="de-CH" dirty="0">
-                <a:latin typeface="+mj-lt"/>
-              </a:rPr>
-              <a:t> </a:t>
-            </a:r>
-            <a:r>
-              <a:rPr lang="de-CH" dirty="0" err="1">
-                <a:latin typeface="+mj-lt"/>
-              </a:rPr>
-              <a:t>distribution</a:t>
-            </a:r>
-            <a:r>
-              <a:rPr lang="de-CH" dirty="0">
-                <a:latin typeface="+mj-lt"/>
-              </a:rPr>
-              <a:t> </a:t>
-            </a:r>
-            <a:r>
-              <a:rPr lang="de-CH" dirty="0" err="1">
-                <a:latin typeface="+mj-lt"/>
-              </a:rPr>
-              <a:t>that</a:t>
-            </a:r>
-            <a:r>
-              <a:rPr lang="de-CH" dirty="0">
-                <a:latin typeface="+mj-lt"/>
-              </a:rPr>
-              <a:t> </a:t>
+              <a:rPr lang="de-CH" b="1" dirty="0">
+                <a:latin typeface="+mj-lt"/>
+              </a:rPr>
+              <a:t> </a:t>
+            </a:r>
+            <a:r>
+              <a:rPr lang="de-CH" b="1" dirty="0" err="1">
+                <a:latin typeface="+mj-lt"/>
+              </a:rPr>
+              <a:t>the</a:t>
+            </a:r>
+            <a:r>
+              <a:rPr lang="de-CH" b="1" dirty="0">
+                <a:latin typeface="+mj-lt"/>
+              </a:rPr>
+              <a:t> IMF?</a:t>
+            </a:r>
+          </a:p>
+          <a:p>
+            <a:pPr marL="0" indent="0">
+              <a:buNone/>
+            </a:pPr>
+            <a:r>
+              <a:rPr lang="de-CH" dirty="0">
+                <a:latin typeface="+mj-lt"/>
+              </a:rPr>
+              <a:t>The IMF </a:t>
             </a:r>
             <a:r>
               <a:rPr lang="de-CH" dirty="0" err="1">
@@ -3916,19 +3908,429 @@
               <a:rPr lang="de-CH" dirty="0" err="1">
                 <a:latin typeface="+mj-lt"/>
               </a:rPr>
+              <a:t>how</a:t>
+            </a:r>
+            <a:r>
+              <a:rPr lang="de-CH" dirty="0">
+                <a:latin typeface="+mj-lt"/>
+              </a:rPr>
+              <a:t> </a:t>
+            </a:r>
+            <a:r>
+              <a:rPr lang="de-CH" dirty="0" err="1">
+                <a:latin typeface="+mj-lt"/>
+              </a:rPr>
+              <a:t>many</a:t>
+            </a:r>
+            <a:r>
+              <a:rPr lang="de-CH" dirty="0">
+                <a:latin typeface="+mj-lt"/>
+              </a:rPr>
+              <a:t> </a:t>
+            </a:r>
+            <a:r>
+              <a:rPr lang="de-CH" dirty="0" err="1">
+                <a:latin typeface="+mj-lt"/>
+              </a:rPr>
+              <a:t>stars</a:t>
+            </a:r>
+            <a:r>
+              <a:rPr lang="de-CH" dirty="0">
+                <a:latin typeface="+mj-lt"/>
+              </a:rPr>
+              <a:t> </a:t>
+            </a:r>
+            <a:r>
+              <a:rPr lang="de-CH" dirty="0" err="1">
+                <a:latin typeface="+mj-lt"/>
+              </a:rPr>
+              <a:t>of</a:t>
+            </a:r>
+            <a:r>
+              <a:rPr lang="de-CH" dirty="0">
+                <a:latin typeface="+mj-lt"/>
+              </a:rPr>
+              <a:t> </a:t>
+            </a:r>
+            <a:r>
+              <a:rPr lang="de-CH" dirty="0" err="1">
+                <a:latin typeface="+mj-lt"/>
+              </a:rPr>
+              <a:t>each</a:t>
+            </a:r>
+            <a:r>
+              <a:rPr lang="de-CH" dirty="0">
+                <a:latin typeface="+mj-lt"/>
+              </a:rPr>
+              <a:t> mass form in a </a:t>
+            </a:r>
+            <a:r>
+              <a:rPr lang="de-CH" dirty="0" err="1">
+                <a:latin typeface="+mj-lt"/>
+              </a:rPr>
+              <a:t>star</a:t>
+            </a:r>
+            <a:r>
+              <a:rPr lang="de-CH" dirty="0">
+                <a:latin typeface="+mj-lt"/>
+              </a:rPr>
+              <a:t> </a:t>
+            </a:r>
+            <a:r>
+              <a:rPr lang="de-CH" dirty="0" err="1">
+                <a:latin typeface="+mj-lt"/>
+              </a:rPr>
+              <a:t>cluster</a:t>
+            </a:r>
+            <a:r>
+              <a:rPr lang="de-CH" dirty="0">
+                <a:latin typeface="+mj-lt"/>
+              </a:rPr>
+              <a:t>.</a:t>
+            </a:r>
+          </a:p>
+          <a:p>
+            <a:r>
+              <a:rPr lang="de-CH" b="1" dirty="0" err="1">
+                <a:latin typeface="+mj-lt"/>
+              </a:rPr>
+              <a:t>Why</a:t>
+            </a:r>
+            <a:r>
+              <a:rPr lang="de-CH" b="1" dirty="0">
+                <a:latin typeface="+mj-lt"/>
+              </a:rPr>
+              <a:t> </a:t>
+            </a:r>
+            <a:r>
+              <a:rPr lang="de-CH" b="1" dirty="0" err="1">
+                <a:latin typeface="+mj-lt"/>
+              </a:rPr>
+              <a:t>is</a:t>
+            </a:r>
+            <a:r>
+              <a:rPr lang="de-CH" b="1" dirty="0">
+                <a:latin typeface="+mj-lt"/>
+              </a:rPr>
+              <a:t> </a:t>
+            </a:r>
+            <a:r>
+              <a:rPr lang="de-CH" b="1" dirty="0" err="1">
+                <a:latin typeface="+mj-lt"/>
+              </a:rPr>
+              <a:t>it</a:t>
+            </a:r>
+            <a:r>
+              <a:rPr lang="de-CH" b="1" dirty="0">
+                <a:latin typeface="+mj-lt"/>
+              </a:rPr>
+              <a:t> </a:t>
+            </a:r>
+            <a:r>
+              <a:rPr lang="de-CH" b="1" dirty="0" err="1">
+                <a:latin typeface="+mj-lt"/>
+              </a:rPr>
+              <a:t>important</a:t>
+            </a:r>
+            <a:r>
+              <a:rPr lang="de-CH" b="1" dirty="0">
+                <a:latin typeface="+mj-lt"/>
+              </a:rPr>
+              <a:t>?</a:t>
+            </a:r>
+          </a:p>
+          <a:p>
+            <a:pPr marL="0" indent="0">
+              <a:buNone/>
+            </a:pPr>
+            <a:r>
+              <a:rPr lang="de-CH" dirty="0" err="1">
+                <a:latin typeface="+mj-lt"/>
+              </a:rPr>
+              <a:t>It</a:t>
+            </a:r>
+            <a:r>
+              <a:rPr lang="de-CH" dirty="0">
+                <a:latin typeface="+mj-lt"/>
+              </a:rPr>
+              <a:t> </a:t>
+            </a:r>
+            <a:r>
+              <a:rPr lang="de-CH" dirty="0" err="1">
+                <a:latin typeface="+mj-lt"/>
+              </a:rPr>
+              <a:t>tells</a:t>
+            </a:r>
+            <a:r>
+              <a:rPr lang="de-CH" dirty="0">
+                <a:latin typeface="+mj-lt"/>
+              </a:rPr>
+              <a:t> </a:t>
+            </a:r>
+            <a:r>
+              <a:rPr lang="de-CH" dirty="0" err="1">
+                <a:latin typeface="+mj-lt"/>
+              </a:rPr>
+              <a:t>us</a:t>
+            </a:r>
+            <a:r>
+              <a:rPr lang="de-CH" dirty="0">
+                <a:latin typeface="+mj-lt"/>
+              </a:rPr>
+              <a:t> </a:t>
+            </a:r>
+            <a:r>
+              <a:rPr lang="de-CH" dirty="0" err="1">
+                <a:latin typeface="+mj-lt"/>
+              </a:rPr>
+              <a:t>about</a:t>
+            </a:r>
+            <a:r>
+              <a:rPr lang="de-CH" dirty="0">
+                <a:latin typeface="+mj-lt"/>
+              </a:rPr>
+              <a:t> </a:t>
+            </a:r>
+            <a:r>
+              <a:rPr lang="de-CH" dirty="0" err="1">
+                <a:latin typeface="+mj-lt"/>
+              </a:rPr>
+              <a:t>star</a:t>
+            </a:r>
+            <a:r>
+              <a:rPr lang="de-CH" dirty="0">
+                <a:latin typeface="+mj-lt"/>
+              </a:rPr>
+              <a:t> </a:t>
+            </a:r>
+            <a:r>
+              <a:rPr lang="de-CH" dirty="0" err="1">
+                <a:latin typeface="+mj-lt"/>
+              </a:rPr>
+              <a:t>formation</a:t>
+            </a:r>
+            <a:r>
+              <a:rPr lang="de-CH" dirty="0">
+                <a:latin typeface="+mj-lt"/>
+              </a:rPr>
+              <a:t>, </a:t>
+            </a:r>
+            <a:r>
+              <a:rPr lang="de-CH" dirty="0" err="1">
+                <a:latin typeface="+mj-lt"/>
+              </a:rPr>
+              <a:t>galaxy</a:t>
+            </a:r>
+            <a:r>
+              <a:rPr lang="de-CH" dirty="0">
+                <a:latin typeface="+mj-lt"/>
+              </a:rPr>
+              <a:t> </a:t>
+            </a:r>
+            <a:r>
+              <a:rPr lang="de-CH" dirty="0" err="1">
+                <a:latin typeface="+mj-lt"/>
+              </a:rPr>
+              <a:t>evolution</a:t>
+            </a:r>
+            <a:r>
+              <a:rPr lang="de-CH" dirty="0">
+                <a:latin typeface="+mj-lt"/>
+              </a:rPr>
+              <a:t>, and </a:t>
+            </a:r>
+            <a:r>
+              <a:rPr lang="de-CH" dirty="0" err="1">
+                <a:latin typeface="+mj-lt"/>
+              </a:rPr>
               <a:t>the</a:t>
             </a:r>
             <a:r>
               <a:rPr lang="de-CH" dirty="0">
                 <a:latin typeface="+mj-lt"/>
               </a:rPr>
-              <a:t> initial </a:t>
-            </a:r>
-            <a:r>
-              <a:rPr lang="de-CH" dirty="0" err="1">
-                <a:latin typeface="+mj-lt"/>
-              </a:rPr>
-              <a:t>distribution</a:t>
+              <a:t> </a:t>
+            </a:r>
+            <a:r>
+              <a:rPr lang="de-CH" dirty="0" err="1">
+                <a:latin typeface="+mj-lt"/>
+              </a:rPr>
+              <a:t>chemical</a:t>
+            </a:r>
+            <a:r>
+              <a:rPr lang="de-CH" dirty="0">
+                <a:latin typeface="+mj-lt"/>
+              </a:rPr>
+              <a:t> </a:t>
+            </a:r>
+            <a:r>
+              <a:rPr lang="de-CH" dirty="0" err="1">
+                <a:latin typeface="+mj-lt"/>
+              </a:rPr>
+              <a:t>elements</a:t>
+            </a:r>
+            <a:r>
+              <a:rPr lang="de-CH" dirty="0">
+                <a:latin typeface="+mj-lt"/>
+              </a:rPr>
+              <a:t> in </a:t>
+            </a:r>
+            <a:r>
+              <a:rPr lang="de-CH" dirty="0" err="1">
+                <a:latin typeface="+mj-lt"/>
+              </a:rPr>
+              <a:t>the</a:t>
+            </a:r>
+            <a:r>
+              <a:rPr lang="de-CH" dirty="0">
+                <a:latin typeface="+mj-lt"/>
+              </a:rPr>
+              <a:t> </a:t>
+            </a:r>
+            <a:r>
+              <a:rPr lang="de-CH" dirty="0" err="1">
+                <a:latin typeface="+mj-lt"/>
+              </a:rPr>
+              <a:t>universe</a:t>
+            </a:r>
+            <a:r>
+              <a:rPr lang="de-CH" dirty="0">
+                <a:latin typeface="+mj-lt"/>
+              </a:rPr>
+              <a:t> [1,3].</a:t>
+            </a:r>
+          </a:p>
+          <a:p>
+            <a:r>
+              <a:rPr lang="de-CH" b="1" dirty="0" err="1">
+                <a:latin typeface="+mj-lt"/>
+              </a:rPr>
+              <a:t>How</a:t>
+            </a:r>
+            <a:r>
+              <a:rPr lang="de-CH" b="1" dirty="0">
+                <a:latin typeface="+mj-lt"/>
+              </a:rPr>
+              <a:t> </a:t>
+            </a:r>
+            <a:r>
+              <a:rPr lang="de-CH" b="1" dirty="0" err="1">
+                <a:latin typeface="+mj-lt"/>
+              </a:rPr>
+              <a:t>is</a:t>
+            </a:r>
+            <a:r>
+              <a:rPr lang="de-CH" b="1" dirty="0">
+                <a:latin typeface="+mj-lt"/>
+              </a:rPr>
+              <a:t> </a:t>
+            </a:r>
+            <a:r>
+              <a:rPr lang="de-CH" b="1" dirty="0" err="1">
+                <a:latin typeface="+mj-lt"/>
+              </a:rPr>
+              <a:t>it</a:t>
+            </a:r>
+            <a:r>
+              <a:rPr lang="de-CH" b="1" dirty="0">
+                <a:latin typeface="+mj-lt"/>
+              </a:rPr>
+              <a:t> </a:t>
+            </a:r>
+            <a:r>
+              <a:rPr lang="de-CH" b="1" dirty="0" err="1">
+                <a:latin typeface="+mj-lt"/>
+              </a:rPr>
+              <a:t>used</a:t>
+            </a:r>
+            <a:r>
+              <a:rPr lang="de-CH" b="1" dirty="0">
+                <a:latin typeface="+mj-lt"/>
+              </a:rPr>
+              <a:t>?</a:t>
+            </a:r>
+          </a:p>
+          <a:p>
+            <a:pPr marL="0" indent="0">
+              <a:buNone/>
+            </a:pPr>
+            <a:r>
+              <a:rPr lang="de-CH" dirty="0" err="1">
+                <a:latin typeface="+mj-lt"/>
+              </a:rPr>
+              <a:t>Scientists</a:t>
+            </a:r>
+            <a:r>
+              <a:rPr lang="de-CH" dirty="0">
+                <a:latin typeface="+mj-lt"/>
+              </a:rPr>
+              <a:t> </a:t>
+            </a:r>
+            <a:r>
+              <a:rPr lang="de-CH" dirty="0" err="1">
+                <a:latin typeface="+mj-lt"/>
+              </a:rPr>
+              <a:t>use</a:t>
+            </a:r>
+            <a:r>
+              <a:rPr lang="de-CH" dirty="0">
+                <a:latin typeface="+mj-lt"/>
+              </a:rPr>
+              <a:t> </a:t>
+            </a:r>
+            <a:r>
+              <a:rPr lang="de-CH" dirty="0" err="1">
+                <a:latin typeface="+mj-lt"/>
+              </a:rPr>
+              <a:t>it</a:t>
+            </a:r>
+            <a:r>
+              <a:rPr lang="de-CH" dirty="0">
+                <a:latin typeface="+mj-lt"/>
+              </a:rPr>
+              <a:t> </a:t>
+            </a:r>
+            <a:r>
+              <a:rPr lang="de-CH" dirty="0" err="1">
+                <a:latin typeface="+mj-lt"/>
+              </a:rPr>
+              <a:t>to</a:t>
+            </a:r>
+            <a:r>
+              <a:rPr lang="de-CH" dirty="0">
+                <a:latin typeface="+mj-lt"/>
+              </a:rPr>
+              <a:t> </a:t>
+            </a:r>
+            <a:r>
+              <a:rPr lang="de-CH" dirty="0" err="1">
+                <a:latin typeface="+mj-lt"/>
+              </a:rPr>
+              <a:t>estimate</a:t>
+            </a:r>
+            <a:r>
+              <a:rPr lang="de-CH" dirty="0">
+                <a:latin typeface="+mj-lt"/>
+              </a:rPr>
+              <a:t> </a:t>
+            </a:r>
+            <a:r>
+              <a:rPr lang="de-CH" dirty="0" err="1">
+                <a:latin typeface="+mj-lt"/>
+              </a:rPr>
+              <a:t>the</a:t>
+            </a:r>
+            <a:r>
+              <a:rPr lang="de-CH" dirty="0">
+                <a:latin typeface="+mj-lt"/>
+              </a:rPr>
+              <a:t> </a:t>
+            </a:r>
+            <a:r>
+              <a:rPr lang="de-CH" dirty="0" err="1">
+                <a:latin typeface="+mj-lt"/>
+              </a:rPr>
+              <a:t>masses</a:t>
             </a:r>
             <a:r>
               <a:rPr lang="de-CH" dirty="0">
@@ -3946,161 +4348,6 @@
               <a:rPr lang="de-CH" dirty="0">
                 <a:latin typeface="+mj-lt"/>
               </a:rPr>
-              <a:t> stellar </a:t>
-            </a:r>
-            <a:r>
-              <a:rPr lang="de-CH" dirty="0" err="1">
-                <a:latin typeface="+mj-lt"/>
-              </a:rPr>
-              <a:t>masses</a:t>
-            </a:r>
-            <a:r>
-              <a:rPr lang="de-CH" dirty="0">
-                <a:latin typeface="+mj-lt"/>
-              </a:rPr>
-              <a:t> in a star-</a:t>
-            </a:r>
-            <a:r>
-              <a:rPr lang="de-CH" dirty="0" err="1">
-                <a:latin typeface="+mj-lt"/>
-              </a:rPr>
-              <a:t>forming</a:t>
-            </a:r>
-            <a:r>
-              <a:rPr lang="de-CH" dirty="0">
-                <a:latin typeface="+mj-lt"/>
-              </a:rPr>
-              <a:t> </a:t>
-            </a:r>
-            <a:r>
-              <a:rPr lang="de-CH" dirty="0" err="1">
-                <a:latin typeface="+mj-lt"/>
-              </a:rPr>
-              <a:t>region</a:t>
-            </a:r>
-            <a:endParaRPr lang="de-CH" dirty="0">
-              <a:latin typeface="+mj-lt"/>
-            </a:endParaRPr>
-          </a:p>
-          <a:p>
-            <a:r>
-              <a:rPr lang="de-CH" dirty="0" err="1">
-                <a:latin typeface="+mj-lt"/>
-              </a:rPr>
-              <a:t>Importance</a:t>
-            </a:r>
-            <a:r>
-              <a:rPr lang="de-CH" dirty="0">
-                <a:latin typeface="+mj-lt"/>
-              </a:rPr>
-              <a:t>: </a:t>
-            </a:r>
-            <a:r>
-              <a:rPr lang="de-CH" dirty="0" err="1">
-                <a:latin typeface="+mj-lt"/>
-              </a:rPr>
-              <a:t>It</a:t>
-            </a:r>
-            <a:r>
-              <a:rPr lang="de-CH" dirty="0">
-                <a:latin typeface="+mj-lt"/>
-              </a:rPr>
-              <a:t> </a:t>
-            </a:r>
-            <a:r>
-              <a:rPr lang="de-CH" dirty="0" err="1">
-                <a:latin typeface="+mj-lt"/>
-              </a:rPr>
-              <a:t>influences</a:t>
-            </a:r>
-            <a:r>
-              <a:rPr lang="de-CH" dirty="0">
-                <a:latin typeface="+mj-lt"/>
-              </a:rPr>
-              <a:t> </a:t>
-            </a:r>
-            <a:r>
-              <a:rPr lang="de-CH" dirty="0" err="1">
-                <a:latin typeface="+mj-lt"/>
-              </a:rPr>
-              <a:t>galaxy</a:t>
-            </a:r>
-            <a:r>
-              <a:rPr lang="de-CH" dirty="0">
-                <a:latin typeface="+mj-lt"/>
-              </a:rPr>
-              <a:t> </a:t>
-            </a:r>
-            <a:r>
-              <a:rPr lang="de-CH" dirty="0" err="1">
-                <a:latin typeface="+mj-lt"/>
-              </a:rPr>
-              <a:t>evolution</a:t>
-            </a:r>
-            <a:r>
-              <a:rPr lang="de-CH" dirty="0">
-                <a:latin typeface="+mj-lt"/>
-              </a:rPr>
-              <a:t>, stellar </a:t>
-            </a:r>
-            <a:r>
-              <a:rPr lang="de-CH" dirty="0" err="1">
-                <a:latin typeface="+mj-lt"/>
-              </a:rPr>
-              <a:t>population</a:t>
-            </a:r>
-            <a:r>
-              <a:rPr lang="de-CH" dirty="0">
-                <a:latin typeface="+mj-lt"/>
-              </a:rPr>
-              <a:t> </a:t>
-            </a:r>
-            <a:r>
-              <a:rPr lang="de-CH" dirty="0" err="1">
-                <a:latin typeface="+mj-lt"/>
-              </a:rPr>
-              <a:t>synthesis</a:t>
-            </a:r>
-            <a:r>
-              <a:rPr lang="de-CH" dirty="0">
-                <a:latin typeface="+mj-lt"/>
-              </a:rPr>
-              <a:t>, and </a:t>
-            </a:r>
-            <a:r>
-              <a:rPr lang="de-CH" dirty="0" err="1">
-                <a:latin typeface="+mj-lt"/>
-              </a:rPr>
-              <a:t>chemical</a:t>
-            </a:r>
-            <a:r>
-              <a:rPr lang="de-CH" dirty="0">
-                <a:latin typeface="+mj-lt"/>
-              </a:rPr>
-              <a:t> </a:t>
-            </a:r>
-            <a:r>
-              <a:rPr lang="de-CH" dirty="0" err="1">
-                <a:latin typeface="+mj-lt"/>
-              </a:rPr>
-              <a:t>enrichment</a:t>
-            </a:r>
-            <a:r>
-              <a:rPr lang="de-CH" dirty="0">
-                <a:latin typeface="+mj-lt"/>
-              </a:rPr>
-              <a:t> </a:t>
-            </a:r>
-            <a:r>
-              <a:rPr lang="de-CH" dirty="0" err="1">
-                <a:latin typeface="+mj-lt"/>
-              </a:rPr>
-              <a:t>of</a:t>
-            </a:r>
-            <a:r>
-              <a:rPr lang="de-CH" dirty="0">
-                <a:latin typeface="+mj-lt"/>
-              </a:rPr>
               <a:t> </a:t>
             </a:r>
             <a:r>
@@ -4113,48 +4360,43 @@
               <a:rPr lang="de-CH" dirty="0">
                 <a:latin typeface="+mj-lt"/>
               </a:rPr>
-              <a:t> interstellar medium (ISM)</a:t>
-            </a:r>
-          </a:p>
-          <a:p>
-            <a:pPr marL="0" indent="0">
-              <a:buNone/>
-            </a:pPr>
-            <a:r>
-              <a:rPr lang="de-CH" dirty="0">
-                <a:latin typeface="+mj-lt"/>
-              </a:rPr>
-              <a:t>Key Features: </a:t>
-            </a:r>
-          </a:p>
-          <a:p>
-            <a:pPr marL="514350" indent="-514350">
-              <a:buFont typeface="+mj-lt"/>
-              <a:buAutoNum type="arabicPeriod"/>
-            </a:pPr>
-            <a:r>
-              <a:rPr lang="de-CH" dirty="0" err="1">
-                <a:latin typeface="+mj-lt"/>
-              </a:rPr>
-              <a:t>Governs</a:t>
-            </a:r>
-            <a:r>
-              <a:rPr lang="de-CH" dirty="0">
-                <a:latin typeface="+mj-lt"/>
-              </a:rPr>
-              <a:t> stellar </a:t>
-            </a:r>
-            <a:r>
-              <a:rPr lang="de-CH" dirty="0" err="1">
-                <a:latin typeface="+mj-lt"/>
-              </a:rPr>
-              <a:t>feedback</a:t>
-            </a:r>
-            <a:r>
-              <a:rPr lang="de-CH" dirty="0">
-                <a:latin typeface="+mj-lt"/>
-              </a:rPr>
-              <a:t> in </a:t>
+              <a:t> </a:t>
+            </a:r>
+            <a:r>
+              <a:rPr lang="de-CH" dirty="0" err="1">
+                <a:latin typeface="+mj-lt"/>
+              </a:rPr>
+              <a:t>stars</a:t>
+            </a:r>
+            <a:r>
+              <a:rPr lang="de-CH" dirty="0">
+                <a:latin typeface="+mj-lt"/>
+              </a:rPr>
+              <a:t> and </a:t>
+            </a:r>
+            <a:r>
+              <a:rPr lang="de-CH" dirty="0" err="1">
+                <a:latin typeface="+mj-lt"/>
+              </a:rPr>
+              <a:t>predict</a:t>
+            </a:r>
+            <a:r>
+              <a:rPr lang="de-CH" dirty="0">
+                <a:latin typeface="+mj-lt"/>
+              </a:rPr>
+              <a:t> </a:t>
+            </a:r>
+            <a:r>
+              <a:rPr lang="de-CH" dirty="0" err="1">
+                <a:latin typeface="+mj-lt"/>
+              </a:rPr>
+              <a:t>how</a:t>
+            </a:r>
+            <a:r>
+              <a:rPr lang="de-CH" dirty="0">
+                <a:latin typeface="+mj-lt"/>
+              </a:rPr>
+              <a:t> </a:t>
             </a:r>
             <a:r>
               <a:rPr lang="de-CH" dirty="0" err="1">
@@ -4166,140 +4408,32 @@
               <a:rPr lang="de-CH" dirty="0">
                 <a:latin typeface="+mj-lt"/>
               </a:rPr>
-              <a:t>, </a:t>
-            </a:r>
-            <a:r>
-              <a:rPr lang="de-CH" dirty="0" err="1">
-                <a:latin typeface="+mj-lt"/>
-              </a:rPr>
-              <a:t>impacting</a:t>
-            </a:r>
-            <a:r>
-              <a:rPr lang="de-CH" dirty="0">
-                <a:latin typeface="+mj-lt"/>
-              </a:rPr>
-              <a:t> gas </a:t>
-            </a:r>
-            <a:r>
-              <a:rPr lang="de-CH" dirty="0" err="1">
-                <a:latin typeface="+mj-lt"/>
-              </a:rPr>
-              <a:t>dynamics</a:t>
-            </a:r>
-            <a:r>
-              <a:rPr lang="de-CH" dirty="0">
-                <a:latin typeface="+mj-lt"/>
-              </a:rPr>
-              <a:t> and </a:t>
-            </a:r>
-            <a:r>
-              <a:rPr lang="de-CH" dirty="0" err="1">
-                <a:latin typeface="+mj-lt"/>
-              </a:rPr>
-              <a:t>star</a:t>
-            </a:r>
-            <a:r>
-              <a:rPr lang="de-CH" dirty="0">
-                <a:latin typeface="+mj-lt"/>
-              </a:rPr>
-              <a:t> </a:t>
-            </a:r>
-            <a:r>
-              <a:rPr lang="de-CH" dirty="0" err="1">
-                <a:latin typeface="+mj-lt"/>
-              </a:rPr>
-              <a:t>formation</a:t>
-            </a:r>
-            <a:endParaRPr lang="de-CH" dirty="0">
-              <a:latin typeface="+mj-lt"/>
-            </a:endParaRPr>
-          </a:p>
-          <a:p>
-            <a:pPr marL="514350" indent="-514350">
-              <a:buFont typeface="+mj-lt"/>
-              <a:buAutoNum type="arabicPeriod"/>
-            </a:pPr>
-            <a:r>
-              <a:rPr lang="de-CH" dirty="0" err="1">
-                <a:latin typeface="+mj-lt"/>
-              </a:rPr>
-              <a:t>Used</a:t>
-            </a:r>
-            <a:r>
-              <a:rPr lang="de-CH" dirty="0">
-                <a:latin typeface="+mj-lt"/>
-              </a:rPr>
-              <a:t> in </a:t>
-            </a:r>
-            <a:r>
-              <a:rPr lang="de-CH" dirty="0" err="1">
-                <a:latin typeface="+mj-lt"/>
-              </a:rPr>
-              <a:t>models</a:t>
-            </a:r>
-            <a:r>
-              <a:rPr lang="de-CH" dirty="0">
-                <a:latin typeface="+mj-lt"/>
-              </a:rPr>
-              <a:t> </a:t>
-            </a:r>
-            <a:r>
-              <a:rPr lang="de-CH" dirty="0" err="1">
-                <a:latin typeface="+mj-lt"/>
-              </a:rPr>
-              <a:t>of</a:t>
-            </a:r>
-            <a:r>
-              <a:rPr lang="de-CH" dirty="0">
-                <a:latin typeface="+mj-lt"/>
-              </a:rPr>
-              <a:t> </a:t>
-            </a:r>
-            <a:r>
-              <a:rPr lang="de-CH" dirty="0" err="1">
-                <a:latin typeface="+mj-lt"/>
-              </a:rPr>
-              <a:t>star</a:t>
-            </a:r>
-            <a:r>
-              <a:rPr lang="de-CH" dirty="0">
-                <a:latin typeface="+mj-lt"/>
-              </a:rPr>
-              <a:t> </a:t>
-            </a:r>
-            <a:r>
-              <a:rPr lang="de-CH" dirty="0" err="1">
-                <a:latin typeface="+mj-lt"/>
-              </a:rPr>
-              <a:t>formation</a:t>
-            </a:r>
-            <a:r>
-              <a:rPr lang="de-CH" dirty="0">
-                <a:latin typeface="+mj-lt"/>
-              </a:rPr>
-              <a:t> and </a:t>
-            </a:r>
-            <a:r>
-              <a:rPr lang="de-CH" dirty="0" err="1">
-                <a:latin typeface="+mj-lt"/>
-              </a:rPr>
-              <a:t>galaxy</a:t>
-            </a:r>
-            <a:r>
-              <a:rPr lang="de-CH" dirty="0">
-                <a:latin typeface="+mj-lt"/>
-              </a:rPr>
-              <a:t> </a:t>
-            </a:r>
-            <a:r>
-              <a:rPr lang="de-CH" dirty="0" err="1">
-                <a:latin typeface="+mj-lt"/>
-              </a:rPr>
-              <a:t>evolution</a:t>
-            </a:r>
-            <a:endParaRPr lang="de-CH" dirty="0">
-              <a:latin typeface="+mj-lt"/>
-            </a:endParaRPr>
+              <a:t> </a:t>
+            </a:r>
+            <a:r>
+              <a:rPr lang="de-CH" dirty="0" err="1">
+                <a:latin typeface="+mj-lt"/>
+              </a:rPr>
+              <a:t>evolve</a:t>
+            </a:r>
+            <a:r>
+              <a:rPr lang="de-CH" dirty="0">
+                <a:latin typeface="+mj-lt"/>
+              </a:rPr>
+              <a:t> </a:t>
+            </a:r>
+            <a:r>
+              <a:rPr lang="de-CH" dirty="0" err="1">
+                <a:latin typeface="+mj-lt"/>
+              </a:rPr>
+              <a:t>over</a:t>
+            </a:r>
+            <a:r>
+              <a:rPr lang="de-CH" dirty="0">
+                <a:latin typeface="+mj-lt"/>
+              </a:rPr>
+              <a:t> time.</a:t>
+            </a:r>
           </a:p>
         </p:txBody>
       </p:sp>
@@ -4356,15 +4490,23 @@
           <a:p>
             <a:r>
               <a:rPr lang="de-CH" dirty="0"/>
-              <a:t>The Original Paper </a:t>
+              <a:t>Foundations </a:t>
             </a:r>
             <a:r>
               <a:rPr lang="de-CH" dirty="0" err="1"/>
-              <a:t>by</a:t>
+              <a:t>of</a:t>
             </a:r>
             <a:r>
               <a:rPr lang="de-CH" dirty="0"/>
-              <a:t> Salpeter (1955)</a:t>
+              <a:t> </a:t>
+            </a:r>
+            <a:r>
+              <a:rPr lang="de-CH" dirty="0" err="1"/>
+              <a:t>the</a:t>
+            </a:r>
+            <a:r>
+              <a:rPr lang="de-CH" dirty="0"/>
+              <a:t> IMF: Salpeter (1955)</a:t>
             </a:r>
           </a:p>
         </p:txBody>
@@ -4389,166 +4531,260 @@
             </p:nvSpPr>
             <p:spPr bwMode="white"/>
             <p:txBody>
-              <a:bodyPr/>
+              <a:bodyPr>
+                <a:normAutofit/>
+              </a:bodyPr>
               <a:lstStyle/>
               <a:p>
                 <a:r>
-                  <a:rPr lang="de-CH" dirty="0"/>
-                  <a:t>Proposed </a:t>
-                </a:r>
-                <a:r>
-                  <a:rPr lang="de-CH" dirty="0" err="1"/>
-                  <a:t>the</a:t>
-                </a:r>
-                <a:r>
-                  <a:rPr lang="de-CH" dirty="0"/>
-                  <a:t> </a:t>
-                </a:r>
-                <a:r>
-                  <a:rPr lang="de-CH" dirty="0" err="1"/>
-                  <a:t>first</a:t>
-                </a:r>
-                <a:r>
-                  <a:rPr lang="de-CH" dirty="0"/>
-                  <a:t> power-</a:t>
-                </a:r>
-                <a:r>
-                  <a:rPr lang="de-CH" dirty="0" err="1"/>
-                  <a:t>law</a:t>
-                </a:r>
-                <a:r>
-                  <a:rPr lang="de-CH" dirty="0"/>
-                  <a:t> form </a:t>
-                </a:r>
-                <a:r>
-                  <a:rPr lang="de-CH" dirty="0" err="1"/>
-                  <a:t>of</a:t>
-                </a:r>
-                <a:r>
-                  <a:rPr lang="de-CH" dirty="0"/>
-                  <a:t> </a:t>
-                </a:r>
-                <a:r>
-                  <a:rPr lang="de-CH" dirty="0" err="1"/>
-                  <a:t>the</a:t>
-                </a:r>
-                <a:r>
-                  <a:rPr lang="de-CH" dirty="0"/>
-                  <a:t> IMF </a:t>
-                </a:r>
-                <a:r>
-                  <a:rPr lang="de-CH" dirty="0" err="1"/>
-                  <a:t>with</a:t>
-                </a:r>
-                <a:r>
-                  <a:rPr lang="de-CH" dirty="0"/>
-                  <a:t> a </a:t>
-                </a:r>
-                <a:r>
-                  <a:rPr lang="de-CH" dirty="0" err="1"/>
-                  <a:t>slope</a:t>
-                </a:r>
-                <a:r>
-                  <a:rPr lang="de-CH" dirty="0"/>
-                  <a:t> </a:t>
-                </a:r>
-                <a:r>
-                  <a:rPr lang="de-CH" dirty="0" err="1"/>
-                  <a:t>of</a:t>
-                </a:r>
-                <a:r>
-                  <a:rPr lang="de-CH" dirty="0"/>
-                  <a:t> -2.35, </a:t>
-                </a:r>
-                <a:r>
-                  <a:rPr lang="de-CH" dirty="0" err="1"/>
-                  <a:t>which</a:t>
-                </a:r>
-                <a:r>
-                  <a:rPr lang="de-CH" dirty="0"/>
-                  <a:t> </a:t>
-                </a:r>
-                <a:r>
-                  <a:rPr lang="de-CH" dirty="0" err="1"/>
-                  <a:t>became</a:t>
-                </a:r>
-                <a:r>
-                  <a:rPr lang="de-CH" dirty="0"/>
-                  <a:t> </a:t>
-                </a:r>
-                <a:r>
-                  <a:rPr lang="de-CH" dirty="0" err="1"/>
-                  <a:t>fondational</a:t>
-                </a:r>
-                <a:r>
-                  <a:rPr lang="de-CH" dirty="0"/>
-                  <a:t> for </a:t>
-                </a:r>
-                <a:r>
-                  <a:rPr lang="de-CH" dirty="0" err="1"/>
-                  <a:t>studying</a:t>
-                </a:r>
-                <a:r>
-                  <a:rPr lang="de-CH" dirty="0"/>
-                  <a:t> stellar </a:t>
-                </a:r>
-                <a:r>
-                  <a:rPr lang="de-CH" dirty="0" err="1"/>
-                  <a:t>populations</a:t>
-                </a:r>
-                <a:endParaRPr lang="de-CH" dirty="0"/>
+                  <a:rPr lang="de-CH" b="1" dirty="0">
+                    <a:latin typeface="+mj-lt"/>
+                  </a:rPr>
+                  <a:t>Salpeter’s Discovery</a:t>
+                </a:r>
               </a:p>
               <a:p>
+                <a:pPr marL="0" indent="0">
+                  <a:buNone/>
+                </a:pPr>
+                <a:r>
+                  <a:rPr lang="de-CH" dirty="0">
+                    <a:latin typeface="+mj-lt"/>
+                  </a:rPr>
+                  <a:t>Edwin Salpeter </a:t>
+                </a:r>
+                <a:r>
+                  <a:rPr lang="de-CH" dirty="0" err="1">
+                    <a:latin typeface="+mj-lt"/>
+                  </a:rPr>
+                  <a:t>first</a:t>
+                </a:r>
+                <a:r>
+                  <a:rPr lang="de-CH" dirty="0">
+                    <a:latin typeface="+mj-lt"/>
+                  </a:rPr>
+                  <a:t> </a:t>
+                </a:r>
+                <a:r>
+                  <a:rPr lang="de-CH" dirty="0" err="1">
+                    <a:latin typeface="+mj-lt"/>
+                  </a:rPr>
+                  <a:t>described</a:t>
+                </a:r>
+                <a:r>
+                  <a:rPr lang="de-CH" dirty="0">
+                    <a:latin typeface="+mj-lt"/>
+                  </a:rPr>
+                  <a:t> </a:t>
+                </a:r>
+                <a:r>
+                  <a:rPr lang="de-CH" dirty="0" err="1">
+                    <a:latin typeface="+mj-lt"/>
+                  </a:rPr>
+                  <a:t>the</a:t>
+                </a:r>
+                <a:r>
+                  <a:rPr lang="de-CH" dirty="0">
+                    <a:latin typeface="+mj-lt"/>
+                  </a:rPr>
+                  <a:t> IMF </a:t>
+                </a:r>
+                <a:r>
+                  <a:rPr lang="de-CH" dirty="0" err="1">
+                    <a:latin typeface="+mj-lt"/>
+                  </a:rPr>
+                  <a:t>as</a:t>
+                </a:r>
+                <a:r>
+                  <a:rPr lang="de-CH" dirty="0">
+                    <a:latin typeface="+mj-lt"/>
+                  </a:rPr>
+                  <a:t> a power </a:t>
+                </a:r>
+                <a:r>
+                  <a:rPr lang="de-CH" dirty="0" err="1">
+                    <a:latin typeface="+mj-lt"/>
+                  </a:rPr>
+                  <a:t>law</a:t>
+                </a:r>
+                <a:r>
+                  <a:rPr lang="de-CH" dirty="0">
+                    <a:latin typeface="+mj-lt"/>
+                  </a:rPr>
+                  <a:t>. </a:t>
+                </a:r>
+              </a:p>
+              <a:p>
+                <a:pPr marL="0" indent="0">
+                  <a:buNone/>
+                </a:pPr>
+                <a:r>
+                  <a:rPr lang="de-CH" dirty="0">
+                    <a:latin typeface="+mj-lt"/>
+                  </a:rPr>
+                  <a:t>He </a:t>
+                </a:r>
+                <a:r>
+                  <a:rPr lang="de-CH" dirty="0" err="1">
+                    <a:latin typeface="+mj-lt"/>
+                  </a:rPr>
+                  <a:t>found</a:t>
+                </a:r>
+                <a:r>
+                  <a:rPr lang="de-CH" dirty="0">
+                    <a:latin typeface="+mj-lt"/>
+                  </a:rPr>
+                  <a:t> </a:t>
+                </a:r>
+                <a:r>
+                  <a:rPr lang="de-CH" dirty="0" err="1">
+                    <a:latin typeface="+mj-lt"/>
+                  </a:rPr>
+                  <a:t>that</a:t>
+                </a:r>
+                <a:r>
+                  <a:rPr lang="de-CH" dirty="0">
+                    <a:latin typeface="+mj-lt"/>
+                  </a:rPr>
+                  <a:t> </a:t>
+                </a:r>
+                <a:r>
+                  <a:rPr lang="de-CH" dirty="0" err="1">
+                    <a:latin typeface="+mj-lt"/>
+                  </a:rPr>
+                  <a:t>the</a:t>
+                </a:r>
+                <a:r>
+                  <a:rPr lang="de-CH" dirty="0">
+                    <a:latin typeface="+mj-lt"/>
+                  </a:rPr>
+                  <a:t> </a:t>
+                </a:r>
+                <a:r>
+                  <a:rPr lang="de-CH" dirty="0" err="1">
+                    <a:latin typeface="+mj-lt"/>
+                  </a:rPr>
+                  <a:t>number</a:t>
+                </a:r>
+                <a:r>
+                  <a:rPr lang="de-CH" dirty="0">
+                    <a:latin typeface="+mj-lt"/>
+                  </a:rPr>
+                  <a:t> </a:t>
+                </a:r>
+                <a:r>
+                  <a:rPr lang="de-CH" dirty="0" err="1">
+                    <a:latin typeface="+mj-lt"/>
+                  </a:rPr>
+                  <a:t>of</a:t>
+                </a:r>
+                <a:r>
+                  <a:rPr lang="de-CH" dirty="0">
+                    <a:latin typeface="+mj-lt"/>
+                  </a:rPr>
+                  <a:t> </a:t>
+                </a:r>
+                <a:r>
+                  <a:rPr lang="de-CH" dirty="0" err="1">
+                    <a:latin typeface="+mj-lt"/>
+                  </a:rPr>
+                  <a:t>stars</a:t>
+                </a:r>
+                <a:r>
+                  <a:rPr lang="de-CH" dirty="0">
+                    <a:latin typeface="+mj-lt"/>
+                  </a:rPr>
+                  <a:t> </a:t>
+                </a:r>
+                <a:r>
+                  <a:rPr lang="de-CH" dirty="0" err="1">
+                    <a:latin typeface="+mj-lt"/>
+                  </a:rPr>
+                  <a:t>decreases</a:t>
+                </a:r>
+                <a:r>
+                  <a:rPr lang="de-CH" dirty="0">
+                    <a:latin typeface="+mj-lt"/>
+                  </a:rPr>
+                  <a:t> </a:t>
+                </a:r>
+                <a:r>
+                  <a:rPr lang="de-CH" dirty="0" err="1">
+                    <a:latin typeface="+mj-lt"/>
+                  </a:rPr>
+                  <a:t>with</a:t>
+                </a:r>
+                <a:r>
+                  <a:rPr lang="de-CH" dirty="0">
+                    <a:latin typeface="+mj-lt"/>
+                  </a:rPr>
+                  <a:t> </a:t>
+                </a:r>
+                <a:r>
+                  <a:rPr lang="de-CH" dirty="0" err="1">
+                    <a:latin typeface="+mj-lt"/>
+                  </a:rPr>
+                  <a:t>increasing</a:t>
+                </a:r>
+                <a:r>
+                  <a:rPr lang="de-CH" dirty="0">
+                    <a:latin typeface="+mj-lt"/>
+                  </a:rPr>
+                  <a:t> mass:</a:t>
+                </a:r>
+              </a:p>
+              <a:p>
+                <a:pPr marL="0" indent="0">
+                  <a:buNone/>
+                </a:pPr>
+                <a:r>
+                  <a:rPr lang="de-CH" dirty="0">
+                    <a:latin typeface="+mj-lt"/>
+                  </a:rPr>
+                  <a:t>Salpeter Slope: 	</a:t>
+                </a:r>
                 <a:r>
                   <a:rPr lang="de-CH" dirty="0"/>
-                  <a:t>Salpeter </a:t>
-                </a:r>
-                <a:r>
-                  <a:rPr lang="de-CH" dirty="0" err="1"/>
-                  <a:t>Slope</a:t>
-                </a:r>
-                <a:r>
-                  <a:rPr lang="de-CH" dirty="0"/>
-                  <a:t>: </a:t>
+                  <a:t>	</a:t>
                 </a:r>
                 <a14:m>
                   <m:oMath xmlns:m="http://schemas.openxmlformats.org/officeDocument/2006/math">
                     <m:r>
-                      <a:rPr lang="de-CH" i="1" dirty="0" smtClean="0">
-                        <a:latin typeface="Cambria Math" panose="02040503050406030204" pitchFamily="18" charset="0"/>
+                      <a:rPr lang="de-CH" i="1" dirty="0">
+                        <a:latin typeface="+mj-lt"/>
                       </a:rPr>
                       <m:t>𝑁</m:t>
                     </m:r>
                     <m:r>
-                      <a:rPr lang="de-CH" i="1" dirty="0" smtClean="0">
-                        <a:latin typeface="Cambria Math" panose="02040503050406030204" pitchFamily="18" charset="0"/>
+                      <a:rPr lang="de-CH" i="1" dirty="0">
+                        <a:latin typeface="+mj-lt"/>
                       </a:rPr>
                       <m:t>(</m:t>
                     </m:r>
                     <m:r>
-                      <a:rPr lang="de-CH" i="1" dirty="0" smtClean="0">
-                        <a:latin typeface="Cambria Math" panose="02040503050406030204" pitchFamily="18" charset="0"/>
+                      <a:rPr lang="de-CH" i="1" dirty="0">
+                        <a:latin typeface="+mj-lt"/>
                       </a:rPr>
                       <m:t>𝑀</m:t>
                     </m:r>
                     <m:r>
-                      <a:rPr lang="de-CH" i="1" dirty="0" smtClean="0">
-                        <a:latin typeface="Cambria Math" panose="02040503050406030204" pitchFamily="18" charset="0"/>
+                      <a:rPr lang="de-CH" i="1" dirty="0">
+                        <a:latin typeface="+mj-lt"/>
                       </a:rPr>
-                      <m:t>) ∝ </m:t>
+                      <m:t>) ∝</m:t>
                     </m:r>
                     <m:sSup>
                       <m:sSupPr>
                         <m:ctrlPr>
-                          <a:rPr lang="de-CH" i="1" dirty="0" smtClean="0">
-                            <a:latin typeface="Cambria Math" panose="02040503050406030204" pitchFamily="18" charset="0"/>
+                          <a:rPr lang="de-CH" b="0" i="1" dirty="0" smtClean="0">
+                            <a:latin typeface="+mj-lt"/>
                           </a:rPr>
                         </m:ctrlPr>
                       </m:sSupPr>
                       <m:e>
                         <m:r>
                           <a:rPr lang="de-CH" b="0" i="1" dirty="0" smtClean="0">
-                            <a:latin typeface="Cambria Math" panose="02040503050406030204" pitchFamily="18" charset="0"/>
+                            <a:latin typeface="+mj-lt"/>
                           </a:rPr>
                           <m:t>𝑀</m:t>
                         </m:r>
@@ -4556,7 +4792,7 @@
                       <m:sup>
                         <m:r>
                           <a:rPr lang="de-CH" b="0" i="1" dirty="0" smtClean="0">
-                            <a:latin typeface="Cambria Math" panose="02040503050406030204" pitchFamily="18" charset="0"/>
+                            <a:latin typeface="+mj-lt"/>
                           </a:rPr>
                           <m:t>−2.35</m:t>
                         </m:r>
@@ -4564,185 +4800,261 @@
                     </m:sSup>
                   </m:oMath>
                 </a14:m>
-                <a:r>
-                  <a:rPr lang="de-CH" dirty="0"/>
-                  <a:t> </a:t>
-                </a:r>
-                <a:r>
-                  <a:rPr lang="de-CH" dirty="0" err="1"/>
-                  <a:t>indicates</a:t>
-                </a:r>
-                <a:r>
-                  <a:rPr lang="de-CH" dirty="0"/>
-                  <a:t> a </a:t>
-                </a:r>
-                <a:r>
-                  <a:rPr lang="de-CH" dirty="0" err="1"/>
-                  <a:t>higher</a:t>
-                </a:r>
-                <a:r>
-                  <a:rPr lang="de-CH" dirty="0"/>
-                  <a:t> </a:t>
-                </a:r>
-                <a:r>
-                  <a:rPr lang="de-CH" dirty="0" err="1"/>
-                  <a:t>abundance</a:t>
-                </a:r>
-                <a:r>
-                  <a:rPr lang="de-CH" dirty="0"/>
-                  <a:t> </a:t>
-                </a:r>
-                <a:r>
-                  <a:rPr lang="de-CH" dirty="0" err="1"/>
-                  <a:t>of</a:t>
-                </a:r>
-                <a:r>
-                  <a:rPr lang="de-CH" dirty="0"/>
-                  <a:t> </a:t>
-                </a:r>
-                <a:r>
-                  <a:rPr lang="de-CH" dirty="0" err="1"/>
-                  <a:t>low</a:t>
-                </a:r>
-                <a:r>
-                  <a:rPr lang="de-CH" dirty="0"/>
-                  <a:t>-mass </a:t>
-                </a:r>
-                <a:r>
-                  <a:rPr lang="de-CH" dirty="0" err="1"/>
-                  <a:t>stars</a:t>
-                </a:r>
-                <a:r>
-                  <a:rPr lang="de-CH" dirty="0"/>
-                  <a:t> relative </a:t>
-                </a:r>
-                <a:r>
-                  <a:rPr lang="de-CH" dirty="0" err="1"/>
-                  <a:t>to</a:t>
-                </a:r>
-                <a:r>
-                  <a:rPr lang="de-CH" dirty="0"/>
-                  <a:t> high-mass </a:t>
-                </a:r>
-                <a:r>
-                  <a:rPr lang="de-CH" dirty="0" err="1"/>
-                  <a:t>stars</a:t>
-                </a:r>
-                <a:endParaRPr lang="de-CH" dirty="0"/>
+                <a:endParaRPr lang="de-CH" dirty="0">
+                  <a:latin typeface="+mj-lt"/>
+                </a:endParaRPr>
               </a:p>
               <a:p>
-                <a:r>
-                  <a:rPr lang="de-CH" dirty="0" err="1"/>
-                  <a:t>Significance</a:t>
-                </a:r>
-                <a:r>
-                  <a:rPr lang="de-CH" dirty="0"/>
-                  <a:t>: Set </a:t>
-                </a:r>
-                <a:r>
-                  <a:rPr lang="de-CH" dirty="0" err="1"/>
-                  <a:t>the</a:t>
-                </a:r>
-                <a:r>
-                  <a:rPr lang="de-CH" dirty="0"/>
+                <a:pPr marL="0" indent="0">
+                  <a:buNone/>
+                </a:pPr>
+                <a:r>
+                  <a:rPr lang="de-CH" dirty="0">
+                    <a:latin typeface="+mj-lt"/>
+                  </a:rPr>
+                  <a:t>This </a:t>
+                </a:r>
+                <a:r>
+                  <a:rPr lang="de-CH" dirty="0" err="1">
+                    <a:latin typeface="+mj-lt"/>
+                  </a:rPr>
+                  <a:t>means</a:t>
+                </a:r>
+                <a:r>
+                  <a:rPr lang="de-CH" dirty="0">
+                    <a:latin typeface="+mj-lt"/>
+                  </a:rPr>
                   <a:t> </a:t>
                 </a:r>
                 <a:r>
-                  <a:rPr lang="de-CH" dirty="0" err="1"/>
-                  <a:t>standard</a:t>
-                </a:r>
-                <a:r>
-                  <a:rPr lang="de-CH" dirty="0"/>
-                  <a:t> for </a:t>
-                </a:r>
-                <a:r>
-                  <a:rPr lang="de-CH" dirty="0" err="1"/>
-                  <a:t>earls</a:t>
-                </a:r>
-                <a:r>
-                  <a:rPr lang="de-CH" dirty="0"/>
-                  <a:t> IMF </a:t>
-                </a:r>
-                <a:r>
-                  <a:rPr lang="de-CH" dirty="0" err="1"/>
-                  <a:t>studies</a:t>
-                </a:r>
-                <a:r>
-                  <a:rPr lang="de-CH" dirty="0"/>
-                  <a:t>, </a:t>
-                </a:r>
-                <a:r>
-                  <a:rPr lang="de-CH" dirty="0" err="1"/>
-                  <a:t>with</a:t>
-                </a:r>
-                <a:r>
-                  <a:rPr lang="de-CH" dirty="0"/>
+                  <a:rPr lang="de-CH" dirty="0" err="1">
+                    <a:latin typeface="+mj-lt"/>
+                  </a:rPr>
+                  <a:t>there</a:t>
+                </a:r>
+                <a:r>
+                  <a:rPr lang="de-CH" dirty="0">
+                    <a:latin typeface="+mj-lt"/>
+                  </a:rPr>
                   <a:t> </a:t>
                 </a:r>
                 <a:r>
-                  <a:rPr lang="de-CH" dirty="0" err="1"/>
-                  <a:t>later</a:t>
-                </a:r>
-                <a:r>
-                  <a:rPr lang="de-CH" dirty="0"/>
+                  <a:rPr lang="de-CH" dirty="0" err="1">
+                    <a:latin typeface="+mj-lt"/>
+                  </a:rPr>
+                  <a:t>are</a:t>
+                </a:r>
+                <a:r>
+                  <a:rPr lang="de-CH" dirty="0">
+                    <a:latin typeface="+mj-lt"/>
+                  </a:rPr>
                   <a:t> </a:t>
                 </a:r>
                 <a:r>
-                  <a:rPr lang="de-CH" dirty="0" err="1"/>
-                  <a:t>work</a:t>
-                </a:r>
-                <a:r>
-                  <a:rPr lang="de-CH" dirty="0"/>
+                  <a:rPr lang="de-CH" dirty="0" err="1">
+                    <a:latin typeface="+mj-lt"/>
+                  </a:rPr>
+                  <a:t>many</a:t>
+                </a:r>
+                <a:r>
+                  <a:rPr lang="de-CH" dirty="0">
+                    <a:latin typeface="+mj-lt"/>
+                  </a:rPr>
                   <a:t> </a:t>
                 </a:r>
                 <a:r>
-                  <a:rPr lang="de-CH" dirty="0" err="1"/>
-                  <a:t>extending</a:t>
-                </a:r>
-                <a:r>
-                  <a:rPr lang="de-CH" dirty="0"/>
-                  <a:t> </a:t>
-                </a:r>
-                <a:r>
-                  <a:rPr lang="de-CH" dirty="0" err="1"/>
-                  <a:t>the</a:t>
-                </a:r>
-                <a:r>
-                  <a:rPr lang="de-CH" dirty="0"/>
-                  <a:t> </a:t>
-                </a:r>
-                <a:r>
-                  <a:rPr lang="de-CH" dirty="0" err="1"/>
-                  <a:t>model</a:t>
-                </a:r>
-                <a:r>
-                  <a:rPr lang="de-CH" dirty="0"/>
-                  <a:t> </a:t>
-                </a:r>
-                <a:r>
-                  <a:rPr lang="de-CH" dirty="0" err="1"/>
-                  <a:t>to</a:t>
-                </a:r>
-                <a:r>
-                  <a:rPr lang="de-CH" dirty="0"/>
-                  <a:t> different mass </a:t>
-                </a:r>
-                <a:r>
-                  <a:rPr lang="de-CH" dirty="0" err="1"/>
-                  <a:t>ranges</a:t>
-                </a:r>
-                <a:r>
-                  <a:rPr lang="de-CH" dirty="0"/>
+                  <a:rPr lang="de-CH" dirty="0" err="1">
+                    <a:latin typeface="+mj-lt"/>
+                  </a:rPr>
+                  <a:t>low</a:t>
+                </a:r>
+                <a:r>
+                  <a:rPr lang="de-CH" dirty="0">
+                    <a:latin typeface="+mj-lt"/>
+                  </a:rPr>
+                  <a:t>-mass </a:t>
+                </a:r>
+                <a:r>
+                  <a:rPr lang="de-CH" dirty="0" err="1">
+                    <a:latin typeface="+mj-lt"/>
+                  </a:rPr>
+                  <a:t>stars</a:t>
+                </a:r>
+                <a:r>
+                  <a:rPr lang="de-CH" dirty="0">
+                    <a:latin typeface="+mj-lt"/>
+                  </a:rPr>
                   <a:t> and </a:t>
                 </a:r>
                 <a:r>
-                  <a:rPr lang="de-CH" dirty="0" err="1"/>
-                  <a:t>enviroments</a:t>
-                </a:r>
-                <a:endParaRPr lang="de-CH" dirty="0"/>
+                  <a:rPr lang="de-CH" dirty="0" err="1">
+                    <a:latin typeface="+mj-lt"/>
+                  </a:rPr>
+                  <a:t>few</a:t>
+                </a:r>
+                <a:r>
+                  <a:rPr lang="de-CH" dirty="0">
+                    <a:latin typeface="+mj-lt"/>
+                  </a:rPr>
+                  <a:t> high-mass </a:t>
+                </a:r>
+                <a:r>
+                  <a:rPr lang="de-CH" dirty="0" err="1">
+                    <a:latin typeface="+mj-lt"/>
+                  </a:rPr>
+                  <a:t>stars</a:t>
+                </a:r>
+                <a:r>
+                  <a:rPr lang="de-CH" dirty="0">
+                    <a:latin typeface="+mj-lt"/>
+                  </a:rPr>
+                  <a:t>.</a:t>
+                </a:r>
               </a:p>
               <a:p>
-                <a:endParaRPr lang="de-CH" dirty="0"/>
+                <a:r>
+                  <a:rPr lang="de-CH" b="1" dirty="0">
+                    <a:latin typeface="+mj-lt"/>
+                  </a:rPr>
+                  <a:t>Impact</a:t>
+                </a:r>
+              </a:p>
+              <a:p>
+                <a:pPr marL="0" indent="0">
+                  <a:buNone/>
+                </a:pPr>
+                <a:r>
+                  <a:rPr lang="de-CH" dirty="0" err="1">
+                    <a:latin typeface="+mj-lt"/>
+                  </a:rPr>
+                  <a:t>Salpeter’s</a:t>
+                </a:r>
+                <a:r>
+                  <a:rPr lang="de-CH" dirty="0">
+                    <a:latin typeface="+mj-lt"/>
+                  </a:rPr>
+                  <a:t> </a:t>
+                </a:r>
+                <a:r>
+                  <a:rPr lang="de-CH" dirty="0" err="1">
+                    <a:latin typeface="+mj-lt"/>
+                  </a:rPr>
+                  <a:t>work</a:t>
+                </a:r>
+                <a:r>
+                  <a:rPr lang="de-CH" dirty="0">
+                    <a:latin typeface="+mj-lt"/>
+                  </a:rPr>
+                  <a:t> </a:t>
+                </a:r>
+                <a:r>
+                  <a:rPr lang="de-CH" dirty="0" err="1">
+                    <a:latin typeface="+mj-lt"/>
+                  </a:rPr>
+                  <a:t>helped</a:t>
+                </a:r>
+                <a:r>
+                  <a:rPr lang="de-CH" dirty="0">
+                    <a:latin typeface="+mj-lt"/>
+                  </a:rPr>
+                  <a:t> </a:t>
+                </a:r>
+                <a:r>
+                  <a:rPr lang="de-CH" dirty="0" err="1">
+                    <a:latin typeface="+mj-lt"/>
+                  </a:rPr>
+                  <a:t>us</a:t>
+                </a:r>
+                <a:r>
+                  <a:rPr lang="de-CH" dirty="0">
+                    <a:latin typeface="+mj-lt"/>
+                  </a:rPr>
+                  <a:t> </a:t>
+                </a:r>
+                <a:r>
+                  <a:rPr lang="de-CH" dirty="0" err="1">
+                    <a:latin typeface="+mj-lt"/>
+                  </a:rPr>
+                  <a:t>understand</a:t>
+                </a:r>
+                <a:r>
+                  <a:rPr lang="de-CH" dirty="0">
+                    <a:latin typeface="+mj-lt"/>
+                  </a:rPr>
+                  <a:t> </a:t>
+                </a:r>
+                <a:r>
+                  <a:rPr lang="de-CH" dirty="0" err="1">
+                    <a:latin typeface="+mj-lt"/>
+                  </a:rPr>
+                  <a:t>the</a:t>
+                </a:r>
+                <a:r>
+                  <a:rPr lang="de-CH" dirty="0">
+                    <a:latin typeface="+mj-lt"/>
+                  </a:rPr>
+                  <a:t> </a:t>
+                </a:r>
+                <a:r>
+                  <a:rPr lang="de-CH" dirty="0" err="1">
+                    <a:latin typeface="+mj-lt"/>
+                  </a:rPr>
+                  <a:t>basic</a:t>
+                </a:r>
+                <a:r>
+                  <a:rPr lang="de-CH" dirty="0">
+                    <a:latin typeface="+mj-lt"/>
+                  </a:rPr>
+                  <a:t> </a:t>
+                </a:r>
+                <a:r>
+                  <a:rPr lang="de-CH" dirty="0" err="1">
+                    <a:latin typeface="+mj-lt"/>
+                  </a:rPr>
+                  <a:t>structure</a:t>
+                </a:r>
+                <a:r>
+                  <a:rPr lang="de-CH" dirty="0">
+                    <a:latin typeface="+mj-lt"/>
+                  </a:rPr>
+                  <a:t> </a:t>
+                </a:r>
+                <a:r>
+                  <a:rPr lang="de-CH" dirty="0" err="1">
+                    <a:latin typeface="+mj-lt"/>
+                  </a:rPr>
+                  <a:t>of</a:t>
+                </a:r>
+                <a:r>
+                  <a:rPr lang="de-CH" dirty="0">
+                    <a:latin typeface="+mj-lt"/>
+                  </a:rPr>
+                  <a:t> </a:t>
+                </a:r>
+                <a:r>
+                  <a:rPr lang="de-CH" dirty="0" err="1">
+                    <a:latin typeface="+mj-lt"/>
+                  </a:rPr>
+                  <a:t>star</a:t>
+                </a:r>
+                <a:r>
+                  <a:rPr lang="de-CH" dirty="0">
+                    <a:latin typeface="+mj-lt"/>
+                  </a:rPr>
+                  <a:t> </a:t>
+                </a:r>
+                <a:r>
+                  <a:rPr lang="de-CH" dirty="0" err="1">
+                    <a:latin typeface="+mj-lt"/>
+                  </a:rPr>
+                  <a:t>populations</a:t>
+                </a:r>
+                <a:r>
+                  <a:rPr lang="de-CH" dirty="0">
+                    <a:latin typeface="+mj-lt"/>
+                  </a:rPr>
+                  <a:t>.</a:t>
+                </a:r>
               </a:p>
             </p:txBody>
           </p:sp>
@@ -4768,7 +5080,7 @@
               <a:blipFill>
                 <a:blip r:embed="rId2"/>
                 <a:stretch>
-                  <a:fillRect l="-1043" t="-2241"/>
+                  <a:fillRect l="-1217" t="-2241"/>
                 </a:stretch>
               </a:blipFill>
             </p:spPr>
@@ -4839,20 +5151,24 @@
           <a:lstStyle/>
           <a:p>
             <a:r>
+              <a:rPr lang="de-CH" dirty="0"/>
+              <a:t>Review </a:t>
+            </a:r>
+            <a:r>
               <a:rPr lang="de-CH" dirty="0" err="1"/>
-              <a:t>Insights</a:t>
+              <a:t>of</a:t>
             </a:r>
             <a:r>
               <a:rPr lang="de-CH" dirty="0"/>
-              <a:t> </a:t>
+              <a:t> IMF </a:t>
             </a:r>
             <a:r>
               <a:rPr lang="de-CH" dirty="0" err="1"/>
-              <a:t>from</a:t>
+              <a:t>Variability</a:t>
             </a:r>
             <a:r>
               <a:rPr lang="de-CH" dirty="0"/>
-              <a:t> Review Papers</a:t>
+              <a:t> and Origins</a:t>
             </a:r>
           </a:p>
         </p:txBody>
@@ -4879,416 +5195,520 @@
           <a:lstStyle/>
           <a:p>
             <a:r>
-              <a:rPr lang="de-CH" dirty="0"/>
-              <a:t>IMF </a:t>
-            </a:r>
-            <a:r>
-              <a:rPr lang="de-CH" dirty="0" err="1"/>
-              <a:t>Variability</a:t>
-            </a:r>
-            <a:r>
-              <a:rPr lang="de-CH" dirty="0"/>
-              <a:t> in </a:t>
-            </a:r>
-            <a:r>
-              <a:rPr lang="de-CH" dirty="0" err="1"/>
+              <a:rPr lang="de-CH" b="1" dirty="0" err="1">
+                <a:latin typeface="+mj-lt"/>
+              </a:rPr>
+              <a:t>Does</a:t>
+            </a:r>
+            <a:r>
+              <a:rPr lang="de-CH" b="1" dirty="0">
+                <a:latin typeface="+mj-lt"/>
+              </a:rPr>
+              <a:t> </a:t>
+            </a:r>
+            <a:r>
+              <a:rPr lang="de-CH" b="1" dirty="0" err="1">
+                <a:latin typeface="+mj-lt"/>
+              </a:rPr>
+              <a:t>the</a:t>
+            </a:r>
+            <a:r>
+              <a:rPr lang="de-CH" b="1" dirty="0">
+                <a:latin typeface="+mj-lt"/>
+              </a:rPr>
+              <a:t> IMF </a:t>
+            </a:r>
+            <a:r>
+              <a:rPr lang="de-CH" b="1" dirty="0" err="1">
+                <a:latin typeface="+mj-lt"/>
+              </a:rPr>
+              <a:t>change</a:t>
+            </a:r>
+            <a:r>
+              <a:rPr lang="de-CH" b="1" dirty="0">
+                <a:latin typeface="+mj-lt"/>
+              </a:rPr>
+              <a:t>?</a:t>
+            </a:r>
+          </a:p>
+          <a:p>
+            <a:pPr marL="0" indent="0">
+              <a:buNone/>
+            </a:pPr>
+            <a:r>
+              <a:rPr lang="de-CH" dirty="0">
+                <a:latin typeface="+mj-lt"/>
+              </a:rPr>
+              <a:t>New </a:t>
+            </a:r>
+            <a:r>
+              <a:rPr lang="de-CH" dirty="0" err="1">
+                <a:latin typeface="+mj-lt"/>
+              </a:rPr>
+              <a:t>studies</a:t>
+            </a:r>
+            <a:r>
+              <a:rPr lang="de-CH" dirty="0">
+                <a:latin typeface="+mj-lt"/>
+              </a:rPr>
+              <a:t> </a:t>
+            </a:r>
+            <a:r>
+              <a:rPr lang="de-CH" dirty="0" err="1">
+                <a:latin typeface="+mj-lt"/>
+              </a:rPr>
+              <a:t>show</a:t>
+            </a:r>
+            <a:r>
+              <a:rPr lang="de-CH" dirty="0">
+                <a:latin typeface="+mj-lt"/>
+              </a:rPr>
+              <a:t> </a:t>
+            </a:r>
+            <a:r>
+              <a:rPr lang="de-CH" dirty="0" err="1">
+                <a:latin typeface="+mj-lt"/>
+              </a:rPr>
+              <a:t>that</a:t>
+            </a:r>
+            <a:r>
+              <a:rPr lang="de-CH" dirty="0">
+                <a:latin typeface="+mj-lt"/>
+              </a:rPr>
+              <a:t> </a:t>
+            </a:r>
+            <a:r>
+              <a:rPr lang="de-CH" dirty="0" err="1">
+                <a:latin typeface="+mj-lt"/>
+              </a:rPr>
+              <a:t>the</a:t>
+            </a:r>
+            <a:r>
+              <a:rPr lang="de-CH" dirty="0">
+                <a:latin typeface="+mj-lt"/>
+              </a:rPr>
+              <a:t> IMF </a:t>
+            </a:r>
+            <a:r>
+              <a:rPr lang="de-CH" dirty="0" err="1">
+                <a:latin typeface="+mj-lt"/>
+              </a:rPr>
+              <a:t>may</a:t>
+            </a:r>
+            <a:r>
+              <a:rPr lang="de-CH" dirty="0">
+                <a:latin typeface="+mj-lt"/>
+              </a:rPr>
+              <a:t> </a:t>
+            </a:r>
+            <a:r>
+              <a:rPr lang="de-CH" dirty="0" err="1">
+                <a:latin typeface="+mj-lt"/>
+              </a:rPr>
+              <a:t>vary</a:t>
+            </a:r>
+            <a:r>
+              <a:rPr lang="de-CH" dirty="0">
+                <a:latin typeface="+mj-lt"/>
+              </a:rPr>
+              <a:t> </a:t>
+            </a:r>
+            <a:r>
+              <a:rPr lang="de-CH" dirty="0" err="1">
+                <a:latin typeface="+mj-lt"/>
+              </a:rPr>
+              <a:t>depending</a:t>
+            </a:r>
+            <a:r>
+              <a:rPr lang="de-CH" dirty="0">
+                <a:latin typeface="+mj-lt"/>
+              </a:rPr>
+              <a:t> on </a:t>
+            </a:r>
+            <a:r>
+              <a:rPr lang="de-CH" dirty="0" err="1">
+                <a:latin typeface="+mj-lt"/>
+              </a:rPr>
+              <a:t>the</a:t>
+            </a:r>
+            <a:r>
+              <a:rPr lang="de-CH" dirty="0">
+                <a:latin typeface="+mj-lt"/>
+              </a:rPr>
+              <a:t> type </a:t>
+            </a:r>
+            <a:r>
+              <a:rPr lang="de-CH" dirty="0" err="1">
+                <a:latin typeface="+mj-lt"/>
+              </a:rPr>
+              <a:t>of</a:t>
+            </a:r>
+            <a:r>
+              <a:rPr lang="de-CH" dirty="0">
+                <a:latin typeface="+mj-lt"/>
+              </a:rPr>
+              <a:t> </a:t>
+            </a:r>
+            <a:r>
+              <a:rPr lang="de-CH" dirty="0" err="1">
+                <a:latin typeface="+mj-lt"/>
+              </a:rPr>
+              <a:t>galaxy</a:t>
+            </a:r>
+            <a:r>
+              <a:rPr lang="de-CH" dirty="0">
+                <a:latin typeface="+mj-lt"/>
+              </a:rPr>
+              <a:t>.</a:t>
+            </a:r>
+          </a:p>
+          <a:p>
+            <a:r>
+              <a:rPr lang="de-CH" b="1" dirty="0">
+                <a:latin typeface="+mj-lt"/>
+              </a:rPr>
+              <a:t>In Massive </a:t>
+            </a:r>
+            <a:r>
+              <a:rPr lang="de-CH" b="1" dirty="0" err="1">
+                <a:latin typeface="+mj-lt"/>
+              </a:rPr>
               <a:t>Galaxies</a:t>
             </a:r>
             <a:r>
-              <a:rPr lang="de-CH" dirty="0"/>
-              <a:t>: Research </a:t>
-            </a:r>
-            <a:r>
-              <a:rPr lang="de-CH" dirty="0" err="1"/>
-              <a:t>shows</a:t>
-            </a:r>
-            <a:r>
-              <a:rPr lang="de-CH" dirty="0"/>
-              <a:t> IMF </a:t>
-            </a:r>
-            <a:r>
-              <a:rPr lang="de-CH" dirty="0" err="1"/>
-              <a:t>variations</a:t>
-            </a:r>
-            <a:r>
-              <a:rPr lang="de-CH" dirty="0"/>
+              <a:rPr lang="de-CH" b="1" dirty="0">
+                <a:latin typeface="+mj-lt"/>
+              </a:rPr>
+              <a:t>:</a:t>
+            </a:r>
+          </a:p>
+          <a:p>
+            <a:pPr marL="0" indent="0">
+              <a:buNone/>
+            </a:pPr>
+            <a:r>
+              <a:rPr lang="de-CH" dirty="0">
+                <a:latin typeface="+mj-lt"/>
+              </a:rPr>
+              <a:t>The IMF </a:t>
+            </a:r>
+            <a:r>
+              <a:rPr lang="de-CH" dirty="0" err="1">
+                <a:latin typeface="+mj-lt"/>
+              </a:rPr>
+              <a:t>can</a:t>
+            </a:r>
+            <a:r>
+              <a:rPr lang="de-CH" dirty="0">
+                <a:latin typeface="+mj-lt"/>
+              </a:rPr>
+              <a:t> </a:t>
+            </a:r>
+            <a:r>
+              <a:rPr lang="de-CH" dirty="0" err="1">
+                <a:latin typeface="+mj-lt"/>
+              </a:rPr>
+              <a:t>be</a:t>
+            </a:r>
+            <a:r>
+              <a:rPr lang="de-CH" dirty="0">
+                <a:latin typeface="+mj-lt"/>
+              </a:rPr>
+              <a:t> «</a:t>
+            </a:r>
+            <a:r>
+              <a:rPr lang="de-CH" dirty="0" err="1">
+                <a:latin typeface="+mj-lt"/>
+              </a:rPr>
+              <a:t>bottom</a:t>
+            </a:r>
+            <a:r>
+              <a:rPr lang="de-CH" dirty="0">
+                <a:latin typeface="+mj-lt"/>
+              </a:rPr>
+              <a:t>-heavy», </a:t>
+            </a:r>
+            <a:r>
+              <a:rPr lang="de-CH" dirty="0" err="1">
+                <a:latin typeface="+mj-lt"/>
+              </a:rPr>
+              <a:t>with</a:t>
+            </a:r>
+            <a:r>
+              <a:rPr lang="de-CH" dirty="0">
+                <a:latin typeface="+mj-lt"/>
+              </a:rPr>
+              <a:t> </a:t>
+            </a:r>
+            <a:r>
+              <a:rPr lang="de-CH" dirty="0" err="1">
+                <a:latin typeface="+mj-lt"/>
+              </a:rPr>
+              <a:t>more</a:t>
+            </a:r>
+            <a:r>
+              <a:rPr lang="de-CH" dirty="0">
+                <a:latin typeface="+mj-lt"/>
+              </a:rPr>
+              <a:t> </a:t>
+            </a:r>
+            <a:r>
+              <a:rPr lang="de-CH" dirty="0" err="1">
+                <a:latin typeface="+mj-lt"/>
+              </a:rPr>
+              <a:t>low</a:t>
+            </a:r>
+            <a:r>
+              <a:rPr lang="de-CH" dirty="0">
+                <a:latin typeface="+mj-lt"/>
+              </a:rPr>
+              <a:t>-mass </a:t>
+            </a:r>
+            <a:r>
+              <a:rPr lang="de-CH" dirty="0" err="1">
+                <a:latin typeface="+mj-lt"/>
+              </a:rPr>
+              <a:t>stars</a:t>
+            </a:r>
+            <a:r>
+              <a:rPr lang="de-CH" dirty="0">
+                <a:latin typeface="+mj-lt"/>
+              </a:rPr>
+              <a:t>, </a:t>
+            </a:r>
+            <a:r>
+              <a:rPr lang="de-CH" dirty="0" err="1">
+                <a:latin typeface="+mj-lt"/>
+              </a:rPr>
+              <a:t>especially</a:t>
+            </a:r>
+            <a:r>
+              <a:rPr lang="de-CH" dirty="0">
+                <a:latin typeface="+mj-lt"/>
+              </a:rPr>
               <a:t> in massive </a:t>
             </a:r>
             <a:r>
-              <a:rPr lang="de-CH" dirty="0" err="1"/>
+              <a:rPr lang="de-CH" dirty="0" err="1">
+                <a:latin typeface="+mj-lt"/>
+              </a:rPr>
+              <a:t>galaxies</a:t>
+            </a:r>
+            <a:r>
+              <a:rPr lang="de-CH" dirty="0">
+                <a:latin typeface="+mj-lt"/>
+              </a:rPr>
+              <a:t> </a:t>
+            </a:r>
+            <a:r>
+              <a:rPr lang="de-CH" dirty="0" err="1">
+                <a:latin typeface="+mj-lt"/>
+              </a:rPr>
+              <a:t>called</a:t>
+            </a:r>
+            <a:r>
+              <a:rPr lang="de-CH" dirty="0">
+                <a:latin typeface="+mj-lt"/>
+              </a:rPr>
+              <a:t> </a:t>
+            </a:r>
+            <a:r>
+              <a:rPr lang="de-CH" dirty="0" err="1">
+                <a:latin typeface="+mj-lt"/>
+              </a:rPr>
               <a:t>early</a:t>
             </a:r>
             <a:r>
-              <a:rPr lang="de-CH" dirty="0"/>
+              <a:rPr lang="de-CH" dirty="0">
+                <a:latin typeface="+mj-lt"/>
+              </a:rPr>
               <a:t>-type </a:t>
             </a:r>
             <a:r>
-              <a:rPr lang="de-CH" dirty="0" err="1"/>
+              <a:rPr lang="de-CH" dirty="0" err="1">
+                <a:latin typeface="+mj-lt"/>
+              </a:rPr>
               <a:t>galaxies</a:t>
             </a:r>
             <a:r>
-              <a:rPr lang="de-CH" dirty="0"/>
+              <a:rPr lang="de-CH" dirty="0">
+                <a:latin typeface="+mj-lt"/>
+              </a:rPr>
+              <a:t>.</a:t>
+            </a:r>
+          </a:p>
+          <a:p>
+            <a:r>
+              <a:rPr lang="de-CH" b="1" dirty="0" err="1">
+                <a:latin typeface="+mj-lt"/>
+              </a:rPr>
+              <a:t>What</a:t>
+            </a:r>
+            <a:r>
+              <a:rPr lang="de-CH" b="1" dirty="0">
+                <a:latin typeface="+mj-lt"/>
+              </a:rPr>
+              <a:t> </a:t>
+            </a:r>
+            <a:r>
+              <a:rPr lang="de-CH" b="1" dirty="0" err="1">
+                <a:latin typeface="+mj-lt"/>
+              </a:rPr>
+              <a:t>causes</a:t>
+            </a:r>
+            <a:r>
+              <a:rPr lang="de-CH" b="1" dirty="0">
+                <a:latin typeface="+mj-lt"/>
+              </a:rPr>
+              <a:t> </a:t>
+            </a:r>
+            <a:r>
+              <a:rPr lang="de-CH" b="1" dirty="0" err="1">
+                <a:latin typeface="+mj-lt"/>
+              </a:rPr>
+              <a:t>this</a:t>
+            </a:r>
+            <a:r>
+              <a:rPr lang="de-CH" b="1" dirty="0">
+                <a:latin typeface="+mj-lt"/>
+              </a:rPr>
+              <a:t>?</a:t>
+            </a:r>
+          </a:p>
+          <a:p>
+            <a:pPr marL="0" indent="0">
+              <a:buNone/>
+            </a:pPr>
+            <a:r>
+              <a:rPr lang="de-CH" dirty="0" err="1">
+                <a:latin typeface="+mj-lt"/>
+              </a:rPr>
+              <a:t>Turbulance</a:t>
+            </a:r>
+            <a:r>
+              <a:rPr lang="de-CH" dirty="0">
+                <a:latin typeface="+mj-lt"/>
+              </a:rPr>
               <a:t>, </a:t>
             </a:r>
             <a:r>
-              <a:rPr lang="de-CH" dirty="0" err="1"/>
-              <a:t>where</a:t>
-            </a:r>
-            <a:r>
-              <a:rPr lang="de-CH" dirty="0"/>
-              <a:t> </a:t>
-            </a:r>
-            <a:r>
-              <a:rPr lang="de-CH" dirty="0" err="1"/>
-              <a:t>it</a:t>
-            </a:r>
-            <a:r>
-              <a:rPr lang="de-CH" dirty="0"/>
-              <a:t> </a:t>
-            </a:r>
-            <a:r>
-              <a:rPr lang="de-CH" dirty="0" err="1"/>
-              <a:t>becomes</a:t>
-            </a:r>
-            <a:r>
-              <a:rPr lang="de-CH" dirty="0"/>
-              <a:t> </a:t>
-            </a:r>
-            <a:r>
-              <a:rPr lang="de-CH" dirty="0" err="1"/>
-              <a:t>steeper</a:t>
-            </a:r>
-            <a:r>
-              <a:rPr lang="de-CH" dirty="0"/>
-              <a:t>, </a:t>
-            </a:r>
-            <a:r>
-              <a:rPr lang="de-CH" dirty="0" err="1"/>
-              <a:t>suggesting</a:t>
-            </a:r>
-            <a:r>
-              <a:rPr lang="de-CH" dirty="0"/>
-              <a:t> an </a:t>
-            </a:r>
-            <a:r>
-              <a:rPr lang="de-CH" dirty="0" err="1"/>
-              <a:t>excess</a:t>
-            </a:r>
-            <a:r>
-              <a:rPr lang="de-CH" dirty="0"/>
-              <a:t> </a:t>
-            </a:r>
-            <a:r>
-              <a:rPr lang="de-CH" dirty="0" err="1"/>
-              <a:t>of</a:t>
-            </a:r>
-            <a:r>
-              <a:rPr lang="de-CH" dirty="0"/>
-              <a:t> </a:t>
-            </a:r>
-            <a:r>
-              <a:rPr lang="de-CH" dirty="0" err="1"/>
-              <a:t>low</a:t>
-            </a:r>
-            <a:r>
-              <a:rPr lang="de-CH" dirty="0"/>
-              <a:t>-mass </a:t>
-            </a:r>
-            <a:r>
-              <a:rPr lang="de-CH" dirty="0" err="1"/>
-              <a:t>stars</a:t>
-            </a:r>
-            <a:r>
-              <a:rPr lang="de-CH" dirty="0"/>
-              <a:t> (</a:t>
-            </a:r>
-            <a:r>
-              <a:rPr lang="de-CH" dirty="0" err="1"/>
-              <a:t>bottom</a:t>
-            </a:r>
-            <a:r>
-              <a:rPr lang="de-CH" dirty="0"/>
-              <a:t>-heavy IMF)</a:t>
-            </a:r>
-          </a:p>
-          <a:p>
-            <a:r>
-              <a:rPr lang="de-CH" dirty="0" err="1"/>
-              <a:t>Physical</a:t>
-            </a:r>
-            <a:r>
-              <a:rPr lang="de-CH" dirty="0"/>
-              <a:t> Origins </a:t>
-            </a:r>
-            <a:r>
-              <a:rPr lang="de-CH" dirty="0" err="1"/>
-              <a:t>of</a:t>
-            </a:r>
-            <a:r>
-              <a:rPr lang="de-CH" dirty="0"/>
-              <a:t> </a:t>
-            </a:r>
-            <a:r>
-              <a:rPr lang="de-CH" dirty="0" err="1"/>
+              <a:rPr lang="de-CH" dirty="0" err="1">
+                <a:latin typeface="+mj-lt"/>
+              </a:rPr>
+              <a:t>magnetic</a:t>
+            </a:r>
+            <a:r>
+              <a:rPr lang="de-CH" dirty="0">
+                <a:latin typeface="+mj-lt"/>
+              </a:rPr>
+              <a:t> </a:t>
+            </a:r>
+            <a:r>
+              <a:rPr lang="de-CH" dirty="0" err="1">
+                <a:latin typeface="+mj-lt"/>
+              </a:rPr>
+              <a:t>fields</a:t>
+            </a:r>
+            <a:r>
+              <a:rPr lang="de-CH" dirty="0">
+                <a:latin typeface="+mj-lt"/>
+              </a:rPr>
+              <a:t>, and </a:t>
+            </a:r>
+            <a:r>
+              <a:rPr lang="de-CH" dirty="0" err="1">
+                <a:latin typeface="+mj-lt"/>
+              </a:rPr>
+              <a:t>gravity</a:t>
+            </a:r>
+            <a:r>
+              <a:rPr lang="de-CH" dirty="0">
+                <a:latin typeface="+mj-lt"/>
+              </a:rPr>
+              <a:t> in star-</a:t>
+            </a:r>
+            <a:r>
+              <a:rPr lang="de-CH" dirty="0" err="1">
+                <a:latin typeface="+mj-lt"/>
+              </a:rPr>
+              <a:t>forming</a:t>
+            </a:r>
+            <a:r>
+              <a:rPr lang="de-CH" dirty="0">
+                <a:latin typeface="+mj-lt"/>
+              </a:rPr>
+              <a:t> </a:t>
+            </a:r>
+            <a:r>
+              <a:rPr lang="de-CH" dirty="0" err="1">
+                <a:latin typeface="+mj-lt"/>
+              </a:rPr>
+              <a:t>clouds</a:t>
+            </a:r>
+            <a:r>
+              <a:rPr lang="de-CH" dirty="0">
+                <a:latin typeface="+mj-lt"/>
+              </a:rPr>
+              <a:t> </a:t>
+            </a:r>
+            <a:r>
+              <a:rPr lang="de-CH" dirty="0" err="1">
+                <a:latin typeface="+mj-lt"/>
+              </a:rPr>
+              <a:t>can</a:t>
+            </a:r>
+            <a:r>
+              <a:rPr lang="de-CH" dirty="0">
+                <a:latin typeface="+mj-lt"/>
+              </a:rPr>
+              <a:t> </a:t>
+            </a:r>
+            <a:r>
+              <a:rPr lang="de-CH" dirty="0" err="1">
+                <a:latin typeface="+mj-lt"/>
+              </a:rPr>
+              <a:t>influence</a:t>
+            </a:r>
+            <a:r>
+              <a:rPr lang="de-CH" dirty="0">
+                <a:latin typeface="+mj-lt"/>
+              </a:rPr>
+              <a:t> </a:t>
+            </a:r>
+            <a:r>
+              <a:rPr lang="de-CH" dirty="0" err="1">
+                <a:latin typeface="+mj-lt"/>
+              </a:rPr>
               <a:t>the</a:t>
             </a:r>
             <a:r>
-              <a:rPr lang="de-CH" dirty="0"/>
-              <a:t> IMF: </a:t>
-            </a:r>
-            <a:r>
-              <a:rPr lang="de-CH" dirty="0" err="1"/>
-              <a:t>Turbulence</a:t>
-            </a:r>
-            <a:r>
-              <a:rPr lang="de-CH" dirty="0"/>
-              <a:t>, </a:t>
-            </a:r>
-            <a:r>
-              <a:rPr lang="de-CH" dirty="0" err="1"/>
-              <a:t>magnetic</a:t>
-            </a:r>
-            <a:r>
-              <a:rPr lang="de-CH" dirty="0"/>
-              <a:t> </a:t>
-            </a:r>
-            <a:r>
-              <a:rPr lang="de-CH" dirty="0" err="1"/>
-              <a:t>fields</a:t>
-            </a:r>
-            <a:r>
-              <a:rPr lang="de-CH" dirty="0"/>
-              <a:t>, and </a:t>
-            </a:r>
-            <a:r>
-              <a:rPr lang="de-CH" dirty="0" err="1"/>
-              <a:t>gravitational</a:t>
-            </a:r>
-            <a:r>
-              <a:rPr lang="de-CH" dirty="0"/>
-              <a:t> </a:t>
-            </a:r>
-            <a:r>
-              <a:rPr lang="de-CH" dirty="0" err="1"/>
-              <a:t>instability</a:t>
-            </a:r>
-            <a:r>
-              <a:rPr lang="de-CH" dirty="0"/>
-              <a:t> in star-</a:t>
-            </a:r>
-            <a:r>
-              <a:rPr lang="de-CH" dirty="0" err="1"/>
-              <a:t>forming</a:t>
-            </a:r>
-            <a:r>
-              <a:rPr lang="de-CH" dirty="0"/>
-              <a:t> </a:t>
-            </a:r>
-            <a:r>
-              <a:rPr lang="de-CH" dirty="0" err="1"/>
-              <a:t>regions</a:t>
-            </a:r>
-            <a:r>
-              <a:rPr lang="de-CH" dirty="0"/>
-              <a:t> </a:t>
-            </a:r>
-            <a:r>
-              <a:rPr lang="de-CH" dirty="0" err="1"/>
-              <a:t>are</a:t>
-            </a:r>
-            <a:r>
-              <a:rPr lang="de-CH" dirty="0"/>
-              <a:t> </a:t>
-            </a:r>
-            <a:r>
-              <a:rPr lang="de-CH" dirty="0" err="1"/>
-              <a:t>primary</a:t>
-            </a:r>
-            <a:r>
-              <a:rPr lang="de-CH" dirty="0"/>
-              <a:t> </a:t>
-            </a:r>
-            <a:r>
-              <a:rPr lang="de-CH" dirty="0" err="1"/>
-              <a:t>factors</a:t>
-            </a:r>
-            <a:r>
-              <a:rPr lang="de-CH" dirty="0"/>
-              <a:t> </a:t>
-            </a:r>
-            <a:r>
-              <a:rPr lang="de-CH" dirty="0" err="1"/>
-              <a:t>shaping</a:t>
-            </a:r>
-            <a:r>
-              <a:rPr lang="de-CH" dirty="0"/>
-              <a:t> </a:t>
-            </a:r>
-            <a:r>
-              <a:rPr lang="de-CH" dirty="0" err="1"/>
-              <a:t>the</a:t>
-            </a:r>
-            <a:r>
-              <a:rPr lang="de-CH" dirty="0"/>
-              <a:t> IMF. These </a:t>
-            </a:r>
-            <a:r>
-              <a:rPr lang="de-CH" dirty="0" err="1"/>
-              <a:t>mechanisms</a:t>
-            </a:r>
-            <a:r>
-              <a:rPr lang="de-CH" dirty="0"/>
-              <a:t> </a:t>
-            </a:r>
-            <a:r>
-              <a:rPr lang="de-CH" dirty="0" err="1"/>
-              <a:t>help</a:t>
-            </a:r>
-            <a:r>
-              <a:rPr lang="de-CH" dirty="0"/>
-              <a:t> </a:t>
-            </a:r>
-            <a:r>
-              <a:rPr lang="de-CH" dirty="0" err="1"/>
-              <a:t>explain</a:t>
-            </a:r>
-            <a:r>
-              <a:rPr lang="de-CH" dirty="0"/>
-              <a:t> </a:t>
-            </a:r>
-            <a:r>
-              <a:rPr lang="de-CH" dirty="0" err="1"/>
-              <a:t>the</a:t>
-            </a:r>
-            <a:r>
-              <a:rPr lang="de-CH" dirty="0"/>
-              <a:t> universal power-</a:t>
-            </a:r>
-            <a:r>
-              <a:rPr lang="de-CH" dirty="0" err="1"/>
-              <a:t>law</a:t>
-            </a:r>
-            <a:r>
-              <a:rPr lang="de-CH" dirty="0"/>
-              <a:t> </a:t>
-            </a:r>
-            <a:r>
-              <a:rPr lang="de-CH" dirty="0" err="1"/>
-              <a:t>tail</a:t>
-            </a:r>
-            <a:r>
-              <a:rPr lang="de-CH" dirty="0"/>
-              <a:t> for high-mass </a:t>
-            </a:r>
-            <a:r>
-              <a:rPr lang="de-CH" dirty="0" err="1"/>
-              <a:t>stars</a:t>
-            </a:r>
-            <a:endParaRPr lang="de-CH" dirty="0"/>
-          </a:p>
-          <a:p>
-            <a:r>
-              <a:rPr lang="de-CH" dirty="0" err="1"/>
-              <a:t>Enviromental</a:t>
-            </a:r>
-            <a:r>
-              <a:rPr lang="de-CH" dirty="0"/>
-              <a:t> </a:t>
-            </a:r>
-            <a:r>
-              <a:rPr lang="de-CH" dirty="0" err="1"/>
-              <a:t>Dependence</a:t>
-            </a:r>
-            <a:r>
-              <a:rPr lang="de-CH" dirty="0"/>
-              <a:t>: The </a:t>
-            </a:r>
-            <a:r>
-              <a:rPr lang="de-CH" dirty="0" err="1"/>
+              <a:rPr lang="de-CH" dirty="0">
+                <a:latin typeface="+mj-lt"/>
+              </a:rPr>
+              <a:t> </a:t>
+            </a:r>
+            <a:r>
+              <a:rPr lang="de-CH" dirty="0" err="1">
+                <a:latin typeface="+mj-lt"/>
+              </a:rPr>
               <a:t>IMF’s</a:t>
             </a:r>
             <a:r>
-              <a:rPr lang="de-CH" dirty="0"/>
-              <a:t> </a:t>
-            </a:r>
-            <a:r>
-              <a:rPr lang="de-CH" dirty="0" err="1"/>
+              <a:rPr lang="de-CH" dirty="0">
+                <a:latin typeface="+mj-lt"/>
+              </a:rPr>
+              <a:t> </a:t>
+            </a:r>
+            <a:r>
+              <a:rPr lang="de-CH" dirty="0" err="1">
+                <a:latin typeface="+mj-lt"/>
+              </a:rPr>
               <a:t>shape</a:t>
             </a:r>
             <a:r>
-              <a:rPr lang="de-CH" dirty="0"/>
-              <a:t> </a:t>
-            </a:r>
-            <a:r>
-              <a:rPr lang="de-CH" dirty="0" err="1"/>
-              <a:t>can</a:t>
-            </a:r>
-            <a:r>
-              <a:rPr lang="de-CH" dirty="0"/>
-              <a:t> </a:t>
-            </a:r>
-            <a:r>
-              <a:rPr lang="de-CH" dirty="0" err="1"/>
-              <a:t>vary</a:t>
-            </a:r>
-            <a:r>
-              <a:rPr lang="de-CH" dirty="0"/>
-              <a:t> </a:t>
-            </a:r>
-            <a:r>
-              <a:rPr lang="de-CH" dirty="0" err="1"/>
-              <a:t>based</a:t>
-            </a:r>
-            <a:r>
-              <a:rPr lang="de-CH" dirty="0"/>
-              <a:t> on </a:t>
-            </a:r>
-            <a:r>
-              <a:rPr lang="de-CH" dirty="0" err="1"/>
-              <a:t>enviromental</a:t>
-            </a:r>
-            <a:r>
-              <a:rPr lang="de-CH" dirty="0"/>
-              <a:t> </a:t>
-            </a:r>
-            <a:r>
-              <a:rPr lang="de-CH" dirty="0" err="1"/>
-              <a:t>conditions</a:t>
-            </a:r>
-            <a:r>
-              <a:rPr lang="de-CH" dirty="0"/>
-              <a:t> like </a:t>
-            </a:r>
-            <a:r>
-              <a:rPr lang="de-CH" dirty="0" err="1"/>
-              <a:t>temperature</a:t>
-            </a:r>
-            <a:r>
-              <a:rPr lang="de-CH" dirty="0"/>
-              <a:t> and </a:t>
-            </a:r>
-            <a:r>
-              <a:rPr lang="de-CH" dirty="0" err="1"/>
-              <a:t>density</a:t>
-            </a:r>
-            <a:r>
-              <a:rPr lang="de-CH" dirty="0"/>
-              <a:t> in star-</a:t>
-            </a:r>
-            <a:r>
-              <a:rPr lang="de-CH" dirty="0" err="1"/>
-              <a:t>forming</a:t>
-            </a:r>
-            <a:r>
-              <a:rPr lang="de-CH" dirty="0"/>
-              <a:t> </a:t>
-            </a:r>
-            <a:r>
-              <a:rPr lang="de-CH" dirty="0" err="1"/>
-              <a:t>regions</a:t>
-            </a:r>
-            <a:r>
-              <a:rPr lang="de-CH" dirty="0"/>
+              <a:rPr lang="de-CH" dirty="0">
+                <a:latin typeface="+mj-lt"/>
+              </a:rPr>
               <a:t>.</a:t>
             </a:r>
           </a:p>
@@ -5351,506 +5771,737 @@
             </a:r>
             <a:r>
               <a:rPr lang="de-CH" dirty="0"/>
-              <a:t> Studies</a:t>
-            </a:r>
-          </a:p>
-        </p:txBody>
-      </p:sp>
-      <p:sp>
-        <p:nvSpPr>
-          <p:cNvPr id="3" name="Inhaltsplatzhalter 2">
-            <a:extLst>
-              <a:ext uri="{FF2B5EF4-FFF2-40B4-BE49-F238E27FC236}">
-                <a16:creationId xmlns:a16="http://schemas.microsoft.com/office/drawing/2014/main" id="{1263C8D3-477F-AC60-DF3A-3D2D1E623609}"/>
-              </a:ext>
-            </a:extLst>
-          </p:cNvPr>
-          <p:cNvSpPr>
-            <a:spLocks noGrp="1"/>
-          </p:cNvSpPr>
-          <p:nvPr>
-            <p:ph idx="1"/>
-          </p:nvPr>
-        </p:nvSpPr>
-        <p:spPr bwMode="white"/>
-        <p:txBody>
-          <a:bodyPr/>
-          <a:lstStyle/>
-          <a:p>
-            <a:r>
-              <a:rPr lang="de-CH" dirty="0"/>
-              <a:t>IMF in </a:t>
-            </a:r>
-            <a:r>
-              <a:rPr lang="de-CH" dirty="0" err="1"/>
-              <a:t>Local</a:t>
-            </a:r>
-            <a:r>
-              <a:rPr lang="de-CH" dirty="0"/>
-              <a:t> Clusters: With </a:t>
-            </a:r>
-            <a:r>
-              <a:rPr lang="de-CH" dirty="0" err="1"/>
-              <a:t>new</a:t>
-            </a:r>
-            <a:r>
-              <a:rPr lang="de-CH" dirty="0"/>
-              <a:t> </a:t>
-            </a:r>
-            <a:r>
-              <a:rPr lang="de-CH" dirty="0" err="1"/>
-              <a:t>instruments</a:t>
-            </a:r>
-            <a:r>
-              <a:rPr lang="de-CH" dirty="0"/>
-              <a:t> like MICADO on </a:t>
-            </a:r>
-            <a:r>
-              <a:rPr lang="de-CH" dirty="0" err="1"/>
-              <a:t>the</a:t>
-            </a:r>
-            <a:r>
-              <a:rPr lang="de-CH" dirty="0"/>
-              <a:t> ELT, </a:t>
-            </a:r>
-            <a:r>
-              <a:rPr lang="de-CH" dirty="0" err="1"/>
-              <a:t>studies</a:t>
-            </a:r>
-            <a:r>
-              <a:rPr lang="de-CH" dirty="0"/>
-              <a:t> </a:t>
-            </a:r>
-            <a:r>
-              <a:rPr lang="de-CH" dirty="0" err="1"/>
-              <a:t>aim</a:t>
-            </a:r>
-            <a:r>
-              <a:rPr lang="de-CH" dirty="0"/>
-              <a:t> </a:t>
-            </a:r>
-            <a:r>
-              <a:rPr lang="de-CH" dirty="0" err="1"/>
-              <a:t>to</a:t>
-            </a:r>
-            <a:r>
-              <a:rPr lang="de-CH" dirty="0"/>
-              <a:t> </a:t>
-            </a:r>
-            <a:r>
-              <a:rPr lang="de-CH" dirty="0" err="1"/>
-              <a:t>resolve</a:t>
-            </a:r>
-            <a:r>
-              <a:rPr lang="de-CH" dirty="0"/>
-              <a:t> </a:t>
-            </a:r>
-            <a:r>
-              <a:rPr lang="de-CH" dirty="0" err="1"/>
-              <a:t>dense</a:t>
-            </a:r>
-            <a:r>
-              <a:rPr lang="de-CH" dirty="0"/>
-              <a:t> </a:t>
-            </a:r>
-            <a:r>
-              <a:rPr lang="de-CH" dirty="0" err="1"/>
-              <a:t>young</a:t>
-            </a:r>
-            <a:r>
-              <a:rPr lang="de-CH" dirty="0"/>
-              <a:t> stellar </a:t>
-            </a:r>
-            <a:r>
-              <a:rPr lang="de-CH" dirty="0" err="1"/>
-              <a:t>clusters</a:t>
-            </a:r>
-            <a:r>
-              <a:rPr lang="de-CH" dirty="0"/>
-              <a:t>, </a:t>
-            </a:r>
-            <a:r>
-              <a:rPr lang="de-CH" dirty="0" err="1"/>
-              <a:t>allowing</a:t>
-            </a:r>
-            <a:r>
-              <a:rPr lang="de-CH" dirty="0"/>
-              <a:t> </a:t>
-            </a:r>
-            <a:r>
-              <a:rPr lang="de-CH" dirty="0" err="1"/>
-              <a:t>more</a:t>
-            </a:r>
-            <a:r>
-              <a:rPr lang="de-CH" dirty="0"/>
-              <a:t> </a:t>
-            </a:r>
-            <a:r>
-              <a:rPr lang="de-CH" dirty="0" err="1"/>
-              <a:t>precise</a:t>
-            </a:r>
-            <a:r>
-              <a:rPr lang="de-CH" dirty="0"/>
-              <a:t> IMF </a:t>
-            </a:r>
-            <a:r>
-              <a:rPr lang="de-CH" dirty="0" err="1"/>
-              <a:t>measurements</a:t>
-            </a:r>
-            <a:r>
-              <a:rPr lang="de-CH" dirty="0"/>
-              <a:t> </a:t>
-            </a:r>
-            <a:r>
-              <a:rPr lang="de-CH" dirty="0" err="1"/>
-              <a:t>across</a:t>
-            </a:r>
-            <a:r>
-              <a:rPr lang="de-CH" dirty="0"/>
-              <a:t> </a:t>
-            </a:r>
-            <a:r>
-              <a:rPr lang="de-CH" dirty="0" err="1"/>
-              <a:t>the</a:t>
-            </a:r>
-            <a:r>
-              <a:rPr lang="de-CH" dirty="0"/>
-              <a:t> </a:t>
-            </a:r>
-            <a:r>
-              <a:rPr lang="de-CH" dirty="0" err="1"/>
-              <a:t>local</a:t>
-            </a:r>
-            <a:r>
-              <a:rPr lang="de-CH" dirty="0"/>
-              <a:t> </a:t>
-            </a:r>
-            <a:r>
-              <a:rPr lang="de-CH" dirty="0" err="1"/>
-              <a:t>universe</a:t>
-            </a:r>
-            <a:r>
-              <a:rPr lang="de-CH" dirty="0"/>
-              <a:t>.</a:t>
-            </a:r>
-          </a:p>
-          <a:p>
-            <a:r>
-              <a:rPr lang="de-CH" dirty="0"/>
-              <a:t>Mass Segregation in Star Clusters: </a:t>
-            </a:r>
-            <a:r>
-              <a:rPr lang="de-CH" dirty="0" err="1"/>
-              <a:t>Recent</a:t>
-            </a:r>
-            <a:r>
-              <a:rPr lang="de-CH" dirty="0"/>
-              <a:t> </a:t>
-            </a:r>
-            <a:r>
-              <a:rPr lang="de-CH" dirty="0" err="1"/>
-              <a:t>work</a:t>
-            </a:r>
-            <a:r>
-              <a:rPr lang="de-CH" dirty="0"/>
-              <a:t> </a:t>
-            </a:r>
-            <a:r>
-              <a:rPr lang="de-CH" dirty="0" err="1"/>
-              <a:t>explores</a:t>
-            </a:r>
-            <a:r>
-              <a:rPr lang="de-CH" dirty="0"/>
-              <a:t> </a:t>
-            </a:r>
-            <a:r>
-              <a:rPr lang="de-CH" dirty="0" err="1"/>
-              <a:t>whether</a:t>
-            </a:r>
-            <a:r>
-              <a:rPr lang="de-CH" dirty="0"/>
-              <a:t> </a:t>
-            </a:r>
-            <a:r>
-              <a:rPr lang="de-CH" dirty="0" err="1"/>
-              <a:t>star</a:t>
-            </a:r>
-            <a:r>
-              <a:rPr lang="de-CH" dirty="0"/>
-              <a:t> </a:t>
-            </a:r>
-            <a:r>
-              <a:rPr lang="de-CH" dirty="0" err="1"/>
-              <a:t>clusters</a:t>
-            </a:r>
-            <a:r>
-              <a:rPr lang="de-CH" dirty="0"/>
-              <a:t> form </a:t>
-            </a:r>
-            <a:r>
-              <a:rPr lang="de-CH" dirty="0" err="1"/>
-              <a:t>with</a:t>
-            </a:r>
-            <a:r>
-              <a:rPr lang="de-CH" dirty="0"/>
-              <a:t> mass </a:t>
-            </a:r>
-            <a:r>
-              <a:rPr lang="de-CH" dirty="0" err="1"/>
-              <a:t>segregation</a:t>
-            </a:r>
-            <a:r>
-              <a:rPr lang="de-CH" dirty="0"/>
-              <a:t>, </a:t>
-            </a:r>
-            <a:r>
-              <a:rPr lang="de-CH" dirty="0" err="1"/>
-              <a:t>where</a:t>
-            </a:r>
-            <a:r>
-              <a:rPr lang="de-CH" dirty="0"/>
-              <a:t> </a:t>
-            </a:r>
-            <a:r>
-              <a:rPr lang="de-CH" dirty="0" err="1"/>
-              <a:t>more</a:t>
-            </a:r>
-            <a:r>
-              <a:rPr lang="de-CH" dirty="0"/>
-              <a:t> massive </a:t>
-            </a:r>
-            <a:r>
-              <a:rPr lang="de-CH" dirty="0" err="1"/>
-              <a:t>stars</a:t>
-            </a:r>
-            <a:r>
-              <a:rPr lang="de-CH" dirty="0"/>
-              <a:t> </a:t>
-            </a:r>
-            <a:r>
-              <a:rPr lang="de-CH" dirty="0" err="1"/>
-              <a:t>concentrate</a:t>
-            </a:r>
-            <a:r>
-              <a:rPr lang="de-CH" dirty="0"/>
-              <a:t> at </a:t>
-            </a:r>
-            <a:r>
-              <a:rPr lang="de-CH" dirty="0" err="1"/>
-              <a:t>the</a:t>
-            </a:r>
-            <a:r>
-              <a:rPr lang="de-CH" dirty="0"/>
-              <a:t> </a:t>
-            </a:r>
-            <a:r>
-              <a:rPr lang="de-CH" dirty="0" err="1"/>
-              <a:t>center</a:t>
-            </a:r>
-            <a:r>
-              <a:rPr lang="de-CH" dirty="0"/>
-              <a:t>. This </a:t>
-            </a:r>
-            <a:r>
-              <a:rPr lang="de-CH" dirty="0" err="1"/>
-              <a:t>phenomenon</a:t>
-            </a:r>
-            <a:r>
-              <a:rPr lang="de-CH" dirty="0"/>
-              <a:t> </a:t>
-            </a:r>
-            <a:r>
-              <a:rPr lang="de-CH" dirty="0" err="1"/>
-              <a:t>has</a:t>
-            </a:r>
-            <a:r>
-              <a:rPr lang="de-CH" dirty="0"/>
-              <a:t> </a:t>
-            </a:r>
-            <a:r>
-              <a:rPr lang="de-CH" dirty="0" err="1"/>
-              <a:t>implications</a:t>
-            </a:r>
-            <a:r>
-              <a:rPr lang="de-CH" dirty="0"/>
-              <a:t> for </a:t>
-            </a:r>
-            <a:r>
-              <a:rPr lang="de-CH" dirty="0" err="1"/>
-              <a:t>cluster</a:t>
-            </a:r>
-            <a:r>
-              <a:rPr lang="de-CH" dirty="0"/>
-              <a:t> </a:t>
-            </a:r>
-            <a:r>
-              <a:rPr lang="de-CH" dirty="0" err="1"/>
-              <a:t>evolution</a:t>
-            </a:r>
-            <a:r>
-              <a:rPr lang="de-CH" dirty="0"/>
-              <a:t> and IMF </a:t>
-            </a:r>
-            <a:r>
-              <a:rPr lang="de-CH" dirty="0" err="1"/>
-              <a:t>observations</a:t>
-            </a:r>
-            <a:r>
-              <a:rPr lang="de-CH" dirty="0"/>
-              <a:t>.</a:t>
-            </a:r>
-          </a:p>
-          <a:p>
+              <a:t> </a:t>
+            </a:r>
             <a:r>
               <a:rPr lang="de-CH" dirty="0" err="1"/>
               <a:t>Advances</a:t>
             </a:r>
             <a:r>
               <a:rPr lang="de-CH" dirty="0"/>
-              <a:t> in IMF Theory: </a:t>
-            </a:r>
-            <a:r>
-              <a:rPr lang="de-CH" dirty="0" err="1"/>
-              <a:t>Latest</a:t>
-            </a:r>
-            <a:r>
-              <a:rPr lang="de-CH" dirty="0"/>
-              <a:t> </a:t>
-            </a:r>
-            <a:r>
-              <a:rPr lang="de-CH" dirty="0" err="1"/>
+              <a:t> in IMF</a:t>
+            </a:r>
+          </a:p>
+        </p:txBody>
+      </p:sp>
+      <p:sp>
+        <p:nvSpPr>
+          <p:cNvPr id="3" name="Inhaltsplatzhalter 2">
+            <a:extLst>
+              <a:ext uri="{FF2B5EF4-FFF2-40B4-BE49-F238E27FC236}">
+                <a16:creationId xmlns:a16="http://schemas.microsoft.com/office/drawing/2014/main" id="{1263C8D3-477F-AC60-DF3A-3D2D1E623609}"/>
+              </a:ext>
+            </a:extLst>
+          </p:cNvPr>
+          <p:cNvSpPr>
+            <a:spLocks noGrp="1"/>
+          </p:cNvSpPr>
+          <p:nvPr>
+            <p:ph idx="1"/>
+          </p:nvPr>
+        </p:nvSpPr>
+        <p:spPr bwMode="white"/>
+        <p:txBody>
+          <a:bodyPr>
+            <a:normAutofit fontScale="92500" lnSpcReduction="10000"/>
+          </a:bodyPr>
+          <a:lstStyle/>
+          <a:p>
+            <a:r>
+              <a:rPr lang="de-CH" b="1" dirty="0">
+                <a:latin typeface="+mj-lt"/>
+              </a:rPr>
+              <a:t>New Tools for IMF </a:t>
+            </a:r>
+            <a:r>
+              <a:rPr lang="de-CH" b="1" dirty="0" err="1">
+                <a:latin typeface="+mj-lt"/>
+              </a:rPr>
+              <a:t>study</a:t>
+            </a:r>
+            <a:r>
+              <a:rPr lang="de-CH" b="1" dirty="0">
+                <a:latin typeface="+mj-lt"/>
+              </a:rPr>
+              <a:t>:</a:t>
+            </a:r>
+          </a:p>
+          <a:p>
+            <a:pPr marL="0" indent="0">
+              <a:buNone/>
+            </a:pPr>
+            <a:r>
+              <a:rPr lang="de-CH" dirty="0" err="1">
+                <a:latin typeface="+mj-lt"/>
+              </a:rPr>
+              <a:t>Upcoming</a:t>
+            </a:r>
+            <a:r>
+              <a:rPr lang="de-CH" dirty="0">
+                <a:latin typeface="+mj-lt"/>
+              </a:rPr>
+              <a:t> </a:t>
+            </a:r>
+            <a:r>
+              <a:rPr lang="de-CH" dirty="0" err="1">
+                <a:latin typeface="+mj-lt"/>
+              </a:rPr>
+              <a:t>instruments</a:t>
+            </a:r>
+            <a:r>
+              <a:rPr lang="de-CH" dirty="0">
+                <a:latin typeface="+mj-lt"/>
+              </a:rPr>
+              <a:t>, like MICADO on </a:t>
+            </a:r>
+            <a:r>
+              <a:rPr lang="de-CH" dirty="0" err="1">
+                <a:latin typeface="+mj-lt"/>
+              </a:rPr>
+              <a:t>the</a:t>
+            </a:r>
+            <a:r>
+              <a:rPr lang="de-CH" dirty="0">
+                <a:latin typeface="+mj-lt"/>
+              </a:rPr>
+              <a:t> ELT, will </a:t>
+            </a:r>
+            <a:r>
+              <a:rPr lang="de-CH" dirty="0" err="1">
+                <a:latin typeface="+mj-lt"/>
+              </a:rPr>
+              <a:t>allow</a:t>
+            </a:r>
+            <a:r>
+              <a:rPr lang="de-CH" dirty="0">
+                <a:latin typeface="+mj-lt"/>
+              </a:rPr>
+              <a:t> </a:t>
+            </a:r>
+            <a:r>
+              <a:rPr lang="de-CH" dirty="0" err="1">
+                <a:latin typeface="+mj-lt"/>
+              </a:rPr>
+              <a:t>us</a:t>
+            </a:r>
+            <a:r>
+              <a:rPr lang="de-CH" dirty="0">
+                <a:latin typeface="+mj-lt"/>
+              </a:rPr>
+              <a:t> </a:t>
+            </a:r>
+            <a:r>
+              <a:rPr lang="de-CH" dirty="0" err="1">
+                <a:latin typeface="+mj-lt"/>
+              </a:rPr>
+              <a:t>to</a:t>
+            </a:r>
+            <a:r>
+              <a:rPr lang="de-CH" dirty="0">
+                <a:latin typeface="+mj-lt"/>
+              </a:rPr>
+              <a:t> </a:t>
+            </a:r>
+            <a:r>
+              <a:rPr lang="de-CH" dirty="0" err="1">
+                <a:latin typeface="+mj-lt"/>
+              </a:rPr>
+              <a:t>study</a:t>
+            </a:r>
+            <a:r>
+              <a:rPr lang="de-CH" dirty="0">
+                <a:latin typeface="+mj-lt"/>
+              </a:rPr>
+              <a:t> </a:t>
+            </a:r>
+            <a:r>
+              <a:rPr lang="de-CH" dirty="0" err="1">
+                <a:latin typeface="+mj-lt"/>
+              </a:rPr>
+              <a:t>dense</a:t>
+            </a:r>
+            <a:r>
+              <a:rPr lang="de-CH" dirty="0">
+                <a:latin typeface="+mj-lt"/>
+              </a:rPr>
+              <a:t> </a:t>
+            </a:r>
+            <a:r>
+              <a:rPr lang="de-CH" dirty="0" err="1">
+                <a:latin typeface="+mj-lt"/>
+              </a:rPr>
+              <a:t>star</a:t>
+            </a:r>
+            <a:r>
+              <a:rPr lang="de-CH" dirty="0">
+                <a:latin typeface="+mj-lt"/>
+              </a:rPr>
+              <a:t> </a:t>
+            </a:r>
+            <a:r>
+              <a:rPr lang="de-CH" dirty="0" err="1">
+                <a:latin typeface="+mj-lt"/>
+              </a:rPr>
+              <a:t>clusters</a:t>
+            </a:r>
+            <a:r>
+              <a:rPr lang="de-CH" dirty="0">
+                <a:latin typeface="+mj-lt"/>
+              </a:rPr>
+              <a:t> </a:t>
+            </a:r>
+            <a:r>
+              <a:rPr lang="de-CH" dirty="0" err="1">
+                <a:latin typeface="+mj-lt"/>
+              </a:rPr>
+              <a:t>with</a:t>
+            </a:r>
+            <a:r>
+              <a:rPr lang="de-CH" dirty="0">
+                <a:latin typeface="+mj-lt"/>
+              </a:rPr>
+              <a:t> </a:t>
+            </a:r>
+            <a:r>
+              <a:rPr lang="de-CH" dirty="0" err="1">
+                <a:latin typeface="+mj-lt"/>
+              </a:rPr>
+              <a:t>more</a:t>
+            </a:r>
+            <a:r>
+              <a:rPr lang="de-CH" dirty="0">
+                <a:latin typeface="+mj-lt"/>
+              </a:rPr>
+              <a:t> </a:t>
+            </a:r>
+            <a:r>
+              <a:rPr lang="de-CH" dirty="0" err="1">
+                <a:latin typeface="+mj-lt"/>
+              </a:rPr>
+              <a:t>detail</a:t>
+            </a:r>
+            <a:r>
+              <a:rPr lang="de-CH" dirty="0">
+                <a:latin typeface="+mj-lt"/>
+              </a:rPr>
+              <a:t>.</a:t>
+            </a:r>
+          </a:p>
+          <a:p>
+            <a:r>
+              <a:rPr lang="de-CH" b="1" dirty="0">
+                <a:latin typeface="+mj-lt"/>
+              </a:rPr>
+              <a:t>Mass Segregation:</a:t>
+            </a:r>
+          </a:p>
+          <a:p>
+            <a:pPr marL="0" indent="0">
+              <a:buNone/>
+            </a:pPr>
+            <a:r>
+              <a:rPr lang="de-CH" dirty="0" err="1">
+                <a:latin typeface="+mj-lt"/>
+              </a:rPr>
+              <a:t>Some</a:t>
+            </a:r>
+            <a:r>
+              <a:rPr lang="de-CH" dirty="0">
+                <a:latin typeface="+mj-lt"/>
+              </a:rPr>
+              <a:t> </a:t>
+            </a:r>
+            <a:r>
+              <a:rPr lang="de-CH" dirty="0" err="1">
+                <a:latin typeface="+mj-lt"/>
+              </a:rPr>
+              <a:t>studies</a:t>
+            </a:r>
+            <a:r>
+              <a:rPr lang="de-CH" dirty="0">
+                <a:latin typeface="+mj-lt"/>
+              </a:rPr>
+              <a:t> </a:t>
+            </a:r>
+            <a:r>
+              <a:rPr lang="de-CH" dirty="0" err="1">
+                <a:latin typeface="+mj-lt"/>
+              </a:rPr>
+              <a:t>suggest</a:t>
+            </a:r>
+            <a:r>
+              <a:rPr lang="de-CH" dirty="0">
+                <a:latin typeface="+mj-lt"/>
+              </a:rPr>
+              <a:t> </a:t>
+            </a:r>
+            <a:r>
+              <a:rPr lang="de-CH" dirty="0" err="1">
+                <a:latin typeface="+mj-lt"/>
+              </a:rPr>
+              <a:t>that</a:t>
+            </a:r>
+            <a:r>
+              <a:rPr lang="de-CH" dirty="0">
+                <a:latin typeface="+mj-lt"/>
+              </a:rPr>
+              <a:t> </a:t>
+            </a:r>
+            <a:r>
+              <a:rPr lang="de-CH" dirty="0" err="1">
+                <a:latin typeface="+mj-lt"/>
+              </a:rPr>
+              <a:t>stars</a:t>
+            </a:r>
+            <a:r>
+              <a:rPr lang="de-CH" dirty="0">
+                <a:latin typeface="+mj-lt"/>
+              </a:rPr>
+              <a:t> in </a:t>
+            </a:r>
+            <a:r>
+              <a:rPr lang="de-CH" dirty="0" err="1">
+                <a:latin typeface="+mj-lt"/>
+              </a:rPr>
+              <a:t>clusters</a:t>
+            </a:r>
+            <a:r>
+              <a:rPr lang="de-CH" dirty="0">
+                <a:latin typeface="+mj-lt"/>
+              </a:rPr>
+              <a:t> form </a:t>
+            </a:r>
+            <a:r>
+              <a:rPr lang="de-CH" dirty="0" err="1">
+                <a:latin typeface="+mj-lt"/>
+              </a:rPr>
+              <a:t>with</a:t>
+            </a:r>
+            <a:r>
+              <a:rPr lang="de-CH" dirty="0">
+                <a:latin typeface="+mj-lt"/>
+              </a:rPr>
+              <a:t> massive </a:t>
+            </a:r>
+            <a:r>
+              <a:rPr lang="de-CH" dirty="0" err="1">
+                <a:latin typeface="+mj-lt"/>
+              </a:rPr>
+              <a:t>stars</a:t>
+            </a:r>
+            <a:r>
+              <a:rPr lang="de-CH" dirty="0">
+                <a:latin typeface="+mj-lt"/>
+              </a:rPr>
+              <a:t> </a:t>
+            </a:r>
+            <a:r>
+              <a:rPr lang="de-CH" dirty="0" err="1">
+                <a:latin typeface="+mj-lt"/>
+              </a:rPr>
+              <a:t>closer</a:t>
+            </a:r>
+            <a:r>
+              <a:rPr lang="de-CH" dirty="0">
+                <a:latin typeface="+mj-lt"/>
+              </a:rPr>
+              <a:t> </a:t>
+            </a:r>
+            <a:r>
+              <a:rPr lang="de-CH" dirty="0" err="1">
+                <a:latin typeface="+mj-lt"/>
+              </a:rPr>
+              <a:t>to</a:t>
+            </a:r>
+            <a:r>
+              <a:rPr lang="de-CH" dirty="0">
+                <a:latin typeface="+mj-lt"/>
+              </a:rPr>
+              <a:t> </a:t>
+            </a:r>
+            <a:r>
+              <a:rPr lang="de-CH" dirty="0" err="1">
+                <a:latin typeface="+mj-lt"/>
+              </a:rPr>
+              <a:t>the</a:t>
+            </a:r>
+            <a:r>
+              <a:rPr lang="de-CH" dirty="0">
+                <a:latin typeface="+mj-lt"/>
+              </a:rPr>
+              <a:t> </a:t>
+            </a:r>
+            <a:r>
+              <a:rPr lang="de-CH" dirty="0" err="1">
+                <a:latin typeface="+mj-lt"/>
+              </a:rPr>
+              <a:t>center</a:t>
+            </a:r>
+            <a:r>
+              <a:rPr lang="de-CH" dirty="0">
+                <a:latin typeface="+mj-lt"/>
+              </a:rPr>
+              <a:t>. This </a:t>
+            </a:r>
+            <a:r>
+              <a:rPr lang="de-CH" dirty="0" err="1">
+                <a:latin typeface="+mj-lt"/>
+              </a:rPr>
+              <a:t>process</a:t>
+            </a:r>
+            <a:r>
+              <a:rPr lang="de-CH" dirty="0">
+                <a:latin typeface="+mj-lt"/>
+              </a:rPr>
+              <a:t>, </a:t>
+            </a:r>
+            <a:r>
+              <a:rPr lang="de-CH" dirty="0" err="1">
+                <a:latin typeface="+mj-lt"/>
+              </a:rPr>
+              <a:t>called</a:t>
+            </a:r>
+            <a:r>
+              <a:rPr lang="de-CH" dirty="0">
+                <a:latin typeface="+mj-lt"/>
+              </a:rPr>
+              <a:t> mass </a:t>
+            </a:r>
+            <a:r>
+              <a:rPr lang="de-CH" dirty="0" err="1">
+                <a:latin typeface="+mj-lt"/>
+              </a:rPr>
+              <a:t>segregation</a:t>
+            </a:r>
+            <a:r>
+              <a:rPr lang="de-CH" dirty="0">
+                <a:latin typeface="+mj-lt"/>
+              </a:rPr>
+              <a:t>, </a:t>
+            </a:r>
+            <a:r>
+              <a:rPr lang="de-CH" dirty="0" err="1">
+                <a:latin typeface="+mj-lt"/>
+              </a:rPr>
+              <a:t>affects</a:t>
+            </a:r>
+            <a:r>
+              <a:rPr lang="de-CH" dirty="0">
+                <a:latin typeface="+mj-lt"/>
+              </a:rPr>
+              <a:t> </a:t>
+            </a:r>
+            <a:r>
+              <a:rPr lang="de-CH" dirty="0" err="1">
+                <a:latin typeface="+mj-lt"/>
+              </a:rPr>
+              <a:t>the</a:t>
+            </a:r>
+            <a:r>
+              <a:rPr lang="de-CH" dirty="0">
+                <a:latin typeface="+mj-lt"/>
+              </a:rPr>
+              <a:t> </a:t>
+            </a:r>
+            <a:r>
+              <a:rPr lang="de-CH" dirty="0" err="1">
+                <a:latin typeface="+mj-lt"/>
+              </a:rPr>
+              <a:t>evolution</a:t>
+            </a:r>
+            <a:r>
+              <a:rPr lang="de-CH" dirty="0">
+                <a:latin typeface="+mj-lt"/>
+              </a:rPr>
+              <a:t> </a:t>
+            </a:r>
+            <a:r>
+              <a:rPr lang="de-CH" dirty="0" err="1">
+                <a:latin typeface="+mj-lt"/>
+              </a:rPr>
+              <a:t>of</a:t>
+            </a:r>
+            <a:r>
+              <a:rPr lang="de-CH" dirty="0">
+                <a:latin typeface="+mj-lt"/>
+              </a:rPr>
+              <a:t> </a:t>
+            </a:r>
+            <a:r>
+              <a:rPr lang="de-CH" dirty="0" err="1">
+                <a:latin typeface="+mj-lt"/>
+              </a:rPr>
+              <a:t>star</a:t>
+            </a:r>
+            <a:r>
+              <a:rPr lang="de-CH" dirty="0">
+                <a:latin typeface="+mj-lt"/>
+              </a:rPr>
+              <a:t> </a:t>
+            </a:r>
+            <a:r>
+              <a:rPr lang="de-CH" dirty="0" err="1">
+                <a:latin typeface="+mj-lt"/>
+              </a:rPr>
+              <a:t>clusters</a:t>
+            </a:r>
+            <a:r>
+              <a:rPr lang="de-CH" dirty="0">
+                <a:latin typeface="+mj-lt"/>
+              </a:rPr>
+              <a:t>.</a:t>
+            </a:r>
+          </a:p>
+          <a:p>
+            <a:r>
+              <a:rPr lang="de-CH" b="1" dirty="0">
+                <a:latin typeface="+mj-lt"/>
+              </a:rPr>
+              <a:t>Modern IMF Models:</a:t>
+            </a:r>
+          </a:p>
+          <a:p>
+            <a:pPr marL="0" indent="0">
+              <a:buNone/>
+            </a:pPr>
+            <a:r>
+              <a:rPr lang="de-CH" dirty="0" err="1">
+                <a:latin typeface="+mj-lt"/>
+              </a:rPr>
+              <a:t>Recent</a:t>
+            </a:r>
+            <a:r>
+              <a:rPr lang="de-CH" dirty="0">
+                <a:latin typeface="+mj-lt"/>
+              </a:rPr>
+              <a:t> </a:t>
+            </a:r>
+            <a:r>
+              <a:rPr lang="de-CH" dirty="0" err="1">
+                <a:latin typeface="+mj-lt"/>
+              </a:rPr>
               <a:t>models</a:t>
             </a:r>
             <a:r>
-              <a:rPr lang="de-CH" dirty="0"/>
-              <a:t> </a:t>
-            </a:r>
-            <a:r>
-              <a:rPr lang="de-CH" dirty="0" err="1"/>
-              <a:t>suggest</a:t>
-            </a:r>
-            <a:r>
-              <a:rPr lang="de-CH" dirty="0"/>
-              <a:t> </a:t>
-            </a:r>
-            <a:r>
-              <a:rPr lang="de-CH" dirty="0" err="1"/>
-              <a:t>that</a:t>
-            </a:r>
-            <a:r>
-              <a:rPr lang="de-CH" dirty="0"/>
-              <a:t> </a:t>
-            </a:r>
-            <a:r>
-              <a:rPr lang="de-CH" dirty="0" err="1"/>
+              <a:rPr lang="de-CH" dirty="0">
+                <a:latin typeface="+mj-lt"/>
+              </a:rPr>
+              <a:t> </a:t>
+            </a:r>
+            <a:r>
+              <a:rPr lang="de-CH" dirty="0" err="1">
+                <a:latin typeface="+mj-lt"/>
+              </a:rPr>
+              <a:t>explore</a:t>
+            </a:r>
+            <a:r>
+              <a:rPr lang="de-CH" dirty="0">
+                <a:latin typeface="+mj-lt"/>
+              </a:rPr>
+              <a:t> </a:t>
+            </a:r>
+            <a:r>
+              <a:rPr lang="de-CH" dirty="0" err="1">
+                <a:latin typeface="+mj-lt"/>
+              </a:rPr>
               <a:t>the</a:t>
             </a:r>
             <a:r>
-              <a:rPr lang="de-CH" dirty="0"/>
+              <a:rPr lang="de-CH" dirty="0">
+                <a:latin typeface="+mj-lt"/>
+              </a:rPr>
               <a:t> IMF </a:t>
             </a:r>
             <a:r>
-              <a:rPr lang="de-CH" dirty="0" err="1"/>
+              <a:rPr lang="de-CH" dirty="0" err="1">
+                <a:latin typeface="+mj-lt"/>
+              </a:rPr>
+              <a:t>as</a:t>
+            </a:r>
+            <a:r>
+              <a:rPr lang="de-CH" dirty="0">
+                <a:latin typeface="+mj-lt"/>
+              </a:rPr>
+              <a:t> a </a:t>
+            </a:r>
+            <a:r>
+              <a:rPr lang="de-CH" dirty="0" err="1">
+                <a:latin typeface="+mj-lt"/>
+              </a:rPr>
+              <a:t>statistical</a:t>
+            </a:r>
+            <a:r>
+              <a:rPr lang="de-CH" dirty="0">
+                <a:latin typeface="+mj-lt"/>
+              </a:rPr>
+              <a:t> </a:t>
+            </a:r>
+            <a:r>
+              <a:rPr lang="de-CH" dirty="0" err="1">
+                <a:latin typeface="+mj-lt"/>
+              </a:rPr>
+              <a:t>distribution</a:t>
+            </a:r>
+            <a:r>
+              <a:rPr lang="de-CH" dirty="0">
+                <a:latin typeface="+mj-lt"/>
+              </a:rPr>
+              <a:t>, </a:t>
+            </a:r>
+            <a:r>
+              <a:rPr lang="de-CH" dirty="0" err="1">
+                <a:latin typeface="+mj-lt"/>
+              </a:rPr>
+              <a:t>shaped</a:t>
+            </a:r>
+            <a:r>
+              <a:rPr lang="de-CH" dirty="0">
+                <a:latin typeface="+mj-lt"/>
+              </a:rPr>
+              <a:t> </a:t>
+            </a:r>
+            <a:r>
+              <a:rPr lang="de-CH" dirty="0" err="1">
+                <a:latin typeface="+mj-lt"/>
+              </a:rPr>
+              <a:t>by</a:t>
+            </a:r>
+            <a:r>
+              <a:rPr lang="de-CH" dirty="0">
+                <a:latin typeface="+mj-lt"/>
+              </a:rPr>
+              <a:t> </a:t>
+            </a:r>
+            <a:r>
+              <a:rPr lang="de-CH" dirty="0" err="1">
+                <a:latin typeface="+mj-lt"/>
+              </a:rPr>
+              <a:t>the</a:t>
+            </a:r>
+            <a:r>
+              <a:rPr lang="de-CH" dirty="0">
+                <a:latin typeface="+mj-lt"/>
+              </a:rPr>
+              <a:t> </a:t>
+            </a:r>
+            <a:r>
+              <a:rPr lang="de-CH" dirty="0" err="1">
+                <a:latin typeface="+mj-lt"/>
+              </a:rPr>
+              <a:t>conditions</a:t>
+            </a:r>
+            <a:r>
+              <a:rPr lang="de-CH" dirty="0">
+                <a:latin typeface="+mj-lt"/>
+              </a:rPr>
+              <a:t> in star-</a:t>
+            </a:r>
+            <a:r>
+              <a:rPr lang="de-CH" dirty="0" err="1">
+                <a:latin typeface="+mj-lt"/>
+              </a:rPr>
+              <a:t>forming</a:t>
+            </a:r>
+            <a:r>
+              <a:rPr lang="de-CH" dirty="0">
+                <a:latin typeface="+mj-lt"/>
+              </a:rPr>
+              <a:t> </a:t>
+            </a:r>
+            <a:r>
+              <a:rPr lang="de-CH" dirty="0" err="1">
+                <a:latin typeface="+mj-lt"/>
+              </a:rPr>
+              <a:t>regions</a:t>
+            </a:r>
+            <a:r>
+              <a:rPr lang="de-CH" dirty="0">
+                <a:latin typeface="+mj-lt"/>
+              </a:rPr>
+              <a:t>. This </a:t>
+            </a:r>
+            <a:r>
+              <a:rPr lang="de-CH" dirty="0" err="1">
+                <a:latin typeface="+mj-lt"/>
+              </a:rPr>
               <a:t>may</a:t>
             </a:r>
             <a:r>
-              <a:rPr lang="de-CH" dirty="0"/>
-              <a:t> </a:t>
-            </a:r>
-            <a:r>
-              <a:rPr lang="de-CH" dirty="0" err="1"/>
-              <a:t>be</a:t>
-            </a:r>
-            <a:r>
-              <a:rPr lang="de-CH" dirty="0"/>
-              <a:t> a </a:t>
-            </a:r>
-            <a:r>
-              <a:rPr lang="de-CH" dirty="0" err="1"/>
-              <a:t>statistical</a:t>
-            </a:r>
-            <a:r>
-              <a:rPr lang="de-CH" dirty="0"/>
-              <a:t> </a:t>
-            </a:r>
-            <a:r>
-              <a:rPr lang="de-CH" dirty="0" err="1"/>
-              <a:t>distribution</a:t>
-            </a:r>
-            <a:r>
-              <a:rPr lang="de-CH" dirty="0"/>
-              <a:t> </a:t>
-            </a:r>
-            <a:r>
-              <a:rPr lang="de-CH" dirty="0" err="1"/>
-              <a:t>influenced</a:t>
-            </a:r>
-            <a:r>
-              <a:rPr lang="de-CH" dirty="0"/>
-              <a:t> </a:t>
-            </a:r>
-            <a:r>
-              <a:rPr lang="de-CH" dirty="0" err="1"/>
-              <a:t>by</a:t>
-            </a:r>
-            <a:r>
-              <a:rPr lang="de-CH" dirty="0"/>
-              <a:t> initial star-</a:t>
-            </a:r>
-            <a:r>
-              <a:rPr lang="de-CH" dirty="0" err="1"/>
-              <a:t>forming</a:t>
-            </a:r>
-            <a:r>
-              <a:rPr lang="de-CH" dirty="0"/>
-              <a:t> </a:t>
-            </a:r>
-            <a:r>
-              <a:rPr lang="de-CH" dirty="0" err="1"/>
-              <a:t>conditions</a:t>
-            </a:r>
-            <a:r>
-              <a:rPr lang="de-CH" dirty="0"/>
-              <a:t>, </a:t>
-            </a:r>
-            <a:r>
-              <a:rPr lang="de-CH" dirty="0" err="1"/>
-              <a:t>potentially</a:t>
-            </a:r>
-            <a:r>
-              <a:rPr lang="de-CH" dirty="0"/>
-              <a:t> </a:t>
-            </a:r>
-            <a:r>
-              <a:rPr lang="de-CH" dirty="0" err="1"/>
-              <a:t>varying</a:t>
-            </a:r>
-            <a:r>
-              <a:rPr lang="de-CH" dirty="0"/>
-              <a:t> </a:t>
-            </a:r>
-            <a:r>
-              <a:rPr lang="de-CH" dirty="0" err="1"/>
-              <a:t>with</a:t>
-            </a:r>
-            <a:r>
-              <a:rPr lang="de-CH" dirty="0"/>
-              <a:t> </a:t>
-            </a:r>
-            <a:r>
-              <a:rPr lang="de-CH" dirty="0" err="1"/>
-              <a:t>galaxy-wide</a:t>
-            </a:r>
-            <a:r>
-              <a:rPr lang="de-CH" dirty="0"/>
-              <a:t> </a:t>
-            </a:r>
-            <a:r>
-              <a:rPr lang="de-CH" dirty="0" err="1"/>
-              <a:t>properties</a:t>
-            </a:r>
-            <a:r>
-              <a:rPr lang="de-CH" dirty="0"/>
+              <a:rPr lang="de-CH" dirty="0">
+                <a:latin typeface="+mj-lt"/>
+              </a:rPr>
+              <a:t> </a:t>
+            </a:r>
+            <a:r>
+              <a:rPr lang="de-CH" dirty="0" err="1">
+                <a:latin typeface="+mj-lt"/>
+              </a:rPr>
+              <a:t>explain</a:t>
+            </a:r>
+            <a:r>
+              <a:rPr lang="de-CH" dirty="0">
+                <a:latin typeface="+mj-lt"/>
+              </a:rPr>
+              <a:t> </a:t>
+            </a:r>
+            <a:r>
+              <a:rPr lang="de-CH" dirty="0" err="1">
+                <a:latin typeface="+mj-lt"/>
+              </a:rPr>
+              <a:t>why</a:t>
+            </a:r>
+            <a:r>
+              <a:rPr lang="de-CH" dirty="0">
+                <a:latin typeface="+mj-lt"/>
+              </a:rPr>
+              <a:t> </a:t>
+            </a:r>
+            <a:r>
+              <a:rPr lang="de-CH" dirty="0" err="1">
+                <a:latin typeface="+mj-lt"/>
+              </a:rPr>
+              <a:t>the</a:t>
+            </a:r>
+            <a:r>
+              <a:rPr lang="de-CH" dirty="0">
+                <a:latin typeface="+mj-lt"/>
+              </a:rPr>
+              <a:t> IMF </a:t>
+            </a:r>
+            <a:r>
+              <a:rPr lang="de-CH" dirty="0" err="1">
+                <a:latin typeface="+mj-lt"/>
+              </a:rPr>
+              <a:t>is</a:t>
+            </a:r>
+            <a:r>
+              <a:rPr lang="de-CH" dirty="0">
+                <a:latin typeface="+mj-lt"/>
+              </a:rPr>
+              <a:t> not </a:t>
+            </a:r>
+            <a:r>
+              <a:rPr lang="de-CH" dirty="0" err="1">
+                <a:latin typeface="+mj-lt"/>
+              </a:rPr>
+              <a:t>the</a:t>
+            </a:r>
+            <a:r>
+              <a:rPr lang="de-CH" dirty="0">
+                <a:latin typeface="+mj-lt"/>
+              </a:rPr>
+              <a:t> same in all </a:t>
+            </a:r>
+            <a:r>
+              <a:rPr lang="de-CH" dirty="0" err="1">
+                <a:latin typeface="+mj-lt"/>
+              </a:rPr>
+              <a:t>galaxies</a:t>
+            </a:r>
+            <a:r>
+              <a:rPr lang="de-CH" dirty="0">
+                <a:latin typeface="+mj-lt"/>
+              </a:rPr>
               <a:t>.</a:t>
             </a:r>
           </a:p>
@@ -5946,15 +6597,15 @@
             </a:r>
             <a:r>
               <a:rPr lang="de-CH" dirty="0" err="1"/>
-              <a:t>is</a:t>
+              <a:t>helps</a:t>
             </a:r>
             <a:r>
               <a:rPr lang="de-CH" dirty="0"/>
-              <a:t> fundamental </a:t>
+              <a:t> </a:t>
             </a:r>
             <a:r>
               <a:rPr lang="de-CH" dirty="0" err="1"/>
-              <a:t>to</a:t>
+              <a:t>us</a:t>
             </a:r>
             <a:r>
               <a:rPr lang="de-CH" dirty="0"/>
@@ -5966,11 +6617,11 @@
             </a:r>
             <a:r>
               <a:rPr lang="de-CH" dirty="0"/>
-              <a:t> stellar and </a:t>
+              <a:t> </a:t>
             </a:r>
             <a:r>
               <a:rPr lang="de-CH" dirty="0" err="1"/>
-              <a:t>galactic</a:t>
+              <a:t>how</a:t>
             </a:r>
             <a:r>
               <a:rPr lang="de-CH" dirty="0"/>
@@ -5978,9 +6629,20 @@
             </a:r>
             <a:r>
               <a:rPr lang="de-CH" dirty="0" err="1"/>
-              <a:t>evolution</a:t>
-            </a:r>
-            <a:endParaRPr lang="de-CH" dirty="0"/>
+              <a:t>stars</a:t>
+            </a:r>
+            <a:r>
+              <a:rPr lang="de-CH" dirty="0"/>
+              <a:t> form and </a:t>
+            </a:r>
+            <a:r>
+              <a:rPr lang="de-CH" dirty="0" err="1"/>
+              <a:t>evolve</a:t>
+            </a:r>
+            <a:r>
+              <a:rPr lang="de-CH" dirty="0"/>
+              <a:t>.</a:t>
+            </a:r>
           </a:p>
           <a:p>
             <a:r>
@@ -5989,11 +6651,11 @@
             </a:r>
             <a:r>
               <a:rPr lang="de-CH" dirty="0"/>
-              <a:t> </a:t>
+              <a:t> original IMF </a:t>
             </a:r>
             <a:r>
               <a:rPr lang="de-CH" dirty="0" err="1"/>
-              <a:t>work</a:t>
+              <a:t>model</a:t>
             </a:r>
             <a:r>
               <a:rPr lang="de-CH" dirty="0"/>
@@ -6001,7 +6663,7 @@
             </a:r>
             <a:r>
               <a:rPr lang="de-CH" dirty="0" err="1"/>
-              <a:t>laid</a:t>
+              <a:t>describes</a:t>
             </a:r>
             <a:r>
               <a:rPr lang="de-CH" dirty="0"/>
@@ -6017,23 +6679,23 @@
             </a:r>
             <a:r>
               <a:rPr lang="de-CH" dirty="0" err="1"/>
-              <a:t>foundation</a:t>
+              <a:t>general</a:t>
             </a:r>
             <a:r>
               <a:rPr lang="de-CH" dirty="0"/>
-              <a:t>, </a:t>
+              <a:t> </a:t>
             </a:r>
             <a:r>
               <a:rPr lang="de-CH" dirty="0" err="1"/>
-              <a:t>with</a:t>
+              <a:t>pattern</a:t>
             </a:r>
             <a:r>
               <a:rPr lang="de-CH" dirty="0"/>
-              <a:t> subsequent </a:t>
+              <a:t> </a:t>
             </a:r>
             <a:r>
               <a:rPr lang="de-CH" dirty="0" err="1"/>
-              <a:t>studies</a:t>
+              <a:t>of</a:t>
             </a:r>
             <a:r>
               <a:rPr lang="de-CH" dirty="0"/>
@@ -6041,15 +6703,23 @@
             </a:r>
             <a:r>
               <a:rPr lang="de-CH" dirty="0" err="1"/>
-              <a:t>revealing</a:t>
+              <a:t>many</a:t>
             </a:r>
             <a:r>
               <a:rPr lang="de-CH" dirty="0"/>
-              <a:t> environmental </a:t>
+              <a:t> </a:t>
             </a:r>
             <a:r>
               <a:rPr lang="de-CH" dirty="0" err="1"/>
-              <a:t>influences</a:t>
+              <a:t>low</a:t>
+            </a:r>
+            <a:r>
+              <a:rPr lang="de-CH" dirty="0"/>
+              <a:t>-mass </a:t>
+            </a:r>
+            <a:r>
+              <a:rPr lang="de-CH" dirty="0" err="1"/>
+              <a:t>stars</a:t>
             </a:r>
             <a:r>
               <a:rPr lang="de-CH" dirty="0"/>
@@ -6057,7 +6727,69 @@
             </a:r>
             <a:r>
               <a:rPr lang="de-CH" dirty="0" err="1"/>
-              <a:t>variations</a:t>
+              <a:t>few</a:t>
+            </a:r>
+            <a:r>
+              <a:rPr lang="de-CH" dirty="0"/>
+              <a:t> high-mass </a:t>
+            </a:r>
+            <a:r>
+              <a:rPr lang="de-CH" dirty="0" err="1"/>
+              <a:t>stars</a:t>
+            </a:r>
+            <a:r>
+              <a:rPr lang="de-CH" dirty="0"/>
+              <a:t>.</a:t>
+            </a:r>
+          </a:p>
+          <a:p>
+            <a:r>
+              <a:rPr lang="de-CH" dirty="0"/>
+              <a:t>New </a:t>
+            </a:r>
+            <a:r>
+              <a:rPr lang="de-CH" dirty="0" err="1"/>
+              <a:t>research</a:t>
+            </a:r>
+            <a:r>
+              <a:rPr lang="de-CH" dirty="0"/>
+              <a:t> </a:t>
+            </a:r>
+            <a:r>
+              <a:rPr lang="de-CH" dirty="0" err="1"/>
+              <a:t>shows</a:t>
+            </a:r>
+            <a:r>
+              <a:rPr lang="de-CH" dirty="0"/>
+              <a:t> </a:t>
+            </a:r>
+            <a:r>
+              <a:rPr lang="de-CH" dirty="0" err="1"/>
+              <a:t>that</a:t>
+            </a:r>
+            <a:r>
+              <a:rPr lang="de-CH" dirty="0"/>
+              <a:t> </a:t>
+            </a:r>
+            <a:r>
+              <a:rPr lang="de-CH" dirty="0" err="1"/>
+              <a:t>the</a:t>
+            </a:r>
+            <a:r>
+              <a:rPr lang="de-CH" dirty="0"/>
+              <a:t> IMF </a:t>
+            </a:r>
+            <a:r>
+              <a:rPr lang="de-CH" dirty="0" err="1"/>
+              <a:t>may</a:t>
+            </a:r>
+            <a:r>
+              <a:rPr lang="de-CH" dirty="0"/>
+              <a:t> </a:t>
+            </a:r>
+            <a:r>
+              <a:rPr lang="de-CH" dirty="0" err="1"/>
+              <a:t>vary</a:t>
             </a:r>
             <a:r>
               <a:rPr lang="de-CH" dirty="0"/>
@@ -6069,11 +6801,11 @@
             </a:r>
             <a:r>
               <a:rPr lang="de-CH" dirty="0"/>
-              <a:t> </a:t>
+              <a:t> different </a:t>
             </a:r>
             <a:r>
               <a:rPr lang="de-CH" dirty="0" err="1"/>
-              <a:t>galaxies</a:t>
+              <a:t>environments</a:t>
             </a:r>
             <a:r>
               <a:rPr lang="de-CH" dirty="0"/>
@@ -6083,11 +6815,11 @@
           <a:p>
             <a:r>
               <a:rPr lang="de-CH" dirty="0"/>
-              <a:t>Modern </a:t>
+              <a:t>Future </a:t>
             </a:r>
             <a:r>
               <a:rPr lang="de-CH" dirty="0" err="1"/>
-              <a:t>studies</a:t>
+              <a:t>of</a:t>
             </a:r>
             <a:r>
               <a:rPr lang="de-CH" dirty="0"/>
@@ -6095,31 +6827,24 @@
             </a:r>
             <a:r>
               <a:rPr lang="de-CH" dirty="0" err="1"/>
-              <a:t>focus</a:t>
+              <a:t>the</a:t>
             </a:r>
             <a:r>
               <a:rPr lang="de-CH" dirty="0"/>
-              <a:t> on </a:t>
+              <a:t> IMF:</a:t>
+            </a:r>
+          </a:p>
+          <a:p>
+            <a:pPr marL="0" indent="0">
+              <a:buNone/>
+            </a:pPr>
+            <a:r>
+              <a:rPr lang="de-CH" dirty="0"/>
+              <a:t>New </a:t>
             </a:r>
             <a:r>
               <a:rPr lang="de-CH" dirty="0" err="1"/>
-              <a:t>refining</a:t>
-            </a:r>
-            <a:r>
-              <a:rPr lang="de-CH" dirty="0"/>
-              <a:t> IMF </a:t>
-            </a:r>
-            <a:r>
-              <a:rPr lang="de-CH" dirty="0" err="1"/>
-              <a:t>observations</a:t>
-            </a:r>
-            <a:r>
-              <a:rPr lang="de-CH" dirty="0"/>
-              <a:t> in different </a:t>
-            </a:r>
-            <a:r>
-              <a:rPr lang="de-CH" dirty="0" err="1"/>
-              <a:t>environments</a:t>
+              <a:t>telescopes</a:t>
             </a:r>
             <a:r>
               <a:rPr lang="de-CH" dirty="0"/>
@@ -6127,69 +6852,7 @@
             </a:r>
             <a:r>
               <a:rPr lang="de-CH" dirty="0" err="1"/>
-              <a:t>understanding</a:t>
-            </a:r>
-            <a:r>
-              <a:rPr lang="de-CH" dirty="0"/>
-              <a:t> ist </a:t>
-            </a:r>
-            <a:r>
-              <a:rPr lang="de-CH" dirty="0" err="1"/>
-              <a:t>theoretical</a:t>
-            </a:r>
-            <a:r>
-              <a:rPr lang="de-CH" dirty="0"/>
-              <a:t> </a:t>
-            </a:r>
-            <a:r>
-              <a:rPr lang="de-CH" dirty="0" err="1"/>
-              <a:t>underpinnings</a:t>
-            </a:r>
-            <a:r>
-              <a:rPr lang="de-CH" dirty="0"/>
-              <a:t>.</a:t>
-            </a:r>
-          </a:p>
-          <a:p>
-            <a:pPr marL="0" indent="0">
-              <a:buNone/>
-            </a:pPr>
-            <a:r>
-              <a:rPr lang="de-CH" dirty="0"/>
-              <a:t>Future </a:t>
-            </a:r>
-            <a:r>
-              <a:rPr lang="de-CH" dirty="0" err="1"/>
-              <a:t>Directions</a:t>
-            </a:r>
-            <a:r>
-              <a:rPr lang="de-CH" dirty="0"/>
-              <a:t>:</a:t>
-            </a:r>
-          </a:p>
-          <a:p>
-            <a:pPr marL="0" indent="0">
-              <a:buNone/>
-            </a:pPr>
-            <a:r>
-              <a:rPr lang="de-CH" dirty="0" err="1"/>
-              <a:t>Upcoming</a:t>
-            </a:r>
-            <a:r>
-              <a:rPr lang="de-CH" dirty="0"/>
-              <a:t> </a:t>
-            </a:r>
-            <a:r>
-              <a:rPr lang="de-CH" dirty="0" err="1"/>
-              <a:t>instruments</a:t>
-            </a:r>
-            <a:r>
-              <a:rPr lang="de-CH" dirty="0"/>
-              <a:t> and </a:t>
-            </a:r>
-            <a:r>
-              <a:rPr lang="de-CH" dirty="0" err="1"/>
-              <a:t>simulations</a:t>
+              <a:t>models</a:t>
             </a:r>
             <a:r>
               <a:rPr lang="de-CH" dirty="0"/>
@@ -6197,7 +6860,7 @@
             </a:r>
             <a:r>
               <a:rPr lang="de-CH" dirty="0" err="1"/>
-              <a:t>continue</a:t>
+              <a:t>help</a:t>
             </a:r>
             <a:r>
               <a:rPr lang="de-CH" dirty="0"/>
@@ -6205,7 +6868,7 @@
             </a:r>
             <a:r>
               <a:rPr lang="de-CH" dirty="0" err="1"/>
-              <a:t>to</a:t>
+              <a:t>us</a:t>
             </a:r>
             <a:r>
               <a:rPr lang="de-CH" dirty="0"/>
@@ -6213,7 +6876,23 @@
             </a:r>
             <a:r>
               <a:rPr lang="de-CH" dirty="0" err="1"/>
-              <a:t>test</a:t>
+              <a:t>answer</a:t>
+            </a:r>
+            <a:r>
+              <a:rPr lang="de-CH" dirty="0"/>
+              <a:t> open </a:t>
+            </a:r>
+            <a:r>
+              <a:rPr lang="de-CH" dirty="0" err="1"/>
+              <a:t>questions</a:t>
+            </a:r>
+            <a:r>
+              <a:rPr lang="de-CH" dirty="0"/>
+              <a:t> </a:t>
+            </a:r>
+            <a:r>
+              <a:rPr lang="de-CH" dirty="0" err="1"/>
+              <a:t>about</a:t>
             </a:r>
             <a:r>
               <a:rPr lang="de-CH" dirty="0"/>
@@ -6229,7 +6908,7 @@
             </a:r>
             <a:r>
               <a:rPr lang="de-CH" dirty="0" err="1"/>
-              <a:t>universality</a:t>
+              <a:t>IMF’s</a:t>
             </a:r>
             <a:r>
               <a:rPr lang="de-CH" dirty="0"/>
@@ -6237,55 +6916,23 @@
             </a:r>
             <a:r>
               <a:rPr lang="de-CH" dirty="0" err="1"/>
-              <a:t>of</a:t>
+              <a:t>variability</a:t>
             </a:r>
             <a:r>
               <a:rPr lang="de-CH" dirty="0"/>
-              <a:t> </a:t>
+              <a:t> and ist </a:t>
             </a:r>
             <a:r>
               <a:rPr lang="de-CH" dirty="0" err="1"/>
-              <a:t>the</a:t>
+              <a:t>role</a:t>
             </a:r>
             <a:r>
               <a:rPr lang="de-CH" dirty="0"/>
-              <a:t> IMF and </a:t>
+              <a:t> in </a:t>
             </a:r>
             <a:r>
               <a:rPr lang="de-CH" dirty="0" err="1"/>
-              <a:t>refine</a:t>
-            </a:r>
-            <a:r>
-              <a:rPr lang="de-CH" dirty="0"/>
-              <a:t> </a:t>
-            </a:r>
-            <a:r>
-              <a:rPr lang="de-CH" dirty="0" err="1"/>
-              <a:t>our</a:t>
-            </a:r>
-            <a:r>
-              <a:rPr lang="de-CH" dirty="0"/>
-              <a:t> </a:t>
-            </a:r>
-            <a:r>
-              <a:rPr lang="de-CH" dirty="0" err="1"/>
-              <a:t>understanding</a:t>
-            </a:r>
-            <a:r>
-              <a:rPr lang="de-CH" dirty="0"/>
-              <a:t> </a:t>
-            </a:r>
-            <a:r>
-              <a:rPr lang="de-CH" dirty="0" err="1"/>
-              <a:t>of</a:t>
-            </a:r>
-            <a:r>
-              <a:rPr lang="de-CH" dirty="0"/>
-              <a:t> </a:t>
-            </a:r>
-            <a:r>
-              <a:rPr lang="de-CH" dirty="0" err="1"/>
-              <a:t>star</a:t>
+              <a:t>galaxy</a:t>
             </a:r>
             <a:r>
               <a:rPr lang="de-CH" dirty="0"/>
@@ -6294,22 +6941,6 @@
             <a:r>
               <a:rPr lang="de-CH" dirty="0" err="1"/>
               <a:t>formation</a:t>
-            </a:r>
-            <a:r>
-              <a:rPr lang="de-CH" dirty="0"/>
-              <a:t> on different </a:t>
-            </a:r>
-            <a:r>
-              <a:rPr lang="de-CH" dirty="0" err="1"/>
-              <a:t>cosmic</a:t>
-            </a:r>
-            <a:r>
-              <a:rPr lang="de-CH" dirty="0"/>
-              <a:t> </a:t>
-            </a:r>
-            <a:r>
-              <a:rPr lang="de-CH" dirty="0" err="1"/>
-              <a:t>scales</a:t>
             </a:r>
             <a:r>
               <a:rPr lang="de-CH" dirty="0"/>

--- a/imf_intro_chiara_felix_laxman.pptx
+++ b/imf_intro_chiara_felix_laxman.pptx
@@ -4,13 +4,18 @@
   <p:sldMasterIdLst>
     <p:sldMasterId id="2147483648" r:id="rId1"/>
   </p:sldMasterIdLst>
+  <p:notesMasterIdLst>
+    <p:notesMasterId r:id="rId10"/>
+  </p:notesMasterIdLst>
   <p:sldIdLst>
     <p:sldId id="256" r:id="rId2"/>
     <p:sldId id="257" r:id="rId3"/>
     <p:sldId id="258" r:id="rId4"/>
     <p:sldId id="259" r:id="rId5"/>
-    <p:sldId id="260" r:id="rId6"/>
-    <p:sldId id="261" r:id="rId7"/>
+    <p:sldId id="262" r:id="rId6"/>
+    <p:sldId id="263" r:id="rId7"/>
+    <p:sldId id="260" r:id="rId8"/>
+    <p:sldId id="261" r:id="rId9"/>
   </p:sldIdLst>
   <p:sldSz cx="12192000" cy="6858000"/>
   <p:notesSz cx="6858000" cy="9144000"/>
@@ -127,6 +132,356 @@
     </p:extLst>
   </p:cmAuthor>
 </p:cmAuthorLst>
+</file>
+
+<file path=ppt/notesMasters/notesMaster1.xml><?xml version="1.0" encoding="utf-8"?>
+<p:notesMaster xmlns:a="http://schemas.openxmlformats.org/drawingml/2006/main" xmlns:r="http://schemas.openxmlformats.org/officeDocument/2006/relationships" xmlns:p="http://schemas.openxmlformats.org/presentationml/2006/main">
+  <p:cSld>
+    <p:bg>
+      <p:bgRef idx="1001">
+        <a:schemeClr val="bg1"/>
+      </p:bgRef>
+    </p:bg>
+    <p:spTree>
+      <p:nvGrpSpPr>
+        <p:cNvPr id="1" name=""/>
+        <p:cNvGrpSpPr/>
+        <p:nvPr/>
+      </p:nvGrpSpPr>
+      <p:grpSpPr>
+        <a:xfrm>
+          <a:off x="0" y="0"/>
+          <a:ext cx="0" cy="0"/>
+          <a:chOff x="0" y="0"/>
+          <a:chExt cx="0" cy="0"/>
+        </a:xfrm>
+      </p:grpSpPr>
+      <p:sp>
+        <p:nvSpPr>
+          <p:cNvPr id="2" name="Kopfzeilenplatzhalter 1"/>
+          <p:cNvSpPr>
+            <a:spLocks noGrp="1"/>
+          </p:cNvSpPr>
+          <p:nvPr>
+            <p:ph type="hdr" sz="quarter"/>
+          </p:nvPr>
+        </p:nvSpPr>
+        <p:spPr>
+          <a:xfrm>
+            <a:off x="0" y="0"/>
+            <a:ext cx="2971800" cy="458788"/>
+          </a:xfrm>
+          <a:prstGeom prst="rect">
+            <a:avLst/>
+          </a:prstGeom>
+        </p:spPr>
+        <p:txBody>
+          <a:bodyPr vert="horz" lIns="91440" tIns="45720" rIns="91440" bIns="45720" rtlCol="0"/>
+          <a:lstStyle>
+            <a:lvl1pPr algn="l">
+              <a:defRPr sz="1200"/>
+            </a:lvl1pPr>
+          </a:lstStyle>
+          <a:p>
+            <a:endParaRPr lang="de-CH"/>
+          </a:p>
+        </p:txBody>
+      </p:sp>
+      <p:sp>
+        <p:nvSpPr>
+          <p:cNvPr id="3" name="Datumsplatzhalter 2"/>
+          <p:cNvSpPr>
+            <a:spLocks noGrp="1"/>
+          </p:cNvSpPr>
+          <p:nvPr>
+            <p:ph type="dt" idx="1"/>
+          </p:nvPr>
+        </p:nvSpPr>
+        <p:spPr>
+          <a:xfrm>
+            <a:off x="3884613" y="0"/>
+            <a:ext cx="2971800" cy="458788"/>
+          </a:xfrm>
+          <a:prstGeom prst="rect">
+            <a:avLst/>
+          </a:prstGeom>
+        </p:spPr>
+        <p:txBody>
+          <a:bodyPr vert="horz" lIns="91440" tIns="45720" rIns="91440" bIns="45720" rtlCol="0"/>
+          <a:lstStyle>
+            <a:lvl1pPr algn="r">
+              <a:defRPr sz="1200"/>
+            </a:lvl1pPr>
+          </a:lstStyle>
+          <a:p>
+            <a:fld id="{CF35B7D3-B1E1-4A4D-B78C-1571FC4D7FB6}" type="datetimeFigureOut">
+              <a:rPr lang="de-CH" smtClean="0"/>
+              <a:t>29.10.2024</a:t>
+            </a:fld>
+            <a:endParaRPr lang="de-CH"/>
+          </a:p>
+        </p:txBody>
+      </p:sp>
+      <p:sp>
+        <p:nvSpPr>
+          <p:cNvPr id="4" name="Folienbildplatzhalter 3"/>
+          <p:cNvSpPr>
+            <a:spLocks noGrp="1" noRot="1" noChangeAspect="1"/>
+          </p:cNvSpPr>
+          <p:nvPr>
+            <p:ph type="sldImg" idx="2"/>
+          </p:nvPr>
+        </p:nvSpPr>
+        <p:spPr>
+          <a:xfrm>
+            <a:off x="685800" y="1143000"/>
+            <a:ext cx="5486400" cy="3086100"/>
+          </a:xfrm>
+          <a:prstGeom prst="rect">
+            <a:avLst/>
+          </a:prstGeom>
+          <a:noFill/>
+          <a:ln w="12700">
+            <a:solidFill>
+              <a:prstClr val="black"/>
+            </a:solidFill>
+          </a:ln>
+        </p:spPr>
+        <p:txBody>
+          <a:bodyPr vert="horz" lIns="91440" tIns="45720" rIns="91440" bIns="45720" rtlCol="0" anchor="ctr"/>
+          <a:lstStyle/>
+          <a:p>
+            <a:endParaRPr lang="de-CH"/>
+          </a:p>
+        </p:txBody>
+      </p:sp>
+      <p:sp>
+        <p:nvSpPr>
+          <p:cNvPr id="5" name="Notizenplatzhalter 4"/>
+          <p:cNvSpPr>
+            <a:spLocks noGrp="1"/>
+          </p:cNvSpPr>
+          <p:nvPr>
+            <p:ph type="body" sz="quarter" idx="3"/>
+          </p:nvPr>
+        </p:nvSpPr>
+        <p:spPr>
+          <a:xfrm>
+            <a:off x="685800" y="4400550"/>
+            <a:ext cx="5486400" cy="3600450"/>
+          </a:xfrm>
+          <a:prstGeom prst="rect">
+            <a:avLst/>
+          </a:prstGeom>
+        </p:spPr>
+        <p:txBody>
+          <a:bodyPr vert="horz" lIns="91440" tIns="45720" rIns="91440" bIns="45720" rtlCol="0"/>
+          <a:lstStyle/>
+          <a:p>
+            <a:pPr lvl="0"/>
+            <a:r>
+              <a:rPr lang="de-DE"/>
+              <a:t>Mastertextformat bearbeiten</a:t>
+            </a:r>
+          </a:p>
+          <a:p>
+            <a:pPr lvl="1"/>
+            <a:r>
+              <a:rPr lang="de-DE"/>
+              <a:t>Zweite Ebene</a:t>
+            </a:r>
+          </a:p>
+          <a:p>
+            <a:pPr lvl="2"/>
+            <a:r>
+              <a:rPr lang="de-DE"/>
+              <a:t>Dritte Ebene</a:t>
+            </a:r>
+          </a:p>
+          <a:p>
+            <a:pPr lvl="3"/>
+            <a:r>
+              <a:rPr lang="de-DE"/>
+              <a:t>Vierte Ebene</a:t>
+            </a:r>
+          </a:p>
+          <a:p>
+            <a:pPr lvl="4"/>
+            <a:r>
+              <a:rPr lang="de-DE"/>
+              <a:t>Fünfte Ebene</a:t>
+            </a:r>
+            <a:endParaRPr lang="de-CH"/>
+          </a:p>
+        </p:txBody>
+      </p:sp>
+      <p:sp>
+        <p:nvSpPr>
+          <p:cNvPr id="6" name="Fußzeilenplatzhalter 5"/>
+          <p:cNvSpPr>
+            <a:spLocks noGrp="1"/>
+          </p:cNvSpPr>
+          <p:nvPr>
+            <p:ph type="ftr" sz="quarter" idx="4"/>
+          </p:nvPr>
+        </p:nvSpPr>
+        <p:spPr>
+          <a:xfrm>
+            <a:off x="0" y="8685213"/>
+            <a:ext cx="2971800" cy="458787"/>
+          </a:xfrm>
+          <a:prstGeom prst="rect">
+            <a:avLst/>
+          </a:prstGeom>
+        </p:spPr>
+        <p:txBody>
+          <a:bodyPr vert="horz" lIns="91440" tIns="45720" rIns="91440" bIns="45720" rtlCol="0" anchor="b"/>
+          <a:lstStyle>
+            <a:lvl1pPr algn="l">
+              <a:defRPr sz="1200"/>
+            </a:lvl1pPr>
+          </a:lstStyle>
+          <a:p>
+            <a:endParaRPr lang="de-CH"/>
+          </a:p>
+        </p:txBody>
+      </p:sp>
+      <p:sp>
+        <p:nvSpPr>
+          <p:cNvPr id="7" name="Foliennummernplatzhalter 6"/>
+          <p:cNvSpPr>
+            <a:spLocks noGrp="1"/>
+          </p:cNvSpPr>
+          <p:nvPr>
+            <p:ph type="sldNum" sz="quarter" idx="5"/>
+          </p:nvPr>
+        </p:nvSpPr>
+        <p:spPr>
+          <a:xfrm>
+            <a:off x="3884613" y="8685213"/>
+            <a:ext cx="2971800" cy="458787"/>
+          </a:xfrm>
+          <a:prstGeom prst="rect">
+            <a:avLst/>
+          </a:prstGeom>
+        </p:spPr>
+        <p:txBody>
+          <a:bodyPr vert="horz" lIns="91440" tIns="45720" rIns="91440" bIns="45720" rtlCol="0" anchor="b"/>
+          <a:lstStyle>
+            <a:lvl1pPr algn="r">
+              <a:defRPr sz="1200"/>
+            </a:lvl1pPr>
+          </a:lstStyle>
+          <a:p>
+            <a:fld id="{510072CD-A130-4A0D-8CFA-982D0D88837B}" type="slidenum">
+              <a:rPr lang="de-CH" smtClean="0"/>
+              <a:t>‹Nr.›</a:t>
+            </a:fld>
+            <a:endParaRPr lang="de-CH"/>
+          </a:p>
+        </p:txBody>
+      </p:sp>
+    </p:spTree>
+    <p:extLst>
+      <p:ext uri="{BB962C8B-B14F-4D97-AF65-F5344CB8AC3E}">
+        <p14:creationId xmlns:p14="http://schemas.microsoft.com/office/powerpoint/2010/main" val="1128087958"/>
+      </p:ext>
+    </p:extLst>
+  </p:cSld>
+  <p:clrMap bg1="lt1" tx1="dk1" bg2="lt2" tx2="dk2" accent1="accent1" accent2="accent2" accent3="accent3" accent4="accent4" accent5="accent5" accent6="accent6" hlink="hlink" folHlink="folHlink"/>
+  <p:notesStyle>
+    <a:lvl1pPr marL="0" algn="l" defTabSz="914400" rtl="0" eaLnBrk="1" latinLnBrk="0" hangingPunct="1">
+      <a:defRPr sz="1200" kern="1200">
+        <a:solidFill>
+          <a:schemeClr val="tx1"/>
+        </a:solidFill>
+        <a:latin typeface="+mn-lt"/>
+        <a:ea typeface="+mn-ea"/>
+        <a:cs typeface="+mn-cs"/>
+      </a:defRPr>
+    </a:lvl1pPr>
+    <a:lvl2pPr marL="457200" algn="l" defTabSz="914400" rtl="0" eaLnBrk="1" latinLnBrk="0" hangingPunct="1">
+      <a:defRPr sz="1200" kern="1200">
+        <a:solidFill>
+          <a:schemeClr val="tx1"/>
+        </a:solidFill>
+        <a:latin typeface="+mn-lt"/>
+        <a:ea typeface="+mn-ea"/>
+        <a:cs typeface="+mn-cs"/>
+      </a:defRPr>
+    </a:lvl2pPr>
+    <a:lvl3pPr marL="914400" algn="l" defTabSz="914400" rtl="0" eaLnBrk="1" latinLnBrk="0" hangingPunct="1">
+      <a:defRPr sz="1200" kern="1200">
+        <a:solidFill>
+          <a:schemeClr val="tx1"/>
+        </a:solidFill>
+        <a:latin typeface="+mn-lt"/>
+        <a:ea typeface="+mn-ea"/>
+        <a:cs typeface="+mn-cs"/>
+      </a:defRPr>
+    </a:lvl3pPr>
+    <a:lvl4pPr marL="1371600" algn="l" defTabSz="914400" rtl="0" eaLnBrk="1" latinLnBrk="0" hangingPunct="1">
+      <a:defRPr sz="1200" kern="1200">
+        <a:solidFill>
+          <a:schemeClr val="tx1"/>
+        </a:solidFill>
+        <a:latin typeface="+mn-lt"/>
+        <a:ea typeface="+mn-ea"/>
+        <a:cs typeface="+mn-cs"/>
+      </a:defRPr>
+    </a:lvl4pPr>
+    <a:lvl5pPr marL="1828800" algn="l" defTabSz="914400" rtl="0" eaLnBrk="1" latinLnBrk="0" hangingPunct="1">
+      <a:defRPr sz="1200" kern="1200">
+        <a:solidFill>
+          <a:schemeClr val="tx1"/>
+        </a:solidFill>
+        <a:latin typeface="+mn-lt"/>
+        <a:ea typeface="+mn-ea"/>
+        <a:cs typeface="+mn-cs"/>
+      </a:defRPr>
+    </a:lvl5pPr>
+    <a:lvl6pPr marL="2286000" algn="l" defTabSz="914400" rtl="0" eaLnBrk="1" latinLnBrk="0" hangingPunct="1">
+      <a:defRPr sz="1200" kern="1200">
+        <a:solidFill>
+          <a:schemeClr val="tx1"/>
+        </a:solidFill>
+        <a:latin typeface="+mn-lt"/>
+        <a:ea typeface="+mn-ea"/>
+        <a:cs typeface="+mn-cs"/>
+      </a:defRPr>
+    </a:lvl6pPr>
+    <a:lvl7pPr marL="2743200" algn="l" defTabSz="914400" rtl="0" eaLnBrk="1" latinLnBrk="0" hangingPunct="1">
+      <a:defRPr sz="1200" kern="1200">
+        <a:solidFill>
+          <a:schemeClr val="tx1"/>
+        </a:solidFill>
+        <a:latin typeface="+mn-lt"/>
+        <a:ea typeface="+mn-ea"/>
+        <a:cs typeface="+mn-cs"/>
+      </a:defRPr>
+    </a:lvl7pPr>
+    <a:lvl8pPr marL="3200400" algn="l" defTabSz="914400" rtl="0" eaLnBrk="1" latinLnBrk="0" hangingPunct="1">
+      <a:defRPr sz="1200" kern="1200">
+        <a:solidFill>
+          <a:schemeClr val="tx1"/>
+        </a:solidFill>
+        <a:latin typeface="+mn-lt"/>
+        <a:ea typeface="+mn-ea"/>
+        <a:cs typeface="+mn-cs"/>
+      </a:defRPr>
+    </a:lvl8pPr>
+    <a:lvl9pPr marL="3657600" algn="l" defTabSz="914400" rtl="0" eaLnBrk="1" latinLnBrk="0" hangingPunct="1">
+      <a:defRPr sz="1200" kern="1200">
+        <a:solidFill>
+          <a:schemeClr val="tx1"/>
+        </a:solidFill>
+        <a:latin typeface="+mn-lt"/>
+        <a:ea typeface="+mn-ea"/>
+        <a:cs typeface="+mn-cs"/>
+      </a:defRPr>
+    </a:lvl9pPr>
+  </p:notesStyle>
+</p:notesMaster>
 </file>
 
 <file path=ppt/slideLayouts/slideLayout1.xml><?xml version="1.0" encoding="utf-8"?>
@@ -3836,7 +4191,7 @@
         <p:spPr bwMode="white">
           <a:xfrm>
             <a:off x="838200" y="1825625"/>
-            <a:ext cx="10515600" cy="4667250"/>
+            <a:ext cx="10515600" cy="4028328"/>
           </a:xfrm>
         </p:spPr>
         <p:txBody>
@@ -4434,6 +4789,416 @@
               </a:rPr>
               <a:t> time.</a:t>
             </a:r>
+          </a:p>
+        </p:txBody>
+      </p:sp>
+      <p:sp>
+        <p:nvSpPr>
+          <p:cNvPr id="5" name="Rectangle 1">
+            <a:extLst>
+              <a:ext uri="{FF2B5EF4-FFF2-40B4-BE49-F238E27FC236}">
+                <a16:creationId xmlns:a16="http://schemas.microsoft.com/office/drawing/2014/main" id="{BE9290FF-F542-DB3E-9495-12FA3AD4BEA5}"/>
+              </a:ext>
+            </a:extLst>
+          </p:cNvPr>
+          <p:cNvSpPr>
+            <a:spLocks noGrp="1" noChangeArrowheads="1"/>
+          </p:cNvSpPr>
+          <p:nvPr>
+            <p:ph type="ftr" sz="quarter" idx="11"/>
+          </p:nvPr>
+        </p:nvSpPr>
+        <p:spPr bwMode="auto">
+          <a:xfrm>
+            <a:off x="838200" y="6308209"/>
+            <a:ext cx="7413811" cy="369332"/>
+          </a:xfrm>
+          <a:prstGeom prst="rect">
+            <a:avLst/>
+          </a:prstGeom>
+          <a:solidFill>
+            <a:srgbClr val="1E1F22"/>
+          </a:solidFill>
+          <a:ln>
+            <a:noFill/>
+          </a:ln>
+          <a:effectLst/>
+          <a:extLst>
+            <a:ext uri="{91240B29-F687-4F45-9708-019B960494DF}">
+              <a14:hiddenLine xmlns:a14="http://schemas.microsoft.com/office/drawing/2010/main" w="9525">
+                <a:solidFill>
+                  <a:schemeClr val="tx1"/>
+                </a:solidFill>
+                <a:miter lim="800000"/>
+                <a:headEnd/>
+                <a:tailEnd/>
+              </a14:hiddenLine>
+            </a:ext>
+            <a:ext uri="{AF507438-7753-43E0-B8FC-AC1667EBCBE1}">
+              <a14:hiddenEffects xmlns:a14="http://schemas.microsoft.com/office/drawing/2010/main">
+                <a:effectLst>
+                  <a:outerShdw dist="35921" dir="2700000" algn="ctr" rotWithShape="0">
+                    <a:schemeClr val="bg2"/>
+                  </a:outerShdw>
+                </a:effectLst>
+              </a14:hiddenEffects>
+            </a:ext>
+          </a:extLst>
+        </p:spPr>
+        <p:txBody>
+          <a:bodyPr vert="horz" wrap="square" lIns="91440" tIns="45720" rIns="91440" bIns="45720" numCol="1" anchor="ctr" anchorCtr="0" compatLnSpc="1">
+            <a:prstTxWarp prst="textNoShape">
+              <a:avLst/>
+            </a:prstTxWarp>
+            <a:spAutoFit/>
+          </a:bodyPr>
+          <a:lstStyle/>
+          <a:p>
+            <a:pPr marL="0" marR="0" lvl="0" indent="0" algn="l" defTabSz="914400" rtl="0" eaLnBrk="0" fontAlgn="base" latinLnBrk="0" hangingPunct="0">
+              <a:lnSpc>
+                <a:spcPct val="100000"/>
+              </a:lnSpc>
+              <a:spcBef>
+                <a:spcPct val="0"/>
+              </a:spcBef>
+              <a:spcAft>
+                <a:spcPct val="0"/>
+              </a:spcAft>
+              <a:buClrTx/>
+              <a:buSzTx/>
+              <a:buFontTx/>
+              <a:buNone/>
+              <a:tabLst/>
+            </a:pPr>
+            <a:r>
+              <a:rPr kumimoji="0" lang="de-DE" altLang="de-DE" sz="900" b="0" i="0" u="none" strike="noStrike" cap="none" normalizeH="0" baseline="0" dirty="0">
+                <a:ln>
+                  <a:noFill/>
+                </a:ln>
+                <a:solidFill>
+                  <a:srgbClr val="CF8E6D"/>
+                </a:solidFill>
+                <a:effectLst/>
+                <a:latin typeface="+mj-lt"/>
+              </a:rPr>
+              <a:t>[1]</a:t>
+            </a:r>
+            <a:r>
+              <a:rPr kumimoji="0" lang="de-DE" altLang="de-DE" sz="900" b="0" i="0" u="none" strike="noStrike" cap="none" normalizeH="0" baseline="0" dirty="0">
+                <a:ln>
+                  <a:noFill/>
+                </a:ln>
+                <a:solidFill>
+                  <a:srgbClr val="BCBEC4"/>
+                </a:solidFill>
+                <a:effectLst/>
+                <a:latin typeface="+mj-lt"/>
+              </a:rPr>
+              <a:t> Review </a:t>
+            </a:r>
+            <a:r>
+              <a:rPr kumimoji="0" lang="de-DE" altLang="de-DE" sz="900" b="0" i="0" u="none" strike="noStrike" cap="none" normalizeH="0" baseline="0" dirty="0" err="1">
+                <a:ln>
+                  <a:noFill/>
+                </a:ln>
+                <a:solidFill>
+                  <a:srgbClr val="BCBEC4"/>
+                </a:solidFill>
+                <a:effectLst/>
+                <a:latin typeface="+mj-lt"/>
+              </a:rPr>
+              <a:t>paper</a:t>
+            </a:r>
+            <a:r>
+              <a:rPr kumimoji="0" lang="de-DE" altLang="de-DE" sz="900" b="0" i="0" u="none" strike="noStrike" cap="none" normalizeH="0" baseline="0" dirty="0">
+                <a:ln>
+                  <a:noFill/>
+                </a:ln>
+                <a:solidFill>
+                  <a:srgbClr val="BCBEC4"/>
+                </a:solidFill>
+                <a:effectLst/>
+                <a:latin typeface="+mj-lt"/>
+              </a:rPr>
+              <a:t> 2024 (</a:t>
+            </a:r>
+            <a:r>
+              <a:rPr kumimoji="0" lang="de-DE" altLang="de-DE" sz="900" b="0" i="0" u="none" strike="noStrike" cap="none" normalizeH="0" baseline="0" dirty="0" err="1">
+                <a:ln>
+                  <a:noFill/>
+                </a:ln>
+                <a:solidFill>
+                  <a:srgbClr val="BCBEC4"/>
+                </a:solidFill>
+                <a:effectLst/>
+                <a:latin typeface="+mj-lt"/>
+              </a:rPr>
+              <a:t>Hennebelle</a:t>
+            </a:r>
+            <a:r>
+              <a:rPr kumimoji="0" lang="de-DE" altLang="de-DE" sz="900" b="0" i="0" u="none" strike="noStrike" cap="none" normalizeH="0" baseline="0" dirty="0">
+                <a:ln>
+                  <a:noFill/>
+                </a:ln>
+                <a:solidFill>
+                  <a:srgbClr val="BCBEC4"/>
+                </a:solidFill>
+                <a:effectLst/>
+                <a:latin typeface="+mj-lt"/>
+              </a:rPr>
+              <a:t> et al.):  The </a:t>
+            </a:r>
+            <a:r>
+              <a:rPr kumimoji="0" lang="de-DE" altLang="de-DE" sz="900" b="0" i="0" u="none" strike="noStrike" cap="none" normalizeH="0" baseline="0" dirty="0" err="1">
+                <a:ln>
+                  <a:noFill/>
+                </a:ln>
+                <a:solidFill>
+                  <a:srgbClr val="BCBEC4"/>
+                </a:solidFill>
+                <a:effectLst/>
+                <a:latin typeface="+mj-lt"/>
+              </a:rPr>
+              <a:t>Physical</a:t>
+            </a:r>
+            <a:r>
+              <a:rPr kumimoji="0" lang="de-DE" altLang="de-DE" sz="900" b="0" i="0" u="none" strike="noStrike" cap="none" normalizeH="0" baseline="0" dirty="0">
+                <a:ln>
+                  <a:noFill/>
+                </a:ln>
+                <a:solidFill>
+                  <a:srgbClr val="BCBEC4"/>
+                </a:solidFill>
+                <a:effectLst/>
+                <a:latin typeface="+mj-lt"/>
+              </a:rPr>
+              <a:t> Origin </a:t>
+            </a:r>
+            <a:r>
+              <a:rPr kumimoji="0" lang="de-DE" altLang="de-DE" sz="900" b="0" i="0" u="none" strike="noStrike" cap="none" normalizeH="0" baseline="0" dirty="0" err="1">
+                <a:ln>
+                  <a:noFill/>
+                </a:ln>
+                <a:solidFill>
+                  <a:srgbClr val="BCBEC4"/>
+                </a:solidFill>
+                <a:effectLst/>
+                <a:latin typeface="+mj-lt"/>
+              </a:rPr>
+              <a:t>of</a:t>
+            </a:r>
+            <a:r>
+              <a:rPr kumimoji="0" lang="de-DE" altLang="de-DE" sz="900" b="0" i="0" u="none" strike="noStrike" cap="none" normalizeH="0" baseline="0" dirty="0">
+                <a:ln>
+                  <a:noFill/>
+                </a:ln>
+                <a:solidFill>
+                  <a:srgbClr val="BCBEC4"/>
+                </a:solidFill>
+                <a:effectLst/>
+                <a:latin typeface="+mj-lt"/>
+              </a:rPr>
+              <a:t> </a:t>
+            </a:r>
+            <a:r>
+              <a:rPr kumimoji="0" lang="de-DE" altLang="de-DE" sz="900" b="0" i="0" u="none" strike="noStrike" cap="none" normalizeH="0" baseline="0" dirty="0" err="1">
+                <a:ln>
+                  <a:noFill/>
+                </a:ln>
+                <a:solidFill>
+                  <a:srgbClr val="BCBEC4"/>
+                </a:solidFill>
+                <a:effectLst/>
+                <a:latin typeface="+mj-lt"/>
+              </a:rPr>
+              <a:t>the</a:t>
+            </a:r>
+            <a:r>
+              <a:rPr kumimoji="0" lang="de-DE" altLang="de-DE" sz="900" b="0" i="0" u="none" strike="noStrike" cap="none" normalizeH="0" baseline="0" dirty="0">
+                <a:ln>
+                  <a:noFill/>
+                </a:ln>
+                <a:solidFill>
+                  <a:srgbClr val="BCBEC4"/>
+                </a:solidFill>
+                <a:effectLst/>
+                <a:latin typeface="+mj-lt"/>
+              </a:rPr>
+              <a:t> Stellar Initial </a:t>
+            </a:r>
+            <a:r>
+              <a:rPr kumimoji="0" lang="de-DE" altLang="de-DE" sz="900" b="0" i="0" u="none" strike="noStrike" cap="none" normalizeH="0" baseline="0" dirty="0" err="1">
+                <a:ln>
+                  <a:noFill/>
+                </a:ln>
+                <a:solidFill>
+                  <a:srgbClr val="BCBEC4"/>
+                </a:solidFill>
+                <a:effectLst/>
+                <a:latin typeface="+mj-lt"/>
+              </a:rPr>
+              <a:t>Mass</a:t>
+            </a:r>
+            <a:r>
+              <a:rPr kumimoji="0" lang="de-DE" altLang="de-DE" sz="900" b="0" i="0" u="none" strike="noStrike" cap="none" normalizeH="0" baseline="0" dirty="0">
+                <a:ln>
+                  <a:noFill/>
+                </a:ln>
+                <a:solidFill>
+                  <a:srgbClr val="BCBEC4"/>
+                </a:solidFill>
+                <a:effectLst/>
+                <a:latin typeface="+mj-lt"/>
+              </a:rPr>
+              <a:t> </a:t>
+            </a:r>
+            <a:r>
+              <a:rPr kumimoji="0" lang="de-DE" altLang="de-DE" sz="900" b="0" i="0" u="none" strike="noStrike" cap="none" normalizeH="0" baseline="0" dirty="0" err="1">
+                <a:ln>
+                  <a:noFill/>
+                </a:ln>
+                <a:solidFill>
+                  <a:srgbClr val="BCBEC4"/>
+                </a:solidFill>
+                <a:effectLst/>
+                <a:latin typeface="+mj-lt"/>
+              </a:rPr>
+              <a:t>Function</a:t>
+            </a:r>
+            <a:endParaRPr kumimoji="0" lang="de-DE" altLang="de-DE" sz="900" b="0" i="0" u="none" strike="noStrike" cap="none" normalizeH="0" baseline="0" dirty="0">
+              <a:ln>
+                <a:noFill/>
+              </a:ln>
+              <a:solidFill>
+                <a:srgbClr val="BCBEC4"/>
+              </a:solidFill>
+              <a:effectLst/>
+              <a:latin typeface="+mj-lt"/>
+            </a:endParaRPr>
+          </a:p>
+          <a:p>
+            <a:pPr algn="l" eaLnBrk="0" fontAlgn="base" hangingPunct="0">
+              <a:spcBef>
+                <a:spcPct val="0"/>
+              </a:spcBef>
+              <a:spcAft>
+                <a:spcPct val="0"/>
+              </a:spcAft>
+            </a:pPr>
+            <a:r>
+              <a:rPr kumimoji="0" lang="de-DE" altLang="de-DE" sz="900" b="0" i="0" u="none" strike="noStrike" cap="none" normalizeH="0" baseline="0" dirty="0">
+                <a:ln>
+                  <a:noFill/>
+                </a:ln>
+                <a:solidFill>
+                  <a:srgbClr val="CF8E6D"/>
+                </a:solidFill>
+                <a:effectLst/>
+                <a:latin typeface="+mj-lt"/>
+              </a:rPr>
+              <a:t>[3]</a:t>
+            </a:r>
+            <a:r>
+              <a:rPr kumimoji="0" lang="de-DE" altLang="de-DE" sz="900" b="0" i="0" u="none" strike="noStrike" cap="none" normalizeH="0" baseline="0" dirty="0">
+                <a:ln>
+                  <a:noFill/>
+                </a:ln>
+                <a:solidFill>
+                  <a:srgbClr val="BCBEC4"/>
+                </a:solidFill>
+                <a:effectLst/>
+                <a:latin typeface="+mj-lt"/>
+              </a:rPr>
+              <a:t> Original </a:t>
+            </a:r>
+            <a:r>
+              <a:rPr kumimoji="0" lang="de-DE" altLang="de-DE" sz="900" b="0" i="0" u="none" strike="noStrike" cap="none" normalizeH="0" baseline="0" dirty="0" err="1">
+                <a:ln>
+                  <a:noFill/>
+                </a:ln>
+                <a:solidFill>
+                  <a:srgbClr val="BCBEC4"/>
+                </a:solidFill>
+                <a:effectLst/>
+                <a:latin typeface="+mj-lt"/>
+              </a:rPr>
+              <a:t>paper</a:t>
+            </a:r>
+            <a:r>
+              <a:rPr kumimoji="0" lang="de-DE" altLang="de-DE" sz="900" b="0" i="0" u="none" strike="noStrike" cap="none" normalizeH="0" baseline="0" dirty="0">
+                <a:ln>
+                  <a:noFill/>
+                </a:ln>
+                <a:solidFill>
+                  <a:srgbClr val="BCBEC4"/>
+                </a:solidFill>
+                <a:effectLst/>
+                <a:latin typeface="+mj-lt"/>
+              </a:rPr>
+              <a:t> 1955 (Salpeter): The </a:t>
+            </a:r>
+            <a:r>
+              <a:rPr kumimoji="0" lang="de-DE" altLang="de-DE" sz="900" b="0" i="0" u="none" strike="noStrike" cap="none" normalizeH="0" baseline="0" dirty="0" err="1">
+                <a:ln>
+                  <a:noFill/>
+                </a:ln>
+                <a:solidFill>
+                  <a:srgbClr val="BCBEC4"/>
+                </a:solidFill>
+                <a:effectLst/>
+                <a:latin typeface="+mj-lt"/>
+              </a:rPr>
+              <a:t>Luminosity</a:t>
+            </a:r>
+            <a:r>
+              <a:rPr kumimoji="0" lang="de-DE" altLang="de-DE" sz="900" b="0" i="0" u="none" strike="noStrike" cap="none" normalizeH="0" baseline="0" dirty="0">
+                <a:ln>
+                  <a:noFill/>
+                </a:ln>
+                <a:solidFill>
+                  <a:srgbClr val="BCBEC4"/>
+                </a:solidFill>
+                <a:effectLst/>
+                <a:latin typeface="+mj-lt"/>
+              </a:rPr>
+              <a:t> </a:t>
+            </a:r>
+            <a:r>
+              <a:rPr kumimoji="0" lang="de-DE" altLang="de-DE" sz="900" b="0" i="0" u="none" strike="noStrike" cap="none" normalizeH="0" baseline="0" dirty="0" err="1">
+                <a:ln>
+                  <a:noFill/>
+                </a:ln>
+                <a:solidFill>
+                  <a:srgbClr val="BCBEC4"/>
+                </a:solidFill>
+                <a:effectLst/>
+                <a:latin typeface="+mj-lt"/>
+              </a:rPr>
+              <a:t>Function</a:t>
+            </a:r>
+            <a:r>
+              <a:rPr kumimoji="0" lang="de-DE" altLang="de-DE" sz="900" b="0" i="0" u="none" strike="noStrike" cap="none" normalizeH="0" baseline="0" dirty="0">
+                <a:ln>
+                  <a:noFill/>
+                </a:ln>
+                <a:solidFill>
+                  <a:srgbClr val="BCBEC4"/>
+                </a:solidFill>
+                <a:effectLst/>
+                <a:latin typeface="+mj-lt"/>
+              </a:rPr>
+              <a:t> and Stellar Evolution</a:t>
+            </a:r>
+            <a:endParaRPr kumimoji="0" lang="de-DE" altLang="de-DE" sz="900" b="0" i="0" u="none" strike="noStrike" cap="none" normalizeH="0" baseline="0" dirty="0">
+              <a:ln>
+                <a:noFill/>
+              </a:ln>
+              <a:solidFill>
+                <a:schemeClr val="tx1"/>
+              </a:solidFill>
+              <a:effectLst/>
+              <a:latin typeface="+mj-lt"/>
+            </a:endParaRPr>
           </a:p>
         </p:txBody>
       </p:sp>
@@ -4529,7 +5294,12 @@
                 <p:ph idx="1"/>
               </p:nvPr>
             </p:nvSpPr>
-            <p:spPr bwMode="white"/>
+            <p:spPr bwMode="white">
+              <a:xfrm>
+                <a:off x="838200" y="1825625"/>
+                <a:ext cx="10515600" cy="4046257"/>
+              </a:xfrm>
+            </p:spPr>
             <p:txBody>
               <a:bodyPr>
                 <a:normAutofit/>
@@ -4751,25 +5521,25 @@
                   <m:oMath xmlns:m="http://schemas.openxmlformats.org/officeDocument/2006/math">
                     <m:r>
                       <a:rPr lang="de-CH" i="1" dirty="0">
-                        <a:latin typeface="+mj-lt"/>
+                        <a:latin typeface="Cambria Math" panose="02040503050406030204" pitchFamily="18" charset="0"/>
                       </a:rPr>
                       <m:t>𝑁</m:t>
                     </m:r>
                     <m:r>
                       <a:rPr lang="de-CH" i="1" dirty="0">
-                        <a:latin typeface="+mj-lt"/>
+                        <a:latin typeface="Cambria Math" panose="02040503050406030204" pitchFamily="18" charset="0"/>
                       </a:rPr>
                       <m:t>(</m:t>
                     </m:r>
                     <m:r>
                       <a:rPr lang="de-CH" i="1" dirty="0">
-                        <a:latin typeface="+mj-lt"/>
+                        <a:latin typeface="Cambria Math" panose="02040503050406030204" pitchFamily="18" charset="0"/>
                       </a:rPr>
                       <m:t>𝑀</m:t>
                     </m:r>
                     <m:r>
                       <a:rPr lang="de-CH" i="1" dirty="0">
-                        <a:latin typeface="+mj-lt"/>
+                        <a:latin typeface="Cambria Math" panose="02040503050406030204" pitchFamily="18" charset="0"/>
                       </a:rPr>
                       <m:t>) ∝</m:t>
                     </m:r>
@@ -4777,14 +5547,14 @@
                       <m:sSupPr>
                         <m:ctrlPr>
                           <a:rPr lang="de-CH" b="0" i="1" dirty="0" smtClean="0">
-                            <a:latin typeface="+mj-lt"/>
+                            <a:latin typeface="Cambria Math" panose="02040503050406030204" pitchFamily="18" charset="0"/>
                           </a:rPr>
                         </m:ctrlPr>
                       </m:sSupPr>
                       <m:e>
                         <m:r>
                           <a:rPr lang="de-CH" b="0" i="1" dirty="0" smtClean="0">
-                            <a:latin typeface="+mj-lt"/>
+                            <a:latin typeface="Cambria Math" panose="02040503050406030204" pitchFamily="18" charset="0"/>
                           </a:rPr>
                           <m:t>𝑀</m:t>
                         </m:r>
@@ -4792,7 +5562,7 @@
                       <m:sup>
                         <m:r>
                           <a:rPr lang="de-CH" b="0" i="1" dirty="0" smtClean="0">
-                            <a:latin typeface="+mj-lt"/>
+                            <a:latin typeface="Cambria Math" panose="02040503050406030204" pitchFamily="18" charset="0"/>
                           </a:rPr>
                           <m:t>−2.35</m:t>
                         </m:r>
@@ -4908,7 +5678,7 @@
                   <a:rPr lang="de-CH" dirty="0">
                     <a:latin typeface="+mj-lt"/>
                   </a:rPr>
-                  <a:t>.</a:t>
+                  <a:t> [3].</a:t>
                 </a:r>
               </a:p>
               <a:p>
@@ -5077,10 +5847,14 @@
               </p:nvPr>
             </p:nvSpPr>
             <p:spPr bwMode="white">
+              <a:xfrm>
+                <a:off x="838200" y="1825625"/>
+                <a:ext cx="10515600" cy="4046257"/>
+              </a:xfrm>
               <a:blipFill>
                 <a:blip r:embed="rId2"/>
                 <a:stretch>
-                  <a:fillRect l="-1217" t="-2241"/>
+                  <a:fillRect l="-1217" t="-2410" b="-1355"/>
                 </a:stretch>
               </a:blipFill>
             </p:spPr>
@@ -5099,6 +5873,154 @@
           </p:sp>
         </mc:Fallback>
       </mc:AlternateContent>
+      <p:sp>
+        <p:nvSpPr>
+          <p:cNvPr id="5" name="Fußzeilenplatzhalter 4">
+            <a:extLst>
+              <a:ext uri="{FF2B5EF4-FFF2-40B4-BE49-F238E27FC236}">
+                <a16:creationId xmlns:a16="http://schemas.microsoft.com/office/drawing/2014/main" id="{ECD8AB07-05A3-9D03-338A-72EA4F14DAF5}"/>
+              </a:ext>
+            </a:extLst>
+          </p:cNvPr>
+          <p:cNvSpPr>
+            <a:spLocks noGrp="1"/>
+          </p:cNvSpPr>
+          <p:nvPr>
+            <p:ph type="ftr" sz="quarter" idx="11"/>
+          </p:nvPr>
+        </p:nvSpPr>
+        <p:spPr>
+          <a:xfrm>
+            <a:off x="838200" y="6356350"/>
+            <a:ext cx="10515600" cy="365125"/>
+          </a:xfrm>
+        </p:spPr>
+        <p:txBody>
+          <a:bodyPr/>
+          <a:lstStyle/>
+          <a:p>
+            <a:pPr algn="l"/>
+            <a:r>
+              <a:rPr kumimoji="0" lang="de-DE" altLang="de-DE" sz="900" b="0" i="0" u="none" strike="noStrike" cap="none" normalizeH="0" baseline="0" dirty="0">
+                <a:ln>
+                  <a:noFill/>
+                </a:ln>
+                <a:solidFill>
+                  <a:srgbClr val="CF8E6D"/>
+                </a:solidFill>
+                <a:effectLst/>
+                <a:latin typeface="JetBrains Mono"/>
+              </a:rPr>
+              <a:t>[3]</a:t>
+            </a:r>
+            <a:r>
+              <a:rPr kumimoji="0" lang="de-DE" altLang="de-DE" sz="900" b="0" i="0" u="none" strike="noStrike" cap="none" normalizeH="0" baseline="0" dirty="0">
+                <a:ln>
+                  <a:noFill/>
+                </a:ln>
+                <a:solidFill>
+                  <a:srgbClr val="BCBEC4"/>
+                </a:solidFill>
+                <a:effectLst/>
+                <a:latin typeface="JetBrains Mono"/>
+              </a:rPr>
+              <a:t> Original </a:t>
+            </a:r>
+            <a:r>
+              <a:rPr kumimoji="0" lang="de-DE" altLang="de-DE" sz="900" b="0" i="0" u="none" strike="noStrike" cap="none" normalizeH="0" baseline="0" dirty="0" err="1">
+                <a:ln>
+                  <a:noFill/>
+                </a:ln>
+                <a:solidFill>
+                  <a:srgbClr val="BCBEC4"/>
+                </a:solidFill>
+                <a:effectLst/>
+                <a:latin typeface="JetBrains Mono"/>
+              </a:rPr>
+              <a:t>paper</a:t>
+            </a:r>
+            <a:r>
+              <a:rPr kumimoji="0" lang="de-DE" altLang="de-DE" sz="900" b="0" i="0" u="none" strike="noStrike" cap="none" normalizeH="0" baseline="0" dirty="0">
+                <a:ln>
+                  <a:noFill/>
+                </a:ln>
+                <a:solidFill>
+                  <a:srgbClr val="BCBEC4"/>
+                </a:solidFill>
+                <a:effectLst/>
+                <a:latin typeface="JetBrains Mono"/>
+              </a:rPr>
+              <a:t> 1955 (Salpeter): The </a:t>
+            </a:r>
+            <a:r>
+              <a:rPr kumimoji="0" lang="de-DE" altLang="de-DE" sz="900" b="0" i="0" u="none" strike="noStrike" cap="none" normalizeH="0" baseline="0" dirty="0" err="1">
+                <a:ln>
+                  <a:noFill/>
+                </a:ln>
+                <a:solidFill>
+                  <a:srgbClr val="BCBEC4"/>
+                </a:solidFill>
+                <a:effectLst/>
+                <a:latin typeface="JetBrains Mono"/>
+              </a:rPr>
+              <a:t>Luminosity</a:t>
+            </a:r>
+            <a:r>
+              <a:rPr kumimoji="0" lang="de-DE" altLang="de-DE" sz="900" b="0" i="0" u="none" strike="noStrike" cap="none" normalizeH="0" baseline="0" dirty="0">
+                <a:ln>
+                  <a:noFill/>
+                </a:ln>
+                <a:solidFill>
+                  <a:srgbClr val="BCBEC4"/>
+                </a:solidFill>
+                <a:effectLst/>
+                <a:latin typeface="JetBrains Mono"/>
+              </a:rPr>
+              <a:t> </a:t>
+            </a:r>
+            <a:r>
+              <a:rPr kumimoji="0" lang="de-DE" altLang="de-DE" sz="900" b="0" i="0" u="none" strike="noStrike" cap="none" normalizeH="0" baseline="0" dirty="0" err="1">
+                <a:ln>
+                  <a:noFill/>
+                </a:ln>
+                <a:solidFill>
+                  <a:srgbClr val="BCBEC4"/>
+                </a:solidFill>
+                <a:effectLst/>
+                <a:latin typeface="JetBrains Mono"/>
+              </a:rPr>
+              <a:t>Function</a:t>
+            </a:r>
+            <a:r>
+              <a:rPr kumimoji="0" lang="de-DE" altLang="de-DE" sz="900" b="0" i="0" u="none" strike="noStrike" cap="none" normalizeH="0" baseline="0" dirty="0">
+                <a:ln>
+                  <a:noFill/>
+                </a:ln>
+                <a:solidFill>
+                  <a:srgbClr val="BCBEC4"/>
+                </a:solidFill>
+                <a:effectLst/>
+                <a:latin typeface="JetBrains Mono"/>
+              </a:rPr>
+              <a:t> and Stellar Evolution</a:t>
+            </a:r>
+            <a:endParaRPr kumimoji="0" lang="de-DE" altLang="de-DE" sz="900" b="0" i="0" u="none" strike="noStrike" cap="none" normalizeH="0" baseline="0" dirty="0">
+              <a:ln>
+                <a:noFill/>
+              </a:ln>
+              <a:solidFill>
+                <a:schemeClr val="tx1"/>
+              </a:solidFill>
+              <a:effectLst/>
+              <a:latin typeface="Arial" panose="020B0604020202020204" pitchFamily="34" charset="0"/>
+            </a:endParaRPr>
+          </a:p>
+          <a:p>
+            <a:pPr algn="l"/>
+            <a:endParaRPr lang="de-CH" sz="900" dirty="0"/>
+          </a:p>
+        </p:txBody>
+      </p:sp>
     </p:spTree>
     <p:extLst>
       <p:ext uri="{BB962C8B-B14F-4D97-AF65-F5344CB8AC3E}">
@@ -5151,24 +6073,44 @@
           <a:lstStyle/>
           <a:p>
             <a:r>
+              <a:rPr lang="de-CH" dirty="0" err="1"/>
+              <a:t>What</a:t>
+            </a:r>
+            <a:r>
               <a:rPr lang="de-CH" dirty="0"/>
-              <a:t>Review </a:t>
+              <a:t> do </a:t>
             </a:r>
             <a:r>
               <a:rPr lang="de-CH" dirty="0" err="1"/>
-              <a:t>of</a:t>
+              <a:t>we</a:t>
             </a:r>
             <a:r>
               <a:rPr lang="de-CH" dirty="0"/>
-              <a:t> IMF </a:t>
+              <a:t> </a:t>
             </a:r>
             <a:r>
               <a:rPr lang="de-CH" dirty="0" err="1"/>
-              <a:t>Variability</a:t>
+              <a:t>know</a:t>
             </a:r>
             <a:r>
               <a:rPr lang="de-CH" dirty="0"/>
-              <a:t> and Origins</a:t>
+              <a:t> </a:t>
+            </a:r>
+            <a:r>
+              <a:rPr lang="de-CH" dirty="0" err="1"/>
+              <a:t>about</a:t>
+            </a:r>
+            <a:r>
+              <a:rPr lang="de-CH" dirty="0"/>
+              <a:t> </a:t>
+            </a:r>
+            <a:r>
+              <a:rPr lang="de-CH" dirty="0" err="1"/>
+              <a:t>the</a:t>
+            </a:r>
+            <a:r>
+              <a:rPr lang="de-CH" dirty="0"/>
+              <a:t> IMF</a:t>
             </a:r>
           </a:p>
         </p:txBody>
@@ -5189,7 +6131,12 @@
             <p:ph idx="1"/>
           </p:nvPr>
         </p:nvSpPr>
-        <p:spPr bwMode="white"/>
+        <p:spPr bwMode="white">
+          <a:xfrm>
+            <a:off x="838200" y="1825625"/>
+            <a:ext cx="10515600" cy="4189693"/>
+          </a:xfrm>
+        </p:spPr>
         <p:txBody>
           <a:bodyPr/>
           <a:lstStyle/>
@@ -5359,7 +6306,7 @@
               <a:rPr lang="de-CH" dirty="0">
                 <a:latin typeface="+mj-lt"/>
               </a:rPr>
-              <a:t>.</a:t>
+              <a:t> [2].</a:t>
             </a:r>
           </a:p>
           <a:p>
@@ -5534,7 +6481,7 @@
               <a:rPr lang="de-CH" dirty="0">
                 <a:latin typeface="+mj-lt"/>
               </a:rPr>
-              <a:t>.</a:t>
+              <a:t> [2].</a:t>
             </a:r>
           </a:p>
           <a:p>
@@ -5709,8 +6656,453 @@
               <a:rPr lang="de-CH" dirty="0">
                 <a:latin typeface="+mj-lt"/>
               </a:rPr>
-              <a:t>.</a:t>
-            </a:r>
+              <a:t> [1].</a:t>
+            </a:r>
+          </a:p>
+        </p:txBody>
+      </p:sp>
+      <p:sp>
+        <p:nvSpPr>
+          <p:cNvPr id="5" name="Rectangle 1">
+            <a:extLst>
+              <a:ext uri="{FF2B5EF4-FFF2-40B4-BE49-F238E27FC236}">
+                <a16:creationId xmlns:a16="http://schemas.microsoft.com/office/drawing/2014/main" id="{A017D7C4-22AF-25F3-279A-136EFA212B76}"/>
+              </a:ext>
+            </a:extLst>
+          </p:cNvPr>
+          <p:cNvSpPr>
+            <a:spLocks noGrp="1" noChangeArrowheads="1"/>
+          </p:cNvSpPr>
+          <p:nvPr>
+            <p:ph type="ftr" sz="quarter" idx="11"/>
+          </p:nvPr>
+        </p:nvSpPr>
+        <p:spPr bwMode="auto">
+          <a:xfrm>
+            <a:off x="838200" y="6354246"/>
+            <a:ext cx="5522666" cy="369332"/>
+          </a:xfrm>
+          <a:prstGeom prst="rect">
+            <a:avLst/>
+          </a:prstGeom>
+          <a:solidFill>
+            <a:srgbClr val="1E1F22"/>
+          </a:solidFill>
+          <a:ln>
+            <a:noFill/>
+          </a:ln>
+          <a:effectLst/>
+          <a:extLst>
+            <a:ext uri="{91240B29-F687-4F45-9708-019B960494DF}">
+              <a14:hiddenLine xmlns:a14="http://schemas.microsoft.com/office/drawing/2010/main" w="9525">
+                <a:solidFill>
+                  <a:schemeClr val="tx1"/>
+                </a:solidFill>
+                <a:miter lim="800000"/>
+                <a:headEnd/>
+                <a:tailEnd/>
+              </a14:hiddenLine>
+            </a:ext>
+            <a:ext uri="{AF507438-7753-43E0-B8FC-AC1667EBCBE1}">
+              <a14:hiddenEffects xmlns:a14="http://schemas.microsoft.com/office/drawing/2010/main">
+                <a:effectLst>
+                  <a:outerShdw dist="35921" dir="2700000" algn="ctr" rotWithShape="0">
+                    <a:schemeClr val="bg2"/>
+                  </a:outerShdw>
+                </a:effectLst>
+              </a14:hiddenEffects>
+            </a:ext>
+          </a:extLst>
+        </p:spPr>
+        <p:txBody>
+          <a:bodyPr vert="horz" wrap="none" lIns="91440" tIns="45720" rIns="91440" bIns="45720" numCol="1" anchor="ctr" anchorCtr="0" compatLnSpc="1">
+            <a:prstTxWarp prst="textNoShape">
+              <a:avLst/>
+            </a:prstTxWarp>
+            <a:spAutoFit/>
+          </a:bodyPr>
+          <a:lstStyle/>
+          <a:p>
+            <a:pPr marL="0" marR="0" lvl="0" indent="0" algn="l" defTabSz="914400" rtl="0" eaLnBrk="0" fontAlgn="base" latinLnBrk="0" hangingPunct="0">
+              <a:lnSpc>
+                <a:spcPct val="100000"/>
+              </a:lnSpc>
+              <a:spcBef>
+                <a:spcPct val="0"/>
+              </a:spcBef>
+              <a:spcAft>
+                <a:spcPct val="0"/>
+              </a:spcAft>
+              <a:buClrTx/>
+              <a:buSzTx/>
+              <a:buFontTx/>
+              <a:buNone/>
+              <a:tabLst/>
+            </a:pPr>
+            <a:r>
+              <a:rPr kumimoji="0" lang="de-DE" altLang="de-DE" sz="900" b="0" i="0" u="none" strike="noStrike" cap="none" normalizeH="0" baseline="0" dirty="0">
+                <a:ln>
+                  <a:noFill/>
+                </a:ln>
+                <a:solidFill>
+                  <a:srgbClr val="CF8E6D"/>
+                </a:solidFill>
+                <a:effectLst/>
+                <a:latin typeface="+mj-lt"/>
+              </a:rPr>
+              <a:t>[2]</a:t>
+            </a:r>
+            <a:r>
+              <a:rPr kumimoji="0" lang="de-DE" altLang="de-DE" sz="900" b="0" i="0" u="none" strike="noStrike" cap="none" normalizeH="0" baseline="0" dirty="0">
+                <a:ln>
+                  <a:noFill/>
+                </a:ln>
+                <a:solidFill>
+                  <a:srgbClr val="BCBEC4"/>
+                </a:solidFill>
+                <a:effectLst/>
+                <a:latin typeface="+mj-lt"/>
+              </a:rPr>
+              <a:t> Review </a:t>
+            </a:r>
+            <a:r>
+              <a:rPr kumimoji="0" lang="de-DE" altLang="de-DE" sz="900" b="0" i="0" u="none" strike="noStrike" cap="none" normalizeH="0" baseline="0" dirty="0" err="1">
+                <a:ln>
+                  <a:noFill/>
+                </a:ln>
+                <a:solidFill>
+                  <a:srgbClr val="BCBEC4"/>
+                </a:solidFill>
+                <a:effectLst/>
+                <a:latin typeface="+mj-lt"/>
+              </a:rPr>
+              <a:t>paper</a:t>
+            </a:r>
+            <a:r>
+              <a:rPr kumimoji="0" lang="de-DE" altLang="de-DE" sz="900" b="0" i="0" u="none" strike="noStrike" cap="none" normalizeH="0" baseline="0" dirty="0">
+                <a:ln>
+                  <a:noFill/>
+                </a:ln>
+                <a:solidFill>
+                  <a:srgbClr val="BCBEC4"/>
+                </a:solidFill>
+                <a:effectLst/>
+                <a:latin typeface="+mj-lt"/>
+              </a:rPr>
+              <a:t> 2020 (Russell J. Smith): </a:t>
+            </a:r>
+            <a:r>
+              <a:rPr kumimoji="0" lang="de-DE" altLang="de-DE" sz="900" b="0" i="0" u="none" strike="noStrike" cap="none" normalizeH="0" baseline="0" dirty="0" err="1">
+                <a:ln>
+                  <a:noFill/>
+                </a:ln>
+                <a:solidFill>
+                  <a:srgbClr val="BCBEC4"/>
+                </a:solidFill>
+                <a:effectLst/>
+                <a:latin typeface="+mj-lt"/>
+              </a:rPr>
+              <a:t>Evidence</a:t>
+            </a:r>
+            <a:r>
+              <a:rPr kumimoji="0" lang="de-DE" altLang="de-DE" sz="900" b="0" i="0" u="none" strike="noStrike" cap="none" normalizeH="0" baseline="0" dirty="0">
+                <a:ln>
+                  <a:noFill/>
+                </a:ln>
+                <a:solidFill>
+                  <a:srgbClr val="BCBEC4"/>
+                </a:solidFill>
+                <a:effectLst/>
+                <a:latin typeface="+mj-lt"/>
+              </a:rPr>
+              <a:t> for Initial </a:t>
+            </a:r>
+            <a:r>
+              <a:rPr kumimoji="0" lang="de-DE" altLang="de-DE" sz="900" b="0" i="0" u="none" strike="noStrike" cap="none" normalizeH="0" baseline="0" dirty="0" err="1">
+                <a:ln>
+                  <a:noFill/>
+                </a:ln>
+                <a:solidFill>
+                  <a:srgbClr val="BCBEC4"/>
+                </a:solidFill>
+                <a:effectLst/>
+                <a:latin typeface="+mj-lt"/>
+              </a:rPr>
+              <a:t>Mass</a:t>
+            </a:r>
+            <a:r>
+              <a:rPr kumimoji="0" lang="de-DE" altLang="de-DE" sz="900" b="0" i="0" u="none" strike="noStrike" cap="none" normalizeH="0" baseline="0" dirty="0">
+                <a:ln>
+                  <a:noFill/>
+                </a:ln>
+                <a:solidFill>
+                  <a:srgbClr val="BCBEC4"/>
+                </a:solidFill>
+                <a:effectLst/>
+                <a:latin typeface="+mj-lt"/>
+              </a:rPr>
+              <a:t> </a:t>
+            </a:r>
+            <a:r>
+              <a:rPr kumimoji="0" lang="de-DE" altLang="de-DE" sz="900" b="0" i="0" u="none" strike="noStrike" cap="none" normalizeH="0" baseline="0" dirty="0" err="1">
+                <a:ln>
+                  <a:noFill/>
+                </a:ln>
+                <a:solidFill>
+                  <a:srgbClr val="BCBEC4"/>
+                </a:solidFill>
+                <a:effectLst/>
+                <a:latin typeface="+mj-lt"/>
+              </a:rPr>
+              <a:t>Function</a:t>
+            </a:r>
+            <a:r>
+              <a:rPr kumimoji="0" lang="de-DE" altLang="de-DE" sz="900" b="0" i="0" u="none" strike="noStrike" cap="none" normalizeH="0" baseline="0" dirty="0">
+                <a:ln>
+                  <a:noFill/>
+                </a:ln>
+                <a:solidFill>
+                  <a:srgbClr val="BCBEC4"/>
+                </a:solidFill>
+                <a:effectLst/>
+                <a:latin typeface="+mj-lt"/>
+              </a:rPr>
+              <a:t> Variation in Massive Early-Type </a:t>
+            </a:r>
+            <a:r>
+              <a:rPr kumimoji="0" lang="de-DE" altLang="de-DE" sz="900" b="0" i="0" u="none" strike="noStrike" cap="none" normalizeH="0" baseline="0" dirty="0" err="1">
+                <a:ln>
+                  <a:noFill/>
+                </a:ln>
+                <a:solidFill>
+                  <a:srgbClr val="BCBEC4"/>
+                </a:solidFill>
+                <a:effectLst/>
+                <a:latin typeface="+mj-lt"/>
+              </a:rPr>
+              <a:t>Galaxies</a:t>
+            </a:r>
+            <a:endParaRPr lang="de-DE" altLang="de-DE" sz="1800" dirty="0">
+              <a:solidFill>
+                <a:schemeClr val="tx1"/>
+              </a:solidFill>
+              <a:latin typeface="+mj-lt"/>
+            </a:endParaRPr>
+          </a:p>
+          <a:p>
+            <a:pPr algn="l" eaLnBrk="0" fontAlgn="base" hangingPunct="0">
+              <a:spcBef>
+                <a:spcPct val="0"/>
+              </a:spcBef>
+              <a:spcAft>
+                <a:spcPct val="0"/>
+              </a:spcAft>
+            </a:pPr>
+            <a:r>
+              <a:rPr kumimoji="0" lang="de-DE" altLang="de-DE" sz="900" b="0" i="0" u="none" strike="noStrike" cap="none" normalizeH="0" baseline="0" dirty="0">
+                <a:ln>
+                  <a:noFill/>
+                </a:ln>
+                <a:solidFill>
+                  <a:srgbClr val="CF8E6D"/>
+                </a:solidFill>
+                <a:effectLst/>
+                <a:latin typeface="JetBrains Mono"/>
+              </a:rPr>
+              <a:t>[1]</a:t>
+            </a:r>
+            <a:r>
+              <a:rPr kumimoji="0" lang="de-DE" altLang="de-DE" sz="900" b="0" i="0" u="none" strike="noStrike" cap="none" normalizeH="0" baseline="0" dirty="0">
+                <a:ln>
+                  <a:noFill/>
+                </a:ln>
+                <a:solidFill>
+                  <a:srgbClr val="BCBEC4"/>
+                </a:solidFill>
+                <a:effectLst/>
+                <a:latin typeface="JetBrains Mono"/>
+              </a:rPr>
+              <a:t> Review </a:t>
+            </a:r>
+            <a:r>
+              <a:rPr kumimoji="0" lang="de-DE" altLang="de-DE" sz="900" b="0" i="0" u="none" strike="noStrike" cap="none" normalizeH="0" baseline="0" dirty="0" err="1">
+                <a:ln>
+                  <a:noFill/>
+                </a:ln>
+                <a:solidFill>
+                  <a:srgbClr val="BCBEC4"/>
+                </a:solidFill>
+                <a:effectLst/>
+                <a:latin typeface="JetBrains Mono"/>
+              </a:rPr>
+              <a:t>paper</a:t>
+            </a:r>
+            <a:r>
+              <a:rPr kumimoji="0" lang="de-DE" altLang="de-DE" sz="900" b="0" i="0" u="none" strike="noStrike" cap="none" normalizeH="0" baseline="0" dirty="0">
+                <a:ln>
+                  <a:noFill/>
+                </a:ln>
+                <a:solidFill>
+                  <a:srgbClr val="BCBEC4"/>
+                </a:solidFill>
+                <a:effectLst/>
+                <a:latin typeface="JetBrains Mono"/>
+              </a:rPr>
+              <a:t> 2024 (</a:t>
+            </a:r>
+            <a:r>
+              <a:rPr kumimoji="0" lang="de-DE" altLang="de-DE" sz="900" b="0" i="0" u="none" strike="noStrike" cap="none" normalizeH="0" baseline="0" dirty="0" err="1">
+                <a:ln>
+                  <a:noFill/>
+                </a:ln>
+                <a:solidFill>
+                  <a:srgbClr val="BCBEC4"/>
+                </a:solidFill>
+                <a:effectLst/>
+                <a:latin typeface="JetBrains Mono"/>
+              </a:rPr>
+              <a:t>Hennebelle</a:t>
+            </a:r>
+            <a:r>
+              <a:rPr kumimoji="0" lang="de-DE" altLang="de-DE" sz="900" b="0" i="0" u="none" strike="noStrike" cap="none" normalizeH="0" baseline="0" dirty="0">
+                <a:ln>
+                  <a:noFill/>
+                </a:ln>
+                <a:solidFill>
+                  <a:srgbClr val="BCBEC4"/>
+                </a:solidFill>
+                <a:effectLst/>
+                <a:latin typeface="JetBrains Mono"/>
+              </a:rPr>
+              <a:t> et al.):  The </a:t>
+            </a:r>
+            <a:r>
+              <a:rPr kumimoji="0" lang="de-DE" altLang="de-DE" sz="900" b="0" i="0" u="none" strike="noStrike" cap="none" normalizeH="0" baseline="0" dirty="0" err="1">
+                <a:ln>
+                  <a:noFill/>
+                </a:ln>
+                <a:solidFill>
+                  <a:srgbClr val="BCBEC4"/>
+                </a:solidFill>
+                <a:effectLst/>
+                <a:latin typeface="JetBrains Mono"/>
+              </a:rPr>
+              <a:t>Physical</a:t>
+            </a:r>
+            <a:r>
+              <a:rPr kumimoji="0" lang="de-DE" altLang="de-DE" sz="900" b="0" i="0" u="none" strike="noStrike" cap="none" normalizeH="0" baseline="0" dirty="0">
+                <a:ln>
+                  <a:noFill/>
+                </a:ln>
+                <a:solidFill>
+                  <a:srgbClr val="BCBEC4"/>
+                </a:solidFill>
+                <a:effectLst/>
+                <a:latin typeface="JetBrains Mono"/>
+              </a:rPr>
+              <a:t> Origin </a:t>
+            </a:r>
+            <a:r>
+              <a:rPr kumimoji="0" lang="de-DE" altLang="de-DE" sz="900" b="0" i="0" u="none" strike="noStrike" cap="none" normalizeH="0" baseline="0" dirty="0" err="1">
+                <a:ln>
+                  <a:noFill/>
+                </a:ln>
+                <a:solidFill>
+                  <a:srgbClr val="BCBEC4"/>
+                </a:solidFill>
+                <a:effectLst/>
+                <a:latin typeface="JetBrains Mono"/>
+              </a:rPr>
+              <a:t>of</a:t>
+            </a:r>
+            <a:r>
+              <a:rPr kumimoji="0" lang="de-DE" altLang="de-DE" sz="900" b="0" i="0" u="none" strike="noStrike" cap="none" normalizeH="0" baseline="0" dirty="0">
+                <a:ln>
+                  <a:noFill/>
+                </a:ln>
+                <a:solidFill>
+                  <a:srgbClr val="BCBEC4"/>
+                </a:solidFill>
+                <a:effectLst/>
+                <a:latin typeface="JetBrains Mono"/>
+              </a:rPr>
+              <a:t> </a:t>
+            </a:r>
+            <a:r>
+              <a:rPr kumimoji="0" lang="de-DE" altLang="de-DE" sz="900" b="0" i="0" u="none" strike="noStrike" cap="none" normalizeH="0" baseline="0" dirty="0" err="1">
+                <a:ln>
+                  <a:noFill/>
+                </a:ln>
+                <a:solidFill>
+                  <a:srgbClr val="BCBEC4"/>
+                </a:solidFill>
+                <a:effectLst/>
+                <a:latin typeface="JetBrains Mono"/>
+              </a:rPr>
+              <a:t>the</a:t>
+            </a:r>
+            <a:r>
+              <a:rPr kumimoji="0" lang="de-DE" altLang="de-DE" sz="900" b="0" i="0" u="none" strike="noStrike" cap="none" normalizeH="0" baseline="0" dirty="0">
+                <a:ln>
+                  <a:noFill/>
+                </a:ln>
+                <a:solidFill>
+                  <a:srgbClr val="BCBEC4"/>
+                </a:solidFill>
+                <a:effectLst/>
+                <a:latin typeface="JetBrains Mono"/>
+              </a:rPr>
+              <a:t> Stellar Initial </a:t>
+            </a:r>
+            <a:r>
+              <a:rPr kumimoji="0" lang="de-DE" altLang="de-DE" sz="900" b="0" i="0" u="none" strike="noStrike" cap="none" normalizeH="0" baseline="0" dirty="0" err="1">
+                <a:ln>
+                  <a:noFill/>
+                </a:ln>
+                <a:solidFill>
+                  <a:srgbClr val="BCBEC4"/>
+                </a:solidFill>
+                <a:effectLst/>
+                <a:latin typeface="JetBrains Mono"/>
+              </a:rPr>
+              <a:t>Mass</a:t>
+            </a:r>
+            <a:r>
+              <a:rPr kumimoji="0" lang="de-DE" altLang="de-DE" sz="900" b="0" i="0" u="none" strike="noStrike" cap="none" normalizeH="0" baseline="0" dirty="0">
+                <a:ln>
+                  <a:noFill/>
+                </a:ln>
+                <a:solidFill>
+                  <a:srgbClr val="BCBEC4"/>
+                </a:solidFill>
+                <a:effectLst/>
+                <a:latin typeface="JetBrains Mono"/>
+              </a:rPr>
+              <a:t> </a:t>
+            </a:r>
+            <a:r>
+              <a:rPr kumimoji="0" lang="de-DE" altLang="de-DE" sz="900" b="0" i="0" u="none" strike="noStrike" cap="none" normalizeH="0" baseline="0" dirty="0" err="1">
+                <a:ln>
+                  <a:noFill/>
+                </a:ln>
+                <a:solidFill>
+                  <a:srgbClr val="BCBEC4"/>
+                </a:solidFill>
+                <a:effectLst/>
+                <a:latin typeface="JetBrains Mono"/>
+              </a:rPr>
+              <a:t>Function</a:t>
+            </a:r>
+            <a:endParaRPr kumimoji="0" lang="de-DE" altLang="de-DE" sz="1800" b="0" i="0" u="none" strike="noStrike" cap="none" normalizeH="0" baseline="0" dirty="0">
+              <a:ln>
+                <a:noFill/>
+              </a:ln>
+              <a:solidFill>
+                <a:schemeClr val="tx1"/>
+              </a:solidFill>
+              <a:effectLst/>
+              <a:latin typeface="Arial" panose="020B0604020202020204" pitchFamily="34" charset="0"/>
+            </a:endParaRPr>
           </a:p>
         </p:txBody>
       </p:sp>
@@ -5749,6 +7141,1312 @@
           <p:cNvPr id="2" name="Titel 1">
             <a:extLst>
               <a:ext uri="{FF2B5EF4-FFF2-40B4-BE49-F238E27FC236}">
+                <a16:creationId xmlns:a16="http://schemas.microsoft.com/office/drawing/2014/main" id="{F96DB56C-6B25-16A6-C02C-CA37DDF59D63}"/>
+              </a:ext>
+            </a:extLst>
+          </p:cNvPr>
+          <p:cNvSpPr>
+            <a:spLocks noGrp="1"/>
+          </p:cNvSpPr>
+          <p:nvPr>
+            <p:ph type="title"/>
+          </p:nvPr>
+        </p:nvSpPr>
+        <p:spPr>
+          <a:xfrm>
+            <a:off x="732864" y="235775"/>
+            <a:ext cx="10726271" cy="1042334"/>
+          </a:xfrm>
+        </p:spPr>
+        <p:txBody>
+          <a:bodyPr/>
+          <a:lstStyle/>
+          <a:p>
+            <a:r>
+              <a:rPr lang="de-CH" dirty="0"/>
+              <a:t>Figure 1 </a:t>
+            </a:r>
+            <a:r>
+              <a:rPr lang="de-CH" dirty="0" err="1"/>
+              <a:t>from</a:t>
+            </a:r>
+            <a:r>
+              <a:rPr lang="de-CH" dirty="0"/>
+              <a:t> </a:t>
+            </a:r>
+            <a:r>
+              <a:rPr lang="de-CH" dirty="0" err="1"/>
+              <a:t>Hennebelle</a:t>
+            </a:r>
+            <a:r>
+              <a:rPr lang="de-CH" dirty="0"/>
+              <a:t> et al. (2024)</a:t>
+            </a:r>
+          </a:p>
+        </p:txBody>
+      </p:sp>
+      <p:pic>
+        <p:nvPicPr>
+          <p:cNvPr id="5" name="Grafik 4">
+            <a:extLst>
+              <a:ext uri="{FF2B5EF4-FFF2-40B4-BE49-F238E27FC236}">
+                <a16:creationId xmlns:a16="http://schemas.microsoft.com/office/drawing/2014/main" id="{32333C76-0406-8767-A702-69174CE33841}"/>
+              </a:ext>
+            </a:extLst>
+          </p:cNvPr>
+          <p:cNvPicPr>
+            <a:picLocks noChangeAspect="1"/>
+          </p:cNvPicPr>
+          <p:nvPr/>
+        </p:nvPicPr>
+        <p:blipFill>
+          <a:blip r:embed="rId2">
+            <a:extLst>
+              <a:ext uri="{28A0092B-C50C-407E-A947-70E740481C1C}">
+                <a14:useLocalDpi xmlns:a14="http://schemas.microsoft.com/office/drawing/2010/main" val="0"/>
+              </a:ext>
+            </a:extLst>
+          </a:blip>
+          <a:stretch>
+            <a:fillRect/>
+          </a:stretch>
+        </p:blipFill>
+        <p:spPr>
+          <a:xfrm>
+            <a:off x="3827928" y="1242887"/>
+            <a:ext cx="7666384" cy="5113463"/>
+          </a:xfrm>
+          <a:prstGeom prst="rect">
+            <a:avLst/>
+          </a:prstGeom>
+        </p:spPr>
+      </p:pic>
+      <p:sp>
+        <p:nvSpPr>
+          <p:cNvPr id="6" name="Textfeld 5">
+            <a:extLst>
+              <a:ext uri="{FF2B5EF4-FFF2-40B4-BE49-F238E27FC236}">
+                <a16:creationId xmlns:a16="http://schemas.microsoft.com/office/drawing/2014/main" id="{1F707FD6-1A03-BD49-F634-F12BC157F1B4}"/>
+              </a:ext>
+            </a:extLst>
+          </p:cNvPr>
+          <p:cNvSpPr txBox="1"/>
+          <p:nvPr/>
+        </p:nvSpPr>
+        <p:spPr>
+          <a:xfrm>
+            <a:off x="460901" y="1422959"/>
+            <a:ext cx="3367027" cy="2677656"/>
+          </a:xfrm>
+          <a:prstGeom prst="rect">
+            <a:avLst/>
+          </a:prstGeom>
+          <a:noFill/>
+        </p:spPr>
+        <p:txBody>
+          <a:bodyPr wrap="square" rtlCol="0">
+            <a:spAutoFit/>
+          </a:bodyPr>
+          <a:lstStyle/>
+          <a:p>
+            <a:r>
+              <a:rPr lang="de-CH" sz="2800" dirty="0">
+                <a:latin typeface="+mj-lt"/>
+              </a:rPr>
+              <a:t>Illustration </a:t>
+            </a:r>
+            <a:r>
+              <a:rPr lang="de-CH" sz="2800" dirty="0" err="1">
+                <a:latin typeface="+mj-lt"/>
+              </a:rPr>
+              <a:t>of</a:t>
+            </a:r>
+            <a:r>
+              <a:rPr lang="de-CH" sz="2800" dirty="0">
+                <a:latin typeface="+mj-lt"/>
+              </a:rPr>
+              <a:t> </a:t>
+            </a:r>
+            <a:r>
+              <a:rPr lang="de-CH" sz="2800" dirty="0" err="1">
+                <a:latin typeface="+mj-lt"/>
+              </a:rPr>
+              <a:t>how</a:t>
+            </a:r>
+            <a:r>
+              <a:rPr lang="de-CH" sz="2800" dirty="0">
+                <a:latin typeface="+mj-lt"/>
+              </a:rPr>
+              <a:t> </a:t>
+            </a:r>
+            <a:r>
+              <a:rPr lang="de-CH" sz="2800" dirty="0" err="1">
+                <a:latin typeface="+mj-lt"/>
+              </a:rPr>
+              <a:t>the</a:t>
+            </a:r>
+            <a:r>
+              <a:rPr lang="de-CH" sz="2800" dirty="0">
+                <a:latin typeface="+mj-lt"/>
+              </a:rPr>
+              <a:t> IMF </a:t>
+            </a:r>
+            <a:r>
+              <a:rPr lang="de-CH" sz="2800" dirty="0" err="1">
+                <a:latin typeface="+mj-lt"/>
+              </a:rPr>
+              <a:t>slope</a:t>
+            </a:r>
+            <a:r>
+              <a:rPr lang="de-CH" sz="2800" dirty="0">
+                <a:latin typeface="+mj-lt"/>
+              </a:rPr>
+              <a:t> </a:t>
+            </a:r>
+            <a:r>
+              <a:rPr lang="de-CH" sz="2800" dirty="0" err="1">
+                <a:latin typeface="+mj-lt"/>
+              </a:rPr>
+              <a:t>changes</a:t>
+            </a:r>
+            <a:r>
+              <a:rPr lang="de-CH" sz="2800" dirty="0">
+                <a:latin typeface="+mj-lt"/>
+              </a:rPr>
+              <a:t> </a:t>
+            </a:r>
+            <a:r>
+              <a:rPr lang="de-CH" sz="2800" dirty="0" err="1">
+                <a:latin typeface="+mj-lt"/>
+              </a:rPr>
+              <a:t>with</a:t>
+            </a:r>
+            <a:r>
+              <a:rPr lang="de-CH" sz="2800" dirty="0">
+                <a:latin typeface="+mj-lt"/>
+              </a:rPr>
+              <a:t> stellar mass, </a:t>
+            </a:r>
+            <a:r>
+              <a:rPr lang="de-CH" sz="2800" dirty="0" err="1">
+                <a:latin typeface="+mj-lt"/>
+              </a:rPr>
+              <a:t>highlighting</a:t>
+            </a:r>
+            <a:r>
+              <a:rPr lang="de-CH" sz="2800" dirty="0">
+                <a:latin typeface="+mj-lt"/>
+              </a:rPr>
+              <a:t> </a:t>
+            </a:r>
+            <a:r>
+              <a:rPr lang="de-CH" sz="2800" dirty="0" err="1">
+                <a:latin typeface="+mj-lt"/>
+              </a:rPr>
+              <a:t>the</a:t>
+            </a:r>
+            <a:r>
+              <a:rPr lang="de-CH" sz="2800" dirty="0">
+                <a:latin typeface="+mj-lt"/>
+              </a:rPr>
+              <a:t> </a:t>
+            </a:r>
+            <a:r>
+              <a:rPr lang="de-CH" sz="2800" dirty="0" err="1">
+                <a:latin typeface="+mj-lt"/>
+              </a:rPr>
+              <a:t>debate</a:t>
+            </a:r>
+            <a:r>
+              <a:rPr lang="de-CH" sz="2800" dirty="0">
+                <a:latin typeface="+mj-lt"/>
+              </a:rPr>
+              <a:t> </a:t>
+            </a:r>
+            <a:r>
+              <a:rPr lang="de-CH" sz="2800" dirty="0" err="1">
+                <a:latin typeface="+mj-lt"/>
+              </a:rPr>
+              <a:t>over</a:t>
+            </a:r>
+            <a:r>
+              <a:rPr lang="de-CH" sz="2800" dirty="0">
+                <a:latin typeface="+mj-lt"/>
+              </a:rPr>
+              <a:t> IMF </a:t>
+            </a:r>
+            <a:r>
+              <a:rPr lang="de-CH" sz="2800" dirty="0" err="1">
+                <a:latin typeface="+mj-lt"/>
+              </a:rPr>
+              <a:t>universality</a:t>
+            </a:r>
+            <a:endParaRPr lang="de-CH" sz="2800" dirty="0">
+              <a:latin typeface="+mj-lt"/>
+            </a:endParaRPr>
+          </a:p>
+        </p:txBody>
+      </p:sp>
+      <p:sp>
+        <p:nvSpPr>
+          <p:cNvPr id="8" name="Rectangle 1">
+            <a:extLst>
+              <a:ext uri="{FF2B5EF4-FFF2-40B4-BE49-F238E27FC236}">
+                <a16:creationId xmlns:a16="http://schemas.microsoft.com/office/drawing/2014/main" id="{D6344629-19C5-B53A-B366-FE515A72F1D7}"/>
+              </a:ext>
+            </a:extLst>
+          </p:cNvPr>
+          <p:cNvSpPr>
+            <a:spLocks noGrp="1" noChangeArrowheads="1"/>
+          </p:cNvSpPr>
+          <p:nvPr>
+            <p:ph type="ftr" sz="quarter" idx="11"/>
+          </p:nvPr>
+        </p:nvSpPr>
+        <p:spPr bwMode="auto">
+          <a:xfrm>
+            <a:off x="733425" y="6423496"/>
+            <a:ext cx="4722768" cy="230832"/>
+          </a:xfrm>
+          <a:prstGeom prst="rect">
+            <a:avLst/>
+          </a:prstGeom>
+          <a:solidFill>
+            <a:srgbClr val="1E1F22"/>
+          </a:solidFill>
+          <a:ln>
+            <a:noFill/>
+          </a:ln>
+          <a:effectLst/>
+          <a:extLst>
+            <a:ext uri="{91240B29-F687-4F45-9708-019B960494DF}">
+              <a14:hiddenLine xmlns:a14="http://schemas.microsoft.com/office/drawing/2010/main" w="9525">
+                <a:solidFill>
+                  <a:schemeClr val="tx1"/>
+                </a:solidFill>
+                <a:miter lim="800000"/>
+                <a:headEnd/>
+                <a:tailEnd/>
+              </a14:hiddenLine>
+            </a:ext>
+            <a:ext uri="{AF507438-7753-43E0-B8FC-AC1667EBCBE1}">
+              <a14:hiddenEffects xmlns:a14="http://schemas.microsoft.com/office/drawing/2010/main">
+                <a:effectLst>
+                  <a:outerShdw dist="35921" dir="2700000" algn="ctr" rotWithShape="0">
+                    <a:schemeClr val="bg2"/>
+                  </a:outerShdw>
+                </a:effectLst>
+              </a14:hiddenEffects>
+            </a:ext>
+          </a:extLst>
+        </p:spPr>
+        <p:txBody>
+          <a:bodyPr vert="horz" wrap="none" lIns="91440" tIns="45720" rIns="91440" bIns="45720" numCol="1" anchor="ctr" anchorCtr="0" compatLnSpc="1">
+            <a:prstTxWarp prst="textNoShape">
+              <a:avLst/>
+            </a:prstTxWarp>
+            <a:spAutoFit/>
+          </a:bodyPr>
+          <a:lstStyle/>
+          <a:p>
+            <a:pPr marL="0" marR="0" lvl="0" indent="0" algn="l" defTabSz="914400" rtl="0" eaLnBrk="0" fontAlgn="base" latinLnBrk="0" hangingPunct="0">
+              <a:lnSpc>
+                <a:spcPct val="100000"/>
+              </a:lnSpc>
+              <a:spcBef>
+                <a:spcPct val="0"/>
+              </a:spcBef>
+              <a:spcAft>
+                <a:spcPct val="0"/>
+              </a:spcAft>
+              <a:buClrTx/>
+              <a:buSzTx/>
+              <a:buFontTx/>
+              <a:buNone/>
+              <a:tabLst/>
+            </a:pPr>
+            <a:r>
+              <a:rPr kumimoji="0" lang="de-DE" altLang="de-DE" sz="900" b="0" i="0" u="none" strike="noStrike" cap="none" normalizeH="0" baseline="0" dirty="0">
+                <a:ln>
+                  <a:noFill/>
+                </a:ln>
+                <a:solidFill>
+                  <a:srgbClr val="CF8E6D"/>
+                </a:solidFill>
+                <a:effectLst/>
+                <a:latin typeface="JetBrains Mono"/>
+              </a:rPr>
+              <a:t>[1]</a:t>
+            </a:r>
+            <a:r>
+              <a:rPr kumimoji="0" lang="de-DE" altLang="de-DE" sz="900" b="0" i="0" u="none" strike="noStrike" cap="none" normalizeH="0" baseline="0" dirty="0">
+                <a:ln>
+                  <a:noFill/>
+                </a:ln>
+                <a:solidFill>
+                  <a:srgbClr val="BCBEC4"/>
+                </a:solidFill>
+                <a:effectLst/>
+                <a:latin typeface="JetBrains Mono"/>
+              </a:rPr>
+              <a:t> Review </a:t>
+            </a:r>
+            <a:r>
+              <a:rPr kumimoji="0" lang="de-DE" altLang="de-DE" sz="900" b="0" i="0" u="none" strike="noStrike" cap="none" normalizeH="0" baseline="0" dirty="0" err="1">
+                <a:ln>
+                  <a:noFill/>
+                </a:ln>
+                <a:solidFill>
+                  <a:srgbClr val="BCBEC4"/>
+                </a:solidFill>
+                <a:effectLst/>
+                <a:latin typeface="JetBrains Mono"/>
+              </a:rPr>
+              <a:t>paper</a:t>
+            </a:r>
+            <a:r>
+              <a:rPr kumimoji="0" lang="de-DE" altLang="de-DE" sz="900" b="0" i="0" u="none" strike="noStrike" cap="none" normalizeH="0" baseline="0" dirty="0">
+                <a:ln>
+                  <a:noFill/>
+                </a:ln>
+                <a:solidFill>
+                  <a:srgbClr val="BCBEC4"/>
+                </a:solidFill>
+                <a:effectLst/>
+                <a:latin typeface="JetBrains Mono"/>
+              </a:rPr>
+              <a:t> 2024 (</a:t>
+            </a:r>
+            <a:r>
+              <a:rPr kumimoji="0" lang="de-DE" altLang="de-DE" sz="900" b="0" i="0" u="none" strike="noStrike" cap="none" normalizeH="0" baseline="0" dirty="0" err="1">
+                <a:ln>
+                  <a:noFill/>
+                </a:ln>
+                <a:solidFill>
+                  <a:srgbClr val="BCBEC4"/>
+                </a:solidFill>
+                <a:effectLst/>
+                <a:latin typeface="JetBrains Mono"/>
+              </a:rPr>
+              <a:t>Hennebelle</a:t>
+            </a:r>
+            <a:r>
+              <a:rPr kumimoji="0" lang="de-DE" altLang="de-DE" sz="900" b="0" i="0" u="none" strike="noStrike" cap="none" normalizeH="0" baseline="0" dirty="0">
+                <a:ln>
+                  <a:noFill/>
+                </a:ln>
+                <a:solidFill>
+                  <a:srgbClr val="BCBEC4"/>
+                </a:solidFill>
+                <a:effectLst/>
+                <a:latin typeface="JetBrains Mono"/>
+              </a:rPr>
+              <a:t> et al.): The </a:t>
+            </a:r>
+            <a:r>
+              <a:rPr kumimoji="0" lang="de-DE" altLang="de-DE" sz="900" b="0" i="0" u="none" strike="noStrike" cap="none" normalizeH="0" baseline="0" dirty="0" err="1">
+                <a:ln>
+                  <a:noFill/>
+                </a:ln>
+                <a:solidFill>
+                  <a:srgbClr val="BCBEC4"/>
+                </a:solidFill>
+                <a:effectLst/>
+                <a:latin typeface="JetBrains Mono"/>
+              </a:rPr>
+              <a:t>Physical</a:t>
+            </a:r>
+            <a:r>
+              <a:rPr kumimoji="0" lang="de-DE" altLang="de-DE" sz="900" b="0" i="0" u="none" strike="noStrike" cap="none" normalizeH="0" baseline="0" dirty="0">
+                <a:ln>
+                  <a:noFill/>
+                </a:ln>
+                <a:solidFill>
+                  <a:srgbClr val="BCBEC4"/>
+                </a:solidFill>
+                <a:effectLst/>
+                <a:latin typeface="JetBrains Mono"/>
+              </a:rPr>
+              <a:t> Origin </a:t>
+            </a:r>
+            <a:r>
+              <a:rPr kumimoji="0" lang="de-DE" altLang="de-DE" sz="900" b="0" i="0" u="none" strike="noStrike" cap="none" normalizeH="0" baseline="0" dirty="0" err="1">
+                <a:ln>
+                  <a:noFill/>
+                </a:ln>
+                <a:solidFill>
+                  <a:srgbClr val="BCBEC4"/>
+                </a:solidFill>
+                <a:effectLst/>
+                <a:latin typeface="JetBrains Mono"/>
+              </a:rPr>
+              <a:t>of</a:t>
+            </a:r>
+            <a:r>
+              <a:rPr kumimoji="0" lang="de-DE" altLang="de-DE" sz="900" b="0" i="0" u="none" strike="noStrike" cap="none" normalizeH="0" baseline="0" dirty="0">
+                <a:ln>
+                  <a:noFill/>
+                </a:ln>
+                <a:solidFill>
+                  <a:srgbClr val="BCBEC4"/>
+                </a:solidFill>
+                <a:effectLst/>
+                <a:latin typeface="JetBrains Mono"/>
+              </a:rPr>
+              <a:t> </a:t>
+            </a:r>
+            <a:r>
+              <a:rPr kumimoji="0" lang="de-DE" altLang="de-DE" sz="900" b="0" i="0" u="none" strike="noStrike" cap="none" normalizeH="0" baseline="0" dirty="0" err="1">
+                <a:ln>
+                  <a:noFill/>
+                </a:ln>
+                <a:solidFill>
+                  <a:srgbClr val="BCBEC4"/>
+                </a:solidFill>
+                <a:effectLst/>
+                <a:latin typeface="JetBrains Mono"/>
+              </a:rPr>
+              <a:t>the</a:t>
+            </a:r>
+            <a:r>
+              <a:rPr kumimoji="0" lang="de-DE" altLang="de-DE" sz="900" b="0" i="0" u="none" strike="noStrike" cap="none" normalizeH="0" baseline="0" dirty="0">
+                <a:ln>
+                  <a:noFill/>
+                </a:ln>
+                <a:solidFill>
+                  <a:srgbClr val="BCBEC4"/>
+                </a:solidFill>
+                <a:effectLst/>
+                <a:latin typeface="JetBrains Mono"/>
+              </a:rPr>
+              <a:t> Stellar Initial </a:t>
+            </a:r>
+            <a:r>
+              <a:rPr kumimoji="0" lang="de-DE" altLang="de-DE" sz="900" b="0" i="0" u="none" strike="noStrike" cap="none" normalizeH="0" baseline="0" dirty="0" err="1">
+                <a:ln>
+                  <a:noFill/>
+                </a:ln>
+                <a:solidFill>
+                  <a:srgbClr val="BCBEC4"/>
+                </a:solidFill>
+                <a:effectLst/>
+                <a:latin typeface="JetBrains Mono"/>
+              </a:rPr>
+              <a:t>Mass</a:t>
+            </a:r>
+            <a:r>
+              <a:rPr kumimoji="0" lang="de-DE" altLang="de-DE" sz="900" b="0" i="0" u="none" strike="noStrike" cap="none" normalizeH="0" baseline="0" dirty="0">
+                <a:ln>
+                  <a:noFill/>
+                </a:ln>
+                <a:solidFill>
+                  <a:srgbClr val="BCBEC4"/>
+                </a:solidFill>
+                <a:effectLst/>
+                <a:latin typeface="JetBrains Mono"/>
+              </a:rPr>
+              <a:t> </a:t>
+            </a:r>
+            <a:r>
+              <a:rPr kumimoji="0" lang="de-DE" altLang="de-DE" sz="900" b="0" i="0" u="none" strike="noStrike" cap="none" normalizeH="0" baseline="0" dirty="0" err="1">
+                <a:ln>
+                  <a:noFill/>
+                </a:ln>
+                <a:solidFill>
+                  <a:srgbClr val="BCBEC4"/>
+                </a:solidFill>
+                <a:effectLst/>
+                <a:latin typeface="JetBrains Mono"/>
+              </a:rPr>
+              <a:t>Function</a:t>
+            </a:r>
+            <a:endParaRPr kumimoji="0" lang="de-DE" altLang="de-DE" sz="1800" b="0" i="0" u="none" strike="noStrike" cap="none" normalizeH="0" baseline="0" dirty="0">
+              <a:ln>
+                <a:noFill/>
+              </a:ln>
+              <a:solidFill>
+                <a:schemeClr val="tx1"/>
+              </a:solidFill>
+              <a:effectLst/>
+              <a:latin typeface="Arial" panose="020B0604020202020204" pitchFamily="34" charset="0"/>
+            </a:endParaRPr>
+          </a:p>
+        </p:txBody>
+      </p:sp>
+    </p:spTree>
+    <p:extLst>
+      <p:ext uri="{BB962C8B-B14F-4D97-AF65-F5344CB8AC3E}">
+        <p14:creationId xmlns:p14="http://schemas.microsoft.com/office/powerpoint/2010/main" val="2072583219"/>
+      </p:ext>
+    </p:extLst>
+  </p:cSld>
+  <p:clrMapOvr>
+    <a:masterClrMapping/>
+  </p:clrMapOvr>
+</p:sld>
+</file>
+
+<file path=ppt/slides/slide6.xml><?xml version="1.0" encoding="utf-8"?>
+<p:sld xmlns:a="http://schemas.openxmlformats.org/drawingml/2006/main" xmlns:r="http://schemas.openxmlformats.org/officeDocument/2006/relationships" xmlns:p="http://schemas.openxmlformats.org/presentationml/2006/main">
+  <p:cSld>
+    <p:spTree>
+      <p:nvGrpSpPr>
+        <p:cNvPr id="1" name=""/>
+        <p:cNvGrpSpPr/>
+        <p:nvPr/>
+      </p:nvGrpSpPr>
+      <p:grpSpPr>
+        <a:xfrm>
+          <a:off x="0" y="0"/>
+          <a:ext cx="0" cy="0"/>
+          <a:chOff x="0" y="0"/>
+          <a:chExt cx="0" cy="0"/>
+        </a:xfrm>
+      </p:grpSpPr>
+      <p:sp>
+        <p:nvSpPr>
+          <p:cNvPr id="2" name="Titel 1">
+            <a:extLst>
+              <a:ext uri="{FF2B5EF4-FFF2-40B4-BE49-F238E27FC236}">
+                <a16:creationId xmlns:a16="http://schemas.microsoft.com/office/drawing/2014/main" id="{D27C3C20-DF55-C3BF-C6BA-6F44B716794E}"/>
+              </a:ext>
+            </a:extLst>
+          </p:cNvPr>
+          <p:cNvSpPr>
+            <a:spLocks noGrp="1"/>
+          </p:cNvSpPr>
+          <p:nvPr>
+            <p:ph type="title"/>
+          </p:nvPr>
+        </p:nvSpPr>
+        <p:spPr>
+          <a:xfrm>
+            <a:off x="810624" y="293408"/>
+            <a:ext cx="10515600" cy="836146"/>
+          </a:xfrm>
+        </p:spPr>
+        <p:txBody>
+          <a:bodyPr/>
+          <a:lstStyle/>
+          <a:p>
+            <a:r>
+              <a:rPr lang="de-CH" dirty="0"/>
+              <a:t>Figure 2 </a:t>
+            </a:r>
+            <a:r>
+              <a:rPr lang="de-CH" dirty="0" err="1"/>
+              <a:t>from</a:t>
+            </a:r>
+            <a:r>
+              <a:rPr lang="de-CH" dirty="0"/>
+              <a:t> Russell J. Smith (2024)</a:t>
+            </a:r>
+          </a:p>
+        </p:txBody>
+      </p:sp>
+      <p:pic>
+        <p:nvPicPr>
+          <p:cNvPr id="5" name="Grafik 4">
+            <a:extLst>
+              <a:ext uri="{FF2B5EF4-FFF2-40B4-BE49-F238E27FC236}">
+                <a16:creationId xmlns:a16="http://schemas.microsoft.com/office/drawing/2014/main" id="{7832B1FA-F8FD-5319-EFCD-12DC2B347FD3}"/>
+              </a:ext>
+            </a:extLst>
+          </p:cNvPr>
+          <p:cNvPicPr>
+            <a:picLocks noChangeAspect="1"/>
+          </p:cNvPicPr>
+          <p:nvPr/>
+        </p:nvPicPr>
+        <p:blipFill>
+          <a:blip r:embed="rId2">
+            <a:extLst>
+              <a:ext uri="{28A0092B-C50C-407E-A947-70E740481C1C}">
+                <a14:useLocalDpi xmlns:a14="http://schemas.microsoft.com/office/drawing/2010/main" val="0"/>
+              </a:ext>
+            </a:extLst>
+          </a:blip>
+          <a:stretch>
+            <a:fillRect/>
+          </a:stretch>
+        </p:blipFill>
+        <p:spPr>
+          <a:xfrm>
+            <a:off x="4952317" y="1129554"/>
+            <a:ext cx="5884648" cy="5339773"/>
+          </a:xfrm>
+          <a:prstGeom prst="rect">
+            <a:avLst/>
+          </a:prstGeom>
+        </p:spPr>
+      </p:pic>
+      <p:sp>
+        <p:nvSpPr>
+          <p:cNvPr id="6" name="Textfeld 5">
+            <a:extLst>
+              <a:ext uri="{FF2B5EF4-FFF2-40B4-BE49-F238E27FC236}">
+                <a16:creationId xmlns:a16="http://schemas.microsoft.com/office/drawing/2014/main" id="{B254CAEB-140B-268B-B474-DAC541AFB179}"/>
+              </a:ext>
+            </a:extLst>
+          </p:cNvPr>
+          <p:cNvSpPr txBox="1"/>
+          <p:nvPr/>
+        </p:nvSpPr>
+        <p:spPr>
+          <a:xfrm>
+            <a:off x="810624" y="1335742"/>
+            <a:ext cx="4141693" cy="2246769"/>
+          </a:xfrm>
+          <a:prstGeom prst="rect">
+            <a:avLst/>
+          </a:prstGeom>
+          <a:noFill/>
+        </p:spPr>
+        <p:txBody>
+          <a:bodyPr wrap="square" rtlCol="0">
+            <a:spAutoFit/>
+          </a:bodyPr>
+          <a:lstStyle/>
+          <a:p>
+            <a:r>
+              <a:rPr lang="de-CH" sz="2800" dirty="0" err="1">
+                <a:latin typeface="+mj-lt"/>
+              </a:rPr>
+              <a:t>Visualization</a:t>
+            </a:r>
+            <a:r>
+              <a:rPr lang="de-CH" sz="2800" dirty="0">
+                <a:latin typeface="+mj-lt"/>
+              </a:rPr>
+              <a:t> </a:t>
+            </a:r>
+            <a:r>
+              <a:rPr lang="de-CH" sz="2800" dirty="0" err="1">
+                <a:latin typeface="+mj-lt"/>
+              </a:rPr>
+              <a:t>of</a:t>
+            </a:r>
+            <a:r>
+              <a:rPr lang="de-CH" sz="2800" dirty="0">
+                <a:latin typeface="+mj-lt"/>
+              </a:rPr>
+              <a:t> </a:t>
+            </a:r>
+            <a:r>
+              <a:rPr lang="de-CH" sz="2800" dirty="0" err="1">
+                <a:latin typeface="+mj-lt"/>
+              </a:rPr>
+              <a:t>the</a:t>
+            </a:r>
+            <a:r>
+              <a:rPr lang="de-CH" sz="2800" dirty="0">
+                <a:latin typeface="+mj-lt"/>
+              </a:rPr>
+              <a:t> IMF mass-</a:t>
+            </a:r>
+            <a:r>
+              <a:rPr lang="de-CH" sz="2800" dirty="0" err="1">
+                <a:latin typeface="+mj-lt"/>
+              </a:rPr>
+              <a:t>exess</a:t>
+            </a:r>
+            <a:r>
+              <a:rPr lang="de-CH" sz="2800" dirty="0">
+                <a:latin typeface="+mj-lt"/>
+              </a:rPr>
+              <a:t> </a:t>
+            </a:r>
+            <a:r>
+              <a:rPr lang="de-CH" sz="2800" dirty="0" err="1">
+                <a:latin typeface="+mj-lt"/>
+              </a:rPr>
+              <a:t>factor</a:t>
+            </a:r>
+            <a:r>
+              <a:rPr lang="de-CH" sz="2800" dirty="0">
+                <a:latin typeface="+mj-lt"/>
+              </a:rPr>
+              <a:t> in </a:t>
+            </a:r>
+            <a:r>
+              <a:rPr lang="de-CH" sz="2800" dirty="0" err="1">
+                <a:latin typeface="+mj-lt"/>
+              </a:rPr>
+              <a:t>early</a:t>
+            </a:r>
+            <a:r>
+              <a:rPr lang="de-CH" sz="2800" dirty="0">
+                <a:latin typeface="+mj-lt"/>
+              </a:rPr>
+              <a:t>-type </a:t>
+            </a:r>
+            <a:r>
+              <a:rPr lang="de-CH" sz="2800" dirty="0" err="1">
+                <a:latin typeface="+mj-lt"/>
+              </a:rPr>
+              <a:t>galaxies</a:t>
+            </a:r>
+            <a:r>
+              <a:rPr lang="de-CH" sz="2800" dirty="0">
+                <a:latin typeface="+mj-lt"/>
+              </a:rPr>
+              <a:t>, </a:t>
+            </a:r>
+            <a:r>
+              <a:rPr lang="de-CH" sz="2800" dirty="0" err="1">
+                <a:latin typeface="+mj-lt"/>
+              </a:rPr>
+              <a:t>supporting</a:t>
+            </a:r>
+            <a:r>
+              <a:rPr lang="de-CH" sz="2800" dirty="0">
+                <a:latin typeface="+mj-lt"/>
+              </a:rPr>
+              <a:t> </a:t>
+            </a:r>
+            <a:r>
+              <a:rPr lang="de-CH" sz="2800" dirty="0" err="1">
+                <a:latin typeface="+mj-lt"/>
+              </a:rPr>
+              <a:t>the</a:t>
+            </a:r>
+            <a:r>
+              <a:rPr lang="de-CH" sz="2800" dirty="0">
+                <a:latin typeface="+mj-lt"/>
+              </a:rPr>
+              <a:t> </a:t>
+            </a:r>
+            <a:r>
+              <a:rPr lang="de-CH" sz="2800" dirty="0" err="1">
+                <a:latin typeface="+mj-lt"/>
+              </a:rPr>
+              <a:t>idea</a:t>
+            </a:r>
+            <a:r>
+              <a:rPr lang="de-CH" sz="2800" dirty="0">
+                <a:latin typeface="+mj-lt"/>
+              </a:rPr>
+              <a:t> </a:t>
+            </a:r>
+            <a:r>
+              <a:rPr lang="de-CH" sz="2800" dirty="0" err="1">
+                <a:latin typeface="+mj-lt"/>
+              </a:rPr>
+              <a:t>of</a:t>
+            </a:r>
+            <a:r>
+              <a:rPr lang="de-CH" sz="2800" dirty="0">
+                <a:latin typeface="+mj-lt"/>
+              </a:rPr>
+              <a:t> IMF </a:t>
+            </a:r>
+            <a:r>
+              <a:rPr lang="de-CH" sz="2800" dirty="0" err="1">
+                <a:latin typeface="+mj-lt"/>
+              </a:rPr>
+              <a:t>variability</a:t>
+            </a:r>
+            <a:r>
+              <a:rPr lang="de-CH" sz="2800" dirty="0">
+                <a:latin typeface="+mj-lt"/>
+              </a:rPr>
+              <a:t> </a:t>
+            </a:r>
+            <a:r>
+              <a:rPr lang="de-CH" sz="2800" dirty="0" err="1">
+                <a:latin typeface="+mj-lt"/>
+              </a:rPr>
+              <a:t>across</a:t>
+            </a:r>
+            <a:r>
+              <a:rPr lang="de-CH" sz="2800" dirty="0">
+                <a:latin typeface="+mj-lt"/>
+              </a:rPr>
+              <a:t> </a:t>
+            </a:r>
+            <a:r>
+              <a:rPr lang="de-CH" sz="2800" dirty="0" err="1">
+                <a:latin typeface="+mj-lt"/>
+              </a:rPr>
+              <a:t>galaxy</a:t>
+            </a:r>
+            <a:r>
+              <a:rPr lang="de-CH" sz="2800" dirty="0">
+                <a:latin typeface="+mj-lt"/>
+              </a:rPr>
+              <a:t> </a:t>
+            </a:r>
+            <a:r>
+              <a:rPr lang="de-CH" sz="2800" dirty="0" err="1">
+                <a:latin typeface="+mj-lt"/>
+              </a:rPr>
+              <a:t>types</a:t>
+            </a:r>
+            <a:r>
+              <a:rPr lang="de-CH" sz="2800" dirty="0">
+                <a:latin typeface="+mj-lt"/>
+              </a:rPr>
+              <a:t>.</a:t>
+            </a:r>
+          </a:p>
+        </p:txBody>
+      </p:sp>
+      <p:sp>
+        <p:nvSpPr>
+          <p:cNvPr id="7" name="Fußzeilenplatzhalter 6">
+            <a:extLst>
+              <a:ext uri="{FF2B5EF4-FFF2-40B4-BE49-F238E27FC236}">
+                <a16:creationId xmlns:a16="http://schemas.microsoft.com/office/drawing/2014/main" id="{50276A8C-FB63-E99D-9113-EF6E001B6B40}"/>
+              </a:ext>
+            </a:extLst>
+          </p:cNvPr>
+          <p:cNvSpPr>
+            <a:spLocks noGrp="1"/>
+          </p:cNvSpPr>
+          <p:nvPr>
+            <p:ph type="ftr" sz="quarter" idx="11"/>
+          </p:nvPr>
+        </p:nvSpPr>
+        <p:spPr>
+          <a:xfrm>
+            <a:off x="810623" y="6564591"/>
+            <a:ext cx="10026341" cy="156883"/>
+          </a:xfrm>
+        </p:spPr>
+        <p:txBody>
+          <a:bodyPr/>
+          <a:lstStyle/>
+          <a:p>
+            <a:pPr algn="l"/>
+            <a:r>
+              <a:rPr kumimoji="0" lang="de-DE" altLang="de-DE" sz="900" b="0" i="0" u="none" strike="noStrike" cap="none" normalizeH="0" baseline="0" dirty="0">
+                <a:ln>
+                  <a:noFill/>
+                </a:ln>
+                <a:solidFill>
+                  <a:srgbClr val="CF8E6D"/>
+                </a:solidFill>
+                <a:effectLst/>
+                <a:latin typeface="+mj-lt"/>
+              </a:rPr>
+              <a:t>[2]</a:t>
+            </a:r>
+            <a:r>
+              <a:rPr kumimoji="0" lang="de-DE" altLang="de-DE" sz="900" b="0" i="0" u="none" strike="noStrike" cap="none" normalizeH="0" baseline="0" dirty="0">
+                <a:ln>
+                  <a:noFill/>
+                </a:ln>
+                <a:solidFill>
+                  <a:srgbClr val="BCBEC4"/>
+                </a:solidFill>
+                <a:effectLst/>
+                <a:latin typeface="+mj-lt"/>
+              </a:rPr>
+              <a:t> Review </a:t>
+            </a:r>
+            <a:r>
+              <a:rPr kumimoji="0" lang="de-DE" altLang="de-DE" sz="900" b="0" i="0" u="none" strike="noStrike" cap="none" normalizeH="0" baseline="0" dirty="0" err="1">
+                <a:ln>
+                  <a:noFill/>
+                </a:ln>
+                <a:solidFill>
+                  <a:srgbClr val="BCBEC4"/>
+                </a:solidFill>
+                <a:effectLst/>
+                <a:latin typeface="+mj-lt"/>
+              </a:rPr>
+              <a:t>paper</a:t>
+            </a:r>
+            <a:r>
+              <a:rPr kumimoji="0" lang="de-DE" altLang="de-DE" sz="900" b="0" i="0" u="none" strike="noStrike" cap="none" normalizeH="0" baseline="0" dirty="0">
+                <a:ln>
+                  <a:noFill/>
+                </a:ln>
+                <a:solidFill>
+                  <a:srgbClr val="BCBEC4"/>
+                </a:solidFill>
+                <a:effectLst/>
+                <a:latin typeface="+mj-lt"/>
+              </a:rPr>
+              <a:t> 2020 (Russell J. Smith): </a:t>
+            </a:r>
+            <a:r>
+              <a:rPr kumimoji="0" lang="de-DE" altLang="de-DE" sz="900" b="0" i="0" u="none" strike="noStrike" cap="none" normalizeH="0" baseline="0" dirty="0" err="1">
+                <a:ln>
+                  <a:noFill/>
+                </a:ln>
+                <a:solidFill>
+                  <a:srgbClr val="BCBEC4"/>
+                </a:solidFill>
+                <a:effectLst/>
+                <a:latin typeface="+mj-lt"/>
+              </a:rPr>
+              <a:t>Evidence</a:t>
+            </a:r>
+            <a:r>
+              <a:rPr kumimoji="0" lang="de-DE" altLang="de-DE" sz="900" b="0" i="0" u="none" strike="noStrike" cap="none" normalizeH="0" baseline="0" dirty="0">
+                <a:ln>
+                  <a:noFill/>
+                </a:ln>
+                <a:solidFill>
+                  <a:srgbClr val="BCBEC4"/>
+                </a:solidFill>
+                <a:effectLst/>
+                <a:latin typeface="+mj-lt"/>
+              </a:rPr>
+              <a:t> for Initial </a:t>
+            </a:r>
+            <a:r>
+              <a:rPr kumimoji="0" lang="de-DE" altLang="de-DE" sz="900" b="0" i="0" u="none" strike="noStrike" cap="none" normalizeH="0" baseline="0" dirty="0" err="1">
+                <a:ln>
+                  <a:noFill/>
+                </a:ln>
+                <a:solidFill>
+                  <a:srgbClr val="BCBEC4"/>
+                </a:solidFill>
+                <a:effectLst/>
+                <a:latin typeface="+mj-lt"/>
+              </a:rPr>
+              <a:t>Mass</a:t>
+            </a:r>
+            <a:r>
+              <a:rPr kumimoji="0" lang="de-DE" altLang="de-DE" sz="900" b="0" i="0" u="none" strike="noStrike" cap="none" normalizeH="0" baseline="0" dirty="0">
+                <a:ln>
+                  <a:noFill/>
+                </a:ln>
+                <a:solidFill>
+                  <a:srgbClr val="BCBEC4"/>
+                </a:solidFill>
+                <a:effectLst/>
+                <a:latin typeface="+mj-lt"/>
+              </a:rPr>
+              <a:t> </a:t>
+            </a:r>
+            <a:r>
+              <a:rPr kumimoji="0" lang="de-DE" altLang="de-DE" sz="900" b="0" i="0" u="none" strike="noStrike" cap="none" normalizeH="0" baseline="0" dirty="0" err="1">
+                <a:ln>
+                  <a:noFill/>
+                </a:ln>
+                <a:solidFill>
+                  <a:srgbClr val="BCBEC4"/>
+                </a:solidFill>
+                <a:effectLst/>
+                <a:latin typeface="+mj-lt"/>
+              </a:rPr>
+              <a:t>Function</a:t>
+            </a:r>
+            <a:r>
+              <a:rPr kumimoji="0" lang="de-DE" altLang="de-DE" sz="900" b="0" i="0" u="none" strike="noStrike" cap="none" normalizeH="0" baseline="0" dirty="0">
+                <a:ln>
+                  <a:noFill/>
+                </a:ln>
+                <a:solidFill>
+                  <a:srgbClr val="BCBEC4"/>
+                </a:solidFill>
+                <a:effectLst/>
+                <a:latin typeface="+mj-lt"/>
+              </a:rPr>
+              <a:t> Variation in Massive Early-Type </a:t>
+            </a:r>
+            <a:r>
+              <a:rPr kumimoji="0" lang="de-DE" altLang="de-DE" sz="900" b="0" i="0" u="none" strike="noStrike" cap="none" normalizeH="0" baseline="0" dirty="0" err="1">
+                <a:ln>
+                  <a:noFill/>
+                </a:ln>
+                <a:solidFill>
+                  <a:srgbClr val="BCBEC4"/>
+                </a:solidFill>
+                <a:effectLst/>
+                <a:latin typeface="+mj-lt"/>
+              </a:rPr>
+              <a:t>Galaxies</a:t>
+            </a:r>
+            <a:endParaRPr kumimoji="0" lang="de-DE" altLang="de-DE" sz="900" b="0" i="0" u="none" strike="noStrike" cap="none" normalizeH="0" baseline="0" dirty="0">
+              <a:ln>
+                <a:noFill/>
+              </a:ln>
+              <a:solidFill>
+                <a:schemeClr val="tx1"/>
+              </a:solidFill>
+              <a:effectLst/>
+              <a:latin typeface="+mj-lt"/>
+            </a:endParaRPr>
+          </a:p>
+          <a:p>
+            <a:pPr algn="l"/>
+            <a:endParaRPr lang="de-CH" sz="900" dirty="0">
+              <a:latin typeface="+mj-lt"/>
+            </a:endParaRPr>
+          </a:p>
+        </p:txBody>
+      </p:sp>
+      <p:sp>
+        <p:nvSpPr>
+          <p:cNvPr id="8" name="Rectangle 1">
+            <a:extLst>
+              <a:ext uri="{FF2B5EF4-FFF2-40B4-BE49-F238E27FC236}">
+                <a16:creationId xmlns:a16="http://schemas.microsoft.com/office/drawing/2014/main" id="{E0F4923D-52C9-E161-D83A-8D5A7DFED3B6}"/>
+              </a:ext>
+            </a:extLst>
+          </p:cNvPr>
+          <p:cNvSpPr>
+            <a:spLocks noChangeArrowheads="1"/>
+          </p:cNvSpPr>
+          <p:nvPr/>
+        </p:nvSpPr>
+        <p:spPr bwMode="auto">
+          <a:xfrm>
+            <a:off x="0" y="113184"/>
+            <a:ext cx="5774338" cy="230832"/>
+          </a:xfrm>
+          <a:prstGeom prst="rect">
+            <a:avLst/>
+          </a:prstGeom>
+          <a:solidFill>
+            <a:srgbClr val="1E1F22"/>
+          </a:solidFill>
+          <a:ln>
+            <a:noFill/>
+          </a:ln>
+          <a:effectLst/>
+          <a:extLst>
+            <a:ext uri="{91240B29-F687-4F45-9708-019B960494DF}">
+              <a14:hiddenLine xmlns:a14="http://schemas.microsoft.com/office/drawing/2010/main" w="9525">
+                <a:solidFill>
+                  <a:schemeClr val="tx1"/>
+                </a:solidFill>
+                <a:miter lim="800000"/>
+                <a:headEnd/>
+                <a:tailEnd/>
+              </a14:hiddenLine>
+            </a:ext>
+            <a:ext uri="{AF507438-7753-43E0-B8FC-AC1667EBCBE1}">
+              <a14:hiddenEffects xmlns:a14="http://schemas.microsoft.com/office/drawing/2010/main">
+                <a:effectLst>
+                  <a:outerShdw dist="35921" dir="2700000" algn="ctr" rotWithShape="0">
+                    <a:schemeClr val="bg2"/>
+                  </a:outerShdw>
+                </a:effectLst>
+              </a14:hiddenEffects>
+            </a:ext>
+          </a:extLst>
+        </p:spPr>
+        <p:txBody>
+          <a:bodyPr vert="horz" wrap="none" lIns="91440" tIns="45720" rIns="91440" bIns="45720" numCol="1" anchor="ctr" anchorCtr="0" compatLnSpc="1">
+            <a:prstTxWarp prst="textNoShape">
+              <a:avLst/>
+            </a:prstTxWarp>
+            <a:spAutoFit/>
+          </a:bodyPr>
+          <a:lstStyle/>
+          <a:p>
+            <a:pPr marL="0" marR="0" lvl="0" indent="0" algn="l" defTabSz="914400" rtl="0" eaLnBrk="0" fontAlgn="base" latinLnBrk="0" hangingPunct="0">
+              <a:lnSpc>
+                <a:spcPct val="100000"/>
+              </a:lnSpc>
+              <a:spcBef>
+                <a:spcPct val="0"/>
+              </a:spcBef>
+              <a:spcAft>
+                <a:spcPct val="0"/>
+              </a:spcAft>
+              <a:buClrTx/>
+              <a:buSzTx/>
+              <a:buFontTx/>
+              <a:buNone/>
+              <a:tabLst/>
+            </a:pPr>
+            <a:r>
+              <a:rPr kumimoji="0" lang="de-DE" altLang="de-DE" sz="900" b="0" i="0" u="none" strike="noStrike" cap="none" normalizeH="0" baseline="0" dirty="0">
+                <a:ln>
+                  <a:noFill/>
+                </a:ln>
+                <a:solidFill>
+                  <a:srgbClr val="CF8E6D"/>
+                </a:solidFill>
+                <a:effectLst/>
+                <a:latin typeface="JetBrains Mono"/>
+              </a:rPr>
+              <a:t>[2]</a:t>
+            </a:r>
+            <a:r>
+              <a:rPr kumimoji="0" lang="de-DE" altLang="de-DE" sz="900" b="0" i="0" u="none" strike="noStrike" cap="none" normalizeH="0" baseline="0" dirty="0">
+                <a:ln>
+                  <a:noFill/>
+                </a:ln>
+                <a:solidFill>
+                  <a:srgbClr val="BCBEC4"/>
+                </a:solidFill>
+                <a:effectLst/>
+                <a:latin typeface="JetBrains Mono"/>
+              </a:rPr>
+              <a:t> Review </a:t>
+            </a:r>
+            <a:r>
+              <a:rPr kumimoji="0" lang="de-DE" altLang="de-DE" sz="900" b="0" i="0" u="none" strike="noStrike" cap="none" normalizeH="0" baseline="0" dirty="0" err="1">
+                <a:ln>
+                  <a:noFill/>
+                </a:ln>
+                <a:solidFill>
+                  <a:srgbClr val="BCBEC4"/>
+                </a:solidFill>
+                <a:effectLst/>
+                <a:latin typeface="JetBrains Mono"/>
+              </a:rPr>
+              <a:t>paper</a:t>
+            </a:r>
+            <a:r>
+              <a:rPr kumimoji="0" lang="de-DE" altLang="de-DE" sz="900" b="0" i="0" u="none" strike="noStrike" cap="none" normalizeH="0" baseline="0" dirty="0">
+                <a:ln>
+                  <a:noFill/>
+                </a:ln>
+                <a:solidFill>
+                  <a:srgbClr val="BCBEC4"/>
+                </a:solidFill>
+                <a:effectLst/>
+                <a:latin typeface="JetBrains Mono"/>
+              </a:rPr>
+              <a:t> 2020 (Russell J. Smith): </a:t>
+            </a:r>
+            <a:r>
+              <a:rPr kumimoji="0" lang="de-DE" altLang="de-DE" sz="900" b="0" i="0" u="none" strike="noStrike" cap="none" normalizeH="0" baseline="0" dirty="0" err="1">
+                <a:ln>
+                  <a:noFill/>
+                </a:ln>
+                <a:solidFill>
+                  <a:srgbClr val="BCBEC4"/>
+                </a:solidFill>
+                <a:effectLst/>
+                <a:latin typeface="JetBrains Mono"/>
+              </a:rPr>
+              <a:t>Evidence</a:t>
+            </a:r>
+            <a:r>
+              <a:rPr kumimoji="0" lang="de-DE" altLang="de-DE" sz="900" b="0" i="0" u="none" strike="noStrike" cap="none" normalizeH="0" baseline="0" dirty="0">
+                <a:ln>
+                  <a:noFill/>
+                </a:ln>
+                <a:solidFill>
+                  <a:srgbClr val="BCBEC4"/>
+                </a:solidFill>
+                <a:effectLst/>
+                <a:latin typeface="JetBrains Mono"/>
+              </a:rPr>
+              <a:t> for Initial </a:t>
+            </a:r>
+            <a:r>
+              <a:rPr kumimoji="0" lang="de-DE" altLang="de-DE" sz="900" b="0" i="0" u="none" strike="noStrike" cap="none" normalizeH="0" baseline="0" dirty="0" err="1">
+                <a:ln>
+                  <a:noFill/>
+                </a:ln>
+                <a:solidFill>
+                  <a:srgbClr val="BCBEC4"/>
+                </a:solidFill>
+                <a:effectLst/>
+                <a:latin typeface="JetBrains Mono"/>
+              </a:rPr>
+              <a:t>Mass</a:t>
+            </a:r>
+            <a:r>
+              <a:rPr kumimoji="0" lang="de-DE" altLang="de-DE" sz="900" b="0" i="0" u="none" strike="noStrike" cap="none" normalizeH="0" baseline="0" dirty="0">
+                <a:ln>
+                  <a:noFill/>
+                </a:ln>
+                <a:solidFill>
+                  <a:srgbClr val="BCBEC4"/>
+                </a:solidFill>
+                <a:effectLst/>
+                <a:latin typeface="JetBrains Mono"/>
+              </a:rPr>
+              <a:t> </a:t>
+            </a:r>
+            <a:r>
+              <a:rPr kumimoji="0" lang="de-DE" altLang="de-DE" sz="900" b="0" i="0" u="none" strike="noStrike" cap="none" normalizeH="0" baseline="0" dirty="0" err="1">
+                <a:ln>
+                  <a:noFill/>
+                </a:ln>
+                <a:solidFill>
+                  <a:srgbClr val="BCBEC4"/>
+                </a:solidFill>
+                <a:effectLst/>
+                <a:latin typeface="JetBrains Mono"/>
+              </a:rPr>
+              <a:t>Function</a:t>
+            </a:r>
+            <a:r>
+              <a:rPr kumimoji="0" lang="de-DE" altLang="de-DE" sz="900" b="0" i="0" u="none" strike="noStrike" cap="none" normalizeH="0" baseline="0" dirty="0">
+                <a:ln>
+                  <a:noFill/>
+                </a:ln>
+                <a:solidFill>
+                  <a:srgbClr val="BCBEC4"/>
+                </a:solidFill>
+                <a:effectLst/>
+                <a:latin typeface="JetBrains Mono"/>
+              </a:rPr>
+              <a:t> Variation in Massive Early-Type </a:t>
+            </a:r>
+            <a:r>
+              <a:rPr kumimoji="0" lang="de-DE" altLang="de-DE" sz="900" b="0" i="0" u="none" strike="noStrike" cap="none" normalizeH="0" baseline="0" dirty="0" err="1">
+                <a:ln>
+                  <a:noFill/>
+                </a:ln>
+                <a:solidFill>
+                  <a:srgbClr val="BCBEC4"/>
+                </a:solidFill>
+                <a:effectLst/>
+                <a:latin typeface="JetBrains Mono"/>
+              </a:rPr>
+              <a:t>Galaxies</a:t>
+            </a:r>
+            <a:endParaRPr kumimoji="0" lang="de-DE" altLang="de-DE" sz="1800" b="0" i="0" u="none" strike="noStrike" cap="none" normalizeH="0" baseline="0" dirty="0">
+              <a:ln>
+                <a:noFill/>
+              </a:ln>
+              <a:solidFill>
+                <a:schemeClr val="tx1"/>
+              </a:solidFill>
+              <a:effectLst/>
+              <a:latin typeface="Arial" panose="020B0604020202020204" pitchFamily="34" charset="0"/>
+            </a:endParaRPr>
+          </a:p>
+        </p:txBody>
+      </p:sp>
+    </p:spTree>
+    <p:extLst>
+      <p:ext uri="{BB962C8B-B14F-4D97-AF65-F5344CB8AC3E}">
+        <p14:creationId xmlns:p14="http://schemas.microsoft.com/office/powerpoint/2010/main" val="3335402786"/>
+      </p:ext>
+    </p:extLst>
+  </p:cSld>
+  <p:clrMapOvr>
+    <a:masterClrMapping/>
+  </p:clrMapOvr>
+</p:sld>
+</file>
+
+<file path=ppt/slides/slide7.xml><?xml version="1.0" encoding="utf-8"?>
+<p:sld xmlns:a="http://schemas.openxmlformats.org/drawingml/2006/main" xmlns:r="http://schemas.openxmlformats.org/officeDocument/2006/relationships" xmlns:p="http://schemas.openxmlformats.org/presentationml/2006/main">
+  <p:cSld>
+    <p:spTree>
+      <p:nvGrpSpPr>
+        <p:cNvPr id="1" name=""/>
+        <p:cNvGrpSpPr/>
+        <p:nvPr/>
+      </p:nvGrpSpPr>
+      <p:grpSpPr>
+        <a:xfrm>
+          <a:off x="0" y="0"/>
+          <a:ext cx="0" cy="0"/>
+          <a:chOff x="0" y="0"/>
+          <a:chExt cx="0" cy="0"/>
+        </a:xfrm>
+      </p:grpSpPr>
+      <p:sp>
+        <p:nvSpPr>
+          <p:cNvPr id="2" name="Titel 1">
+            <a:extLst>
+              <a:ext uri="{FF2B5EF4-FFF2-40B4-BE49-F238E27FC236}">
                 <a16:creationId xmlns:a16="http://schemas.microsoft.com/office/drawing/2014/main" id="{1C0FBE96-BC0F-246B-BEDB-85D3350CFF1D}"/>
               </a:ext>
             </a:extLst>
@@ -5800,7 +8498,12 @@
             <p:ph idx="1"/>
           </p:nvPr>
         </p:nvSpPr>
-        <p:spPr bwMode="white"/>
+        <p:spPr bwMode="white">
+          <a:xfrm>
+            <a:off x="838200" y="1852519"/>
+            <a:ext cx="10515600" cy="4351338"/>
+          </a:xfrm>
+        </p:spPr>
         <p:txBody>
           <a:bodyPr>
             <a:normAutofit fontScale="92500" lnSpcReduction="10000"/>
@@ -5984,7 +8687,7 @@
               <a:rPr lang="de-CH" dirty="0">
                 <a:latin typeface="+mj-lt"/>
               </a:rPr>
-              <a:t>.</a:t>
+              <a:t> [4].</a:t>
             </a:r>
           </a:p>
           <a:p>
@@ -6249,7 +8952,7 @@
               <a:rPr lang="de-CH" dirty="0">
                 <a:latin typeface="+mj-lt"/>
               </a:rPr>
-              <a:t>.</a:t>
+              <a:t> [5].</a:t>
             </a:r>
           </a:p>
           <a:p>
@@ -6502,8 +9205,785 @@
               <a:rPr lang="de-CH" dirty="0">
                 <a:latin typeface="+mj-lt"/>
               </a:rPr>
-              <a:t>.</a:t>
-            </a:r>
+              <a:t> [6].</a:t>
+            </a:r>
+          </a:p>
+        </p:txBody>
+      </p:sp>
+      <p:sp>
+        <p:nvSpPr>
+          <p:cNvPr id="5" name="Rectangle 1">
+            <a:extLst>
+              <a:ext uri="{FF2B5EF4-FFF2-40B4-BE49-F238E27FC236}">
+                <a16:creationId xmlns:a16="http://schemas.microsoft.com/office/drawing/2014/main" id="{04E3191A-8CDB-B5BC-5C98-9B4A46BD78A1}"/>
+              </a:ext>
+            </a:extLst>
+          </p:cNvPr>
+          <p:cNvSpPr>
+            <a:spLocks noGrp="1" noChangeArrowheads="1"/>
+          </p:cNvSpPr>
+          <p:nvPr>
+            <p:ph type="ftr" sz="quarter" idx="11"/>
+          </p:nvPr>
+        </p:nvSpPr>
+        <p:spPr bwMode="auto">
+          <a:xfrm>
+            <a:off x="838200" y="6284997"/>
+            <a:ext cx="6805068" cy="507831"/>
+          </a:xfrm>
+          <a:prstGeom prst="rect">
+            <a:avLst/>
+          </a:prstGeom>
+          <a:solidFill>
+            <a:srgbClr val="1E1F22"/>
+          </a:solidFill>
+          <a:ln>
+            <a:noFill/>
+          </a:ln>
+          <a:effectLst/>
+          <a:extLst>
+            <a:ext uri="{91240B29-F687-4F45-9708-019B960494DF}">
+              <a14:hiddenLine xmlns:a14="http://schemas.microsoft.com/office/drawing/2010/main" w="9525">
+                <a:solidFill>
+                  <a:schemeClr val="tx1"/>
+                </a:solidFill>
+                <a:miter lim="800000"/>
+                <a:headEnd/>
+                <a:tailEnd/>
+              </a14:hiddenLine>
+            </a:ext>
+            <a:ext uri="{AF507438-7753-43E0-B8FC-AC1667EBCBE1}">
+              <a14:hiddenEffects xmlns:a14="http://schemas.microsoft.com/office/drawing/2010/main">
+                <a:effectLst>
+                  <a:outerShdw dist="35921" dir="2700000" algn="ctr" rotWithShape="0">
+                    <a:schemeClr val="bg2"/>
+                  </a:outerShdw>
+                </a:effectLst>
+              </a14:hiddenEffects>
+            </a:ext>
+          </a:extLst>
+        </p:spPr>
+        <p:txBody>
+          <a:bodyPr vert="horz" wrap="none" lIns="91440" tIns="45720" rIns="91440" bIns="45720" numCol="1" anchor="ctr" anchorCtr="0" compatLnSpc="1">
+            <a:prstTxWarp prst="textNoShape">
+              <a:avLst/>
+            </a:prstTxWarp>
+            <a:spAutoFit/>
+          </a:bodyPr>
+          <a:lstStyle/>
+          <a:p>
+            <a:pPr marL="0" marR="0" lvl="0" indent="0" algn="l" defTabSz="914400" rtl="0" eaLnBrk="0" fontAlgn="base" latinLnBrk="0" hangingPunct="0">
+              <a:lnSpc>
+                <a:spcPct val="100000"/>
+              </a:lnSpc>
+              <a:spcBef>
+                <a:spcPct val="0"/>
+              </a:spcBef>
+              <a:spcAft>
+                <a:spcPct val="0"/>
+              </a:spcAft>
+              <a:buClrTx/>
+              <a:buSzTx/>
+              <a:buFontTx/>
+              <a:buNone/>
+              <a:tabLst/>
+            </a:pPr>
+            <a:r>
+              <a:rPr kumimoji="0" lang="de-DE" altLang="de-DE" sz="900" b="0" i="0" u="none" strike="noStrike" cap="none" normalizeH="0" baseline="0" dirty="0">
+                <a:ln>
+                  <a:noFill/>
+                </a:ln>
+                <a:solidFill>
+                  <a:srgbClr val="CF8E6D"/>
+                </a:solidFill>
+                <a:effectLst/>
+                <a:latin typeface="+mj-lt"/>
+              </a:rPr>
+              <a:t>[4]</a:t>
+            </a:r>
+            <a:r>
+              <a:rPr kumimoji="0" lang="de-DE" altLang="de-DE" sz="900" b="0" i="0" u="none" strike="noStrike" cap="none" normalizeH="0" baseline="0" dirty="0">
+                <a:ln>
+                  <a:noFill/>
+                </a:ln>
+                <a:solidFill>
+                  <a:srgbClr val="BCBEC4"/>
+                </a:solidFill>
+                <a:effectLst/>
+                <a:latin typeface="+mj-lt"/>
+              </a:rPr>
+              <a:t> </a:t>
+            </a:r>
+            <a:r>
+              <a:rPr kumimoji="0" lang="de-DE" altLang="de-DE" sz="900" b="0" i="0" u="none" strike="noStrike" cap="none" normalizeH="0" baseline="0" dirty="0" err="1">
+                <a:ln>
+                  <a:noFill/>
+                </a:ln>
+                <a:solidFill>
+                  <a:srgbClr val="BCBEC4"/>
+                </a:solidFill>
+                <a:effectLst/>
+                <a:latin typeface="+mj-lt"/>
+              </a:rPr>
+              <a:t>Recent</a:t>
+            </a:r>
+            <a:r>
+              <a:rPr kumimoji="0" lang="de-DE" altLang="de-DE" sz="900" b="0" i="0" u="none" strike="noStrike" cap="none" normalizeH="0" baseline="0" dirty="0">
+                <a:ln>
+                  <a:noFill/>
+                </a:ln>
+                <a:solidFill>
+                  <a:srgbClr val="BCBEC4"/>
+                </a:solidFill>
+                <a:effectLst/>
+                <a:latin typeface="+mj-lt"/>
+              </a:rPr>
+              <a:t> Study 2020 (</a:t>
+            </a:r>
+            <a:r>
+              <a:rPr kumimoji="0" lang="de-DE" altLang="de-DE" sz="900" b="0" i="0" u="none" strike="noStrike" cap="none" normalizeH="0" baseline="0" dirty="0" err="1">
+                <a:ln>
+                  <a:noFill/>
+                </a:ln>
+                <a:solidFill>
+                  <a:srgbClr val="BCBEC4"/>
+                </a:solidFill>
+                <a:effectLst/>
+                <a:latin typeface="+mj-lt"/>
+              </a:rPr>
+              <a:t>Leschinski</a:t>
+            </a:r>
+            <a:r>
+              <a:rPr kumimoji="0" lang="de-DE" altLang="de-DE" sz="900" b="0" i="0" u="none" strike="noStrike" cap="none" normalizeH="0" baseline="0" dirty="0">
+                <a:ln>
+                  <a:noFill/>
+                </a:ln>
+                <a:solidFill>
+                  <a:srgbClr val="BCBEC4"/>
+                </a:solidFill>
+                <a:effectLst/>
+                <a:latin typeface="+mj-lt"/>
+              </a:rPr>
+              <a:t> et al.): The </a:t>
+            </a:r>
+            <a:r>
+              <a:rPr kumimoji="0" lang="de-DE" altLang="de-DE" sz="900" b="0" i="0" u="none" strike="noStrike" cap="none" normalizeH="0" baseline="0" dirty="0" err="1">
+                <a:ln>
+                  <a:noFill/>
+                </a:ln>
+                <a:solidFill>
+                  <a:srgbClr val="BCBEC4"/>
+                </a:solidFill>
+                <a:effectLst/>
+                <a:latin typeface="+mj-lt"/>
+              </a:rPr>
+              <a:t>future</a:t>
+            </a:r>
+            <a:r>
+              <a:rPr kumimoji="0" lang="de-DE" altLang="de-DE" sz="900" b="0" i="0" u="none" strike="noStrike" cap="none" normalizeH="0" baseline="0" dirty="0">
+                <a:ln>
+                  <a:noFill/>
+                </a:ln>
+                <a:solidFill>
+                  <a:srgbClr val="BCBEC4"/>
+                </a:solidFill>
+                <a:effectLst/>
+                <a:latin typeface="+mj-lt"/>
+              </a:rPr>
+              <a:t> </a:t>
+            </a:r>
+            <a:r>
+              <a:rPr kumimoji="0" lang="de-DE" altLang="de-DE" sz="900" b="0" i="0" u="none" strike="noStrike" cap="none" normalizeH="0" baseline="0" dirty="0" err="1">
+                <a:ln>
+                  <a:noFill/>
+                </a:ln>
+                <a:solidFill>
+                  <a:srgbClr val="BCBEC4"/>
+                </a:solidFill>
+                <a:effectLst/>
+                <a:latin typeface="+mj-lt"/>
+              </a:rPr>
+              <a:t>of</a:t>
+            </a:r>
+            <a:r>
+              <a:rPr kumimoji="0" lang="de-DE" altLang="de-DE" sz="900" b="0" i="0" u="none" strike="noStrike" cap="none" normalizeH="0" baseline="0" dirty="0">
+                <a:ln>
+                  <a:noFill/>
+                </a:ln>
+                <a:solidFill>
+                  <a:srgbClr val="BCBEC4"/>
+                </a:solidFill>
+                <a:effectLst/>
+                <a:latin typeface="+mj-lt"/>
+              </a:rPr>
+              <a:t> IMF </a:t>
+            </a:r>
+            <a:r>
+              <a:rPr kumimoji="0" lang="de-DE" altLang="de-DE" sz="900" b="0" i="0" u="none" strike="noStrike" cap="none" normalizeH="0" baseline="0" dirty="0" err="1">
+                <a:ln>
+                  <a:noFill/>
+                </a:ln>
+                <a:solidFill>
+                  <a:srgbClr val="BCBEC4"/>
+                </a:solidFill>
+                <a:effectLst/>
+                <a:latin typeface="+mj-lt"/>
+              </a:rPr>
+              <a:t>studies</a:t>
+            </a:r>
+            <a:r>
+              <a:rPr kumimoji="0" lang="de-DE" altLang="de-DE" sz="900" b="0" i="0" u="none" strike="noStrike" cap="none" normalizeH="0" baseline="0" dirty="0">
+                <a:ln>
+                  <a:noFill/>
+                </a:ln>
+                <a:solidFill>
+                  <a:srgbClr val="BCBEC4"/>
+                </a:solidFill>
+                <a:effectLst/>
+                <a:latin typeface="+mj-lt"/>
+              </a:rPr>
+              <a:t> </a:t>
+            </a:r>
+            <a:r>
+              <a:rPr kumimoji="0" lang="de-DE" altLang="de-DE" sz="900" b="0" i="0" u="none" strike="noStrike" cap="none" normalizeH="0" baseline="0" dirty="0" err="1">
+                <a:ln>
+                  <a:noFill/>
+                </a:ln>
+                <a:solidFill>
+                  <a:srgbClr val="BCBEC4"/>
+                </a:solidFill>
+                <a:effectLst/>
+                <a:latin typeface="+mj-lt"/>
+              </a:rPr>
+              <a:t>with</a:t>
+            </a:r>
+            <a:r>
+              <a:rPr kumimoji="0" lang="de-DE" altLang="de-DE" sz="900" b="0" i="0" u="none" strike="noStrike" cap="none" normalizeH="0" baseline="0" dirty="0">
+                <a:ln>
+                  <a:noFill/>
+                </a:ln>
+                <a:solidFill>
+                  <a:srgbClr val="BCBEC4"/>
+                </a:solidFill>
+                <a:effectLst/>
+                <a:latin typeface="+mj-lt"/>
+              </a:rPr>
+              <a:t> </a:t>
+            </a:r>
+            <a:r>
+              <a:rPr kumimoji="0" lang="de-DE" altLang="de-DE" sz="900" b="0" i="0" u="none" strike="noStrike" cap="none" normalizeH="0" baseline="0" dirty="0" err="1">
+                <a:ln>
+                  <a:noFill/>
+                </a:ln>
+                <a:solidFill>
+                  <a:srgbClr val="BCBEC4"/>
+                </a:solidFill>
+                <a:effectLst/>
+                <a:latin typeface="+mj-lt"/>
+              </a:rPr>
+              <a:t>the</a:t>
+            </a:r>
+            <a:r>
+              <a:rPr kumimoji="0" lang="de-DE" altLang="de-DE" sz="900" b="0" i="0" u="none" strike="noStrike" cap="none" normalizeH="0" baseline="0" dirty="0">
+                <a:ln>
+                  <a:noFill/>
+                </a:ln>
+                <a:solidFill>
+                  <a:srgbClr val="BCBEC4"/>
+                </a:solidFill>
+                <a:effectLst/>
+                <a:latin typeface="+mj-lt"/>
+              </a:rPr>
+              <a:t> ELT and MICADO. I. The </a:t>
+            </a:r>
+            <a:r>
+              <a:rPr kumimoji="0" lang="de-DE" altLang="de-DE" sz="900" b="0" i="0" u="none" strike="noStrike" cap="none" normalizeH="0" baseline="0" dirty="0" err="1">
+                <a:ln>
+                  <a:noFill/>
+                </a:ln>
+                <a:solidFill>
+                  <a:srgbClr val="BCBEC4"/>
+                </a:solidFill>
+                <a:effectLst/>
+                <a:latin typeface="+mj-lt"/>
+              </a:rPr>
+              <a:t>local</a:t>
+            </a:r>
+            <a:r>
+              <a:rPr kumimoji="0" lang="de-DE" altLang="de-DE" sz="900" b="0" i="0" u="none" strike="noStrike" cap="none" normalizeH="0" baseline="0" dirty="0">
+                <a:ln>
+                  <a:noFill/>
+                </a:ln>
+                <a:solidFill>
+                  <a:srgbClr val="BCBEC4"/>
+                </a:solidFill>
+                <a:effectLst/>
+                <a:latin typeface="+mj-lt"/>
+              </a:rPr>
+              <a:t> Universe </a:t>
+            </a:r>
+            <a:r>
+              <a:rPr kumimoji="0" lang="de-DE" altLang="de-DE" sz="900" b="0" i="0" u="none" strike="noStrike" cap="none" normalizeH="0" baseline="0" dirty="0" err="1">
+                <a:ln>
+                  <a:noFill/>
+                </a:ln>
+                <a:solidFill>
+                  <a:srgbClr val="BCBEC4"/>
+                </a:solidFill>
+                <a:effectLst/>
+                <a:latin typeface="+mj-lt"/>
+              </a:rPr>
+              <a:t>as</a:t>
+            </a:r>
+            <a:r>
+              <a:rPr kumimoji="0" lang="de-DE" altLang="de-DE" sz="900" b="0" i="0" u="none" strike="noStrike" cap="none" normalizeH="0" baseline="0" dirty="0">
+                <a:ln>
+                  <a:noFill/>
+                </a:ln>
+                <a:solidFill>
+                  <a:srgbClr val="BCBEC4"/>
+                </a:solidFill>
+                <a:effectLst/>
+                <a:latin typeface="+mj-lt"/>
+              </a:rPr>
+              <a:t> a </a:t>
+            </a:r>
+            <a:r>
+              <a:rPr kumimoji="0" lang="de-DE" altLang="de-DE" sz="900" b="0" i="0" u="none" strike="noStrike" cap="none" normalizeH="0" baseline="0" dirty="0" err="1">
+                <a:ln>
+                  <a:noFill/>
+                </a:ln>
+                <a:solidFill>
+                  <a:srgbClr val="BCBEC4"/>
+                </a:solidFill>
+                <a:effectLst/>
+                <a:latin typeface="+mj-lt"/>
+              </a:rPr>
+              <a:t>resolved</a:t>
+            </a:r>
+            <a:r>
+              <a:rPr kumimoji="0" lang="de-DE" altLang="de-DE" sz="900" b="0" i="0" u="none" strike="noStrike" cap="none" normalizeH="0" baseline="0" dirty="0">
+                <a:ln>
+                  <a:noFill/>
+                </a:ln>
+                <a:solidFill>
+                  <a:srgbClr val="BCBEC4"/>
+                </a:solidFill>
+                <a:effectLst/>
+                <a:latin typeface="+mj-lt"/>
+              </a:rPr>
+              <a:t> IMF </a:t>
+            </a:r>
+            <a:r>
+              <a:rPr kumimoji="0" lang="de-DE" altLang="de-DE" sz="900" b="0" i="0" u="none" strike="noStrike" cap="none" normalizeH="0" baseline="0" dirty="0" err="1">
+                <a:ln>
+                  <a:noFill/>
+                </a:ln>
+                <a:solidFill>
+                  <a:srgbClr val="BCBEC4"/>
+                </a:solidFill>
+                <a:effectLst/>
+                <a:latin typeface="+mj-lt"/>
+              </a:rPr>
+              <a:t>laboratory</a:t>
+            </a:r>
+            <a:endParaRPr lang="de-DE" altLang="de-DE" sz="900" dirty="0">
+              <a:solidFill>
+                <a:srgbClr val="BCBEC4"/>
+              </a:solidFill>
+              <a:latin typeface="+mj-lt"/>
+            </a:endParaRPr>
+          </a:p>
+          <a:p>
+            <a:pPr algn="l" eaLnBrk="0" fontAlgn="base" hangingPunct="0">
+              <a:spcBef>
+                <a:spcPct val="0"/>
+              </a:spcBef>
+              <a:spcAft>
+                <a:spcPct val="0"/>
+              </a:spcAft>
+            </a:pPr>
+            <a:r>
+              <a:rPr kumimoji="0" lang="de-DE" altLang="de-DE" sz="900" b="0" i="0" u="none" strike="noStrike" cap="none" normalizeH="0" baseline="0" dirty="0">
+                <a:ln>
+                  <a:noFill/>
+                </a:ln>
+                <a:solidFill>
+                  <a:srgbClr val="CF8E6D"/>
+                </a:solidFill>
+                <a:effectLst/>
+                <a:latin typeface="+mj-lt"/>
+              </a:rPr>
+              <a:t>[5]</a:t>
+            </a:r>
+            <a:r>
+              <a:rPr kumimoji="0" lang="de-DE" altLang="de-DE" sz="900" b="0" i="0" u="none" strike="noStrike" cap="none" normalizeH="0" baseline="0" dirty="0">
+                <a:ln>
+                  <a:noFill/>
+                </a:ln>
+                <a:solidFill>
+                  <a:srgbClr val="BCBEC4"/>
+                </a:solidFill>
+                <a:effectLst/>
+                <a:latin typeface="+mj-lt"/>
+              </a:rPr>
+              <a:t> </a:t>
+            </a:r>
+            <a:r>
+              <a:rPr kumimoji="0" lang="de-DE" altLang="de-DE" sz="900" b="0" i="0" u="none" strike="noStrike" cap="none" normalizeH="0" baseline="0" dirty="0" err="1">
+                <a:ln>
+                  <a:noFill/>
+                </a:ln>
+                <a:solidFill>
+                  <a:srgbClr val="BCBEC4"/>
+                </a:solidFill>
+                <a:effectLst/>
+                <a:latin typeface="+mj-lt"/>
+              </a:rPr>
+              <a:t>Recent</a:t>
+            </a:r>
+            <a:r>
+              <a:rPr kumimoji="0" lang="de-DE" altLang="de-DE" sz="900" b="0" i="0" u="none" strike="noStrike" cap="none" normalizeH="0" baseline="0" dirty="0">
+                <a:ln>
+                  <a:noFill/>
+                </a:ln>
+                <a:solidFill>
+                  <a:srgbClr val="BCBEC4"/>
+                </a:solidFill>
+                <a:effectLst/>
+                <a:latin typeface="+mj-lt"/>
+              </a:rPr>
+              <a:t> Study 2019 (</a:t>
+            </a:r>
+            <a:r>
+              <a:rPr kumimoji="0" lang="de-DE" altLang="de-DE" sz="900" b="0" i="0" u="none" strike="noStrike" cap="none" normalizeH="0" baseline="0" dirty="0" err="1">
+                <a:ln>
+                  <a:noFill/>
+                </a:ln>
+                <a:solidFill>
+                  <a:srgbClr val="BCBEC4"/>
+                </a:solidFill>
+                <a:effectLst/>
+                <a:latin typeface="+mj-lt"/>
+              </a:rPr>
+              <a:t>Pavlik</a:t>
+            </a:r>
+            <a:r>
+              <a:rPr kumimoji="0" lang="de-DE" altLang="de-DE" sz="900" b="0" i="0" u="none" strike="noStrike" cap="none" normalizeH="0" baseline="0" dirty="0">
+                <a:ln>
+                  <a:noFill/>
+                </a:ln>
+                <a:solidFill>
+                  <a:srgbClr val="BCBEC4"/>
+                </a:solidFill>
+                <a:effectLst/>
+                <a:latin typeface="+mj-lt"/>
+              </a:rPr>
+              <a:t> et al.): Do </a:t>
+            </a:r>
+            <a:r>
+              <a:rPr kumimoji="0" lang="de-DE" altLang="de-DE" sz="900" b="0" i="0" u="none" strike="noStrike" cap="none" normalizeH="0" baseline="0" dirty="0" err="1">
+                <a:ln>
+                  <a:noFill/>
+                </a:ln>
+                <a:solidFill>
+                  <a:srgbClr val="BCBEC4"/>
+                </a:solidFill>
+                <a:effectLst/>
+                <a:latin typeface="+mj-lt"/>
+              </a:rPr>
+              <a:t>star</a:t>
+            </a:r>
+            <a:r>
+              <a:rPr kumimoji="0" lang="de-DE" altLang="de-DE" sz="900" b="0" i="0" u="none" strike="noStrike" cap="none" normalizeH="0" baseline="0" dirty="0">
+                <a:ln>
+                  <a:noFill/>
+                </a:ln>
+                <a:solidFill>
+                  <a:srgbClr val="BCBEC4"/>
+                </a:solidFill>
+                <a:effectLst/>
+                <a:latin typeface="+mj-lt"/>
+              </a:rPr>
+              <a:t> </a:t>
+            </a:r>
+            <a:r>
+              <a:rPr kumimoji="0" lang="de-DE" altLang="de-DE" sz="900" b="0" i="0" u="none" strike="noStrike" cap="none" normalizeH="0" baseline="0" dirty="0" err="1">
+                <a:ln>
+                  <a:noFill/>
+                </a:ln>
+                <a:solidFill>
+                  <a:srgbClr val="BCBEC4"/>
+                </a:solidFill>
+                <a:effectLst/>
+                <a:latin typeface="+mj-lt"/>
+              </a:rPr>
+              <a:t>clusters</a:t>
+            </a:r>
+            <a:r>
+              <a:rPr kumimoji="0" lang="de-DE" altLang="de-DE" sz="900" b="0" i="0" u="none" strike="noStrike" cap="none" normalizeH="0" baseline="0" dirty="0">
+                <a:ln>
+                  <a:noFill/>
+                </a:ln>
+                <a:solidFill>
+                  <a:srgbClr val="BCBEC4"/>
+                </a:solidFill>
+                <a:effectLst/>
+                <a:latin typeface="+mj-lt"/>
+              </a:rPr>
+              <a:t> form in a </a:t>
+            </a:r>
+            <a:r>
+              <a:rPr kumimoji="0" lang="de-DE" altLang="de-DE" sz="900" b="0" i="0" u="none" strike="noStrike" cap="none" normalizeH="0" baseline="0" dirty="0" err="1">
+                <a:ln>
+                  <a:noFill/>
+                </a:ln>
+                <a:solidFill>
+                  <a:srgbClr val="BCBEC4"/>
+                </a:solidFill>
+                <a:effectLst/>
+                <a:latin typeface="+mj-lt"/>
+              </a:rPr>
+              <a:t>completely</a:t>
+            </a:r>
+            <a:r>
+              <a:rPr kumimoji="0" lang="de-DE" altLang="de-DE" sz="900" b="0" i="0" u="none" strike="noStrike" cap="none" normalizeH="0" baseline="0" dirty="0">
+                <a:ln>
+                  <a:noFill/>
+                </a:ln>
+                <a:solidFill>
+                  <a:srgbClr val="BCBEC4"/>
+                </a:solidFill>
+                <a:effectLst/>
+                <a:latin typeface="+mj-lt"/>
+              </a:rPr>
+              <a:t> </a:t>
+            </a:r>
+            <a:r>
+              <a:rPr kumimoji="0" lang="de-DE" altLang="de-DE" sz="900" b="0" i="0" u="none" strike="noStrike" cap="none" normalizeH="0" baseline="0" dirty="0" err="1">
+                <a:ln>
+                  <a:noFill/>
+                </a:ln>
+                <a:solidFill>
+                  <a:srgbClr val="BCBEC4"/>
+                </a:solidFill>
+                <a:effectLst/>
+                <a:latin typeface="+mj-lt"/>
+              </a:rPr>
+              <a:t>mass-segregated</a:t>
+            </a:r>
+            <a:r>
+              <a:rPr kumimoji="0" lang="de-DE" altLang="de-DE" sz="900" b="0" i="0" u="none" strike="noStrike" cap="none" normalizeH="0" baseline="0" dirty="0">
+                <a:ln>
+                  <a:noFill/>
+                </a:ln>
+                <a:solidFill>
+                  <a:srgbClr val="BCBEC4"/>
+                </a:solidFill>
+                <a:effectLst/>
+                <a:latin typeface="+mj-lt"/>
+              </a:rPr>
+              <a:t> </a:t>
+            </a:r>
+            <a:r>
+              <a:rPr kumimoji="0" lang="de-DE" altLang="de-DE" sz="900" b="0" i="0" u="none" strike="noStrike" cap="none" normalizeH="0" baseline="0" dirty="0" err="1">
+                <a:ln>
+                  <a:noFill/>
+                </a:ln>
+                <a:solidFill>
+                  <a:srgbClr val="BCBEC4"/>
+                </a:solidFill>
+                <a:effectLst/>
+                <a:latin typeface="+mj-lt"/>
+              </a:rPr>
+              <a:t>way</a:t>
+            </a:r>
+            <a:r>
+              <a:rPr kumimoji="0" lang="de-DE" altLang="de-DE" sz="900" b="0" i="0" u="none" strike="noStrike" cap="none" normalizeH="0" baseline="0" dirty="0">
+                <a:ln>
+                  <a:noFill/>
+                </a:ln>
+                <a:solidFill>
+                  <a:srgbClr val="BCBEC4"/>
+                </a:solidFill>
+                <a:effectLst/>
+                <a:latin typeface="+mj-lt"/>
+              </a:rPr>
+              <a:t>?</a:t>
+            </a:r>
+            <a:endParaRPr kumimoji="0" lang="de-DE" altLang="de-DE" sz="900" b="0" i="0" u="none" strike="noStrike" cap="none" normalizeH="0" baseline="0" dirty="0">
+              <a:ln>
+                <a:noFill/>
+              </a:ln>
+              <a:solidFill>
+                <a:schemeClr val="tx1"/>
+              </a:solidFill>
+              <a:effectLst/>
+              <a:latin typeface="+mj-lt"/>
+            </a:endParaRPr>
+          </a:p>
+          <a:p>
+            <a:pPr algn="l" eaLnBrk="0" fontAlgn="base" hangingPunct="0">
+              <a:spcBef>
+                <a:spcPct val="0"/>
+              </a:spcBef>
+              <a:spcAft>
+                <a:spcPct val="0"/>
+              </a:spcAft>
+            </a:pPr>
+            <a:r>
+              <a:rPr kumimoji="0" lang="de-DE" altLang="de-DE" sz="900" b="0" i="0" u="none" strike="noStrike" cap="none" normalizeH="0" baseline="0" dirty="0">
+                <a:ln>
+                  <a:noFill/>
+                </a:ln>
+                <a:solidFill>
+                  <a:srgbClr val="CF8E6D"/>
+                </a:solidFill>
+                <a:effectLst/>
+                <a:latin typeface="JetBrains Mono"/>
+              </a:rPr>
+              <a:t>[6]</a:t>
+            </a:r>
+            <a:r>
+              <a:rPr kumimoji="0" lang="de-DE" altLang="de-DE" sz="900" b="0" i="0" u="none" strike="noStrike" cap="none" normalizeH="0" baseline="0" dirty="0">
+                <a:ln>
+                  <a:noFill/>
+                </a:ln>
+                <a:solidFill>
+                  <a:srgbClr val="BCBEC4"/>
+                </a:solidFill>
+                <a:effectLst/>
+                <a:latin typeface="JetBrains Mono"/>
+              </a:rPr>
+              <a:t> </a:t>
+            </a:r>
+            <a:r>
+              <a:rPr kumimoji="0" lang="de-DE" altLang="de-DE" sz="900" b="0" i="0" u="none" strike="noStrike" cap="none" normalizeH="0" baseline="0" dirty="0" err="1">
+                <a:ln>
+                  <a:noFill/>
+                </a:ln>
+                <a:solidFill>
+                  <a:srgbClr val="BCBEC4"/>
+                </a:solidFill>
+                <a:effectLst/>
+                <a:latin typeface="JetBrains Mono"/>
+              </a:rPr>
+              <a:t>Recent</a:t>
+            </a:r>
+            <a:r>
+              <a:rPr kumimoji="0" lang="de-DE" altLang="de-DE" sz="900" b="0" i="0" u="none" strike="noStrike" cap="none" normalizeH="0" baseline="0" dirty="0">
+                <a:ln>
+                  <a:noFill/>
+                </a:ln>
+                <a:solidFill>
+                  <a:srgbClr val="BCBEC4"/>
+                </a:solidFill>
+                <a:effectLst/>
+                <a:latin typeface="JetBrains Mono"/>
+              </a:rPr>
+              <a:t> Study 2024 (Kroupa et al.): The initial </a:t>
+            </a:r>
+            <a:r>
+              <a:rPr kumimoji="0" lang="de-DE" altLang="de-DE" sz="900" b="0" i="0" u="none" strike="noStrike" cap="none" normalizeH="0" baseline="0" dirty="0" err="1">
+                <a:ln>
+                  <a:noFill/>
+                </a:ln>
+                <a:solidFill>
+                  <a:srgbClr val="BCBEC4"/>
+                </a:solidFill>
+                <a:effectLst/>
+                <a:latin typeface="JetBrains Mono"/>
+              </a:rPr>
+              <a:t>mass</a:t>
+            </a:r>
+            <a:r>
+              <a:rPr kumimoji="0" lang="de-DE" altLang="de-DE" sz="900" b="0" i="0" u="none" strike="noStrike" cap="none" normalizeH="0" baseline="0" dirty="0">
+                <a:ln>
+                  <a:noFill/>
+                </a:ln>
+                <a:solidFill>
+                  <a:srgbClr val="BCBEC4"/>
+                </a:solidFill>
+                <a:effectLst/>
+                <a:latin typeface="JetBrains Mono"/>
+              </a:rPr>
+              <a:t> </a:t>
+            </a:r>
+            <a:r>
+              <a:rPr kumimoji="0" lang="de-DE" altLang="de-DE" sz="900" b="0" i="0" u="none" strike="noStrike" cap="none" normalizeH="0" baseline="0" dirty="0" err="1">
+                <a:ln>
+                  <a:noFill/>
+                </a:ln>
+                <a:solidFill>
+                  <a:srgbClr val="BCBEC4"/>
+                </a:solidFill>
+                <a:effectLst/>
+                <a:latin typeface="JetBrains Mono"/>
+              </a:rPr>
+              <a:t>function</a:t>
+            </a:r>
+            <a:r>
+              <a:rPr kumimoji="0" lang="de-DE" altLang="de-DE" sz="900" b="0" i="0" u="none" strike="noStrike" cap="none" normalizeH="0" baseline="0" dirty="0">
+                <a:ln>
+                  <a:noFill/>
+                </a:ln>
+                <a:solidFill>
+                  <a:srgbClr val="BCBEC4"/>
+                </a:solidFill>
+                <a:effectLst/>
+                <a:latin typeface="JetBrains Mono"/>
+              </a:rPr>
+              <a:t> </a:t>
+            </a:r>
+            <a:r>
+              <a:rPr kumimoji="0" lang="de-DE" altLang="de-DE" sz="900" b="0" i="0" u="none" strike="noStrike" cap="none" normalizeH="0" baseline="0" dirty="0" err="1">
+                <a:ln>
+                  <a:noFill/>
+                </a:ln>
+                <a:solidFill>
+                  <a:srgbClr val="BCBEC4"/>
+                </a:solidFill>
+                <a:effectLst/>
+                <a:latin typeface="JetBrains Mono"/>
+              </a:rPr>
+              <a:t>of</a:t>
+            </a:r>
+            <a:r>
+              <a:rPr kumimoji="0" lang="de-DE" altLang="de-DE" sz="900" b="0" i="0" u="none" strike="noStrike" cap="none" normalizeH="0" baseline="0" dirty="0">
+                <a:ln>
+                  <a:noFill/>
+                </a:ln>
+                <a:solidFill>
+                  <a:srgbClr val="BCBEC4"/>
+                </a:solidFill>
+                <a:effectLst/>
+                <a:latin typeface="JetBrains Mono"/>
+              </a:rPr>
+              <a:t> </a:t>
+            </a:r>
+            <a:r>
+              <a:rPr kumimoji="0" lang="de-DE" altLang="de-DE" sz="900" b="0" i="0" u="none" strike="noStrike" cap="none" normalizeH="0" baseline="0" dirty="0" err="1">
+                <a:ln>
+                  <a:noFill/>
+                </a:ln>
+                <a:solidFill>
+                  <a:srgbClr val="BCBEC4"/>
+                </a:solidFill>
+                <a:effectLst/>
+                <a:latin typeface="JetBrains Mono"/>
+              </a:rPr>
+              <a:t>stars</a:t>
+            </a:r>
+            <a:endParaRPr kumimoji="0" lang="de-DE" altLang="de-DE" sz="1800" b="0" i="0" u="none" strike="noStrike" cap="none" normalizeH="0" baseline="0" dirty="0">
+              <a:ln>
+                <a:noFill/>
+              </a:ln>
+              <a:solidFill>
+                <a:schemeClr val="tx1"/>
+              </a:solidFill>
+              <a:effectLst/>
+              <a:latin typeface="Arial" panose="020B0604020202020204" pitchFamily="34" charset="0"/>
+            </a:endParaRPr>
           </a:p>
         </p:txBody>
       </p:sp>
@@ -6520,7 +10000,7 @@
 </p:sld>
 </file>
 
-<file path=ppt/slides/slide6.xml><?xml version="1.0" encoding="utf-8"?>
+<file path=ppt/slides/slide8.xml><?xml version="1.0" encoding="utf-8"?>
 <p:sld xmlns:a="http://schemas.openxmlformats.org/drawingml/2006/main" xmlns:r="http://schemas.openxmlformats.org/officeDocument/2006/relationships" xmlns:p="http://schemas.openxmlformats.org/presentationml/2006/main">
   <p:cSld>
     <p:spTree>
@@ -6586,7 +10066,12 @@
             <p:ph idx="1"/>
           </p:nvPr>
         </p:nvSpPr>
-        <p:spPr bwMode="white"/>
+        <p:spPr bwMode="white">
+          <a:xfrm>
+            <a:off x="838200" y="1825625"/>
+            <a:ext cx="10515600" cy="3732493"/>
+          </a:xfrm>
+        </p:spPr>
         <p:txBody>
           <a:bodyPr/>
           <a:lstStyle/>
@@ -6739,7 +10224,7 @@
             </a:r>
             <a:r>
               <a:rPr lang="de-CH" dirty="0"/>
-              <a:t>.</a:t>
+              <a:t> [3].</a:t>
             </a:r>
           </a:p>
           <a:p>
@@ -6809,7 +10294,7 @@
             </a:r>
             <a:r>
               <a:rPr lang="de-CH" dirty="0"/>
-              <a:t>.</a:t>
+              <a:t> [1,2].</a:t>
             </a:r>
           </a:p>
           <a:p>
@@ -6944,8 +10429,1045 @@
             </a:r>
             <a:r>
               <a:rPr lang="de-CH" dirty="0"/>
-              <a:t>.</a:t>
-            </a:r>
+              <a:t> [4,6].</a:t>
+            </a:r>
+          </a:p>
+        </p:txBody>
+      </p:sp>
+      <p:sp>
+        <p:nvSpPr>
+          <p:cNvPr id="5" name="Rectangle 1">
+            <a:extLst>
+              <a:ext uri="{FF2B5EF4-FFF2-40B4-BE49-F238E27FC236}">
+                <a16:creationId xmlns:a16="http://schemas.microsoft.com/office/drawing/2014/main" id="{0A169F0D-118A-9A34-277E-4D42CCBDE3DF}"/>
+              </a:ext>
+            </a:extLst>
+          </p:cNvPr>
+          <p:cNvSpPr>
+            <a:spLocks noGrp="1" noChangeArrowheads="1"/>
+          </p:cNvSpPr>
+          <p:nvPr>
+            <p:ph type="ftr" sz="quarter" idx="11"/>
+          </p:nvPr>
+        </p:nvSpPr>
+        <p:spPr bwMode="auto">
+          <a:xfrm>
+            <a:off x="838200" y="5959986"/>
+            <a:ext cx="6865982" cy="784830"/>
+          </a:xfrm>
+          <a:prstGeom prst="rect">
+            <a:avLst/>
+          </a:prstGeom>
+          <a:solidFill>
+            <a:srgbClr val="1E1F22"/>
+          </a:solidFill>
+          <a:ln>
+            <a:noFill/>
+          </a:ln>
+          <a:effectLst/>
+          <a:extLst>
+            <a:ext uri="{91240B29-F687-4F45-9708-019B960494DF}">
+              <a14:hiddenLine xmlns:a14="http://schemas.microsoft.com/office/drawing/2010/main" w="9525">
+                <a:solidFill>
+                  <a:schemeClr val="tx1"/>
+                </a:solidFill>
+                <a:miter lim="800000"/>
+                <a:headEnd/>
+                <a:tailEnd/>
+              </a14:hiddenLine>
+            </a:ext>
+            <a:ext uri="{AF507438-7753-43E0-B8FC-AC1667EBCBE1}">
+              <a14:hiddenEffects xmlns:a14="http://schemas.microsoft.com/office/drawing/2010/main">
+                <a:effectLst>
+                  <a:outerShdw dist="35921" dir="2700000" algn="ctr" rotWithShape="0">
+                    <a:schemeClr val="bg2"/>
+                  </a:outerShdw>
+                </a:effectLst>
+              </a14:hiddenEffects>
+            </a:ext>
+          </a:extLst>
+        </p:spPr>
+        <p:txBody>
+          <a:bodyPr vert="horz" wrap="none" lIns="91440" tIns="45720" rIns="91440" bIns="45720" numCol="1" anchor="ctr" anchorCtr="0" compatLnSpc="1">
+            <a:prstTxWarp prst="textNoShape">
+              <a:avLst/>
+            </a:prstTxWarp>
+            <a:spAutoFit/>
+          </a:bodyPr>
+          <a:lstStyle/>
+          <a:p>
+            <a:pPr marL="0" marR="0" lvl="0" indent="0" algn="l" defTabSz="914400" rtl="0" eaLnBrk="0" fontAlgn="base" latinLnBrk="0" hangingPunct="0">
+              <a:lnSpc>
+                <a:spcPct val="100000"/>
+              </a:lnSpc>
+              <a:spcBef>
+                <a:spcPct val="0"/>
+              </a:spcBef>
+              <a:spcAft>
+                <a:spcPct val="0"/>
+              </a:spcAft>
+              <a:buClrTx/>
+              <a:buSzTx/>
+              <a:buFontTx/>
+              <a:buNone/>
+              <a:tabLst/>
+            </a:pPr>
+            <a:r>
+              <a:rPr kumimoji="0" lang="de-DE" altLang="de-DE" sz="900" b="0" i="0" u="none" strike="noStrike" cap="none" normalizeH="0" baseline="0" dirty="0">
+                <a:ln>
+                  <a:noFill/>
+                </a:ln>
+                <a:solidFill>
+                  <a:srgbClr val="CF8E6D"/>
+                </a:solidFill>
+                <a:effectLst/>
+                <a:latin typeface="+mj-lt"/>
+              </a:rPr>
+              <a:t>[1]</a:t>
+            </a:r>
+            <a:r>
+              <a:rPr kumimoji="0" lang="de-DE" altLang="de-DE" sz="900" b="0" i="0" u="none" strike="noStrike" cap="none" normalizeH="0" baseline="0" dirty="0">
+                <a:ln>
+                  <a:noFill/>
+                </a:ln>
+                <a:solidFill>
+                  <a:srgbClr val="BCBEC4"/>
+                </a:solidFill>
+                <a:effectLst/>
+                <a:latin typeface="+mj-lt"/>
+              </a:rPr>
+              <a:t> Review </a:t>
+            </a:r>
+            <a:r>
+              <a:rPr kumimoji="0" lang="de-DE" altLang="de-DE" sz="900" b="0" i="0" u="none" strike="noStrike" cap="none" normalizeH="0" baseline="0" dirty="0" err="1">
+                <a:ln>
+                  <a:noFill/>
+                </a:ln>
+                <a:solidFill>
+                  <a:srgbClr val="BCBEC4"/>
+                </a:solidFill>
+                <a:effectLst/>
+                <a:latin typeface="+mj-lt"/>
+              </a:rPr>
+              <a:t>paper</a:t>
+            </a:r>
+            <a:r>
+              <a:rPr kumimoji="0" lang="de-DE" altLang="de-DE" sz="900" b="0" i="0" u="none" strike="noStrike" cap="none" normalizeH="0" baseline="0" dirty="0">
+                <a:ln>
+                  <a:noFill/>
+                </a:ln>
+                <a:solidFill>
+                  <a:srgbClr val="BCBEC4"/>
+                </a:solidFill>
+                <a:effectLst/>
+                <a:latin typeface="+mj-lt"/>
+              </a:rPr>
+              <a:t> 2024 (</a:t>
+            </a:r>
+            <a:r>
+              <a:rPr kumimoji="0" lang="de-DE" altLang="de-DE" sz="900" b="0" i="0" u="none" strike="noStrike" cap="none" normalizeH="0" baseline="0" dirty="0" err="1">
+                <a:ln>
+                  <a:noFill/>
+                </a:ln>
+                <a:solidFill>
+                  <a:srgbClr val="BCBEC4"/>
+                </a:solidFill>
+                <a:effectLst/>
+                <a:latin typeface="+mj-lt"/>
+              </a:rPr>
+              <a:t>Hennebelle</a:t>
+            </a:r>
+            <a:r>
+              <a:rPr kumimoji="0" lang="de-DE" altLang="de-DE" sz="900" b="0" i="0" u="none" strike="noStrike" cap="none" normalizeH="0" baseline="0" dirty="0">
+                <a:ln>
+                  <a:noFill/>
+                </a:ln>
+                <a:solidFill>
+                  <a:srgbClr val="BCBEC4"/>
+                </a:solidFill>
+                <a:effectLst/>
+                <a:latin typeface="+mj-lt"/>
+              </a:rPr>
+              <a:t> et al.): The </a:t>
+            </a:r>
+            <a:r>
+              <a:rPr kumimoji="0" lang="de-DE" altLang="de-DE" sz="900" b="0" i="0" u="none" strike="noStrike" cap="none" normalizeH="0" baseline="0" dirty="0" err="1">
+                <a:ln>
+                  <a:noFill/>
+                </a:ln>
+                <a:solidFill>
+                  <a:srgbClr val="BCBEC4"/>
+                </a:solidFill>
+                <a:effectLst/>
+                <a:latin typeface="+mj-lt"/>
+              </a:rPr>
+              <a:t>Physical</a:t>
+            </a:r>
+            <a:r>
+              <a:rPr kumimoji="0" lang="de-DE" altLang="de-DE" sz="900" b="0" i="0" u="none" strike="noStrike" cap="none" normalizeH="0" baseline="0" dirty="0">
+                <a:ln>
+                  <a:noFill/>
+                </a:ln>
+                <a:solidFill>
+                  <a:srgbClr val="BCBEC4"/>
+                </a:solidFill>
+                <a:effectLst/>
+                <a:latin typeface="+mj-lt"/>
+              </a:rPr>
+              <a:t> Origin </a:t>
+            </a:r>
+            <a:r>
+              <a:rPr kumimoji="0" lang="de-DE" altLang="de-DE" sz="900" b="0" i="0" u="none" strike="noStrike" cap="none" normalizeH="0" baseline="0" dirty="0" err="1">
+                <a:ln>
+                  <a:noFill/>
+                </a:ln>
+                <a:solidFill>
+                  <a:srgbClr val="BCBEC4"/>
+                </a:solidFill>
+                <a:effectLst/>
+                <a:latin typeface="+mj-lt"/>
+              </a:rPr>
+              <a:t>of</a:t>
+            </a:r>
+            <a:r>
+              <a:rPr kumimoji="0" lang="de-DE" altLang="de-DE" sz="900" b="0" i="0" u="none" strike="noStrike" cap="none" normalizeH="0" baseline="0" dirty="0">
+                <a:ln>
+                  <a:noFill/>
+                </a:ln>
+                <a:solidFill>
+                  <a:srgbClr val="BCBEC4"/>
+                </a:solidFill>
+                <a:effectLst/>
+                <a:latin typeface="+mj-lt"/>
+              </a:rPr>
+              <a:t> </a:t>
+            </a:r>
+            <a:r>
+              <a:rPr kumimoji="0" lang="de-DE" altLang="de-DE" sz="900" b="0" i="0" u="none" strike="noStrike" cap="none" normalizeH="0" baseline="0" dirty="0" err="1">
+                <a:ln>
+                  <a:noFill/>
+                </a:ln>
+                <a:solidFill>
+                  <a:srgbClr val="BCBEC4"/>
+                </a:solidFill>
+                <a:effectLst/>
+                <a:latin typeface="+mj-lt"/>
+              </a:rPr>
+              <a:t>the</a:t>
+            </a:r>
+            <a:r>
+              <a:rPr kumimoji="0" lang="de-DE" altLang="de-DE" sz="900" b="0" i="0" u="none" strike="noStrike" cap="none" normalizeH="0" baseline="0" dirty="0">
+                <a:ln>
+                  <a:noFill/>
+                </a:ln>
+                <a:solidFill>
+                  <a:srgbClr val="BCBEC4"/>
+                </a:solidFill>
+                <a:effectLst/>
+                <a:latin typeface="+mj-lt"/>
+              </a:rPr>
+              <a:t> Stellar Initial </a:t>
+            </a:r>
+            <a:r>
+              <a:rPr kumimoji="0" lang="de-DE" altLang="de-DE" sz="900" b="0" i="0" u="none" strike="noStrike" cap="none" normalizeH="0" baseline="0" dirty="0" err="1">
+                <a:ln>
+                  <a:noFill/>
+                </a:ln>
+                <a:solidFill>
+                  <a:srgbClr val="BCBEC4"/>
+                </a:solidFill>
+                <a:effectLst/>
+                <a:latin typeface="+mj-lt"/>
+              </a:rPr>
+              <a:t>Mass</a:t>
+            </a:r>
+            <a:r>
+              <a:rPr kumimoji="0" lang="de-DE" altLang="de-DE" sz="900" b="0" i="0" u="none" strike="noStrike" cap="none" normalizeH="0" baseline="0" dirty="0">
+                <a:ln>
+                  <a:noFill/>
+                </a:ln>
+                <a:solidFill>
+                  <a:srgbClr val="BCBEC4"/>
+                </a:solidFill>
+                <a:effectLst/>
+                <a:latin typeface="+mj-lt"/>
+              </a:rPr>
+              <a:t> </a:t>
+            </a:r>
+            <a:r>
+              <a:rPr kumimoji="0" lang="de-DE" altLang="de-DE" sz="900" b="0" i="0" u="none" strike="noStrike" cap="none" normalizeH="0" baseline="0" dirty="0" err="1">
+                <a:ln>
+                  <a:noFill/>
+                </a:ln>
+                <a:solidFill>
+                  <a:srgbClr val="BCBEC4"/>
+                </a:solidFill>
+                <a:effectLst/>
+                <a:latin typeface="+mj-lt"/>
+              </a:rPr>
+              <a:t>Function</a:t>
+            </a:r>
+            <a:endParaRPr lang="de-DE" altLang="de-DE" sz="1800" dirty="0">
+              <a:solidFill>
+                <a:schemeClr val="tx1"/>
+              </a:solidFill>
+              <a:latin typeface="+mj-lt"/>
+            </a:endParaRPr>
+          </a:p>
+          <a:p>
+            <a:pPr algn="l" eaLnBrk="0" fontAlgn="base" hangingPunct="0">
+              <a:spcBef>
+                <a:spcPct val="0"/>
+              </a:spcBef>
+              <a:spcAft>
+                <a:spcPct val="0"/>
+              </a:spcAft>
+            </a:pPr>
+            <a:r>
+              <a:rPr kumimoji="0" lang="de-DE" altLang="de-DE" sz="900" b="0" i="0" u="none" strike="noStrike" cap="none" normalizeH="0" baseline="0" dirty="0">
+                <a:ln>
+                  <a:noFill/>
+                </a:ln>
+                <a:solidFill>
+                  <a:srgbClr val="CF8E6D"/>
+                </a:solidFill>
+                <a:effectLst/>
+                <a:latin typeface="JetBrains Mono"/>
+              </a:rPr>
+              <a:t>[2]</a:t>
+            </a:r>
+            <a:r>
+              <a:rPr kumimoji="0" lang="de-DE" altLang="de-DE" sz="900" b="0" i="0" u="none" strike="noStrike" cap="none" normalizeH="0" baseline="0" dirty="0">
+                <a:ln>
+                  <a:noFill/>
+                </a:ln>
+                <a:solidFill>
+                  <a:srgbClr val="BCBEC4"/>
+                </a:solidFill>
+                <a:effectLst/>
+                <a:latin typeface="JetBrains Mono"/>
+              </a:rPr>
+              <a:t> Review </a:t>
+            </a:r>
+            <a:r>
+              <a:rPr kumimoji="0" lang="de-DE" altLang="de-DE" sz="900" b="0" i="0" u="none" strike="noStrike" cap="none" normalizeH="0" baseline="0" dirty="0" err="1">
+                <a:ln>
+                  <a:noFill/>
+                </a:ln>
+                <a:solidFill>
+                  <a:srgbClr val="BCBEC4"/>
+                </a:solidFill>
+                <a:effectLst/>
+                <a:latin typeface="JetBrains Mono"/>
+              </a:rPr>
+              <a:t>paper</a:t>
+            </a:r>
+            <a:r>
+              <a:rPr kumimoji="0" lang="de-DE" altLang="de-DE" sz="900" b="0" i="0" u="none" strike="noStrike" cap="none" normalizeH="0" baseline="0" dirty="0">
+                <a:ln>
+                  <a:noFill/>
+                </a:ln>
+                <a:solidFill>
+                  <a:srgbClr val="BCBEC4"/>
+                </a:solidFill>
+                <a:effectLst/>
+                <a:latin typeface="JetBrains Mono"/>
+              </a:rPr>
+              <a:t> 2020 (Russell J. Smith): </a:t>
+            </a:r>
+            <a:r>
+              <a:rPr kumimoji="0" lang="de-DE" altLang="de-DE" sz="900" b="0" i="0" u="none" strike="noStrike" cap="none" normalizeH="0" baseline="0" dirty="0" err="1">
+                <a:ln>
+                  <a:noFill/>
+                </a:ln>
+                <a:solidFill>
+                  <a:srgbClr val="BCBEC4"/>
+                </a:solidFill>
+                <a:effectLst/>
+                <a:latin typeface="JetBrains Mono"/>
+              </a:rPr>
+              <a:t>Evidence</a:t>
+            </a:r>
+            <a:r>
+              <a:rPr kumimoji="0" lang="de-DE" altLang="de-DE" sz="900" b="0" i="0" u="none" strike="noStrike" cap="none" normalizeH="0" baseline="0" dirty="0">
+                <a:ln>
+                  <a:noFill/>
+                </a:ln>
+                <a:solidFill>
+                  <a:srgbClr val="BCBEC4"/>
+                </a:solidFill>
+                <a:effectLst/>
+                <a:latin typeface="JetBrains Mono"/>
+              </a:rPr>
+              <a:t> for Initial </a:t>
+            </a:r>
+            <a:r>
+              <a:rPr kumimoji="0" lang="de-DE" altLang="de-DE" sz="900" b="0" i="0" u="none" strike="noStrike" cap="none" normalizeH="0" baseline="0" dirty="0" err="1">
+                <a:ln>
+                  <a:noFill/>
+                </a:ln>
+                <a:solidFill>
+                  <a:srgbClr val="BCBEC4"/>
+                </a:solidFill>
+                <a:effectLst/>
+                <a:latin typeface="JetBrains Mono"/>
+              </a:rPr>
+              <a:t>Mass</a:t>
+            </a:r>
+            <a:r>
+              <a:rPr kumimoji="0" lang="de-DE" altLang="de-DE" sz="900" b="0" i="0" u="none" strike="noStrike" cap="none" normalizeH="0" baseline="0" dirty="0">
+                <a:ln>
+                  <a:noFill/>
+                </a:ln>
+                <a:solidFill>
+                  <a:srgbClr val="BCBEC4"/>
+                </a:solidFill>
+                <a:effectLst/>
+                <a:latin typeface="JetBrains Mono"/>
+              </a:rPr>
+              <a:t> </a:t>
+            </a:r>
+            <a:r>
+              <a:rPr kumimoji="0" lang="de-DE" altLang="de-DE" sz="900" b="0" i="0" u="none" strike="noStrike" cap="none" normalizeH="0" baseline="0" dirty="0" err="1">
+                <a:ln>
+                  <a:noFill/>
+                </a:ln>
+                <a:solidFill>
+                  <a:srgbClr val="BCBEC4"/>
+                </a:solidFill>
+                <a:effectLst/>
+                <a:latin typeface="JetBrains Mono"/>
+              </a:rPr>
+              <a:t>Function</a:t>
+            </a:r>
+            <a:r>
+              <a:rPr kumimoji="0" lang="de-DE" altLang="de-DE" sz="900" b="0" i="0" u="none" strike="noStrike" cap="none" normalizeH="0" baseline="0" dirty="0">
+                <a:ln>
+                  <a:noFill/>
+                </a:ln>
+                <a:solidFill>
+                  <a:srgbClr val="BCBEC4"/>
+                </a:solidFill>
+                <a:effectLst/>
+                <a:latin typeface="JetBrains Mono"/>
+              </a:rPr>
+              <a:t> Variation in Massive Early-Type </a:t>
+            </a:r>
+            <a:r>
+              <a:rPr kumimoji="0" lang="de-DE" altLang="de-DE" sz="900" b="0" i="0" u="none" strike="noStrike" cap="none" normalizeH="0" baseline="0" dirty="0" err="1">
+                <a:ln>
+                  <a:noFill/>
+                </a:ln>
+                <a:solidFill>
+                  <a:srgbClr val="BCBEC4"/>
+                </a:solidFill>
+                <a:effectLst/>
+                <a:latin typeface="JetBrains Mono"/>
+              </a:rPr>
+              <a:t>Galaxies</a:t>
+            </a:r>
+            <a:endParaRPr kumimoji="0" lang="de-DE" altLang="de-DE" sz="1800" b="0" i="0" u="none" strike="noStrike" cap="none" normalizeH="0" baseline="0" dirty="0">
+              <a:ln>
+                <a:noFill/>
+              </a:ln>
+              <a:solidFill>
+                <a:schemeClr val="tx1"/>
+              </a:solidFill>
+              <a:effectLst/>
+              <a:latin typeface="Arial" panose="020B0604020202020204" pitchFamily="34" charset="0"/>
+            </a:endParaRPr>
+          </a:p>
+          <a:p>
+            <a:pPr algn="l" eaLnBrk="0" fontAlgn="base" hangingPunct="0">
+              <a:spcBef>
+                <a:spcPct val="0"/>
+              </a:spcBef>
+              <a:spcAft>
+                <a:spcPct val="0"/>
+              </a:spcAft>
+            </a:pPr>
+            <a:r>
+              <a:rPr kumimoji="0" lang="de-DE" altLang="de-DE" sz="900" b="0" i="0" u="none" strike="noStrike" cap="none" normalizeH="0" baseline="0" dirty="0">
+                <a:ln>
+                  <a:noFill/>
+                </a:ln>
+                <a:solidFill>
+                  <a:srgbClr val="CF8E6D"/>
+                </a:solidFill>
+                <a:effectLst/>
+                <a:latin typeface="JetBrains Mono"/>
+              </a:rPr>
+              <a:t>[3]</a:t>
+            </a:r>
+            <a:r>
+              <a:rPr kumimoji="0" lang="de-DE" altLang="de-DE" sz="900" b="0" i="0" u="none" strike="noStrike" cap="none" normalizeH="0" baseline="0" dirty="0">
+                <a:ln>
+                  <a:noFill/>
+                </a:ln>
+                <a:solidFill>
+                  <a:srgbClr val="BCBEC4"/>
+                </a:solidFill>
+                <a:effectLst/>
+                <a:latin typeface="JetBrains Mono"/>
+              </a:rPr>
+              <a:t> Original </a:t>
+            </a:r>
+            <a:r>
+              <a:rPr kumimoji="0" lang="de-DE" altLang="de-DE" sz="900" b="0" i="0" u="none" strike="noStrike" cap="none" normalizeH="0" baseline="0" dirty="0" err="1">
+                <a:ln>
+                  <a:noFill/>
+                </a:ln>
+                <a:solidFill>
+                  <a:srgbClr val="BCBEC4"/>
+                </a:solidFill>
+                <a:effectLst/>
+                <a:latin typeface="JetBrains Mono"/>
+              </a:rPr>
+              <a:t>paper</a:t>
+            </a:r>
+            <a:r>
+              <a:rPr kumimoji="0" lang="de-DE" altLang="de-DE" sz="900" b="0" i="0" u="none" strike="noStrike" cap="none" normalizeH="0" baseline="0" dirty="0">
+                <a:ln>
+                  <a:noFill/>
+                </a:ln>
+                <a:solidFill>
+                  <a:srgbClr val="BCBEC4"/>
+                </a:solidFill>
+                <a:effectLst/>
+                <a:latin typeface="JetBrains Mono"/>
+              </a:rPr>
+              <a:t> 1955 (Salpeter): The </a:t>
+            </a:r>
+            <a:r>
+              <a:rPr kumimoji="0" lang="de-DE" altLang="de-DE" sz="900" b="0" i="0" u="none" strike="noStrike" cap="none" normalizeH="0" baseline="0" dirty="0" err="1">
+                <a:ln>
+                  <a:noFill/>
+                </a:ln>
+                <a:solidFill>
+                  <a:srgbClr val="BCBEC4"/>
+                </a:solidFill>
+                <a:effectLst/>
+                <a:latin typeface="JetBrains Mono"/>
+              </a:rPr>
+              <a:t>Luminosity</a:t>
+            </a:r>
+            <a:r>
+              <a:rPr kumimoji="0" lang="de-DE" altLang="de-DE" sz="900" b="0" i="0" u="none" strike="noStrike" cap="none" normalizeH="0" baseline="0" dirty="0">
+                <a:ln>
+                  <a:noFill/>
+                </a:ln>
+                <a:solidFill>
+                  <a:srgbClr val="BCBEC4"/>
+                </a:solidFill>
+                <a:effectLst/>
+                <a:latin typeface="JetBrains Mono"/>
+              </a:rPr>
+              <a:t> </a:t>
+            </a:r>
+            <a:r>
+              <a:rPr kumimoji="0" lang="de-DE" altLang="de-DE" sz="900" b="0" i="0" u="none" strike="noStrike" cap="none" normalizeH="0" baseline="0" dirty="0" err="1">
+                <a:ln>
+                  <a:noFill/>
+                </a:ln>
+                <a:solidFill>
+                  <a:srgbClr val="BCBEC4"/>
+                </a:solidFill>
+                <a:effectLst/>
+                <a:latin typeface="JetBrains Mono"/>
+              </a:rPr>
+              <a:t>Function</a:t>
+            </a:r>
+            <a:r>
+              <a:rPr kumimoji="0" lang="de-DE" altLang="de-DE" sz="900" b="0" i="0" u="none" strike="noStrike" cap="none" normalizeH="0" baseline="0" dirty="0">
+                <a:ln>
+                  <a:noFill/>
+                </a:ln>
+                <a:solidFill>
+                  <a:srgbClr val="BCBEC4"/>
+                </a:solidFill>
+                <a:effectLst/>
+                <a:latin typeface="JetBrains Mono"/>
+              </a:rPr>
+              <a:t> and Stellar Evolution</a:t>
+            </a:r>
+          </a:p>
+          <a:p>
+            <a:pPr algn="l" eaLnBrk="0" fontAlgn="base" hangingPunct="0">
+              <a:spcBef>
+                <a:spcPct val="0"/>
+              </a:spcBef>
+              <a:spcAft>
+                <a:spcPct val="0"/>
+              </a:spcAft>
+            </a:pPr>
+            <a:r>
+              <a:rPr kumimoji="0" lang="de-DE" altLang="de-DE" sz="900" b="0" i="0" u="none" strike="noStrike" cap="none" normalizeH="0" baseline="0" dirty="0">
+                <a:ln>
+                  <a:noFill/>
+                </a:ln>
+                <a:solidFill>
+                  <a:srgbClr val="CF8E6D"/>
+                </a:solidFill>
+                <a:effectLst/>
+                <a:latin typeface="JetBrains Mono"/>
+              </a:rPr>
+              <a:t>[4]</a:t>
+            </a:r>
+            <a:r>
+              <a:rPr kumimoji="0" lang="de-DE" altLang="de-DE" sz="900" b="0" i="0" u="none" strike="noStrike" cap="none" normalizeH="0" baseline="0" dirty="0">
+                <a:ln>
+                  <a:noFill/>
+                </a:ln>
+                <a:solidFill>
+                  <a:srgbClr val="BCBEC4"/>
+                </a:solidFill>
+                <a:effectLst/>
+                <a:latin typeface="JetBrains Mono"/>
+              </a:rPr>
+              <a:t> </a:t>
+            </a:r>
+            <a:r>
+              <a:rPr kumimoji="0" lang="de-DE" altLang="de-DE" sz="900" b="0" i="0" u="none" strike="noStrike" cap="none" normalizeH="0" baseline="0" dirty="0" err="1">
+                <a:ln>
+                  <a:noFill/>
+                </a:ln>
+                <a:solidFill>
+                  <a:srgbClr val="BCBEC4"/>
+                </a:solidFill>
+                <a:effectLst/>
+                <a:latin typeface="JetBrains Mono"/>
+              </a:rPr>
+              <a:t>Recent</a:t>
+            </a:r>
+            <a:r>
+              <a:rPr kumimoji="0" lang="de-DE" altLang="de-DE" sz="900" b="0" i="0" u="none" strike="noStrike" cap="none" normalizeH="0" baseline="0" dirty="0">
+                <a:ln>
+                  <a:noFill/>
+                </a:ln>
+                <a:solidFill>
+                  <a:srgbClr val="BCBEC4"/>
+                </a:solidFill>
+                <a:effectLst/>
+                <a:latin typeface="JetBrains Mono"/>
+              </a:rPr>
+              <a:t> Study 2020 (</a:t>
+            </a:r>
+            <a:r>
+              <a:rPr kumimoji="0" lang="de-DE" altLang="de-DE" sz="900" b="0" i="0" u="none" strike="noStrike" cap="none" normalizeH="0" baseline="0" dirty="0" err="1">
+                <a:ln>
+                  <a:noFill/>
+                </a:ln>
+                <a:solidFill>
+                  <a:srgbClr val="BCBEC4"/>
+                </a:solidFill>
+                <a:effectLst/>
+                <a:latin typeface="JetBrains Mono"/>
+              </a:rPr>
+              <a:t>Leschinski</a:t>
+            </a:r>
+            <a:r>
+              <a:rPr kumimoji="0" lang="de-DE" altLang="de-DE" sz="900" b="0" i="0" u="none" strike="noStrike" cap="none" normalizeH="0" baseline="0" dirty="0">
+                <a:ln>
+                  <a:noFill/>
+                </a:ln>
+                <a:solidFill>
+                  <a:srgbClr val="BCBEC4"/>
+                </a:solidFill>
+                <a:effectLst/>
+                <a:latin typeface="JetBrains Mono"/>
+              </a:rPr>
+              <a:t> et al.): The </a:t>
+            </a:r>
+            <a:r>
+              <a:rPr kumimoji="0" lang="de-DE" altLang="de-DE" sz="900" b="0" i="0" u="none" strike="noStrike" cap="none" normalizeH="0" baseline="0" dirty="0" err="1">
+                <a:ln>
+                  <a:noFill/>
+                </a:ln>
+                <a:solidFill>
+                  <a:srgbClr val="BCBEC4"/>
+                </a:solidFill>
+                <a:effectLst/>
+                <a:latin typeface="JetBrains Mono"/>
+              </a:rPr>
+              <a:t>future</a:t>
+            </a:r>
+            <a:r>
+              <a:rPr kumimoji="0" lang="de-DE" altLang="de-DE" sz="900" b="0" i="0" u="none" strike="noStrike" cap="none" normalizeH="0" baseline="0" dirty="0">
+                <a:ln>
+                  <a:noFill/>
+                </a:ln>
+                <a:solidFill>
+                  <a:srgbClr val="BCBEC4"/>
+                </a:solidFill>
+                <a:effectLst/>
+                <a:latin typeface="JetBrains Mono"/>
+              </a:rPr>
+              <a:t> </a:t>
+            </a:r>
+            <a:r>
+              <a:rPr kumimoji="0" lang="de-DE" altLang="de-DE" sz="900" b="0" i="0" u="none" strike="noStrike" cap="none" normalizeH="0" baseline="0" dirty="0" err="1">
+                <a:ln>
+                  <a:noFill/>
+                </a:ln>
+                <a:solidFill>
+                  <a:srgbClr val="BCBEC4"/>
+                </a:solidFill>
+                <a:effectLst/>
+                <a:latin typeface="JetBrains Mono"/>
+              </a:rPr>
+              <a:t>of</a:t>
+            </a:r>
+            <a:r>
+              <a:rPr kumimoji="0" lang="de-DE" altLang="de-DE" sz="900" b="0" i="0" u="none" strike="noStrike" cap="none" normalizeH="0" baseline="0" dirty="0">
+                <a:ln>
+                  <a:noFill/>
+                </a:ln>
+                <a:solidFill>
+                  <a:srgbClr val="BCBEC4"/>
+                </a:solidFill>
+                <a:effectLst/>
+                <a:latin typeface="JetBrains Mono"/>
+              </a:rPr>
+              <a:t> IMF </a:t>
+            </a:r>
+            <a:r>
+              <a:rPr kumimoji="0" lang="de-DE" altLang="de-DE" sz="900" b="0" i="0" u="none" strike="noStrike" cap="none" normalizeH="0" baseline="0" dirty="0" err="1">
+                <a:ln>
+                  <a:noFill/>
+                </a:ln>
+                <a:solidFill>
+                  <a:srgbClr val="BCBEC4"/>
+                </a:solidFill>
+                <a:effectLst/>
+                <a:latin typeface="JetBrains Mono"/>
+              </a:rPr>
+              <a:t>studies</a:t>
+            </a:r>
+            <a:r>
+              <a:rPr kumimoji="0" lang="de-DE" altLang="de-DE" sz="900" b="0" i="0" u="none" strike="noStrike" cap="none" normalizeH="0" baseline="0" dirty="0">
+                <a:ln>
+                  <a:noFill/>
+                </a:ln>
+                <a:solidFill>
+                  <a:srgbClr val="BCBEC4"/>
+                </a:solidFill>
+                <a:effectLst/>
+                <a:latin typeface="JetBrains Mono"/>
+              </a:rPr>
+              <a:t> </a:t>
+            </a:r>
+            <a:r>
+              <a:rPr kumimoji="0" lang="de-DE" altLang="de-DE" sz="900" b="0" i="0" u="none" strike="noStrike" cap="none" normalizeH="0" baseline="0" dirty="0" err="1">
+                <a:ln>
+                  <a:noFill/>
+                </a:ln>
+                <a:solidFill>
+                  <a:srgbClr val="BCBEC4"/>
+                </a:solidFill>
+                <a:effectLst/>
+                <a:latin typeface="JetBrains Mono"/>
+              </a:rPr>
+              <a:t>with</a:t>
+            </a:r>
+            <a:r>
+              <a:rPr kumimoji="0" lang="de-DE" altLang="de-DE" sz="900" b="0" i="0" u="none" strike="noStrike" cap="none" normalizeH="0" baseline="0" dirty="0">
+                <a:ln>
+                  <a:noFill/>
+                </a:ln>
+                <a:solidFill>
+                  <a:srgbClr val="BCBEC4"/>
+                </a:solidFill>
+                <a:effectLst/>
+                <a:latin typeface="JetBrains Mono"/>
+              </a:rPr>
+              <a:t> </a:t>
+            </a:r>
+            <a:r>
+              <a:rPr kumimoji="0" lang="de-DE" altLang="de-DE" sz="900" b="0" i="0" u="none" strike="noStrike" cap="none" normalizeH="0" baseline="0" dirty="0" err="1">
+                <a:ln>
+                  <a:noFill/>
+                </a:ln>
+                <a:solidFill>
+                  <a:srgbClr val="BCBEC4"/>
+                </a:solidFill>
+                <a:effectLst/>
+                <a:latin typeface="JetBrains Mono"/>
+              </a:rPr>
+              <a:t>the</a:t>
+            </a:r>
+            <a:r>
+              <a:rPr kumimoji="0" lang="de-DE" altLang="de-DE" sz="900" b="0" i="0" u="none" strike="noStrike" cap="none" normalizeH="0" baseline="0" dirty="0">
+                <a:ln>
+                  <a:noFill/>
+                </a:ln>
+                <a:solidFill>
+                  <a:srgbClr val="BCBEC4"/>
+                </a:solidFill>
+                <a:effectLst/>
+                <a:latin typeface="JetBrains Mono"/>
+              </a:rPr>
+              <a:t> ELT and MICADO. I. The </a:t>
+            </a:r>
+            <a:r>
+              <a:rPr kumimoji="0" lang="de-DE" altLang="de-DE" sz="900" b="0" i="0" u="none" strike="noStrike" cap="none" normalizeH="0" baseline="0" dirty="0" err="1">
+                <a:ln>
+                  <a:noFill/>
+                </a:ln>
+                <a:solidFill>
+                  <a:srgbClr val="BCBEC4"/>
+                </a:solidFill>
+                <a:effectLst/>
+                <a:latin typeface="JetBrains Mono"/>
+              </a:rPr>
+              <a:t>local</a:t>
+            </a:r>
+            <a:r>
+              <a:rPr kumimoji="0" lang="de-DE" altLang="de-DE" sz="900" b="0" i="0" u="none" strike="noStrike" cap="none" normalizeH="0" baseline="0" dirty="0">
+                <a:ln>
+                  <a:noFill/>
+                </a:ln>
+                <a:solidFill>
+                  <a:srgbClr val="BCBEC4"/>
+                </a:solidFill>
+                <a:effectLst/>
+                <a:latin typeface="JetBrains Mono"/>
+              </a:rPr>
+              <a:t> Universe </a:t>
+            </a:r>
+            <a:r>
+              <a:rPr kumimoji="0" lang="de-DE" altLang="de-DE" sz="900" b="0" i="0" u="none" strike="noStrike" cap="none" normalizeH="0" baseline="0" dirty="0" err="1">
+                <a:ln>
+                  <a:noFill/>
+                </a:ln>
+                <a:solidFill>
+                  <a:srgbClr val="BCBEC4"/>
+                </a:solidFill>
+                <a:effectLst/>
+                <a:latin typeface="JetBrains Mono"/>
+              </a:rPr>
+              <a:t>as</a:t>
+            </a:r>
+            <a:r>
+              <a:rPr kumimoji="0" lang="de-DE" altLang="de-DE" sz="900" b="0" i="0" u="none" strike="noStrike" cap="none" normalizeH="0" baseline="0" dirty="0">
+                <a:ln>
+                  <a:noFill/>
+                </a:ln>
+                <a:solidFill>
+                  <a:srgbClr val="BCBEC4"/>
+                </a:solidFill>
+                <a:effectLst/>
+                <a:latin typeface="JetBrains Mono"/>
+              </a:rPr>
+              <a:t> a </a:t>
+            </a:r>
+            <a:r>
+              <a:rPr kumimoji="0" lang="de-DE" altLang="de-DE" sz="900" b="0" i="0" u="none" strike="noStrike" cap="none" normalizeH="0" baseline="0" dirty="0" err="1">
+                <a:ln>
+                  <a:noFill/>
+                </a:ln>
+                <a:solidFill>
+                  <a:srgbClr val="BCBEC4"/>
+                </a:solidFill>
+                <a:effectLst/>
+                <a:latin typeface="JetBrains Mono"/>
+              </a:rPr>
+              <a:t>resolved</a:t>
+            </a:r>
+            <a:r>
+              <a:rPr kumimoji="0" lang="de-DE" altLang="de-DE" sz="900" b="0" i="0" u="none" strike="noStrike" cap="none" normalizeH="0" baseline="0" dirty="0">
+                <a:ln>
+                  <a:noFill/>
+                </a:ln>
+                <a:solidFill>
+                  <a:srgbClr val="BCBEC4"/>
+                </a:solidFill>
+                <a:effectLst/>
+                <a:latin typeface="JetBrains Mono"/>
+              </a:rPr>
+              <a:t> IMF </a:t>
+            </a:r>
+            <a:r>
+              <a:rPr kumimoji="0" lang="de-DE" altLang="de-DE" sz="900" b="0" i="0" u="none" strike="noStrike" cap="none" normalizeH="0" baseline="0" dirty="0" err="1">
+                <a:ln>
+                  <a:noFill/>
+                </a:ln>
+                <a:solidFill>
+                  <a:srgbClr val="BCBEC4"/>
+                </a:solidFill>
+                <a:effectLst/>
+                <a:latin typeface="JetBrains Mono"/>
+              </a:rPr>
+              <a:t>laboratory</a:t>
+            </a:r>
+            <a:endParaRPr lang="de-DE" altLang="de-DE" sz="1800" dirty="0">
+              <a:solidFill>
+                <a:schemeClr val="tx1"/>
+              </a:solidFill>
+              <a:latin typeface="Arial" panose="020B0604020202020204" pitchFamily="34" charset="0"/>
+            </a:endParaRPr>
+          </a:p>
+          <a:p>
+            <a:pPr algn="l" eaLnBrk="0" fontAlgn="base" hangingPunct="0">
+              <a:spcBef>
+                <a:spcPct val="0"/>
+              </a:spcBef>
+              <a:spcAft>
+                <a:spcPct val="0"/>
+              </a:spcAft>
+            </a:pPr>
+            <a:r>
+              <a:rPr kumimoji="0" lang="de-DE" altLang="de-DE" sz="900" b="0" i="0" u="none" strike="noStrike" cap="none" normalizeH="0" baseline="0" dirty="0">
+                <a:ln>
+                  <a:noFill/>
+                </a:ln>
+                <a:solidFill>
+                  <a:srgbClr val="CF8E6D"/>
+                </a:solidFill>
+                <a:effectLst/>
+                <a:latin typeface="JetBrains Mono"/>
+              </a:rPr>
+              <a:t>[6]</a:t>
+            </a:r>
+            <a:r>
+              <a:rPr kumimoji="0" lang="de-DE" altLang="de-DE" sz="900" b="0" i="0" u="none" strike="noStrike" cap="none" normalizeH="0" baseline="0" dirty="0">
+                <a:ln>
+                  <a:noFill/>
+                </a:ln>
+                <a:solidFill>
+                  <a:srgbClr val="BCBEC4"/>
+                </a:solidFill>
+                <a:effectLst/>
+                <a:latin typeface="JetBrains Mono"/>
+              </a:rPr>
+              <a:t> </a:t>
+            </a:r>
+            <a:r>
+              <a:rPr kumimoji="0" lang="de-DE" altLang="de-DE" sz="900" b="0" i="0" u="none" strike="noStrike" cap="none" normalizeH="0" baseline="0" dirty="0" err="1">
+                <a:ln>
+                  <a:noFill/>
+                </a:ln>
+                <a:solidFill>
+                  <a:srgbClr val="BCBEC4"/>
+                </a:solidFill>
+                <a:effectLst/>
+                <a:latin typeface="JetBrains Mono"/>
+              </a:rPr>
+              <a:t>Recent</a:t>
+            </a:r>
+            <a:r>
+              <a:rPr kumimoji="0" lang="de-DE" altLang="de-DE" sz="900" b="0" i="0" u="none" strike="noStrike" cap="none" normalizeH="0" baseline="0" dirty="0">
+                <a:ln>
+                  <a:noFill/>
+                </a:ln>
+                <a:solidFill>
+                  <a:srgbClr val="BCBEC4"/>
+                </a:solidFill>
+                <a:effectLst/>
+                <a:latin typeface="JetBrains Mono"/>
+              </a:rPr>
+              <a:t> Study 2024 (Kroupa et al.): The initial </a:t>
+            </a:r>
+            <a:r>
+              <a:rPr kumimoji="0" lang="de-DE" altLang="de-DE" sz="900" b="0" i="0" u="none" strike="noStrike" cap="none" normalizeH="0" baseline="0" dirty="0" err="1">
+                <a:ln>
+                  <a:noFill/>
+                </a:ln>
+                <a:solidFill>
+                  <a:srgbClr val="BCBEC4"/>
+                </a:solidFill>
+                <a:effectLst/>
+                <a:latin typeface="JetBrains Mono"/>
+              </a:rPr>
+              <a:t>mass</a:t>
+            </a:r>
+            <a:r>
+              <a:rPr kumimoji="0" lang="de-DE" altLang="de-DE" sz="900" b="0" i="0" u="none" strike="noStrike" cap="none" normalizeH="0" baseline="0" dirty="0">
+                <a:ln>
+                  <a:noFill/>
+                </a:ln>
+                <a:solidFill>
+                  <a:srgbClr val="BCBEC4"/>
+                </a:solidFill>
+                <a:effectLst/>
+                <a:latin typeface="JetBrains Mono"/>
+              </a:rPr>
+              <a:t> </a:t>
+            </a:r>
+            <a:r>
+              <a:rPr kumimoji="0" lang="de-DE" altLang="de-DE" sz="900" b="0" i="0" u="none" strike="noStrike" cap="none" normalizeH="0" baseline="0" dirty="0" err="1">
+                <a:ln>
+                  <a:noFill/>
+                </a:ln>
+                <a:solidFill>
+                  <a:srgbClr val="BCBEC4"/>
+                </a:solidFill>
+                <a:effectLst/>
+                <a:latin typeface="JetBrains Mono"/>
+              </a:rPr>
+              <a:t>function</a:t>
+            </a:r>
+            <a:r>
+              <a:rPr kumimoji="0" lang="de-DE" altLang="de-DE" sz="900" b="0" i="0" u="none" strike="noStrike" cap="none" normalizeH="0" baseline="0" dirty="0">
+                <a:ln>
+                  <a:noFill/>
+                </a:ln>
+                <a:solidFill>
+                  <a:srgbClr val="BCBEC4"/>
+                </a:solidFill>
+                <a:effectLst/>
+                <a:latin typeface="JetBrains Mono"/>
+              </a:rPr>
+              <a:t> </a:t>
+            </a:r>
+            <a:r>
+              <a:rPr kumimoji="0" lang="de-DE" altLang="de-DE" sz="900" b="0" i="0" u="none" strike="noStrike" cap="none" normalizeH="0" baseline="0" dirty="0" err="1">
+                <a:ln>
+                  <a:noFill/>
+                </a:ln>
+                <a:solidFill>
+                  <a:srgbClr val="BCBEC4"/>
+                </a:solidFill>
+                <a:effectLst/>
+                <a:latin typeface="JetBrains Mono"/>
+              </a:rPr>
+              <a:t>of</a:t>
+            </a:r>
+            <a:r>
+              <a:rPr kumimoji="0" lang="de-DE" altLang="de-DE" sz="900" b="0" i="0" u="none" strike="noStrike" cap="none" normalizeH="0" baseline="0" dirty="0">
+                <a:ln>
+                  <a:noFill/>
+                </a:ln>
+                <a:solidFill>
+                  <a:srgbClr val="BCBEC4"/>
+                </a:solidFill>
+                <a:effectLst/>
+                <a:latin typeface="JetBrains Mono"/>
+              </a:rPr>
+              <a:t> </a:t>
+            </a:r>
+            <a:r>
+              <a:rPr kumimoji="0" lang="de-DE" altLang="de-DE" sz="900" b="0" i="0" u="none" strike="noStrike" cap="none" normalizeH="0" baseline="0" dirty="0" err="1">
+                <a:ln>
+                  <a:noFill/>
+                </a:ln>
+                <a:solidFill>
+                  <a:srgbClr val="BCBEC4"/>
+                </a:solidFill>
+                <a:effectLst/>
+                <a:latin typeface="JetBrains Mono"/>
+              </a:rPr>
+              <a:t>stars</a:t>
+            </a:r>
+            <a:endParaRPr kumimoji="0" lang="de-DE" altLang="de-DE" sz="1800" b="0" i="0" u="none" strike="noStrike" cap="none" normalizeH="0" baseline="0" dirty="0">
+              <a:ln>
+                <a:noFill/>
+              </a:ln>
+              <a:solidFill>
+                <a:schemeClr val="tx1"/>
+              </a:solidFill>
+              <a:effectLst/>
+              <a:latin typeface="Arial" panose="020B0604020202020204" pitchFamily="34" charset="0"/>
+            </a:endParaRPr>
           </a:p>
         </p:txBody>
       </p:sp>
@@ -7255,4 +11777,299 @@
     </a:ext>
   </a:extLst>
 </a:theme>
+</file>
+
+<file path=ppt/theme/theme2.xml><?xml version="1.0" encoding="utf-8"?>
+<a:theme xmlns:a="http://schemas.openxmlformats.org/drawingml/2006/main" name="Office">
+  <a:themeElements>
+    <a:clrScheme name="Office">
+      <a:dk1>
+        <a:sysClr val="windowText" lastClr="000000"/>
+      </a:dk1>
+      <a:lt1>
+        <a:sysClr val="window" lastClr="FFFFFF"/>
+      </a:lt1>
+      <a:dk2>
+        <a:srgbClr val="44546A"/>
+      </a:dk2>
+      <a:lt2>
+        <a:srgbClr val="E7E6E6"/>
+      </a:lt2>
+      <a:accent1>
+        <a:srgbClr val="4472C4"/>
+      </a:accent1>
+      <a:accent2>
+        <a:srgbClr val="ED7D31"/>
+      </a:accent2>
+      <a:accent3>
+        <a:srgbClr val="A5A5A5"/>
+      </a:accent3>
+      <a:accent4>
+        <a:srgbClr val="FFC000"/>
+      </a:accent4>
+      <a:accent5>
+        <a:srgbClr val="5B9BD5"/>
+      </a:accent5>
+      <a:accent6>
+        <a:srgbClr val="70AD47"/>
+      </a:accent6>
+      <a:hlink>
+        <a:srgbClr val="0563C1"/>
+      </a:hlink>
+      <a:folHlink>
+        <a:srgbClr val="954F72"/>
+      </a:folHlink>
+    </a:clrScheme>
+    <a:fontScheme name="Office">
+      <a:majorFont>
+        <a:latin typeface="Calibri Light" panose="020F0302020204030204"/>
+        <a:ea typeface=""/>
+        <a:cs typeface=""/>
+        <a:font script="Jpan" typeface="游ゴシック Light"/>
+        <a:font script="Hang" typeface="맑은 고딕"/>
+        <a:font script="Hans" typeface="等线 Light"/>
+        <a:font script="Hant" typeface="新細明體"/>
+        <a:font script="Arab" typeface="Times New Roman"/>
+        <a:font script="Hebr" typeface="Times New Roman"/>
+        <a:font script="Thai" typeface="Angsana New"/>
+        <a:font script="Ethi" typeface="Nyala"/>
+        <a:font script="Beng" typeface="Vrinda"/>
+        <a:font script="Gujr" typeface="Shruti"/>
+        <a:font script="Khmr" typeface="MoolBoran"/>
+        <a:font script="Knda" typeface="Tunga"/>
+        <a:font script="Guru" typeface="Raavi"/>
+        <a:font script="Cans" typeface="Euphemia"/>
+        <a:font script="Cher" typeface="Plantagenet Cherokee"/>
+        <a:font script="Yiii" typeface="Microsoft Yi Baiti"/>
+        <a:font script="Tibt" typeface="Microsoft Himalaya"/>
+        <a:font script="Thaa" typeface="MV Boli"/>
+        <a:font script="Deva" typeface="Mangal"/>
+        <a:font script="Telu" typeface="Gautami"/>
+        <a:font script="Taml" typeface="Latha"/>
+        <a:font script="Syrc" typeface="Estrangelo Edessa"/>
+        <a:font script="Orya" typeface="Kalinga"/>
+        <a:font script="Mlym" typeface="Kartika"/>
+        <a:font script="Laoo" typeface="DokChampa"/>
+        <a:font script="Sinh" typeface="Iskoola Pota"/>
+        <a:font script="Mong" typeface="Mongolian Baiti"/>
+        <a:font script="Viet" typeface="Times New Roman"/>
+        <a:font script="Uigh" typeface="Microsoft Uighur"/>
+        <a:font script="Geor" typeface="Sylfaen"/>
+        <a:font script="Armn" typeface="Arial"/>
+        <a:font script="Bugi" typeface="Leelawadee UI"/>
+        <a:font script="Bopo" typeface="Microsoft JhengHei"/>
+        <a:font script="Java" typeface="Javanese Text"/>
+        <a:font script="Lisu" typeface="Segoe UI"/>
+        <a:font script="Mymr" typeface="Myanmar Text"/>
+        <a:font script="Nkoo" typeface="Ebrima"/>
+        <a:font script="Olck" typeface="Nirmala UI"/>
+        <a:font script="Osma" typeface="Ebrima"/>
+        <a:font script="Phag" typeface="Phagspa"/>
+        <a:font script="Syrn" typeface="Estrangelo Edessa"/>
+        <a:font script="Syrj" typeface="Estrangelo Edessa"/>
+        <a:font script="Syre" typeface="Estrangelo Edessa"/>
+        <a:font script="Sora" typeface="Nirmala UI"/>
+        <a:font script="Tale" typeface="Microsoft Tai Le"/>
+        <a:font script="Talu" typeface="Microsoft New Tai Lue"/>
+        <a:font script="Tfng" typeface="Ebrima"/>
+      </a:majorFont>
+      <a:minorFont>
+        <a:latin typeface="Calibri" panose="020F0502020204030204"/>
+        <a:ea typeface=""/>
+        <a:cs typeface=""/>
+        <a:font script="Jpan" typeface="游ゴシック"/>
+        <a:font script="Hang" typeface="맑은 고딕"/>
+        <a:font script="Hans" typeface="等线"/>
+        <a:font script="Hant" typeface="新細明體"/>
+        <a:font script="Arab" typeface="Arial"/>
+        <a:font script="Hebr" typeface="Arial"/>
+        <a:font script="Thai" typeface="Cordia New"/>
+        <a:font script="Ethi" typeface="Nyala"/>
+        <a:font script="Beng" typeface="Vrinda"/>
+        <a:font script="Gujr" typeface="Shruti"/>
+        <a:font script="Khmr" typeface="DaunPenh"/>
+        <a:font script="Knda" typeface="Tunga"/>
+        <a:font script="Guru" typeface="Raavi"/>
+        <a:font script="Cans" typeface="Euphemia"/>
+        <a:font script="Cher" typeface="Plantagenet Cherokee"/>
+        <a:font script="Yiii" typeface="Microsoft Yi Baiti"/>
+        <a:font script="Tibt" typeface="Microsoft Himalaya"/>
+        <a:font script="Thaa" typeface="MV Boli"/>
+        <a:font script="Deva" typeface="Mangal"/>
+        <a:font script="Telu" typeface="Gautami"/>
+        <a:font script="Taml" typeface="Latha"/>
+        <a:font script="Syrc" typeface="Estrangelo Edessa"/>
+        <a:font script="Orya" typeface="Kalinga"/>
+        <a:font script="Mlym" typeface="Kartika"/>
+        <a:font script="Laoo" typeface="DokChampa"/>
+        <a:font script="Sinh" typeface="Iskoola Pota"/>
+        <a:font script="Mong" typeface="Mongolian Baiti"/>
+        <a:font script="Viet" typeface="Arial"/>
+        <a:font script="Uigh" typeface="Microsoft Uighur"/>
+        <a:font script="Geor" typeface="Sylfaen"/>
+        <a:font script="Armn" typeface="Arial"/>
+        <a:font script="Bugi" typeface="Leelawadee UI"/>
+        <a:font script="Bopo" typeface="Microsoft JhengHei"/>
+        <a:font script="Java" typeface="Javanese Text"/>
+        <a:font script="Lisu" typeface="Segoe UI"/>
+        <a:font script="Mymr" typeface="Myanmar Text"/>
+        <a:font script="Nkoo" typeface="Ebrima"/>
+        <a:font script="Olck" typeface="Nirmala UI"/>
+        <a:font script="Osma" typeface="Ebrima"/>
+        <a:font script="Phag" typeface="Phagspa"/>
+        <a:font script="Syrn" typeface="Estrangelo Edessa"/>
+        <a:font script="Syrj" typeface="Estrangelo Edessa"/>
+        <a:font script="Syre" typeface="Estrangelo Edessa"/>
+        <a:font script="Sora" typeface="Nirmala UI"/>
+        <a:font script="Tale" typeface="Microsoft Tai Le"/>
+        <a:font script="Talu" typeface="Microsoft New Tai Lue"/>
+        <a:font script="Tfng" typeface="Ebrima"/>
+      </a:minorFont>
+    </a:fontScheme>
+    <a:fmtScheme name="Office">
+      <a:fillStyleLst>
+        <a:solidFill>
+          <a:schemeClr val="phClr"/>
+        </a:solidFill>
+        <a:gradFill rotWithShape="1">
+          <a:gsLst>
+            <a:gs pos="0">
+              <a:schemeClr val="phClr">
+                <a:lumMod val="110000"/>
+                <a:satMod val="105000"/>
+                <a:tint val="67000"/>
+              </a:schemeClr>
+            </a:gs>
+            <a:gs pos="50000">
+              <a:schemeClr val="phClr">
+                <a:lumMod val="105000"/>
+                <a:satMod val="103000"/>
+                <a:tint val="73000"/>
+              </a:schemeClr>
+            </a:gs>
+            <a:gs pos="100000">
+              <a:schemeClr val="phClr">
+                <a:lumMod val="105000"/>
+                <a:satMod val="109000"/>
+                <a:tint val="81000"/>
+              </a:schemeClr>
+            </a:gs>
+          </a:gsLst>
+          <a:lin ang="5400000" scaled="0"/>
+        </a:gradFill>
+        <a:gradFill rotWithShape="1">
+          <a:gsLst>
+            <a:gs pos="0">
+              <a:schemeClr val="phClr">
+                <a:satMod val="103000"/>
+                <a:lumMod val="102000"/>
+                <a:tint val="94000"/>
+              </a:schemeClr>
+            </a:gs>
+            <a:gs pos="50000">
+              <a:schemeClr val="phClr">
+                <a:satMod val="110000"/>
+                <a:lumMod val="100000"/>
+                <a:shade val="100000"/>
+              </a:schemeClr>
+            </a:gs>
+            <a:gs pos="100000">
+              <a:schemeClr val="phClr">
+                <a:lumMod val="99000"/>
+                <a:satMod val="120000"/>
+                <a:shade val="78000"/>
+              </a:schemeClr>
+            </a:gs>
+          </a:gsLst>
+          <a:lin ang="5400000" scaled="0"/>
+        </a:gradFill>
+      </a:fillStyleLst>
+      <a:lnStyleLst>
+        <a:ln w="6350" cap="flat" cmpd="sng" algn="ctr">
+          <a:solidFill>
+            <a:schemeClr val="phClr"/>
+          </a:solidFill>
+          <a:prstDash val="solid"/>
+          <a:miter lim="800000"/>
+        </a:ln>
+        <a:ln w="12700" cap="flat" cmpd="sng" algn="ctr">
+          <a:solidFill>
+            <a:schemeClr val="phClr"/>
+          </a:solidFill>
+          <a:prstDash val="solid"/>
+          <a:miter lim="800000"/>
+        </a:ln>
+        <a:ln w="19050" cap="flat" cmpd="sng" algn="ctr">
+          <a:solidFill>
+            <a:schemeClr val="phClr"/>
+          </a:solidFill>
+          <a:prstDash val="solid"/>
+          <a:miter lim="800000"/>
+        </a:ln>
+      </a:lnStyleLst>
+      <a:effectStyleLst>
+        <a:effectStyle>
+          <a:effectLst/>
+        </a:effectStyle>
+        <a:effectStyle>
+          <a:effectLst/>
+        </a:effectStyle>
+        <a:effectStyle>
+          <a:effectLst>
+            <a:outerShdw blurRad="57150" dist="19050" dir="5400000" algn="ctr" rotWithShape="0">
+              <a:srgbClr val="000000">
+                <a:alpha val="63000"/>
+              </a:srgbClr>
+            </a:outerShdw>
+          </a:effectLst>
+        </a:effectStyle>
+      </a:effectStyleLst>
+      <a:bgFillStyleLst>
+        <a:solidFill>
+          <a:schemeClr val="phClr"/>
+        </a:solidFill>
+        <a:solidFill>
+          <a:schemeClr val="phClr">
+            <a:tint val="95000"/>
+            <a:satMod val="170000"/>
+          </a:schemeClr>
+        </a:solidFill>
+        <a:gradFill rotWithShape="1">
+          <a:gsLst>
+            <a:gs pos="0">
+              <a:schemeClr val="phClr">
+                <a:tint val="93000"/>
+                <a:satMod val="150000"/>
+                <a:shade val="98000"/>
+                <a:lumMod val="102000"/>
+              </a:schemeClr>
+            </a:gs>
+            <a:gs pos="50000">
+              <a:schemeClr val="phClr">
+                <a:tint val="98000"/>
+                <a:satMod val="130000"/>
+                <a:shade val="90000"/>
+                <a:lumMod val="103000"/>
+              </a:schemeClr>
+            </a:gs>
+            <a:gs pos="100000">
+              <a:schemeClr val="phClr">
+                <a:shade val="63000"/>
+                <a:satMod val="120000"/>
+              </a:schemeClr>
+            </a:gs>
+          </a:gsLst>
+          <a:lin ang="5400000" scaled="0"/>
+        </a:gradFill>
+      </a:bgFillStyleLst>
+    </a:fmtScheme>
+  </a:themeElements>
+  <a:objectDefaults/>
+  <a:extraClrSchemeLst/>
+  <a:extLst>
+    <a:ext uri="{05A4C25C-085E-4340-85A3-A5531E510DB2}">
+      <thm15:themeFamily xmlns:thm15="http://schemas.microsoft.com/office/thememl/2012/main" name="Office Theme" id="{62F939B6-93AF-4DB8-9C6B-D6C7DFDC589F}" vid="{4A3C46E8-61CC-4603-A589-7422A47A8E4A}"/>
+    </a:ext>
+  </a:extLst>
+</a:theme>
 </file>
--- a/imf_intro_chiara_felix_laxman.pptx
+++ b/imf_intro_chiara_felix_laxman.pptx
@@ -4921,7 +4921,13 @@
               <a:rPr lang="de-CH" dirty="0">
                 <a:latin typeface="+mj-lt"/>
               </a:rPr>
-              <a:t> will </a:t>
+              <a:t> </a:t>
+            </a:r>
+            <a:r>
+              <a:rPr lang="de-CH">
+                <a:latin typeface="+mj-lt"/>
+              </a:rPr>
+              <a:t>may </a:t>
             </a:r>
             <a:r>
               <a:rPr lang="de-CH" dirty="0" err="1">

--- a/imf_intro_chiara_felix_laxman.pptx
+++ b/imf_intro_chiara_felix_laxman.pptx
@@ -9933,7 +9933,7 @@
           <a:p>
             <a:pPr algn="l"/>
             <a:r>
-              <a:rPr kumimoji="0" lang="de-DE" altLang="de-DE" sz="900" b="0" i="0" u="none" strike="noStrike" cap="none" normalizeH="0" baseline="0" dirty="0">
+              <a:rPr kumimoji="0" lang="de-DE" altLang="de-DE" sz="900" i="0" u="none" strike="noStrike" cap="none" normalizeH="0" baseline="0" dirty="0">
                 <a:ln>
                   <a:noFill/>
                 </a:ln>
@@ -9946,7 +9946,7 @@
               <a:t>[2]</a:t>
             </a:r>
             <a:r>
-              <a:rPr kumimoji="0" lang="de-DE" altLang="de-DE" sz="900" b="0" i="0" u="none" strike="noStrike" cap="none" normalizeH="0" baseline="0" dirty="0">
+              <a:rPr kumimoji="0" lang="de-DE" altLang="de-DE" sz="900" i="0" u="none" strike="noStrike" cap="none" normalizeH="0" baseline="0" dirty="0">
                 <a:ln>
                   <a:noFill/>
                 </a:ln>
@@ -9959,7 +9959,7 @@
               <a:t> Review </a:t>
             </a:r>
             <a:r>
-              <a:rPr kumimoji="0" lang="de-DE" altLang="de-DE" sz="900" b="0" i="0" u="none" strike="noStrike" cap="none" normalizeH="0" baseline="0" dirty="0" err="1">
+              <a:rPr kumimoji="0" lang="de-DE" altLang="de-DE" sz="900" i="0" u="none" strike="noStrike" cap="none" normalizeH="0" baseline="0" dirty="0" err="1">
                 <a:ln>
                   <a:noFill/>
                 </a:ln>
@@ -9972,7 +9972,7 @@
               <a:t>paper</a:t>
             </a:r>
             <a:r>
-              <a:rPr kumimoji="0" lang="de-DE" altLang="de-DE" sz="900" b="0" i="0" u="none" strike="noStrike" cap="none" normalizeH="0" baseline="0" dirty="0">
+              <a:rPr kumimoji="0" lang="de-DE" altLang="de-DE" sz="900" i="0" u="none" strike="noStrike" cap="none" normalizeH="0" baseline="0" dirty="0">
                 <a:ln>
                   <a:noFill/>
                 </a:ln>
@@ -9985,7 +9985,7 @@
               <a:t> 2020 (Russell J. Smith): </a:t>
             </a:r>
             <a:r>
-              <a:rPr kumimoji="0" lang="de-DE" altLang="de-DE" sz="900" b="0" i="0" u="none" strike="noStrike" cap="none" normalizeH="0" baseline="0" dirty="0" err="1">
+              <a:rPr kumimoji="0" lang="de-DE" altLang="de-DE" sz="900" i="0" u="none" strike="noStrike" cap="none" normalizeH="0" baseline="0" dirty="0" err="1">
                 <a:ln>
                   <a:noFill/>
                 </a:ln>
@@ -9998,7 +9998,7 @@
               <a:t>Evidence</a:t>
             </a:r>
             <a:r>
-              <a:rPr kumimoji="0" lang="de-DE" altLang="de-DE" sz="900" b="0" i="0" u="none" strike="noStrike" cap="none" normalizeH="0" baseline="0" dirty="0">
+              <a:rPr kumimoji="0" lang="de-DE" altLang="de-DE" sz="900" i="0" u="none" strike="noStrike" cap="none" normalizeH="0" baseline="0" dirty="0">
                 <a:ln>
                   <a:noFill/>
                 </a:ln>
@@ -10011,7 +10011,7 @@
               <a:t> for Initial </a:t>
             </a:r>
             <a:r>
-              <a:rPr kumimoji="0" lang="de-DE" altLang="de-DE" sz="900" b="0" i="0" u="none" strike="noStrike" cap="none" normalizeH="0" baseline="0" dirty="0" err="1">
+              <a:rPr kumimoji="0" lang="de-DE" altLang="de-DE" sz="900" i="0" u="none" strike="noStrike" cap="none" normalizeH="0" baseline="0" dirty="0" err="1">
                 <a:ln>
                   <a:noFill/>
                 </a:ln>
@@ -10024,20 +10024,20 @@
               <a:t>Mass</a:t>
             </a:r>
             <a:r>
-              <a:rPr kumimoji="0" lang="de-DE" altLang="de-DE" sz="900" b="0" i="0" u="none" strike="noStrike" cap="none" normalizeH="0" baseline="0" dirty="0">
-                <a:ln>
-                  <a:noFill/>
-                </a:ln>
-                <a:solidFill>
-                  <a:srgbClr val="BCBEC4"/>
-                </a:solidFill>
-                <a:effectLst/>
-                <a:latin typeface="+mj-lt"/>
-              </a:rPr>
-              <a:t> </a:t>
-            </a:r>
-            <a:r>
-              <a:rPr kumimoji="0" lang="de-DE" altLang="de-DE" sz="900" b="0" i="0" u="none" strike="noStrike" cap="none" normalizeH="0" baseline="0" dirty="0" err="1">
+              <a:rPr kumimoji="0" lang="de-DE" altLang="de-DE" sz="900" i="0" u="none" strike="noStrike" cap="none" normalizeH="0" baseline="0" dirty="0">
+                <a:ln>
+                  <a:noFill/>
+                </a:ln>
+                <a:solidFill>
+                  <a:srgbClr val="BCBEC4"/>
+                </a:solidFill>
+                <a:effectLst/>
+                <a:latin typeface="+mj-lt"/>
+              </a:rPr>
+              <a:t> </a:t>
+            </a:r>
+            <a:r>
+              <a:rPr kumimoji="0" lang="de-DE" altLang="de-DE" sz="900" i="0" u="none" strike="noStrike" cap="none" normalizeH="0" baseline="0" dirty="0" err="1">
                 <a:ln>
                   <a:noFill/>
                 </a:ln>
@@ -10050,7 +10050,7 @@
               <a:t>Function</a:t>
             </a:r>
             <a:r>
-              <a:rPr kumimoji="0" lang="de-DE" altLang="de-DE" sz="900" b="0" i="0" u="none" strike="noStrike" cap="none" normalizeH="0" baseline="0" dirty="0">
+              <a:rPr kumimoji="0" lang="de-DE" altLang="de-DE" sz="900" i="0" u="none" strike="noStrike" cap="none" normalizeH="0" baseline="0" dirty="0">
                 <a:ln>
                   <a:noFill/>
                 </a:ln>
@@ -10063,7 +10063,7 @@
               <a:t> Variation in Massive Early-Type </a:t>
             </a:r>
             <a:r>
-              <a:rPr kumimoji="0" lang="de-DE" altLang="de-DE" sz="900" b="0" i="0" u="none" strike="noStrike" cap="none" normalizeH="0" baseline="0" dirty="0" err="1">
+              <a:rPr kumimoji="0" lang="de-DE" altLang="de-DE" sz="900" i="0" u="none" strike="noStrike" cap="none" normalizeH="0" baseline="0" dirty="0" err="1">
                 <a:ln>
                   <a:noFill/>
                 </a:ln>
@@ -10075,7 +10075,7 @@
               </a:rPr>
               <a:t>Galaxies</a:t>
             </a:r>
-            <a:endParaRPr kumimoji="0" lang="de-DE" altLang="de-DE" sz="900" b="0" i="0" u="none" strike="noStrike" cap="none" normalizeH="0" baseline="0" dirty="0">
+            <a:endParaRPr kumimoji="0" lang="de-DE" altLang="de-DE" sz="900" i="0" u="none" strike="noStrike" cap="none" normalizeH="0" baseline="0" dirty="0">
               <a:ln>
                 <a:noFill/>
               </a:ln>
@@ -10083,12 +10083,6 @@
                 <a:schemeClr val="tx1"/>
               </a:solidFill>
               <a:effectLst/>
-              <a:latin typeface="+mj-lt"/>
-            </a:endParaRPr>
-          </a:p>
-          <a:p>
-            <a:pPr algn="l"/>
-            <a:endParaRPr lang="de-CH" sz="900" dirty="0">
               <a:latin typeface="+mj-lt"/>
             </a:endParaRPr>
           </a:p>
@@ -10252,110 +10246,6 @@
           </a:p>
         </p:txBody>
       </p:sp>
-      <p:sp>
-        <p:nvSpPr>
-          <p:cNvPr id="4" name="Textfeld 3">
-            <a:extLst>
-              <a:ext uri="{FF2B5EF4-FFF2-40B4-BE49-F238E27FC236}">
-                <a16:creationId xmlns:a16="http://schemas.microsoft.com/office/drawing/2014/main" id="{D2BC9874-9B26-3F37-299B-4F55BBAE3FDA}"/>
-              </a:ext>
-            </a:extLst>
-          </p:cNvPr>
-          <p:cNvSpPr txBox="1"/>
-          <p:nvPr/>
-        </p:nvSpPr>
-        <p:spPr>
-          <a:xfrm>
-            <a:off x="838200" y="6492875"/>
-            <a:ext cx="5349551" cy="230832"/>
-          </a:xfrm>
-          <a:prstGeom prst="rect">
-            <a:avLst/>
-          </a:prstGeom>
-          <a:noFill/>
-        </p:spPr>
-        <p:txBody>
-          <a:bodyPr wrap="square" rtlCol="0">
-            <a:spAutoFit/>
-          </a:bodyPr>
-          <a:lstStyle/>
-          <a:p>
-            <a:r>
-              <a:rPr kumimoji="0" lang="de-DE" altLang="de-DE" sz="900" b="0" i="0" u="none" strike="noStrike" cap="none" normalizeH="0" baseline="0" dirty="0">
-                <a:ln>
-                  <a:noFill/>
-                </a:ln>
-                <a:solidFill>
-                  <a:srgbClr val="CF8E6D"/>
-                </a:solidFill>
-                <a:effectLst/>
-                <a:latin typeface="JetBrains Mono"/>
-              </a:rPr>
-              <a:t>[7] </a:t>
-            </a:r>
-            <a:r>
-              <a:rPr kumimoji="0" lang="de-DE" altLang="de-DE" sz="900" b="0" i="0" u="none" strike="noStrike" cap="none" normalizeH="0" baseline="0" dirty="0">
-                <a:ln>
-                  <a:noFill/>
-                </a:ln>
-                <a:effectLst/>
-                <a:latin typeface="JetBrains Mono"/>
-              </a:rPr>
-              <a:t>Review</a:t>
-            </a:r>
-            <a:r>
-              <a:rPr lang="de-DE" altLang="de-DE" sz="900" dirty="0">
-                <a:latin typeface="JetBrains Mono"/>
-              </a:rPr>
-              <a:t> </a:t>
-            </a:r>
-            <a:r>
-              <a:rPr lang="de-DE" altLang="de-DE" sz="900" dirty="0" err="1">
-                <a:latin typeface="JetBrains Mono"/>
-              </a:rPr>
-              <a:t>paper</a:t>
-            </a:r>
-            <a:r>
-              <a:rPr kumimoji="0" lang="de-DE" altLang="de-DE" sz="900" b="0" i="0" u="none" strike="noStrike" cap="none" normalizeH="0" baseline="0" dirty="0">
-                <a:ln>
-                  <a:noFill/>
-                </a:ln>
-                <a:effectLst/>
-                <a:latin typeface="JetBrains Mono"/>
-              </a:rPr>
-              <a:t> 2010 (Bastian et.al.) </a:t>
-            </a:r>
-            <a:r>
-              <a:rPr lang="en-US" sz="900" dirty="0"/>
-              <a:t>A Universal Stellar Initial Mass Function? A Critical Look at Variations</a:t>
-            </a:r>
-            <a:r>
-              <a:rPr kumimoji="0" lang="de-DE" altLang="de-DE" sz="900" b="0" i="0" u="none" strike="noStrike" cap="none" normalizeH="0" baseline="0" dirty="0">
-                <a:ln>
-                  <a:noFill/>
-                </a:ln>
-                <a:effectLst/>
-                <a:latin typeface="JetBrains Mono"/>
-              </a:rPr>
-              <a:t> </a:t>
-            </a:r>
-            <a:r>
-              <a:rPr kumimoji="0" lang="de-DE" altLang="de-DE" sz="900" b="0" i="0" u="none" strike="noStrike" cap="none" normalizeH="0" baseline="0" dirty="0">
-                <a:ln>
-                  <a:noFill/>
-                </a:ln>
-                <a:solidFill>
-                  <a:srgbClr val="CF8E6D"/>
-                </a:solidFill>
-                <a:effectLst/>
-                <a:latin typeface="JetBrains Mono"/>
-              </a:rPr>
-              <a:t> </a:t>
-            </a:r>
-            <a:endParaRPr lang="de-AT" sz="900" dirty="0"/>
-          </a:p>
-        </p:txBody>
-      </p:sp>
       <p:pic>
         <p:nvPicPr>
           <p:cNvPr id="6" name="Grafik 5">
@@ -10386,6 +10276,121 @@
           </a:prstGeom>
         </p:spPr>
       </p:pic>
+      <p:sp>
+        <p:nvSpPr>
+          <p:cNvPr id="5" name="Fußzeilenplatzhalter 4">
+            <a:extLst>
+              <a:ext uri="{FF2B5EF4-FFF2-40B4-BE49-F238E27FC236}">
+                <a16:creationId xmlns:a16="http://schemas.microsoft.com/office/drawing/2014/main" id="{2D628356-843B-E4F9-B670-CEA257FE3A0E}"/>
+              </a:ext>
+            </a:extLst>
+          </p:cNvPr>
+          <p:cNvSpPr>
+            <a:spLocks noGrp="1"/>
+          </p:cNvSpPr>
+          <p:nvPr>
+            <p:ph type="ftr" sz="quarter" idx="11"/>
+          </p:nvPr>
+        </p:nvSpPr>
+        <p:spPr>
+          <a:xfrm>
+            <a:off x="838199" y="6477844"/>
+            <a:ext cx="10515599" cy="243631"/>
+          </a:xfrm>
+        </p:spPr>
+        <p:txBody>
+          <a:bodyPr/>
+          <a:lstStyle/>
+          <a:p>
+            <a:pPr algn="l"/>
+            <a:r>
+              <a:rPr kumimoji="0" lang="de-DE" altLang="de-DE" sz="900" i="0" u="none" strike="noStrike" cap="none" normalizeH="0" baseline="0" dirty="0">
+                <a:ln>
+                  <a:noFill/>
+                </a:ln>
+                <a:solidFill>
+                  <a:srgbClr val="CF8E6D"/>
+                </a:solidFill>
+                <a:effectLst/>
+                <a:latin typeface="+mj-lt"/>
+              </a:rPr>
+              <a:t>[7] </a:t>
+            </a:r>
+            <a:r>
+              <a:rPr kumimoji="0" lang="de-DE" altLang="de-DE" sz="900" i="0" u="none" strike="noStrike" cap="none" normalizeH="0" baseline="0" dirty="0">
+                <a:ln>
+                  <a:noFill/>
+                </a:ln>
+                <a:solidFill>
+                  <a:schemeClr val="tx2"/>
+                </a:solidFill>
+                <a:effectLst/>
+                <a:latin typeface="+mj-lt"/>
+              </a:rPr>
+              <a:t>Review</a:t>
+            </a:r>
+            <a:r>
+              <a:rPr lang="de-DE" altLang="de-DE" sz="900" dirty="0">
+                <a:solidFill>
+                  <a:schemeClr val="tx2"/>
+                </a:solidFill>
+                <a:latin typeface="+mj-lt"/>
+              </a:rPr>
+              <a:t> </a:t>
+            </a:r>
+            <a:r>
+              <a:rPr lang="de-DE" altLang="de-DE" sz="900" dirty="0" err="1">
+                <a:solidFill>
+                  <a:schemeClr val="tx2"/>
+                </a:solidFill>
+                <a:latin typeface="+mj-lt"/>
+              </a:rPr>
+              <a:t>paper</a:t>
+            </a:r>
+            <a:r>
+              <a:rPr kumimoji="0" lang="de-DE" altLang="de-DE" sz="900" i="0" u="none" strike="noStrike" cap="none" normalizeH="0" baseline="0" dirty="0">
+                <a:ln>
+                  <a:noFill/>
+                </a:ln>
+                <a:solidFill>
+                  <a:schemeClr val="tx2"/>
+                </a:solidFill>
+                <a:effectLst/>
+                <a:latin typeface="+mj-lt"/>
+              </a:rPr>
+              <a:t> 2010 (Bastian et.al.) </a:t>
+            </a:r>
+            <a:r>
+              <a:rPr lang="en-US" sz="900" dirty="0">
+                <a:solidFill>
+                  <a:schemeClr val="tx2"/>
+                </a:solidFill>
+                <a:latin typeface="+mj-lt"/>
+              </a:rPr>
+              <a:t>A Universal Stellar Initial Mass Function? A Critical Look at Variations</a:t>
+            </a:r>
+            <a:r>
+              <a:rPr kumimoji="0" lang="de-DE" altLang="de-DE" sz="900" i="0" u="none" strike="noStrike" cap="none" normalizeH="0" baseline="0" dirty="0">
+                <a:ln>
+                  <a:noFill/>
+                </a:ln>
+                <a:solidFill>
+                  <a:schemeClr val="tx2"/>
+                </a:solidFill>
+                <a:effectLst/>
+                <a:latin typeface="+mj-lt"/>
+              </a:rPr>
+              <a:t>  </a:t>
+            </a:r>
+            <a:endParaRPr lang="de-AT" sz="900" dirty="0">
+              <a:solidFill>
+                <a:schemeClr val="tx2"/>
+              </a:solidFill>
+              <a:latin typeface="+mj-lt"/>
+            </a:endParaRPr>
+          </a:p>
+        </p:txBody>
+      </p:sp>
     </p:spTree>
     <p:extLst>
       <p:ext uri="{BB962C8B-B14F-4D97-AF65-F5344CB8AC3E}">
@@ -10564,32 +10569,31 @@
       </p:pic>
       <p:sp>
         <p:nvSpPr>
-          <p:cNvPr id="6" name="Textfeld 5">
+          <p:cNvPr id="4" name="Fußzeilenplatzhalter 3">
             <a:extLst>
               <a:ext uri="{FF2B5EF4-FFF2-40B4-BE49-F238E27FC236}">
-                <a16:creationId xmlns:a16="http://schemas.microsoft.com/office/drawing/2014/main" id="{3566E439-CEB1-88CA-87E3-89516B7C0295}"/>
+                <a16:creationId xmlns:a16="http://schemas.microsoft.com/office/drawing/2014/main" id="{9E204592-ADFB-AFD2-8F98-774F14F11E7D}"/>
               </a:ext>
             </a:extLst>
           </p:cNvPr>
-          <p:cNvSpPr txBox="1"/>
-          <p:nvPr/>
+          <p:cNvSpPr>
+            <a:spLocks noGrp="1"/>
+          </p:cNvSpPr>
+          <p:nvPr>
+            <p:ph type="ftr" sz="quarter" idx="11"/>
+          </p:nvPr>
         </p:nvSpPr>
         <p:spPr>
           <a:xfrm>
-            <a:off x="838200" y="6362038"/>
-            <a:ext cx="5349551" cy="369332"/>
+            <a:off x="838199" y="6492874"/>
+            <a:ext cx="10515600" cy="203761"/>
           </a:xfrm>
-          <a:prstGeom prst="rect">
-            <a:avLst/>
-          </a:prstGeom>
-          <a:noFill/>
         </p:spPr>
         <p:txBody>
-          <a:bodyPr wrap="square" rtlCol="0">
-            <a:spAutoFit/>
-          </a:bodyPr>
+          <a:bodyPr/>
           <a:lstStyle/>
           <a:p>
+            <a:pPr algn="l"/>
             <a:r>
               <a:rPr kumimoji="0" lang="de-DE" altLang="de-DE" sz="900" b="0" i="0" u="none" strike="noStrike" cap="none" normalizeH="0" baseline="0" dirty="0">
                 <a:ln>
@@ -10599,7 +10603,7 @@
                   <a:srgbClr val="CF8E6D"/>
                 </a:solidFill>
                 <a:effectLst/>
-                <a:latin typeface="JetBrains Mono"/>
+                <a:latin typeface="+mj-lt"/>
               </a:rPr>
               <a:t>[8] </a:t>
             </a:r>
@@ -10608,14 +10612,20 @@
                 <a:ln>
                   <a:noFill/>
                 </a:ln>
-                <a:effectLst/>
-                <a:latin typeface="JetBrains Mono"/>
+                <a:solidFill>
+                  <a:schemeClr val="tx1"/>
+                </a:solidFill>
+                <a:effectLst/>
+                <a:latin typeface="+mj-lt"/>
               </a:rPr>
               <a:t>Paper 2013 (Habibi et. </a:t>
             </a:r>
             <a:r>
               <a:rPr lang="de-DE" altLang="de-DE" sz="900" dirty="0">
-                <a:latin typeface="JetBrains Mono"/>
+                <a:solidFill>
+                  <a:schemeClr val="tx1"/>
+                </a:solidFill>
+                <a:latin typeface="+mj-lt"/>
               </a:rPr>
               <a:t>a</a:t>
             </a:r>
@@ -10624,39 +10634,29 @@
                 <a:ln>
                   <a:noFill/>
                 </a:ln>
-                <a:effectLst/>
-                <a:latin typeface="JetBrains Mono"/>
+                <a:solidFill>
+                  <a:schemeClr val="tx1"/>
+                </a:solidFill>
+                <a:effectLst/>
+                <a:latin typeface="+mj-lt"/>
               </a:rPr>
               <a:t>l.) </a:t>
             </a:r>
             <a:r>
-              <a:rPr lang="en-US" sz="900" dirty="0"/>
-              <a:t>The Arches cluster out to its tidal radius: dynamical mass segregation and the effect of the extinction law on the stellar mass function?,??</a:t>
-            </a:r>
-            <a:r>
-              <a:rPr kumimoji="0" lang="de-DE" altLang="de-DE" sz="900" b="0" i="0" u="none" strike="noStrike" cap="none" normalizeH="0" baseline="0" dirty="0">
-                <a:ln>
-                  <a:noFill/>
-                </a:ln>
-                <a:effectLst/>
-                <a:latin typeface="JetBrains Mono"/>
-              </a:rPr>
-              <a:t>  </a:t>
-            </a:r>
-            <a:r>
-              <a:rPr kumimoji="0" lang="de-DE" altLang="de-DE" sz="900" b="0" i="0" u="none" strike="noStrike" cap="none" normalizeH="0" baseline="0" dirty="0">
-                <a:ln>
-                  <a:noFill/>
-                </a:ln>
-                <a:solidFill>
-                  <a:srgbClr val="CF8E6D"/>
-                </a:solidFill>
-                <a:effectLst/>
-                <a:latin typeface="JetBrains Mono"/>
-              </a:rPr>
-              <a:t> </a:t>
-            </a:r>
-            <a:endParaRPr lang="de-AT" sz="900" dirty="0"/>
+              <a:rPr lang="en-US" sz="900" dirty="0">
+                <a:solidFill>
+                  <a:schemeClr val="tx1"/>
+                </a:solidFill>
+                <a:latin typeface="+mj-lt"/>
+              </a:rPr>
+              <a:t>The Arches cluster out to its tidal radius: dynamical mass segregation and the effect of the extinction law on the stellar mass function</a:t>
+            </a:r>
+            <a:endParaRPr lang="de-AT" sz="900" dirty="0">
+              <a:solidFill>
+                <a:schemeClr val="tx1"/>
+              </a:solidFill>
+              <a:latin typeface="+mj-lt"/>
+            </a:endParaRPr>
           </a:p>
         </p:txBody>
       </p:sp>

--- a/imf_intro_chiara_felix_laxman.pptx
+++ b/imf_intro_chiara_felix_laxman.pptx
@@ -9601,7 +9601,7 @@
 </file>
 
 <file path=ppt/slides/slide6.xml><?xml version="1.0" encoding="utf-8"?>
-<p:sld xmlns:a="http://schemas.openxmlformats.org/drawingml/2006/main" xmlns:r="http://schemas.openxmlformats.org/officeDocument/2006/relationships" xmlns:p="http://schemas.openxmlformats.org/presentationml/2006/main" show="0">
+<p:sld xmlns:a="http://schemas.openxmlformats.org/drawingml/2006/main" xmlns:r="http://schemas.openxmlformats.org/officeDocument/2006/relationships" xmlns:p="http://schemas.openxmlformats.org/presentationml/2006/main">
   <p:cSld>
     <p:spTree>
       <p:nvGrpSpPr>
